--- a/lógica_de_programação.pptx
+++ b/lógica_de_programação.pptx
@@ -5,7 +5,7 @@
     <p:sldMasterId id="2147483672" r:id="rId1"/>
   </p:sldMasterIdLst>
   <p:notesMasterIdLst>
-    <p:notesMasterId r:id="rId40"/>
+    <p:notesMasterId r:id="rId49"/>
   </p:notesMasterIdLst>
   <p:sldIdLst>
     <p:sldId id="256" r:id="rId2"/>
@@ -46,21 +46,30 @@
     <p:sldId id="332" r:id="rId37"/>
     <p:sldId id="333" r:id="rId38"/>
     <p:sldId id="334" r:id="rId39"/>
+    <p:sldId id="335" r:id="rId40"/>
+    <p:sldId id="336" r:id="rId41"/>
+    <p:sldId id="337" r:id="rId42"/>
+    <p:sldId id="338" r:id="rId43"/>
+    <p:sldId id="339" r:id="rId44"/>
+    <p:sldId id="340" r:id="rId45"/>
+    <p:sldId id="341" r:id="rId46"/>
+    <p:sldId id="342" r:id="rId47"/>
+    <p:sldId id="343" r:id="rId48"/>
   </p:sldIdLst>
   <p:sldSz cx="9144000" cy="5143500" type="screen16x9"/>
   <p:notesSz cx="6858000" cy="9144000"/>
   <p:embeddedFontLst>
     <p:embeddedFont>
       <p:font typeface="Consolas" panose="020B0609020204030204" pitchFamily="49" charset="0"/>
-      <p:regular r:id="rId41"/>
-      <p:bold r:id="rId42"/>
-      <p:italic r:id="rId43"/>
-      <p:boldItalic r:id="rId44"/>
+      <p:regular r:id="rId50"/>
+      <p:bold r:id="rId51"/>
+      <p:italic r:id="rId52"/>
+      <p:boldItalic r:id="rId53"/>
     </p:embeddedFont>
     <p:embeddedFont>
       <p:font typeface="Fira Code" panose="020B0809050000020004" pitchFamily="49" charset="0"/>
-      <p:regular r:id="rId45"/>
-      <p:bold r:id="rId46"/>
+      <p:regular r:id="rId54"/>
+      <p:bold r:id="rId55"/>
     </p:embeddedFont>
   </p:embeddedFontLst>
   <p:defaultTextStyle>
@@ -335,6 +344,15 @@
             <p14:sldId id="332"/>
             <p14:sldId id="333"/>
             <p14:sldId id="334"/>
+            <p14:sldId id="335"/>
+            <p14:sldId id="336"/>
+            <p14:sldId id="337"/>
+            <p14:sldId id="338"/>
+            <p14:sldId id="339"/>
+            <p14:sldId id="340"/>
+            <p14:sldId id="341"/>
+            <p14:sldId id="342"/>
+            <p14:sldId id="343"/>
           </p14:sldIdLst>
         </p14:section>
         <p14:section name="Untitled Section" id="{0BD353A8-C9CD-42FB-B0E8-4E12EE6F900B}">
@@ -349,12 +367,20 @@
 </p:presentation>
 </file>
 
+<file path=ppt/revisionInfo.xml><?xml version="1.0" encoding="utf-8"?>
+<p1510:revInfo xmlns:a="http://schemas.openxmlformats.org/drawingml/2006/main" xmlns:r="http://schemas.openxmlformats.org/officeDocument/2006/relationships" xmlns:p1510="http://schemas.microsoft.com/office/powerpoint/2015/10/main">
+  <p1510:revLst>
+    <p1510:client id="{2A1D944C-C880-4A10-B58E-B4EE8449592D}" v="43" dt="2025-06-01T16:07:35.097"/>
+  </p1510:revLst>
+</p1510:revInfo>
+</file>
+
 <file path=ppt/changesInfos/changesInfo1.xml><?xml version="1.0" encoding="utf-8"?>
 <pc:chgInfo xmlns:a="http://schemas.openxmlformats.org/drawingml/2006/main" xmlns:r="http://schemas.openxmlformats.org/officeDocument/2006/relationships" xmlns:ac="http://schemas.microsoft.com/office/drawing/2013/main/command" xmlns:pc="http://schemas.microsoft.com/office/powerpoint/2013/main/command">
   <pc:docChgLst>
     <pc:chgData name="Matheus Gonçalves" userId="daa890474fb9f8ca" providerId="LiveId" clId="{2A1D944C-C880-4A10-B58E-B4EE8449592D}"/>
     <pc:docChg chg="undo redo custSel addSld delSld modSld sldOrd modSection">
-      <pc:chgData name="Matheus Gonçalves" userId="daa890474fb9f8ca" providerId="LiveId" clId="{2A1D944C-C880-4A10-B58E-B4EE8449592D}" dt="2025-05-21T14:21:24.193" v="2701" actId="403"/>
+      <pc:chgData name="Matheus Gonçalves" userId="daa890474fb9f8ca" providerId="LiveId" clId="{2A1D944C-C880-4A10-B58E-B4EE8449592D}" dt="2025-06-01T16:14:04.123" v="3508" actId="1076"/>
       <pc:docMkLst>
         <pc:docMk/>
       </pc:docMkLst>
@@ -1005,6 +1031,267 @@
           </ac:spMkLst>
         </pc:spChg>
       </pc:sldChg>
+      <pc:sldChg chg="modSp add del mod">
+        <pc:chgData name="Matheus Gonçalves" userId="daa890474fb9f8ca" providerId="LiveId" clId="{2A1D944C-C880-4A10-B58E-B4EE8449592D}" dt="2025-06-01T15:50:00.952" v="2854" actId="47"/>
+        <pc:sldMkLst>
+          <pc:docMk/>
+          <pc:sldMk cId="27888092" sldId="335"/>
+        </pc:sldMkLst>
+      </pc:sldChg>
+      <pc:sldChg chg="modSp add mod">
+        <pc:chgData name="Matheus Gonçalves" userId="daa890474fb9f8ca" providerId="LiveId" clId="{2A1D944C-C880-4A10-B58E-B4EE8449592D}" dt="2025-06-01T15:51:50.064" v="2993" actId="20577"/>
+        <pc:sldMkLst>
+          <pc:docMk/>
+          <pc:sldMk cId="931606601" sldId="335"/>
+        </pc:sldMkLst>
+        <pc:spChg chg="mod">
+          <ac:chgData name="Matheus Gonçalves" userId="daa890474fb9f8ca" providerId="LiveId" clId="{2A1D944C-C880-4A10-B58E-B4EE8449592D}" dt="2025-06-01T15:51:50.064" v="2993" actId="20577"/>
+          <ac:spMkLst>
+            <pc:docMk/>
+            <pc:sldMk cId="931606601" sldId="335"/>
+            <ac:spMk id="5" creationId="{0B75D7B8-92A3-C35B-ED2D-A0AFBA9033CA}"/>
+          </ac:spMkLst>
+        </pc:spChg>
+        <pc:spChg chg="mod">
+          <ac:chgData name="Matheus Gonçalves" userId="daa890474fb9f8ca" providerId="LiveId" clId="{2A1D944C-C880-4A10-B58E-B4EE8449592D}" dt="2025-06-01T15:50:43.502" v="2880" actId="20577"/>
+          <ac:spMkLst>
+            <pc:docMk/>
+            <pc:sldMk cId="931606601" sldId="335"/>
+            <ac:spMk id="500" creationId="{ED6E7A3B-1337-635B-5945-2EB8F3B7E1AD}"/>
+          </ac:spMkLst>
+        </pc:spChg>
+      </pc:sldChg>
+      <pc:sldChg chg="modSp add mod">
+        <pc:chgData name="Matheus Gonçalves" userId="daa890474fb9f8ca" providerId="LiveId" clId="{2A1D944C-C880-4A10-B58E-B4EE8449592D}" dt="2025-06-01T15:57:35.499" v="3098" actId="20577"/>
+        <pc:sldMkLst>
+          <pc:docMk/>
+          <pc:sldMk cId="2356691341" sldId="336"/>
+        </pc:sldMkLst>
+        <pc:spChg chg="mod">
+          <ac:chgData name="Matheus Gonçalves" userId="daa890474fb9f8ca" providerId="LiveId" clId="{2A1D944C-C880-4A10-B58E-B4EE8449592D}" dt="2025-06-01T15:57:35.499" v="3098" actId="20577"/>
+          <ac:spMkLst>
+            <pc:docMk/>
+            <pc:sldMk cId="2356691341" sldId="336"/>
+            <ac:spMk id="5" creationId="{9E726DA0-C2BF-C944-6418-571920AADC03}"/>
+          </ac:spMkLst>
+        </pc:spChg>
+        <pc:spChg chg="mod">
+          <ac:chgData name="Matheus Gonçalves" userId="daa890474fb9f8ca" providerId="LiveId" clId="{2A1D944C-C880-4A10-B58E-B4EE8449592D}" dt="2025-06-01T15:52:18.349" v="3012" actId="20577"/>
+          <ac:spMkLst>
+            <pc:docMk/>
+            <pc:sldMk cId="2356691341" sldId="336"/>
+            <ac:spMk id="500" creationId="{79BB7070-2121-99AE-CD32-195FA28319EE}"/>
+          </ac:spMkLst>
+        </pc:spChg>
+      </pc:sldChg>
+      <pc:sldChg chg="modSp add mod">
+        <pc:chgData name="Matheus Gonçalves" userId="daa890474fb9f8ca" providerId="LiveId" clId="{2A1D944C-C880-4A10-B58E-B4EE8449592D}" dt="2025-06-01T15:57:30.001" v="3095" actId="20577"/>
+        <pc:sldMkLst>
+          <pc:docMk/>
+          <pc:sldMk cId="3351571233" sldId="337"/>
+        </pc:sldMkLst>
+        <pc:spChg chg="mod">
+          <ac:chgData name="Matheus Gonçalves" userId="daa890474fb9f8ca" providerId="LiveId" clId="{2A1D944C-C880-4A10-B58E-B4EE8449592D}" dt="2025-06-01T15:57:30.001" v="3095" actId="20577"/>
+          <ac:spMkLst>
+            <pc:docMk/>
+            <pc:sldMk cId="3351571233" sldId="337"/>
+            <ac:spMk id="5" creationId="{EEB65E00-6D3E-E444-1CEF-B4F576C7CBD6}"/>
+          </ac:spMkLst>
+        </pc:spChg>
+        <pc:spChg chg="mod">
+          <ac:chgData name="Matheus Gonçalves" userId="daa890474fb9f8ca" providerId="LiveId" clId="{2A1D944C-C880-4A10-B58E-B4EE8449592D}" dt="2025-06-01T15:54:15.391" v="3059" actId="20577"/>
+          <ac:spMkLst>
+            <pc:docMk/>
+            <pc:sldMk cId="3351571233" sldId="337"/>
+            <ac:spMk id="500" creationId="{B0308406-1419-B107-4024-33A10274894E}"/>
+          </ac:spMkLst>
+        </pc:spChg>
+      </pc:sldChg>
+      <pc:sldChg chg="modSp add mod">
+        <pc:chgData name="Matheus Gonçalves" userId="daa890474fb9f8ca" providerId="LiveId" clId="{2A1D944C-C880-4A10-B58E-B4EE8449592D}" dt="2025-06-01T15:57:23.129" v="3092" actId="20577"/>
+        <pc:sldMkLst>
+          <pc:docMk/>
+          <pc:sldMk cId="1271975238" sldId="338"/>
+        </pc:sldMkLst>
+        <pc:spChg chg="mod">
+          <ac:chgData name="Matheus Gonçalves" userId="daa890474fb9f8ca" providerId="LiveId" clId="{2A1D944C-C880-4A10-B58E-B4EE8449592D}" dt="2025-06-01T15:57:23.129" v="3092" actId="20577"/>
+          <ac:spMkLst>
+            <pc:docMk/>
+            <pc:sldMk cId="1271975238" sldId="338"/>
+            <ac:spMk id="5" creationId="{DCB28C73-834D-DADE-8637-CA217E4A6B04}"/>
+          </ac:spMkLst>
+        </pc:spChg>
+        <pc:spChg chg="mod">
+          <ac:chgData name="Matheus Gonçalves" userId="daa890474fb9f8ca" providerId="LiveId" clId="{2A1D944C-C880-4A10-B58E-B4EE8449592D}" dt="2025-06-01T15:56:41.341" v="3074"/>
+          <ac:spMkLst>
+            <pc:docMk/>
+            <pc:sldMk cId="1271975238" sldId="338"/>
+            <ac:spMk id="500" creationId="{41894D91-52C6-5DF3-066A-BD47E487A650}"/>
+          </ac:spMkLst>
+        </pc:spChg>
+      </pc:sldChg>
+      <pc:sldChg chg="addSp delSp modSp add mod">
+        <pc:chgData name="Matheus Gonçalves" userId="daa890474fb9f8ca" providerId="LiveId" clId="{2A1D944C-C880-4A10-B58E-B4EE8449592D}" dt="2025-06-01T16:02:20.240" v="3131" actId="1076"/>
+        <pc:sldMkLst>
+          <pc:docMk/>
+          <pc:sldMk cId="3986099386" sldId="339"/>
+        </pc:sldMkLst>
+        <pc:spChg chg="add del mod">
+          <ac:chgData name="Matheus Gonçalves" userId="daa890474fb9f8ca" providerId="LiveId" clId="{2A1D944C-C880-4A10-B58E-B4EE8449592D}" dt="2025-06-01T15:59:09.067" v="3101" actId="478"/>
+          <ac:spMkLst>
+            <pc:docMk/>
+            <pc:sldMk cId="3986099386" sldId="339"/>
+            <ac:spMk id="3" creationId="{BB956DF3-C2C2-8274-0F8A-6B6CE9495ACE}"/>
+          </ac:spMkLst>
+        </pc:spChg>
+        <pc:spChg chg="del">
+          <ac:chgData name="Matheus Gonçalves" userId="daa890474fb9f8ca" providerId="LiveId" clId="{2A1D944C-C880-4A10-B58E-B4EE8449592D}" dt="2025-06-01T15:59:07.235" v="3100" actId="478"/>
+          <ac:spMkLst>
+            <pc:docMk/>
+            <pc:sldMk cId="3986099386" sldId="339"/>
+            <ac:spMk id="5" creationId="{E9D34B14-46FB-423B-62FB-02D73406219E}"/>
+          </ac:spMkLst>
+        </pc:spChg>
+        <pc:picChg chg="add del mod">
+          <ac:chgData name="Matheus Gonçalves" userId="daa890474fb9f8ca" providerId="LiveId" clId="{2A1D944C-C880-4A10-B58E-B4EE8449592D}" dt="2025-06-01T16:02:16.899" v="3130" actId="1076"/>
+          <ac:picMkLst>
+            <pc:docMk/>
+            <pc:sldMk cId="3986099386" sldId="339"/>
+            <ac:picMk id="1026" creationId="{0626CF60-6242-D8F5-50E9-4FD5AB5F22A5}"/>
+          </ac:picMkLst>
+        </pc:picChg>
+        <pc:picChg chg="add del mod">
+          <ac:chgData name="Matheus Gonçalves" userId="daa890474fb9f8ca" providerId="LiveId" clId="{2A1D944C-C880-4A10-B58E-B4EE8449592D}" dt="2025-06-01T16:00:25.358" v="3109" actId="478"/>
+          <ac:picMkLst>
+            <pc:docMk/>
+            <pc:sldMk cId="3986099386" sldId="339"/>
+            <ac:picMk id="1028" creationId="{E98644A3-CE14-C39E-107D-2F9DF11FCFB0}"/>
+          </ac:picMkLst>
+        </pc:picChg>
+        <pc:picChg chg="add mod">
+          <ac:chgData name="Matheus Gonçalves" userId="daa890474fb9f8ca" providerId="LiveId" clId="{2A1D944C-C880-4A10-B58E-B4EE8449592D}" dt="2025-06-01T16:02:20.240" v="3131" actId="1076"/>
+          <ac:picMkLst>
+            <pc:docMk/>
+            <pc:sldMk cId="3986099386" sldId="339"/>
+            <ac:picMk id="1030" creationId="{D603175E-F6A1-E47D-8D3D-E4C53400C99B}"/>
+          </ac:picMkLst>
+        </pc:picChg>
+      </pc:sldChg>
+      <pc:sldChg chg="modSp add mod ord">
+        <pc:chgData name="Matheus Gonçalves" userId="daa890474fb9f8ca" providerId="LiveId" clId="{2A1D944C-C880-4A10-B58E-B4EE8449592D}" dt="2025-06-01T16:03:31.633" v="3158" actId="20577"/>
+        <pc:sldMkLst>
+          <pc:docMk/>
+          <pc:sldMk cId="587806680" sldId="340"/>
+        </pc:sldMkLst>
+        <pc:spChg chg="mod">
+          <ac:chgData name="Matheus Gonçalves" userId="daa890474fb9f8ca" providerId="LiveId" clId="{2A1D944C-C880-4A10-B58E-B4EE8449592D}" dt="2025-06-01T16:03:31.633" v="3158" actId="20577"/>
+          <ac:spMkLst>
+            <pc:docMk/>
+            <pc:sldMk cId="587806680" sldId="340"/>
+            <ac:spMk id="5" creationId="{061CD020-C4B5-56FB-7EAE-5F393D1993D6}"/>
+          </ac:spMkLst>
+        </pc:spChg>
+        <pc:spChg chg="mod">
+          <ac:chgData name="Matheus Gonçalves" userId="daa890474fb9f8ca" providerId="LiveId" clId="{2A1D944C-C880-4A10-B58E-B4EE8449592D}" dt="2025-06-01T16:03:13.367" v="3152" actId="20577"/>
+          <ac:spMkLst>
+            <pc:docMk/>
+            <pc:sldMk cId="587806680" sldId="340"/>
+            <ac:spMk id="500" creationId="{723FEAD3-2CE9-DE70-956D-717AE1E8ECCC}"/>
+          </ac:spMkLst>
+        </pc:spChg>
+      </pc:sldChg>
+      <pc:sldChg chg="addSp delSp modSp add mod">
+        <pc:chgData name="Matheus Gonçalves" userId="daa890474fb9f8ca" providerId="LiveId" clId="{2A1D944C-C880-4A10-B58E-B4EE8449592D}" dt="2025-06-01T16:05:34.990" v="3170" actId="1076"/>
+        <pc:sldMkLst>
+          <pc:docMk/>
+          <pc:sldMk cId="1345847027" sldId="341"/>
+        </pc:sldMkLst>
+        <pc:spChg chg="add del mod">
+          <ac:chgData name="Matheus Gonçalves" userId="daa890474fb9f8ca" providerId="LiveId" clId="{2A1D944C-C880-4A10-B58E-B4EE8449592D}" dt="2025-06-01T16:03:48.060" v="3161" actId="478"/>
+          <ac:spMkLst>
+            <pc:docMk/>
+            <pc:sldMk cId="1345847027" sldId="341"/>
+            <ac:spMk id="3" creationId="{3FE3DB95-8C41-EEB5-1F75-2D64D0C86251}"/>
+          </ac:spMkLst>
+        </pc:spChg>
+        <pc:spChg chg="del">
+          <ac:chgData name="Matheus Gonçalves" userId="daa890474fb9f8ca" providerId="LiveId" clId="{2A1D944C-C880-4A10-B58E-B4EE8449592D}" dt="2025-06-01T16:03:44.982" v="3160" actId="478"/>
+          <ac:spMkLst>
+            <pc:docMk/>
+            <pc:sldMk cId="1345847027" sldId="341"/>
+            <ac:spMk id="5" creationId="{489AB400-4726-831B-DB92-D045FCBB0124}"/>
+          </ac:spMkLst>
+        </pc:spChg>
+        <pc:picChg chg="add del mod">
+          <ac:chgData name="Matheus Gonçalves" userId="daa890474fb9f8ca" providerId="LiveId" clId="{2A1D944C-C880-4A10-B58E-B4EE8449592D}" dt="2025-06-01T16:05:27.835" v="3167" actId="478"/>
+          <ac:picMkLst>
+            <pc:docMk/>
+            <pc:sldMk cId="1345847027" sldId="341"/>
+            <ac:picMk id="2050" creationId="{827734A3-E72B-B8B6-4EFA-85913580EE5B}"/>
+          </ac:picMkLst>
+        </pc:picChg>
+        <pc:picChg chg="add mod">
+          <ac:chgData name="Matheus Gonçalves" userId="daa890474fb9f8ca" providerId="LiveId" clId="{2A1D944C-C880-4A10-B58E-B4EE8449592D}" dt="2025-06-01T16:05:34.990" v="3170" actId="1076"/>
+          <ac:picMkLst>
+            <pc:docMk/>
+            <pc:sldMk cId="1345847027" sldId="341"/>
+            <ac:picMk id="2052" creationId="{6F429A15-C751-674C-1FCE-B56D6DBBFC09}"/>
+          </ac:picMkLst>
+        </pc:picChg>
+      </pc:sldChg>
+      <pc:sldChg chg="add del">
+        <pc:chgData name="Matheus Gonçalves" userId="daa890474fb9f8ca" providerId="LiveId" clId="{2A1D944C-C880-4A10-B58E-B4EE8449592D}" dt="2025-06-01T16:06:07.458" v="3172" actId="47"/>
+        <pc:sldMkLst>
+          <pc:docMk/>
+          <pc:sldMk cId="1104057026" sldId="342"/>
+        </pc:sldMkLst>
+      </pc:sldChg>
+      <pc:sldChg chg="modSp add mod ord">
+        <pc:chgData name="Matheus Gonçalves" userId="daa890474fb9f8ca" providerId="LiveId" clId="{2A1D944C-C880-4A10-B58E-B4EE8449592D}" dt="2025-06-01T16:08:03.256" v="3274" actId="20577"/>
+        <pc:sldMkLst>
+          <pc:docMk/>
+          <pc:sldMk cId="1264495057" sldId="342"/>
+        </pc:sldMkLst>
+        <pc:spChg chg="mod">
+          <ac:chgData name="Matheus Gonçalves" userId="daa890474fb9f8ca" providerId="LiveId" clId="{2A1D944C-C880-4A10-B58E-B4EE8449592D}" dt="2025-06-01T16:08:03.256" v="3274" actId="20577"/>
+          <ac:spMkLst>
+            <pc:docMk/>
+            <pc:sldMk cId="1264495057" sldId="342"/>
+            <ac:spMk id="5" creationId="{DDDCEA56-5C31-F350-17F8-21089B9D63C1}"/>
+          </ac:spMkLst>
+        </pc:spChg>
+        <pc:spChg chg="mod">
+          <ac:chgData name="Matheus Gonçalves" userId="daa890474fb9f8ca" providerId="LiveId" clId="{2A1D944C-C880-4A10-B58E-B4EE8449592D}" dt="2025-06-01T16:07:22.874" v="3254" actId="20577"/>
+          <ac:spMkLst>
+            <pc:docMk/>
+            <pc:sldMk cId="1264495057" sldId="342"/>
+            <ac:spMk id="500" creationId="{3B24312E-C42F-BD7D-035F-59F616ED799A}"/>
+          </ac:spMkLst>
+        </pc:spChg>
+      </pc:sldChg>
+      <pc:sldChg chg="modSp add mod">
+        <pc:chgData name="Matheus Gonçalves" userId="daa890474fb9f8ca" providerId="LiveId" clId="{2A1D944C-C880-4A10-B58E-B4EE8449592D}" dt="2025-06-01T16:14:04.123" v="3508" actId="1076"/>
+        <pc:sldMkLst>
+          <pc:docMk/>
+          <pc:sldMk cId="2771276361" sldId="343"/>
+        </pc:sldMkLst>
+        <pc:spChg chg="mod">
+          <ac:chgData name="Matheus Gonçalves" userId="daa890474fb9f8ca" providerId="LiveId" clId="{2A1D944C-C880-4A10-B58E-B4EE8449592D}" dt="2025-06-01T16:14:04.123" v="3508" actId="1076"/>
+          <ac:spMkLst>
+            <pc:docMk/>
+            <pc:sldMk cId="2771276361" sldId="343"/>
+            <ac:spMk id="5" creationId="{2BB9BA9A-EC76-EBE4-370D-65F93AA48238}"/>
+          </ac:spMkLst>
+        </pc:spChg>
+        <pc:spChg chg="mod">
+          <ac:chgData name="Matheus Gonçalves" userId="daa890474fb9f8ca" providerId="LiveId" clId="{2A1D944C-C880-4A10-B58E-B4EE8449592D}" dt="2025-06-01T16:11:38.916" v="3286" actId="20577"/>
+          <ac:spMkLst>
+            <pc:docMk/>
+            <pc:sldMk cId="2771276361" sldId="343"/>
+            <ac:spMk id="500" creationId="{829117B6-F589-E1AC-5623-222136EADEE6}"/>
+          </ac:spMkLst>
+        </pc:spChg>
+      </pc:sldChg>
     </pc:docChg>
   </pc:docChgLst>
 </pc:chgInfo>
@@ -5446,6 +5733,133 @@
 </p:notes>
 </file>
 
+<file path=ppt/notesSlides/notesSlide39.xml><?xml version="1.0" encoding="utf-8"?>
+<p:notes xmlns:a="http://schemas.openxmlformats.org/drawingml/2006/main" xmlns:r="http://schemas.openxmlformats.org/officeDocument/2006/relationships" xmlns:p="http://schemas.openxmlformats.org/presentationml/2006/main" showMasterSp="0" showMasterPhAnim="0">
+  <p:cSld>
+    <p:spTree>
+      <p:nvGrpSpPr>
+        <p:cNvPr id="1" name="Shape 496">
+          <a:extLst>
+            <a:ext uri="{FF2B5EF4-FFF2-40B4-BE49-F238E27FC236}">
+              <a16:creationId xmlns:a16="http://schemas.microsoft.com/office/drawing/2014/main" id="{F88DD7E6-23D3-8810-E7CA-18163BCA83B9}"/>
+            </a:ext>
+          </a:extLst>
+        </p:cNvPr>
+        <p:cNvGrpSpPr/>
+        <p:nvPr/>
+      </p:nvGrpSpPr>
+      <p:grpSpPr>
+        <a:xfrm>
+          <a:off x="0" y="0"/>
+          <a:ext cx="0" cy="0"/>
+          <a:chOff x="0" y="0"/>
+          <a:chExt cx="0" cy="0"/>
+        </a:xfrm>
+      </p:grpSpPr>
+      <p:sp>
+        <p:nvSpPr>
+          <p:cNvPr id="497" name="Google Shape;497;ge7f9c668d6_0_6:notes">
+            <a:extLst>
+              <a:ext uri="{FF2B5EF4-FFF2-40B4-BE49-F238E27FC236}">
+                <a16:creationId xmlns:a16="http://schemas.microsoft.com/office/drawing/2014/main" id="{B11E96DD-B43A-633D-B663-4CD8E9CF51DF}"/>
+              </a:ext>
+            </a:extLst>
+          </p:cNvPr>
+          <p:cNvSpPr>
+            <a:spLocks noGrp="1" noRot="1" noChangeAspect="1"/>
+          </p:cNvSpPr>
+          <p:nvPr>
+            <p:ph type="sldImg" idx="2"/>
+          </p:nvPr>
+        </p:nvSpPr>
+        <p:spPr>
+          <a:xfrm>
+            <a:off x="381000" y="685800"/>
+            <a:ext cx="6096000" cy="3429000"/>
+          </a:xfrm>
+          <a:custGeom>
+            <a:avLst/>
+            <a:gdLst/>
+            <a:ahLst/>
+            <a:cxnLst/>
+            <a:rect l="l" t="t" r="r" b="b"/>
+            <a:pathLst>
+              <a:path w="120000" h="120000" extrusionOk="0">
+                <a:moveTo>
+                  <a:pt x="0" y="0"/>
+                </a:moveTo>
+                <a:lnTo>
+                  <a:pt x="120000" y="0"/>
+                </a:lnTo>
+                <a:lnTo>
+                  <a:pt x="120000" y="120000"/>
+                </a:lnTo>
+                <a:lnTo>
+                  <a:pt x="0" y="120000"/>
+                </a:lnTo>
+                <a:close/>
+              </a:path>
+            </a:pathLst>
+          </a:custGeom>
+        </p:spPr>
+      </p:sp>
+      <p:sp>
+        <p:nvSpPr>
+          <p:cNvPr id="498" name="Google Shape;498;ge7f9c668d6_0_6:notes">
+            <a:extLst>
+              <a:ext uri="{FF2B5EF4-FFF2-40B4-BE49-F238E27FC236}">
+                <a16:creationId xmlns:a16="http://schemas.microsoft.com/office/drawing/2014/main" id="{866B1B33-1F18-FAD7-8439-3AE9E4FA7349}"/>
+              </a:ext>
+            </a:extLst>
+          </p:cNvPr>
+          <p:cNvSpPr txBox="1">
+            <a:spLocks noGrp="1"/>
+          </p:cNvSpPr>
+          <p:nvPr>
+            <p:ph type="body" idx="1"/>
+          </p:nvPr>
+        </p:nvSpPr>
+        <p:spPr>
+          <a:xfrm>
+            <a:off x="685800" y="4343400"/>
+            <a:ext cx="5486400" cy="4114800"/>
+          </a:xfrm>
+          <a:prstGeom prst="rect">
+            <a:avLst/>
+          </a:prstGeom>
+        </p:spPr>
+        <p:txBody>
+          <a:bodyPr spcFirstLastPara="1" wrap="square" lIns="91425" tIns="91425" rIns="91425" bIns="91425" anchor="t" anchorCtr="0">
+            <a:noAutofit/>
+          </a:bodyPr>
+          <a:lstStyle/>
+          <a:p>
+            <a:pPr marL="0" lvl="0" indent="0" algn="l" rtl="0">
+              <a:spcBef>
+                <a:spcPts val="0"/>
+              </a:spcBef>
+              <a:spcAft>
+                <a:spcPts val="0"/>
+              </a:spcAft>
+              <a:buNone/>
+            </a:pPr>
+            <a:endParaRPr/>
+          </a:p>
+        </p:txBody>
+      </p:sp>
+    </p:spTree>
+    <p:extLst>
+      <p:ext uri="{BB962C8B-B14F-4D97-AF65-F5344CB8AC3E}">
+        <p14:creationId xmlns:p14="http://schemas.microsoft.com/office/powerpoint/2010/main" val="985547674"/>
+      </p:ext>
+    </p:extLst>
+  </p:cSld>
+  <p:clrMapOvr>
+    <a:masterClrMapping/>
+  </p:clrMapOvr>
+</p:notes>
+</file>
+
 <file path=ppt/notesSlides/notesSlide4.xml><?xml version="1.0" encoding="utf-8"?>
 <p:notes xmlns:a="http://schemas.openxmlformats.org/drawingml/2006/main" xmlns:r="http://schemas.openxmlformats.org/officeDocument/2006/relationships" xmlns:p="http://schemas.openxmlformats.org/presentationml/2006/main" showMasterSp="0" showMasterPhAnim="0">
   <p:cSld>
@@ -5543,6 +5957,1022 @@
         </p:txBody>
       </p:sp>
     </p:spTree>
+  </p:cSld>
+  <p:clrMapOvr>
+    <a:masterClrMapping/>
+  </p:clrMapOvr>
+</p:notes>
+</file>
+
+<file path=ppt/notesSlides/notesSlide40.xml><?xml version="1.0" encoding="utf-8"?>
+<p:notes xmlns:a="http://schemas.openxmlformats.org/drawingml/2006/main" xmlns:r="http://schemas.openxmlformats.org/officeDocument/2006/relationships" xmlns:p="http://schemas.openxmlformats.org/presentationml/2006/main" showMasterSp="0" showMasterPhAnim="0">
+  <p:cSld>
+    <p:spTree>
+      <p:nvGrpSpPr>
+        <p:cNvPr id="1" name="Shape 496">
+          <a:extLst>
+            <a:ext uri="{FF2B5EF4-FFF2-40B4-BE49-F238E27FC236}">
+              <a16:creationId xmlns:a16="http://schemas.microsoft.com/office/drawing/2014/main" id="{D957778B-D660-2C37-323D-707930634624}"/>
+            </a:ext>
+          </a:extLst>
+        </p:cNvPr>
+        <p:cNvGrpSpPr/>
+        <p:nvPr/>
+      </p:nvGrpSpPr>
+      <p:grpSpPr>
+        <a:xfrm>
+          <a:off x="0" y="0"/>
+          <a:ext cx="0" cy="0"/>
+          <a:chOff x="0" y="0"/>
+          <a:chExt cx="0" cy="0"/>
+        </a:xfrm>
+      </p:grpSpPr>
+      <p:sp>
+        <p:nvSpPr>
+          <p:cNvPr id="497" name="Google Shape;497;ge7f9c668d6_0_6:notes">
+            <a:extLst>
+              <a:ext uri="{FF2B5EF4-FFF2-40B4-BE49-F238E27FC236}">
+                <a16:creationId xmlns:a16="http://schemas.microsoft.com/office/drawing/2014/main" id="{71D59A38-435C-6145-9138-EA6F144C1ECD}"/>
+              </a:ext>
+            </a:extLst>
+          </p:cNvPr>
+          <p:cNvSpPr>
+            <a:spLocks noGrp="1" noRot="1" noChangeAspect="1"/>
+          </p:cNvSpPr>
+          <p:nvPr>
+            <p:ph type="sldImg" idx="2"/>
+          </p:nvPr>
+        </p:nvSpPr>
+        <p:spPr>
+          <a:xfrm>
+            <a:off x="381000" y="685800"/>
+            <a:ext cx="6096000" cy="3429000"/>
+          </a:xfrm>
+          <a:custGeom>
+            <a:avLst/>
+            <a:gdLst/>
+            <a:ahLst/>
+            <a:cxnLst/>
+            <a:rect l="l" t="t" r="r" b="b"/>
+            <a:pathLst>
+              <a:path w="120000" h="120000" extrusionOk="0">
+                <a:moveTo>
+                  <a:pt x="0" y="0"/>
+                </a:moveTo>
+                <a:lnTo>
+                  <a:pt x="120000" y="0"/>
+                </a:lnTo>
+                <a:lnTo>
+                  <a:pt x="120000" y="120000"/>
+                </a:lnTo>
+                <a:lnTo>
+                  <a:pt x="0" y="120000"/>
+                </a:lnTo>
+                <a:close/>
+              </a:path>
+            </a:pathLst>
+          </a:custGeom>
+        </p:spPr>
+      </p:sp>
+      <p:sp>
+        <p:nvSpPr>
+          <p:cNvPr id="498" name="Google Shape;498;ge7f9c668d6_0_6:notes">
+            <a:extLst>
+              <a:ext uri="{FF2B5EF4-FFF2-40B4-BE49-F238E27FC236}">
+                <a16:creationId xmlns:a16="http://schemas.microsoft.com/office/drawing/2014/main" id="{16EB4082-1E7B-D6FD-263F-CC675A32ED2D}"/>
+              </a:ext>
+            </a:extLst>
+          </p:cNvPr>
+          <p:cNvSpPr txBox="1">
+            <a:spLocks noGrp="1"/>
+          </p:cNvSpPr>
+          <p:nvPr>
+            <p:ph type="body" idx="1"/>
+          </p:nvPr>
+        </p:nvSpPr>
+        <p:spPr>
+          <a:xfrm>
+            <a:off x="685800" y="4343400"/>
+            <a:ext cx="5486400" cy="4114800"/>
+          </a:xfrm>
+          <a:prstGeom prst="rect">
+            <a:avLst/>
+          </a:prstGeom>
+        </p:spPr>
+        <p:txBody>
+          <a:bodyPr spcFirstLastPara="1" wrap="square" lIns="91425" tIns="91425" rIns="91425" bIns="91425" anchor="t" anchorCtr="0">
+            <a:noAutofit/>
+          </a:bodyPr>
+          <a:lstStyle/>
+          <a:p>
+            <a:pPr marL="0" lvl="0" indent="0" algn="l" rtl="0">
+              <a:spcBef>
+                <a:spcPts val="0"/>
+              </a:spcBef>
+              <a:spcAft>
+                <a:spcPts val="0"/>
+              </a:spcAft>
+              <a:buNone/>
+            </a:pPr>
+            <a:endParaRPr/>
+          </a:p>
+        </p:txBody>
+      </p:sp>
+    </p:spTree>
+    <p:extLst>
+      <p:ext uri="{BB962C8B-B14F-4D97-AF65-F5344CB8AC3E}">
+        <p14:creationId xmlns:p14="http://schemas.microsoft.com/office/powerpoint/2010/main" val="3977281571"/>
+      </p:ext>
+    </p:extLst>
+  </p:cSld>
+  <p:clrMapOvr>
+    <a:masterClrMapping/>
+  </p:clrMapOvr>
+</p:notes>
+</file>
+
+<file path=ppt/notesSlides/notesSlide41.xml><?xml version="1.0" encoding="utf-8"?>
+<p:notes xmlns:a="http://schemas.openxmlformats.org/drawingml/2006/main" xmlns:r="http://schemas.openxmlformats.org/officeDocument/2006/relationships" xmlns:p="http://schemas.openxmlformats.org/presentationml/2006/main" showMasterSp="0" showMasterPhAnim="0">
+  <p:cSld>
+    <p:spTree>
+      <p:nvGrpSpPr>
+        <p:cNvPr id="1" name="Shape 496">
+          <a:extLst>
+            <a:ext uri="{FF2B5EF4-FFF2-40B4-BE49-F238E27FC236}">
+              <a16:creationId xmlns:a16="http://schemas.microsoft.com/office/drawing/2014/main" id="{75E900E5-2C6B-05E9-1751-B62ECAD9128D}"/>
+            </a:ext>
+          </a:extLst>
+        </p:cNvPr>
+        <p:cNvGrpSpPr/>
+        <p:nvPr/>
+      </p:nvGrpSpPr>
+      <p:grpSpPr>
+        <a:xfrm>
+          <a:off x="0" y="0"/>
+          <a:ext cx="0" cy="0"/>
+          <a:chOff x="0" y="0"/>
+          <a:chExt cx="0" cy="0"/>
+        </a:xfrm>
+      </p:grpSpPr>
+      <p:sp>
+        <p:nvSpPr>
+          <p:cNvPr id="497" name="Google Shape;497;ge7f9c668d6_0_6:notes">
+            <a:extLst>
+              <a:ext uri="{FF2B5EF4-FFF2-40B4-BE49-F238E27FC236}">
+                <a16:creationId xmlns:a16="http://schemas.microsoft.com/office/drawing/2014/main" id="{77219403-BA1A-3E5D-F553-EE2D3AF57094}"/>
+              </a:ext>
+            </a:extLst>
+          </p:cNvPr>
+          <p:cNvSpPr>
+            <a:spLocks noGrp="1" noRot="1" noChangeAspect="1"/>
+          </p:cNvSpPr>
+          <p:nvPr>
+            <p:ph type="sldImg" idx="2"/>
+          </p:nvPr>
+        </p:nvSpPr>
+        <p:spPr>
+          <a:xfrm>
+            <a:off x="381000" y="685800"/>
+            <a:ext cx="6096000" cy="3429000"/>
+          </a:xfrm>
+          <a:custGeom>
+            <a:avLst/>
+            <a:gdLst/>
+            <a:ahLst/>
+            <a:cxnLst/>
+            <a:rect l="l" t="t" r="r" b="b"/>
+            <a:pathLst>
+              <a:path w="120000" h="120000" extrusionOk="0">
+                <a:moveTo>
+                  <a:pt x="0" y="0"/>
+                </a:moveTo>
+                <a:lnTo>
+                  <a:pt x="120000" y="0"/>
+                </a:lnTo>
+                <a:lnTo>
+                  <a:pt x="120000" y="120000"/>
+                </a:lnTo>
+                <a:lnTo>
+                  <a:pt x="0" y="120000"/>
+                </a:lnTo>
+                <a:close/>
+              </a:path>
+            </a:pathLst>
+          </a:custGeom>
+        </p:spPr>
+      </p:sp>
+      <p:sp>
+        <p:nvSpPr>
+          <p:cNvPr id="498" name="Google Shape;498;ge7f9c668d6_0_6:notes">
+            <a:extLst>
+              <a:ext uri="{FF2B5EF4-FFF2-40B4-BE49-F238E27FC236}">
+                <a16:creationId xmlns:a16="http://schemas.microsoft.com/office/drawing/2014/main" id="{0D483838-569E-84C6-9176-7D3B56AC49B4}"/>
+              </a:ext>
+            </a:extLst>
+          </p:cNvPr>
+          <p:cNvSpPr txBox="1">
+            <a:spLocks noGrp="1"/>
+          </p:cNvSpPr>
+          <p:nvPr>
+            <p:ph type="body" idx="1"/>
+          </p:nvPr>
+        </p:nvSpPr>
+        <p:spPr>
+          <a:xfrm>
+            <a:off x="685800" y="4343400"/>
+            <a:ext cx="5486400" cy="4114800"/>
+          </a:xfrm>
+          <a:prstGeom prst="rect">
+            <a:avLst/>
+          </a:prstGeom>
+        </p:spPr>
+        <p:txBody>
+          <a:bodyPr spcFirstLastPara="1" wrap="square" lIns="91425" tIns="91425" rIns="91425" bIns="91425" anchor="t" anchorCtr="0">
+            <a:noAutofit/>
+          </a:bodyPr>
+          <a:lstStyle/>
+          <a:p>
+            <a:pPr marL="0" lvl="0" indent="0" algn="l" rtl="0">
+              <a:spcBef>
+                <a:spcPts val="0"/>
+              </a:spcBef>
+              <a:spcAft>
+                <a:spcPts val="0"/>
+              </a:spcAft>
+              <a:buNone/>
+            </a:pPr>
+            <a:endParaRPr/>
+          </a:p>
+        </p:txBody>
+      </p:sp>
+    </p:spTree>
+    <p:extLst>
+      <p:ext uri="{BB962C8B-B14F-4D97-AF65-F5344CB8AC3E}">
+        <p14:creationId xmlns:p14="http://schemas.microsoft.com/office/powerpoint/2010/main" val="312691703"/>
+      </p:ext>
+    </p:extLst>
+  </p:cSld>
+  <p:clrMapOvr>
+    <a:masterClrMapping/>
+  </p:clrMapOvr>
+</p:notes>
+</file>
+
+<file path=ppt/notesSlides/notesSlide42.xml><?xml version="1.0" encoding="utf-8"?>
+<p:notes xmlns:a="http://schemas.openxmlformats.org/drawingml/2006/main" xmlns:r="http://schemas.openxmlformats.org/officeDocument/2006/relationships" xmlns:p="http://schemas.openxmlformats.org/presentationml/2006/main" showMasterSp="0" showMasterPhAnim="0">
+  <p:cSld>
+    <p:spTree>
+      <p:nvGrpSpPr>
+        <p:cNvPr id="1" name="Shape 496">
+          <a:extLst>
+            <a:ext uri="{FF2B5EF4-FFF2-40B4-BE49-F238E27FC236}">
+              <a16:creationId xmlns:a16="http://schemas.microsoft.com/office/drawing/2014/main" id="{6AFC62CC-6E45-6F73-C0B5-8898982BFB95}"/>
+            </a:ext>
+          </a:extLst>
+        </p:cNvPr>
+        <p:cNvGrpSpPr/>
+        <p:nvPr/>
+      </p:nvGrpSpPr>
+      <p:grpSpPr>
+        <a:xfrm>
+          <a:off x="0" y="0"/>
+          <a:ext cx="0" cy="0"/>
+          <a:chOff x="0" y="0"/>
+          <a:chExt cx="0" cy="0"/>
+        </a:xfrm>
+      </p:grpSpPr>
+      <p:sp>
+        <p:nvSpPr>
+          <p:cNvPr id="497" name="Google Shape;497;ge7f9c668d6_0_6:notes">
+            <a:extLst>
+              <a:ext uri="{FF2B5EF4-FFF2-40B4-BE49-F238E27FC236}">
+                <a16:creationId xmlns:a16="http://schemas.microsoft.com/office/drawing/2014/main" id="{F473C040-C83E-3045-5764-7360467C21CA}"/>
+              </a:ext>
+            </a:extLst>
+          </p:cNvPr>
+          <p:cNvSpPr>
+            <a:spLocks noGrp="1" noRot="1" noChangeAspect="1"/>
+          </p:cNvSpPr>
+          <p:nvPr>
+            <p:ph type="sldImg" idx="2"/>
+          </p:nvPr>
+        </p:nvSpPr>
+        <p:spPr>
+          <a:xfrm>
+            <a:off x="381000" y="685800"/>
+            <a:ext cx="6096000" cy="3429000"/>
+          </a:xfrm>
+          <a:custGeom>
+            <a:avLst/>
+            <a:gdLst/>
+            <a:ahLst/>
+            <a:cxnLst/>
+            <a:rect l="l" t="t" r="r" b="b"/>
+            <a:pathLst>
+              <a:path w="120000" h="120000" extrusionOk="0">
+                <a:moveTo>
+                  <a:pt x="0" y="0"/>
+                </a:moveTo>
+                <a:lnTo>
+                  <a:pt x="120000" y="0"/>
+                </a:lnTo>
+                <a:lnTo>
+                  <a:pt x="120000" y="120000"/>
+                </a:lnTo>
+                <a:lnTo>
+                  <a:pt x="0" y="120000"/>
+                </a:lnTo>
+                <a:close/>
+              </a:path>
+            </a:pathLst>
+          </a:custGeom>
+        </p:spPr>
+      </p:sp>
+      <p:sp>
+        <p:nvSpPr>
+          <p:cNvPr id="498" name="Google Shape;498;ge7f9c668d6_0_6:notes">
+            <a:extLst>
+              <a:ext uri="{FF2B5EF4-FFF2-40B4-BE49-F238E27FC236}">
+                <a16:creationId xmlns:a16="http://schemas.microsoft.com/office/drawing/2014/main" id="{681BC2D3-78F1-6F36-5515-C84A49AB6140}"/>
+              </a:ext>
+            </a:extLst>
+          </p:cNvPr>
+          <p:cNvSpPr txBox="1">
+            <a:spLocks noGrp="1"/>
+          </p:cNvSpPr>
+          <p:nvPr>
+            <p:ph type="body" idx="1"/>
+          </p:nvPr>
+        </p:nvSpPr>
+        <p:spPr>
+          <a:xfrm>
+            <a:off x="685800" y="4343400"/>
+            <a:ext cx="5486400" cy="4114800"/>
+          </a:xfrm>
+          <a:prstGeom prst="rect">
+            <a:avLst/>
+          </a:prstGeom>
+        </p:spPr>
+        <p:txBody>
+          <a:bodyPr spcFirstLastPara="1" wrap="square" lIns="91425" tIns="91425" rIns="91425" bIns="91425" anchor="t" anchorCtr="0">
+            <a:noAutofit/>
+          </a:bodyPr>
+          <a:lstStyle/>
+          <a:p>
+            <a:pPr marL="0" lvl="0" indent="0" algn="l" rtl="0">
+              <a:spcBef>
+                <a:spcPts val="0"/>
+              </a:spcBef>
+              <a:spcAft>
+                <a:spcPts val="0"/>
+              </a:spcAft>
+              <a:buNone/>
+            </a:pPr>
+            <a:endParaRPr/>
+          </a:p>
+        </p:txBody>
+      </p:sp>
+    </p:spTree>
+    <p:extLst>
+      <p:ext uri="{BB962C8B-B14F-4D97-AF65-F5344CB8AC3E}">
+        <p14:creationId xmlns:p14="http://schemas.microsoft.com/office/powerpoint/2010/main" val="2766868956"/>
+      </p:ext>
+    </p:extLst>
+  </p:cSld>
+  <p:clrMapOvr>
+    <a:masterClrMapping/>
+  </p:clrMapOvr>
+</p:notes>
+</file>
+
+<file path=ppt/notesSlides/notesSlide43.xml><?xml version="1.0" encoding="utf-8"?>
+<p:notes xmlns:a="http://schemas.openxmlformats.org/drawingml/2006/main" xmlns:r="http://schemas.openxmlformats.org/officeDocument/2006/relationships" xmlns:p="http://schemas.openxmlformats.org/presentationml/2006/main" showMasterSp="0" showMasterPhAnim="0">
+  <p:cSld>
+    <p:spTree>
+      <p:nvGrpSpPr>
+        <p:cNvPr id="1" name="Shape 496">
+          <a:extLst>
+            <a:ext uri="{FF2B5EF4-FFF2-40B4-BE49-F238E27FC236}">
+              <a16:creationId xmlns:a16="http://schemas.microsoft.com/office/drawing/2014/main" id="{E1BA90B4-50F5-1450-5CD8-FB2C08CEDFAE}"/>
+            </a:ext>
+          </a:extLst>
+        </p:cNvPr>
+        <p:cNvGrpSpPr/>
+        <p:nvPr/>
+      </p:nvGrpSpPr>
+      <p:grpSpPr>
+        <a:xfrm>
+          <a:off x="0" y="0"/>
+          <a:ext cx="0" cy="0"/>
+          <a:chOff x="0" y="0"/>
+          <a:chExt cx="0" cy="0"/>
+        </a:xfrm>
+      </p:grpSpPr>
+      <p:sp>
+        <p:nvSpPr>
+          <p:cNvPr id="497" name="Google Shape;497;ge7f9c668d6_0_6:notes">
+            <a:extLst>
+              <a:ext uri="{FF2B5EF4-FFF2-40B4-BE49-F238E27FC236}">
+                <a16:creationId xmlns:a16="http://schemas.microsoft.com/office/drawing/2014/main" id="{F6C1D022-FC5C-849B-A55C-77A30489D0B7}"/>
+              </a:ext>
+            </a:extLst>
+          </p:cNvPr>
+          <p:cNvSpPr>
+            <a:spLocks noGrp="1" noRot="1" noChangeAspect="1"/>
+          </p:cNvSpPr>
+          <p:nvPr>
+            <p:ph type="sldImg" idx="2"/>
+          </p:nvPr>
+        </p:nvSpPr>
+        <p:spPr>
+          <a:xfrm>
+            <a:off x="381000" y="685800"/>
+            <a:ext cx="6096000" cy="3429000"/>
+          </a:xfrm>
+          <a:custGeom>
+            <a:avLst/>
+            <a:gdLst/>
+            <a:ahLst/>
+            <a:cxnLst/>
+            <a:rect l="l" t="t" r="r" b="b"/>
+            <a:pathLst>
+              <a:path w="120000" h="120000" extrusionOk="0">
+                <a:moveTo>
+                  <a:pt x="0" y="0"/>
+                </a:moveTo>
+                <a:lnTo>
+                  <a:pt x="120000" y="0"/>
+                </a:lnTo>
+                <a:lnTo>
+                  <a:pt x="120000" y="120000"/>
+                </a:lnTo>
+                <a:lnTo>
+                  <a:pt x="0" y="120000"/>
+                </a:lnTo>
+                <a:close/>
+              </a:path>
+            </a:pathLst>
+          </a:custGeom>
+        </p:spPr>
+      </p:sp>
+      <p:sp>
+        <p:nvSpPr>
+          <p:cNvPr id="498" name="Google Shape;498;ge7f9c668d6_0_6:notes">
+            <a:extLst>
+              <a:ext uri="{FF2B5EF4-FFF2-40B4-BE49-F238E27FC236}">
+                <a16:creationId xmlns:a16="http://schemas.microsoft.com/office/drawing/2014/main" id="{5D678BDF-E5E7-92C7-0C4F-748FFA143769}"/>
+              </a:ext>
+            </a:extLst>
+          </p:cNvPr>
+          <p:cNvSpPr txBox="1">
+            <a:spLocks noGrp="1"/>
+          </p:cNvSpPr>
+          <p:nvPr>
+            <p:ph type="body" idx="1"/>
+          </p:nvPr>
+        </p:nvSpPr>
+        <p:spPr>
+          <a:xfrm>
+            <a:off x="685800" y="4343400"/>
+            <a:ext cx="5486400" cy="4114800"/>
+          </a:xfrm>
+          <a:prstGeom prst="rect">
+            <a:avLst/>
+          </a:prstGeom>
+        </p:spPr>
+        <p:txBody>
+          <a:bodyPr spcFirstLastPara="1" wrap="square" lIns="91425" tIns="91425" rIns="91425" bIns="91425" anchor="t" anchorCtr="0">
+            <a:noAutofit/>
+          </a:bodyPr>
+          <a:lstStyle/>
+          <a:p>
+            <a:pPr marL="0" lvl="0" indent="0" algn="l" rtl="0">
+              <a:spcBef>
+                <a:spcPts val="0"/>
+              </a:spcBef>
+              <a:spcAft>
+                <a:spcPts val="0"/>
+              </a:spcAft>
+              <a:buNone/>
+            </a:pPr>
+            <a:endParaRPr/>
+          </a:p>
+        </p:txBody>
+      </p:sp>
+    </p:spTree>
+    <p:extLst>
+      <p:ext uri="{BB962C8B-B14F-4D97-AF65-F5344CB8AC3E}">
+        <p14:creationId xmlns:p14="http://schemas.microsoft.com/office/powerpoint/2010/main" val="253206312"/>
+      </p:ext>
+    </p:extLst>
+  </p:cSld>
+  <p:clrMapOvr>
+    <a:masterClrMapping/>
+  </p:clrMapOvr>
+</p:notes>
+</file>
+
+<file path=ppt/notesSlides/notesSlide44.xml><?xml version="1.0" encoding="utf-8"?>
+<p:notes xmlns:a="http://schemas.openxmlformats.org/drawingml/2006/main" xmlns:r="http://schemas.openxmlformats.org/officeDocument/2006/relationships" xmlns:p="http://schemas.openxmlformats.org/presentationml/2006/main" showMasterSp="0" showMasterPhAnim="0">
+  <p:cSld>
+    <p:spTree>
+      <p:nvGrpSpPr>
+        <p:cNvPr id="1" name="Shape 496">
+          <a:extLst>
+            <a:ext uri="{FF2B5EF4-FFF2-40B4-BE49-F238E27FC236}">
+              <a16:creationId xmlns:a16="http://schemas.microsoft.com/office/drawing/2014/main" id="{CF8C4A07-485C-0A26-7981-84366C112FB5}"/>
+            </a:ext>
+          </a:extLst>
+        </p:cNvPr>
+        <p:cNvGrpSpPr/>
+        <p:nvPr/>
+      </p:nvGrpSpPr>
+      <p:grpSpPr>
+        <a:xfrm>
+          <a:off x="0" y="0"/>
+          <a:ext cx="0" cy="0"/>
+          <a:chOff x="0" y="0"/>
+          <a:chExt cx="0" cy="0"/>
+        </a:xfrm>
+      </p:grpSpPr>
+      <p:sp>
+        <p:nvSpPr>
+          <p:cNvPr id="497" name="Google Shape;497;ge7f9c668d6_0_6:notes">
+            <a:extLst>
+              <a:ext uri="{FF2B5EF4-FFF2-40B4-BE49-F238E27FC236}">
+                <a16:creationId xmlns:a16="http://schemas.microsoft.com/office/drawing/2014/main" id="{3939425D-0E64-F88C-8389-43827561C220}"/>
+              </a:ext>
+            </a:extLst>
+          </p:cNvPr>
+          <p:cNvSpPr>
+            <a:spLocks noGrp="1" noRot="1" noChangeAspect="1"/>
+          </p:cNvSpPr>
+          <p:nvPr>
+            <p:ph type="sldImg" idx="2"/>
+          </p:nvPr>
+        </p:nvSpPr>
+        <p:spPr>
+          <a:xfrm>
+            <a:off x="381000" y="685800"/>
+            <a:ext cx="6096000" cy="3429000"/>
+          </a:xfrm>
+          <a:custGeom>
+            <a:avLst/>
+            <a:gdLst/>
+            <a:ahLst/>
+            <a:cxnLst/>
+            <a:rect l="l" t="t" r="r" b="b"/>
+            <a:pathLst>
+              <a:path w="120000" h="120000" extrusionOk="0">
+                <a:moveTo>
+                  <a:pt x="0" y="0"/>
+                </a:moveTo>
+                <a:lnTo>
+                  <a:pt x="120000" y="0"/>
+                </a:lnTo>
+                <a:lnTo>
+                  <a:pt x="120000" y="120000"/>
+                </a:lnTo>
+                <a:lnTo>
+                  <a:pt x="0" y="120000"/>
+                </a:lnTo>
+                <a:close/>
+              </a:path>
+            </a:pathLst>
+          </a:custGeom>
+        </p:spPr>
+      </p:sp>
+      <p:sp>
+        <p:nvSpPr>
+          <p:cNvPr id="498" name="Google Shape;498;ge7f9c668d6_0_6:notes">
+            <a:extLst>
+              <a:ext uri="{FF2B5EF4-FFF2-40B4-BE49-F238E27FC236}">
+                <a16:creationId xmlns:a16="http://schemas.microsoft.com/office/drawing/2014/main" id="{85FB85DC-8FC5-DE42-0FEE-A52CF49FA651}"/>
+              </a:ext>
+            </a:extLst>
+          </p:cNvPr>
+          <p:cNvSpPr txBox="1">
+            <a:spLocks noGrp="1"/>
+          </p:cNvSpPr>
+          <p:nvPr>
+            <p:ph type="body" idx="1"/>
+          </p:nvPr>
+        </p:nvSpPr>
+        <p:spPr>
+          <a:xfrm>
+            <a:off x="685800" y="4343400"/>
+            <a:ext cx="5486400" cy="4114800"/>
+          </a:xfrm>
+          <a:prstGeom prst="rect">
+            <a:avLst/>
+          </a:prstGeom>
+        </p:spPr>
+        <p:txBody>
+          <a:bodyPr spcFirstLastPara="1" wrap="square" lIns="91425" tIns="91425" rIns="91425" bIns="91425" anchor="t" anchorCtr="0">
+            <a:noAutofit/>
+          </a:bodyPr>
+          <a:lstStyle/>
+          <a:p>
+            <a:pPr marL="0" lvl="0" indent="0" algn="l" rtl="0">
+              <a:spcBef>
+                <a:spcPts val="0"/>
+              </a:spcBef>
+              <a:spcAft>
+                <a:spcPts val="0"/>
+              </a:spcAft>
+              <a:buNone/>
+            </a:pPr>
+            <a:endParaRPr/>
+          </a:p>
+        </p:txBody>
+      </p:sp>
+    </p:spTree>
+    <p:extLst>
+      <p:ext uri="{BB962C8B-B14F-4D97-AF65-F5344CB8AC3E}">
+        <p14:creationId xmlns:p14="http://schemas.microsoft.com/office/powerpoint/2010/main" val="3754745144"/>
+      </p:ext>
+    </p:extLst>
+  </p:cSld>
+  <p:clrMapOvr>
+    <a:masterClrMapping/>
+  </p:clrMapOvr>
+</p:notes>
+</file>
+
+<file path=ppt/notesSlides/notesSlide45.xml><?xml version="1.0" encoding="utf-8"?>
+<p:notes xmlns:a="http://schemas.openxmlformats.org/drawingml/2006/main" xmlns:r="http://schemas.openxmlformats.org/officeDocument/2006/relationships" xmlns:p="http://schemas.openxmlformats.org/presentationml/2006/main" showMasterSp="0" showMasterPhAnim="0">
+  <p:cSld>
+    <p:spTree>
+      <p:nvGrpSpPr>
+        <p:cNvPr id="1" name="Shape 496">
+          <a:extLst>
+            <a:ext uri="{FF2B5EF4-FFF2-40B4-BE49-F238E27FC236}">
+              <a16:creationId xmlns:a16="http://schemas.microsoft.com/office/drawing/2014/main" id="{C8B71758-A3C7-50D2-1C36-108BC1C56058}"/>
+            </a:ext>
+          </a:extLst>
+        </p:cNvPr>
+        <p:cNvGrpSpPr/>
+        <p:nvPr/>
+      </p:nvGrpSpPr>
+      <p:grpSpPr>
+        <a:xfrm>
+          <a:off x="0" y="0"/>
+          <a:ext cx="0" cy="0"/>
+          <a:chOff x="0" y="0"/>
+          <a:chExt cx="0" cy="0"/>
+        </a:xfrm>
+      </p:grpSpPr>
+      <p:sp>
+        <p:nvSpPr>
+          <p:cNvPr id="497" name="Google Shape;497;ge7f9c668d6_0_6:notes">
+            <a:extLst>
+              <a:ext uri="{FF2B5EF4-FFF2-40B4-BE49-F238E27FC236}">
+                <a16:creationId xmlns:a16="http://schemas.microsoft.com/office/drawing/2014/main" id="{0E9D4720-356F-4C80-7543-11DCD447F36B}"/>
+              </a:ext>
+            </a:extLst>
+          </p:cNvPr>
+          <p:cNvSpPr>
+            <a:spLocks noGrp="1" noRot="1" noChangeAspect="1"/>
+          </p:cNvSpPr>
+          <p:nvPr>
+            <p:ph type="sldImg" idx="2"/>
+          </p:nvPr>
+        </p:nvSpPr>
+        <p:spPr>
+          <a:xfrm>
+            <a:off x="381000" y="685800"/>
+            <a:ext cx="6096000" cy="3429000"/>
+          </a:xfrm>
+          <a:custGeom>
+            <a:avLst/>
+            <a:gdLst/>
+            <a:ahLst/>
+            <a:cxnLst/>
+            <a:rect l="l" t="t" r="r" b="b"/>
+            <a:pathLst>
+              <a:path w="120000" h="120000" extrusionOk="0">
+                <a:moveTo>
+                  <a:pt x="0" y="0"/>
+                </a:moveTo>
+                <a:lnTo>
+                  <a:pt x="120000" y="0"/>
+                </a:lnTo>
+                <a:lnTo>
+                  <a:pt x="120000" y="120000"/>
+                </a:lnTo>
+                <a:lnTo>
+                  <a:pt x="0" y="120000"/>
+                </a:lnTo>
+                <a:close/>
+              </a:path>
+            </a:pathLst>
+          </a:custGeom>
+        </p:spPr>
+      </p:sp>
+      <p:sp>
+        <p:nvSpPr>
+          <p:cNvPr id="498" name="Google Shape;498;ge7f9c668d6_0_6:notes">
+            <a:extLst>
+              <a:ext uri="{FF2B5EF4-FFF2-40B4-BE49-F238E27FC236}">
+                <a16:creationId xmlns:a16="http://schemas.microsoft.com/office/drawing/2014/main" id="{300C9AF1-53BD-BDEA-5EE4-8B72FF953C07}"/>
+              </a:ext>
+            </a:extLst>
+          </p:cNvPr>
+          <p:cNvSpPr txBox="1">
+            <a:spLocks noGrp="1"/>
+          </p:cNvSpPr>
+          <p:nvPr>
+            <p:ph type="body" idx="1"/>
+          </p:nvPr>
+        </p:nvSpPr>
+        <p:spPr>
+          <a:xfrm>
+            <a:off x="685800" y="4343400"/>
+            <a:ext cx="5486400" cy="4114800"/>
+          </a:xfrm>
+          <a:prstGeom prst="rect">
+            <a:avLst/>
+          </a:prstGeom>
+        </p:spPr>
+        <p:txBody>
+          <a:bodyPr spcFirstLastPara="1" wrap="square" lIns="91425" tIns="91425" rIns="91425" bIns="91425" anchor="t" anchorCtr="0">
+            <a:noAutofit/>
+          </a:bodyPr>
+          <a:lstStyle/>
+          <a:p>
+            <a:pPr marL="0" lvl="0" indent="0" algn="l" rtl="0">
+              <a:spcBef>
+                <a:spcPts val="0"/>
+              </a:spcBef>
+              <a:spcAft>
+                <a:spcPts val="0"/>
+              </a:spcAft>
+              <a:buNone/>
+            </a:pPr>
+            <a:endParaRPr/>
+          </a:p>
+        </p:txBody>
+      </p:sp>
+    </p:spTree>
+    <p:extLst>
+      <p:ext uri="{BB962C8B-B14F-4D97-AF65-F5344CB8AC3E}">
+        <p14:creationId xmlns:p14="http://schemas.microsoft.com/office/powerpoint/2010/main" val="3943437093"/>
+      </p:ext>
+    </p:extLst>
+  </p:cSld>
+  <p:clrMapOvr>
+    <a:masterClrMapping/>
+  </p:clrMapOvr>
+</p:notes>
+</file>
+
+<file path=ppt/notesSlides/notesSlide46.xml><?xml version="1.0" encoding="utf-8"?>
+<p:notes xmlns:a="http://schemas.openxmlformats.org/drawingml/2006/main" xmlns:r="http://schemas.openxmlformats.org/officeDocument/2006/relationships" xmlns:p="http://schemas.openxmlformats.org/presentationml/2006/main" showMasterSp="0" showMasterPhAnim="0">
+  <p:cSld>
+    <p:spTree>
+      <p:nvGrpSpPr>
+        <p:cNvPr id="1" name="Shape 496">
+          <a:extLst>
+            <a:ext uri="{FF2B5EF4-FFF2-40B4-BE49-F238E27FC236}">
+              <a16:creationId xmlns:a16="http://schemas.microsoft.com/office/drawing/2014/main" id="{1AD7D379-A985-7AA5-8FE6-CFFDCEDD7842}"/>
+            </a:ext>
+          </a:extLst>
+        </p:cNvPr>
+        <p:cNvGrpSpPr/>
+        <p:nvPr/>
+      </p:nvGrpSpPr>
+      <p:grpSpPr>
+        <a:xfrm>
+          <a:off x="0" y="0"/>
+          <a:ext cx="0" cy="0"/>
+          <a:chOff x="0" y="0"/>
+          <a:chExt cx="0" cy="0"/>
+        </a:xfrm>
+      </p:grpSpPr>
+      <p:sp>
+        <p:nvSpPr>
+          <p:cNvPr id="497" name="Google Shape;497;ge7f9c668d6_0_6:notes">
+            <a:extLst>
+              <a:ext uri="{FF2B5EF4-FFF2-40B4-BE49-F238E27FC236}">
+                <a16:creationId xmlns:a16="http://schemas.microsoft.com/office/drawing/2014/main" id="{E61879A8-3E7C-FFE2-F33F-2F3D20FD81F1}"/>
+              </a:ext>
+            </a:extLst>
+          </p:cNvPr>
+          <p:cNvSpPr>
+            <a:spLocks noGrp="1" noRot="1" noChangeAspect="1"/>
+          </p:cNvSpPr>
+          <p:nvPr>
+            <p:ph type="sldImg" idx="2"/>
+          </p:nvPr>
+        </p:nvSpPr>
+        <p:spPr>
+          <a:xfrm>
+            <a:off x="381000" y="685800"/>
+            <a:ext cx="6096000" cy="3429000"/>
+          </a:xfrm>
+          <a:custGeom>
+            <a:avLst/>
+            <a:gdLst/>
+            <a:ahLst/>
+            <a:cxnLst/>
+            <a:rect l="l" t="t" r="r" b="b"/>
+            <a:pathLst>
+              <a:path w="120000" h="120000" extrusionOk="0">
+                <a:moveTo>
+                  <a:pt x="0" y="0"/>
+                </a:moveTo>
+                <a:lnTo>
+                  <a:pt x="120000" y="0"/>
+                </a:lnTo>
+                <a:lnTo>
+                  <a:pt x="120000" y="120000"/>
+                </a:lnTo>
+                <a:lnTo>
+                  <a:pt x="0" y="120000"/>
+                </a:lnTo>
+                <a:close/>
+              </a:path>
+            </a:pathLst>
+          </a:custGeom>
+        </p:spPr>
+      </p:sp>
+      <p:sp>
+        <p:nvSpPr>
+          <p:cNvPr id="498" name="Google Shape;498;ge7f9c668d6_0_6:notes">
+            <a:extLst>
+              <a:ext uri="{FF2B5EF4-FFF2-40B4-BE49-F238E27FC236}">
+                <a16:creationId xmlns:a16="http://schemas.microsoft.com/office/drawing/2014/main" id="{6E8283D0-C152-81F4-5089-9463CCC081DB}"/>
+              </a:ext>
+            </a:extLst>
+          </p:cNvPr>
+          <p:cNvSpPr txBox="1">
+            <a:spLocks noGrp="1"/>
+          </p:cNvSpPr>
+          <p:nvPr>
+            <p:ph type="body" idx="1"/>
+          </p:nvPr>
+        </p:nvSpPr>
+        <p:spPr>
+          <a:xfrm>
+            <a:off x="685800" y="4343400"/>
+            <a:ext cx="5486400" cy="4114800"/>
+          </a:xfrm>
+          <a:prstGeom prst="rect">
+            <a:avLst/>
+          </a:prstGeom>
+        </p:spPr>
+        <p:txBody>
+          <a:bodyPr spcFirstLastPara="1" wrap="square" lIns="91425" tIns="91425" rIns="91425" bIns="91425" anchor="t" anchorCtr="0">
+            <a:noAutofit/>
+          </a:bodyPr>
+          <a:lstStyle/>
+          <a:p>
+            <a:pPr marL="0" lvl="0" indent="0" algn="l" rtl="0">
+              <a:spcBef>
+                <a:spcPts val="0"/>
+              </a:spcBef>
+              <a:spcAft>
+                <a:spcPts val="0"/>
+              </a:spcAft>
+              <a:buNone/>
+            </a:pPr>
+            <a:endParaRPr/>
+          </a:p>
+        </p:txBody>
+      </p:sp>
+    </p:spTree>
+    <p:extLst>
+      <p:ext uri="{BB962C8B-B14F-4D97-AF65-F5344CB8AC3E}">
+        <p14:creationId xmlns:p14="http://schemas.microsoft.com/office/powerpoint/2010/main" val="2901631767"/>
+      </p:ext>
+    </p:extLst>
+  </p:cSld>
+  <p:clrMapOvr>
+    <a:masterClrMapping/>
+  </p:clrMapOvr>
+</p:notes>
+</file>
+
+<file path=ppt/notesSlides/notesSlide47.xml><?xml version="1.0" encoding="utf-8"?>
+<p:notes xmlns:a="http://schemas.openxmlformats.org/drawingml/2006/main" xmlns:r="http://schemas.openxmlformats.org/officeDocument/2006/relationships" xmlns:p="http://schemas.openxmlformats.org/presentationml/2006/main" showMasterSp="0" showMasterPhAnim="0">
+  <p:cSld>
+    <p:spTree>
+      <p:nvGrpSpPr>
+        <p:cNvPr id="1" name="Shape 496">
+          <a:extLst>
+            <a:ext uri="{FF2B5EF4-FFF2-40B4-BE49-F238E27FC236}">
+              <a16:creationId xmlns:a16="http://schemas.microsoft.com/office/drawing/2014/main" id="{F19F9C53-B7CD-D02A-83F8-DD92271F84DB}"/>
+            </a:ext>
+          </a:extLst>
+        </p:cNvPr>
+        <p:cNvGrpSpPr/>
+        <p:nvPr/>
+      </p:nvGrpSpPr>
+      <p:grpSpPr>
+        <a:xfrm>
+          <a:off x="0" y="0"/>
+          <a:ext cx="0" cy="0"/>
+          <a:chOff x="0" y="0"/>
+          <a:chExt cx="0" cy="0"/>
+        </a:xfrm>
+      </p:grpSpPr>
+      <p:sp>
+        <p:nvSpPr>
+          <p:cNvPr id="497" name="Google Shape;497;ge7f9c668d6_0_6:notes">
+            <a:extLst>
+              <a:ext uri="{FF2B5EF4-FFF2-40B4-BE49-F238E27FC236}">
+                <a16:creationId xmlns:a16="http://schemas.microsoft.com/office/drawing/2014/main" id="{4C03ABAB-401D-7830-E6B6-314C4D6128B1}"/>
+              </a:ext>
+            </a:extLst>
+          </p:cNvPr>
+          <p:cNvSpPr>
+            <a:spLocks noGrp="1" noRot="1" noChangeAspect="1"/>
+          </p:cNvSpPr>
+          <p:nvPr>
+            <p:ph type="sldImg" idx="2"/>
+          </p:nvPr>
+        </p:nvSpPr>
+        <p:spPr>
+          <a:xfrm>
+            <a:off x="381000" y="685800"/>
+            <a:ext cx="6096000" cy="3429000"/>
+          </a:xfrm>
+          <a:custGeom>
+            <a:avLst/>
+            <a:gdLst/>
+            <a:ahLst/>
+            <a:cxnLst/>
+            <a:rect l="l" t="t" r="r" b="b"/>
+            <a:pathLst>
+              <a:path w="120000" h="120000" extrusionOk="0">
+                <a:moveTo>
+                  <a:pt x="0" y="0"/>
+                </a:moveTo>
+                <a:lnTo>
+                  <a:pt x="120000" y="0"/>
+                </a:lnTo>
+                <a:lnTo>
+                  <a:pt x="120000" y="120000"/>
+                </a:lnTo>
+                <a:lnTo>
+                  <a:pt x="0" y="120000"/>
+                </a:lnTo>
+                <a:close/>
+              </a:path>
+            </a:pathLst>
+          </a:custGeom>
+        </p:spPr>
+      </p:sp>
+      <p:sp>
+        <p:nvSpPr>
+          <p:cNvPr id="498" name="Google Shape;498;ge7f9c668d6_0_6:notes">
+            <a:extLst>
+              <a:ext uri="{FF2B5EF4-FFF2-40B4-BE49-F238E27FC236}">
+                <a16:creationId xmlns:a16="http://schemas.microsoft.com/office/drawing/2014/main" id="{872A9C26-30FE-B782-318D-98D1A09764E4}"/>
+              </a:ext>
+            </a:extLst>
+          </p:cNvPr>
+          <p:cNvSpPr txBox="1">
+            <a:spLocks noGrp="1"/>
+          </p:cNvSpPr>
+          <p:nvPr>
+            <p:ph type="body" idx="1"/>
+          </p:nvPr>
+        </p:nvSpPr>
+        <p:spPr>
+          <a:xfrm>
+            <a:off x="685800" y="4343400"/>
+            <a:ext cx="5486400" cy="4114800"/>
+          </a:xfrm>
+          <a:prstGeom prst="rect">
+            <a:avLst/>
+          </a:prstGeom>
+        </p:spPr>
+        <p:txBody>
+          <a:bodyPr spcFirstLastPara="1" wrap="square" lIns="91425" tIns="91425" rIns="91425" bIns="91425" anchor="t" anchorCtr="0">
+            <a:noAutofit/>
+          </a:bodyPr>
+          <a:lstStyle/>
+          <a:p>
+            <a:pPr marL="0" lvl="0" indent="0" algn="l" rtl="0">
+              <a:spcBef>
+                <a:spcPts val="0"/>
+              </a:spcBef>
+              <a:spcAft>
+                <a:spcPts val="0"/>
+              </a:spcAft>
+              <a:buNone/>
+            </a:pPr>
+            <a:endParaRPr dirty="0"/>
+          </a:p>
+        </p:txBody>
+      </p:sp>
+    </p:spTree>
+    <p:extLst>
+      <p:ext uri="{BB962C8B-B14F-4D97-AF65-F5344CB8AC3E}">
+        <p14:creationId xmlns:p14="http://schemas.microsoft.com/office/powerpoint/2010/main" val="209828625"/>
+      </p:ext>
+    </p:extLst>
   </p:cSld>
   <p:clrMapOvr>
     <a:masterClrMapping/>
@@ -40955,6 +42385,338 @@
 </p:sld>
 </file>
 
+<file path=ppt/slides/slide39.xml><?xml version="1.0" encoding="utf-8"?>
+<p:sld xmlns:a="http://schemas.openxmlformats.org/drawingml/2006/main" xmlns:r="http://schemas.openxmlformats.org/officeDocument/2006/relationships" xmlns:p="http://schemas.openxmlformats.org/presentationml/2006/main">
+  <p:cSld>
+    <p:spTree>
+      <p:nvGrpSpPr>
+        <p:cNvPr id="1" name="Shape 499">
+          <a:extLst>
+            <a:ext uri="{FF2B5EF4-FFF2-40B4-BE49-F238E27FC236}">
+              <a16:creationId xmlns:a16="http://schemas.microsoft.com/office/drawing/2014/main" id="{265E3A7A-3B52-4AD4-B0F7-0B58077626DC}"/>
+            </a:ext>
+          </a:extLst>
+        </p:cNvPr>
+        <p:cNvGrpSpPr/>
+        <p:nvPr/>
+      </p:nvGrpSpPr>
+      <p:grpSpPr>
+        <a:xfrm>
+          <a:off x="0" y="0"/>
+          <a:ext cx="0" cy="0"/>
+          <a:chOff x="0" y="0"/>
+          <a:chExt cx="0" cy="0"/>
+        </a:xfrm>
+      </p:grpSpPr>
+      <p:sp>
+        <p:nvSpPr>
+          <p:cNvPr id="500" name="Google Shape;500;p30">
+            <a:extLst>
+              <a:ext uri="{FF2B5EF4-FFF2-40B4-BE49-F238E27FC236}">
+                <a16:creationId xmlns:a16="http://schemas.microsoft.com/office/drawing/2014/main" id="{ED6E7A3B-1337-635B-5945-2EB8F3B7E1AD}"/>
+              </a:ext>
+            </a:extLst>
+          </p:cNvPr>
+          <p:cNvSpPr txBox="1">
+            <a:spLocks noGrp="1"/>
+          </p:cNvSpPr>
+          <p:nvPr>
+            <p:ph type="title"/>
+          </p:nvPr>
+        </p:nvSpPr>
+        <p:spPr>
+          <a:xfrm flipH="1">
+            <a:off x="1544363" y="801719"/>
+            <a:ext cx="7599634" cy="1104600"/>
+          </a:xfrm>
+          <a:prstGeom prst="rect">
+            <a:avLst/>
+          </a:prstGeom>
+        </p:spPr>
+        <p:txBody>
+          <a:bodyPr spcFirstLastPara="1" wrap="square" lIns="91425" tIns="91425" rIns="91425" bIns="91425" anchor="ctr" anchorCtr="0">
+            <a:noAutofit/>
+          </a:bodyPr>
+          <a:lstStyle/>
+          <a:p>
+            <a:pPr marL="0" lvl="0" indent="0" algn="l" rtl="0">
+              <a:spcBef>
+                <a:spcPts val="0"/>
+              </a:spcBef>
+              <a:spcAft>
+                <a:spcPts val="0"/>
+              </a:spcAft>
+              <a:buNone/>
+            </a:pPr>
+            <a:r>
+              <a:rPr lang="pt-BR" sz="5000" dirty="0"/>
+              <a:t>Redes de Computadores</a:t>
+            </a:r>
+            <a:endParaRPr lang="pt-BR" sz="5000" dirty="0">
+              <a:solidFill>
+                <a:schemeClr val="accent6"/>
+              </a:solidFill>
+            </a:endParaRPr>
+          </a:p>
+        </p:txBody>
+      </p:sp>
+      <p:sp>
+        <p:nvSpPr>
+          <p:cNvPr id="505" name="Google Shape;505;p30">
+            <a:extLst>
+              <a:ext uri="{FF2B5EF4-FFF2-40B4-BE49-F238E27FC236}">
+                <a16:creationId xmlns:a16="http://schemas.microsoft.com/office/drawing/2014/main" id="{80219EC9-DDD9-90DF-60AC-DA603425FE03}"/>
+              </a:ext>
+            </a:extLst>
+          </p:cNvPr>
+          <p:cNvSpPr txBox="1">
+            <a:spLocks noGrp="1"/>
+          </p:cNvSpPr>
+          <p:nvPr>
+            <p:ph type="subTitle" idx="4294967295"/>
+          </p:nvPr>
+        </p:nvSpPr>
+        <p:spPr>
+          <a:xfrm>
+            <a:off x="710125" y="4694725"/>
+            <a:ext cx="4865100" cy="357300"/>
+          </a:xfrm>
+          <a:prstGeom prst="rect">
+            <a:avLst/>
+          </a:prstGeom>
+        </p:spPr>
+        <p:txBody>
+          <a:bodyPr spcFirstLastPara="1" wrap="square" lIns="91425" tIns="91425" rIns="91425" bIns="91425" anchor="ctr" anchorCtr="0">
+            <a:noAutofit/>
+          </a:bodyPr>
+          <a:lstStyle/>
+          <a:p>
+            <a:pPr marL="0" lvl="0" indent="0" algn="l" rtl="0">
+              <a:spcBef>
+                <a:spcPts val="0"/>
+              </a:spcBef>
+              <a:spcAft>
+                <a:spcPts val="0"/>
+              </a:spcAft>
+              <a:buNone/>
+            </a:pPr>
+            <a:r>
+              <a:rPr lang="en" sz="1400">
+                <a:solidFill>
+                  <a:schemeClr val="accent3"/>
+                </a:solidFill>
+              </a:rPr>
+              <a:t>Programming Language</a:t>
+            </a:r>
+            <a:endParaRPr sz="1400">
+              <a:solidFill>
+                <a:schemeClr val="accent3"/>
+              </a:solidFill>
+            </a:endParaRPr>
+          </a:p>
+        </p:txBody>
+      </p:sp>
+      <p:sp>
+        <p:nvSpPr>
+          <p:cNvPr id="506" name="Google Shape;506;p30">
+            <a:extLst>
+              <a:ext uri="{FF2B5EF4-FFF2-40B4-BE49-F238E27FC236}">
+                <a16:creationId xmlns:a16="http://schemas.microsoft.com/office/drawing/2014/main" id="{3B6C9834-992F-9AA5-6B6D-65BE3D8289F6}"/>
+              </a:ext>
+            </a:extLst>
+          </p:cNvPr>
+          <p:cNvSpPr txBox="1">
+            <a:spLocks noGrp="1"/>
+          </p:cNvSpPr>
+          <p:nvPr>
+            <p:ph type="subTitle" idx="4294967295"/>
+          </p:nvPr>
+        </p:nvSpPr>
+        <p:spPr>
+          <a:xfrm>
+            <a:off x="-5975" y="91525"/>
+            <a:ext cx="4572000" cy="357300"/>
+          </a:xfrm>
+          <a:prstGeom prst="rect">
+            <a:avLst/>
+          </a:prstGeom>
+        </p:spPr>
+        <p:txBody>
+          <a:bodyPr spcFirstLastPara="1" wrap="square" lIns="91425" tIns="91425" rIns="91425" bIns="91425" anchor="ctr" anchorCtr="0">
+            <a:noAutofit/>
+          </a:bodyPr>
+          <a:lstStyle/>
+          <a:p>
+            <a:pPr marL="0" lvl="0" indent="0" algn="ctr" rtl="0">
+              <a:spcBef>
+                <a:spcPts val="0"/>
+              </a:spcBef>
+              <a:spcAft>
+                <a:spcPts val="0"/>
+              </a:spcAft>
+              <a:buNone/>
+            </a:pPr>
+            <a:r>
+              <a:rPr lang="en" sz="1400">
+                <a:solidFill>
+                  <a:schemeClr val="accent3"/>
+                </a:solidFill>
+              </a:rPr>
+              <a:t>forbeginners.html</a:t>
+            </a:r>
+            <a:endParaRPr sz="1400">
+              <a:solidFill>
+                <a:schemeClr val="accent3"/>
+              </a:solidFill>
+            </a:endParaRPr>
+          </a:p>
+        </p:txBody>
+      </p:sp>
+      <p:sp>
+        <p:nvSpPr>
+          <p:cNvPr id="507" name="Google Shape;507;p30">
+            <a:extLst>
+              <a:ext uri="{FF2B5EF4-FFF2-40B4-BE49-F238E27FC236}">
+                <a16:creationId xmlns:a16="http://schemas.microsoft.com/office/drawing/2014/main" id="{C93644F1-8EA0-CF51-C520-19F41C8E77B7}"/>
+              </a:ext>
+            </a:extLst>
+          </p:cNvPr>
+          <p:cNvSpPr txBox="1">
+            <a:spLocks noGrp="1"/>
+          </p:cNvSpPr>
+          <p:nvPr>
+            <p:ph type="subTitle" idx="4294967295"/>
+          </p:nvPr>
+        </p:nvSpPr>
+        <p:spPr>
+          <a:xfrm>
+            <a:off x="4572000" y="91525"/>
+            <a:ext cx="4572000" cy="357300"/>
+          </a:xfrm>
+          <a:prstGeom prst="rect">
+            <a:avLst/>
+          </a:prstGeom>
+        </p:spPr>
+        <p:txBody>
+          <a:bodyPr spcFirstLastPara="1" wrap="square" lIns="91425" tIns="91425" rIns="91425" bIns="91425" anchor="ctr" anchorCtr="0">
+            <a:noAutofit/>
+          </a:bodyPr>
+          <a:lstStyle/>
+          <a:p>
+            <a:pPr marL="0" lvl="0" indent="0" algn="ctr" rtl="0">
+              <a:spcBef>
+                <a:spcPts val="0"/>
+              </a:spcBef>
+              <a:spcAft>
+                <a:spcPts val="0"/>
+              </a:spcAft>
+              <a:buNone/>
+            </a:pPr>
+            <a:r>
+              <a:rPr lang="en" sz="1400">
+                <a:solidFill>
+                  <a:schemeClr val="accent3"/>
+                </a:solidFill>
+              </a:rPr>
+              <a:t>workshop.css</a:t>
+            </a:r>
+            <a:endParaRPr sz="1400">
+              <a:solidFill>
+                <a:schemeClr val="accent3"/>
+              </a:solidFill>
+            </a:endParaRPr>
+          </a:p>
+        </p:txBody>
+      </p:sp>
+      <p:sp>
+        <p:nvSpPr>
+          <p:cNvPr id="5" name="Title 4">
+            <a:extLst>
+              <a:ext uri="{FF2B5EF4-FFF2-40B4-BE49-F238E27FC236}">
+                <a16:creationId xmlns:a16="http://schemas.microsoft.com/office/drawing/2014/main" id="{0B75D7B8-92A3-C35B-ED2D-A0AFBA9033CA}"/>
+              </a:ext>
+            </a:extLst>
+          </p:cNvPr>
+          <p:cNvSpPr>
+            <a:spLocks noGrp="1"/>
+          </p:cNvSpPr>
+          <p:nvPr>
+            <p:ph type="title" idx="2"/>
+          </p:nvPr>
+        </p:nvSpPr>
+        <p:spPr>
+          <a:xfrm>
+            <a:off x="1544364" y="2304025"/>
+            <a:ext cx="7599636" cy="2295684"/>
+          </a:xfrm>
+        </p:spPr>
+        <p:txBody>
+          <a:bodyPr/>
+          <a:lstStyle/>
+          <a:p>
+            <a:pPr>
+              <a:lnSpc>
+                <a:spcPts val="1425"/>
+              </a:lnSpc>
+              <a:buNone/>
+            </a:pPr>
+            <a:r>
+              <a:rPr lang="pt-BR" sz="1800" dirty="0">
+                <a:solidFill>
+                  <a:schemeClr val="accent3"/>
+                </a:solidFill>
+                <a:latin typeface="Consolas" panose="020B0609020204030204" pitchFamily="49" charset="0"/>
+              </a:rPr>
+              <a:t>Conjunto de dispositivos interconectados para compartilhar dados e recursos.</a:t>
+            </a:r>
+            <a:br>
+              <a:rPr lang="pt-BR" sz="1800" dirty="0">
+                <a:solidFill>
+                  <a:schemeClr val="accent3"/>
+                </a:solidFill>
+                <a:latin typeface="Consolas" panose="020B0609020204030204" pitchFamily="49" charset="0"/>
+              </a:rPr>
+            </a:br>
+            <a:br>
+              <a:rPr lang="pt-BR" sz="1800" dirty="0">
+                <a:solidFill>
+                  <a:schemeClr val="accent3"/>
+                </a:solidFill>
+                <a:latin typeface="Consolas" panose="020B0609020204030204" pitchFamily="49" charset="0"/>
+              </a:rPr>
+            </a:br>
+            <a:r>
+              <a:rPr lang="pt-BR" sz="1800" dirty="0">
+                <a:solidFill>
+                  <a:schemeClr val="accent3"/>
+                </a:solidFill>
+                <a:latin typeface="Consolas" panose="020B0609020204030204" pitchFamily="49" charset="0"/>
+              </a:rPr>
+              <a:t>Exemplos: Rede doméstica, rede corporativa, internet</a:t>
+            </a:r>
+            <a:endParaRPr lang="pt-BR" sz="1800" b="0" dirty="0">
+              <a:solidFill>
+                <a:srgbClr val="ABB2BF"/>
+              </a:solidFill>
+              <a:effectLst/>
+              <a:latin typeface="Consolas" panose="020B0609020204030204" pitchFamily="49" charset="0"/>
+            </a:endParaRPr>
+          </a:p>
+        </p:txBody>
+      </p:sp>
+    </p:spTree>
+    <p:extLst>
+      <p:ext uri="{BB962C8B-B14F-4D97-AF65-F5344CB8AC3E}">
+        <p14:creationId xmlns:p14="http://schemas.microsoft.com/office/powerpoint/2010/main" val="931606601"/>
+      </p:ext>
+    </p:extLst>
+  </p:cSld>
+  <p:clrMapOvr>
+    <a:masterClrMapping/>
+  </p:clrMapOvr>
+</p:sld>
+</file>
+
 <file path=ppt/slides/slide4.xml><?xml version="1.0" encoding="utf-8"?>
 <p:sld xmlns:a="http://schemas.openxmlformats.org/drawingml/2006/main" xmlns:r="http://schemas.openxmlformats.org/officeDocument/2006/relationships" xmlns:p="http://schemas.openxmlformats.org/presentationml/2006/main">
   <p:cSld>
@@ -41817,6 +43579,3043 @@
         </p:spPr>
       </p:pic>
     </p:spTree>
+  </p:cSld>
+  <p:clrMapOvr>
+    <a:masterClrMapping/>
+  </p:clrMapOvr>
+</p:sld>
+</file>
+
+<file path=ppt/slides/slide40.xml><?xml version="1.0" encoding="utf-8"?>
+<p:sld xmlns:a="http://schemas.openxmlformats.org/drawingml/2006/main" xmlns:r="http://schemas.openxmlformats.org/officeDocument/2006/relationships" xmlns:p="http://schemas.openxmlformats.org/presentationml/2006/main">
+  <p:cSld>
+    <p:spTree>
+      <p:nvGrpSpPr>
+        <p:cNvPr id="1" name="Shape 499">
+          <a:extLst>
+            <a:ext uri="{FF2B5EF4-FFF2-40B4-BE49-F238E27FC236}">
+              <a16:creationId xmlns:a16="http://schemas.microsoft.com/office/drawing/2014/main" id="{99911990-B946-190E-40D0-C10E546B786A}"/>
+            </a:ext>
+          </a:extLst>
+        </p:cNvPr>
+        <p:cNvGrpSpPr/>
+        <p:nvPr/>
+      </p:nvGrpSpPr>
+      <p:grpSpPr>
+        <a:xfrm>
+          <a:off x="0" y="0"/>
+          <a:ext cx="0" cy="0"/>
+          <a:chOff x="0" y="0"/>
+          <a:chExt cx="0" cy="0"/>
+        </a:xfrm>
+      </p:grpSpPr>
+      <p:sp>
+        <p:nvSpPr>
+          <p:cNvPr id="500" name="Google Shape;500;p30">
+            <a:extLst>
+              <a:ext uri="{FF2B5EF4-FFF2-40B4-BE49-F238E27FC236}">
+                <a16:creationId xmlns:a16="http://schemas.microsoft.com/office/drawing/2014/main" id="{79BB7070-2121-99AE-CD32-195FA28319EE}"/>
+              </a:ext>
+            </a:extLst>
+          </p:cNvPr>
+          <p:cNvSpPr txBox="1">
+            <a:spLocks noGrp="1"/>
+          </p:cNvSpPr>
+          <p:nvPr>
+            <p:ph type="title"/>
+          </p:nvPr>
+        </p:nvSpPr>
+        <p:spPr>
+          <a:xfrm flipH="1">
+            <a:off x="1544363" y="801719"/>
+            <a:ext cx="7599634" cy="1104600"/>
+          </a:xfrm>
+          <a:prstGeom prst="rect">
+            <a:avLst/>
+          </a:prstGeom>
+        </p:spPr>
+        <p:txBody>
+          <a:bodyPr spcFirstLastPara="1" wrap="square" lIns="91425" tIns="91425" rIns="91425" bIns="91425" anchor="ctr" anchorCtr="0">
+            <a:noAutofit/>
+          </a:bodyPr>
+          <a:lstStyle/>
+          <a:p>
+            <a:pPr marL="0" lvl="0" indent="0" algn="l" rtl="0">
+              <a:spcBef>
+                <a:spcPts val="0"/>
+              </a:spcBef>
+              <a:spcAft>
+                <a:spcPts val="0"/>
+              </a:spcAft>
+              <a:buNone/>
+            </a:pPr>
+            <a:r>
+              <a:rPr lang="pt-BR" sz="5000" dirty="0"/>
+              <a:t>Evolução das Redes</a:t>
+            </a:r>
+            <a:endParaRPr lang="pt-BR" sz="5000" dirty="0">
+              <a:solidFill>
+                <a:schemeClr val="accent6"/>
+              </a:solidFill>
+            </a:endParaRPr>
+          </a:p>
+        </p:txBody>
+      </p:sp>
+      <p:sp>
+        <p:nvSpPr>
+          <p:cNvPr id="505" name="Google Shape;505;p30">
+            <a:extLst>
+              <a:ext uri="{FF2B5EF4-FFF2-40B4-BE49-F238E27FC236}">
+                <a16:creationId xmlns:a16="http://schemas.microsoft.com/office/drawing/2014/main" id="{93CEAE39-890A-213E-0380-BF4BB7A350EC}"/>
+              </a:ext>
+            </a:extLst>
+          </p:cNvPr>
+          <p:cNvSpPr txBox="1">
+            <a:spLocks noGrp="1"/>
+          </p:cNvSpPr>
+          <p:nvPr>
+            <p:ph type="subTitle" idx="4294967295"/>
+          </p:nvPr>
+        </p:nvSpPr>
+        <p:spPr>
+          <a:xfrm>
+            <a:off x="710125" y="4694725"/>
+            <a:ext cx="4865100" cy="357300"/>
+          </a:xfrm>
+          <a:prstGeom prst="rect">
+            <a:avLst/>
+          </a:prstGeom>
+        </p:spPr>
+        <p:txBody>
+          <a:bodyPr spcFirstLastPara="1" wrap="square" lIns="91425" tIns="91425" rIns="91425" bIns="91425" anchor="ctr" anchorCtr="0">
+            <a:noAutofit/>
+          </a:bodyPr>
+          <a:lstStyle/>
+          <a:p>
+            <a:pPr marL="0" lvl="0" indent="0" algn="l" rtl="0">
+              <a:spcBef>
+                <a:spcPts val="0"/>
+              </a:spcBef>
+              <a:spcAft>
+                <a:spcPts val="0"/>
+              </a:spcAft>
+              <a:buNone/>
+            </a:pPr>
+            <a:r>
+              <a:rPr lang="en" sz="1400">
+                <a:solidFill>
+                  <a:schemeClr val="accent3"/>
+                </a:solidFill>
+              </a:rPr>
+              <a:t>Programming Language</a:t>
+            </a:r>
+            <a:endParaRPr sz="1400">
+              <a:solidFill>
+                <a:schemeClr val="accent3"/>
+              </a:solidFill>
+            </a:endParaRPr>
+          </a:p>
+        </p:txBody>
+      </p:sp>
+      <p:sp>
+        <p:nvSpPr>
+          <p:cNvPr id="506" name="Google Shape;506;p30">
+            <a:extLst>
+              <a:ext uri="{FF2B5EF4-FFF2-40B4-BE49-F238E27FC236}">
+                <a16:creationId xmlns:a16="http://schemas.microsoft.com/office/drawing/2014/main" id="{E94122E1-2D0D-1044-CEFC-A633C0833DF1}"/>
+              </a:ext>
+            </a:extLst>
+          </p:cNvPr>
+          <p:cNvSpPr txBox="1">
+            <a:spLocks noGrp="1"/>
+          </p:cNvSpPr>
+          <p:nvPr>
+            <p:ph type="subTitle" idx="4294967295"/>
+          </p:nvPr>
+        </p:nvSpPr>
+        <p:spPr>
+          <a:xfrm>
+            <a:off x="-5975" y="91525"/>
+            <a:ext cx="4572000" cy="357300"/>
+          </a:xfrm>
+          <a:prstGeom prst="rect">
+            <a:avLst/>
+          </a:prstGeom>
+        </p:spPr>
+        <p:txBody>
+          <a:bodyPr spcFirstLastPara="1" wrap="square" lIns="91425" tIns="91425" rIns="91425" bIns="91425" anchor="ctr" anchorCtr="0">
+            <a:noAutofit/>
+          </a:bodyPr>
+          <a:lstStyle/>
+          <a:p>
+            <a:pPr marL="0" lvl="0" indent="0" algn="ctr" rtl="0">
+              <a:spcBef>
+                <a:spcPts val="0"/>
+              </a:spcBef>
+              <a:spcAft>
+                <a:spcPts val="0"/>
+              </a:spcAft>
+              <a:buNone/>
+            </a:pPr>
+            <a:r>
+              <a:rPr lang="en" sz="1400">
+                <a:solidFill>
+                  <a:schemeClr val="accent3"/>
+                </a:solidFill>
+              </a:rPr>
+              <a:t>forbeginners.html</a:t>
+            </a:r>
+            <a:endParaRPr sz="1400">
+              <a:solidFill>
+                <a:schemeClr val="accent3"/>
+              </a:solidFill>
+            </a:endParaRPr>
+          </a:p>
+        </p:txBody>
+      </p:sp>
+      <p:sp>
+        <p:nvSpPr>
+          <p:cNvPr id="507" name="Google Shape;507;p30">
+            <a:extLst>
+              <a:ext uri="{FF2B5EF4-FFF2-40B4-BE49-F238E27FC236}">
+                <a16:creationId xmlns:a16="http://schemas.microsoft.com/office/drawing/2014/main" id="{12310BFE-1A29-9425-A97D-6D2175B10949}"/>
+              </a:ext>
+            </a:extLst>
+          </p:cNvPr>
+          <p:cNvSpPr txBox="1">
+            <a:spLocks noGrp="1"/>
+          </p:cNvSpPr>
+          <p:nvPr>
+            <p:ph type="subTitle" idx="4294967295"/>
+          </p:nvPr>
+        </p:nvSpPr>
+        <p:spPr>
+          <a:xfrm>
+            <a:off x="4572000" y="91525"/>
+            <a:ext cx="4572000" cy="357300"/>
+          </a:xfrm>
+          <a:prstGeom prst="rect">
+            <a:avLst/>
+          </a:prstGeom>
+        </p:spPr>
+        <p:txBody>
+          <a:bodyPr spcFirstLastPara="1" wrap="square" lIns="91425" tIns="91425" rIns="91425" bIns="91425" anchor="ctr" anchorCtr="0">
+            <a:noAutofit/>
+          </a:bodyPr>
+          <a:lstStyle/>
+          <a:p>
+            <a:pPr marL="0" lvl="0" indent="0" algn="ctr" rtl="0">
+              <a:spcBef>
+                <a:spcPts val="0"/>
+              </a:spcBef>
+              <a:spcAft>
+                <a:spcPts val="0"/>
+              </a:spcAft>
+              <a:buNone/>
+            </a:pPr>
+            <a:r>
+              <a:rPr lang="en" sz="1400">
+                <a:solidFill>
+                  <a:schemeClr val="accent3"/>
+                </a:solidFill>
+              </a:rPr>
+              <a:t>workshop.css</a:t>
+            </a:r>
+            <a:endParaRPr sz="1400">
+              <a:solidFill>
+                <a:schemeClr val="accent3"/>
+              </a:solidFill>
+            </a:endParaRPr>
+          </a:p>
+        </p:txBody>
+      </p:sp>
+      <p:sp>
+        <p:nvSpPr>
+          <p:cNvPr id="5" name="Title 4">
+            <a:extLst>
+              <a:ext uri="{FF2B5EF4-FFF2-40B4-BE49-F238E27FC236}">
+                <a16:creationId xmlns:a16="http://schemas.microsoft.com/office/drawing/2014/main" id="{9E726DA0-C2BF-C944-6418-571920AADC03}"/>
+              </a:ext>
+            </a:extLst>
+          </p:cNvPr>
+          <p:cNvSpPr>
+            <a:spLocks noGrp="1"/>
+          </p:cNvSpPr>
+          <p:nvPr>
+            <p:ph type="title" idx="2"/>
+          </p:nvPr>
+        </p:nvSpPr>
+        <p:spPr>
+          <a:xfrm>
+            <a:off x="1544364" y="2304025"/>
+            <a:ext cx="7599636" cy="2295684"/>
+          </a:xfrm>
+        </p:spPr>
+        <p:txBody>
+          <a:bodyPr/>
+          <a:lstStyle/>
+          <a:p>
+            <a:pPr>
+              <a:lnSpc>
+                <a:spcPts val="1425"/>
+              </a:lnSpc>
+              <a:buNone/>
+            </a:pPr>
+            <a:r>
+              <a:rPr lang="pt-BR" sz="1800" dirty="0">
+                <a:solidFill>
+                  <a:schemeClr val="accent3"/>
+                </a:solidFill>
+                <a:latin typeface="Consolas" panose="020B0609020204030204" pitchFamily="49" charset="0"/>
+              </a:rPr>
+              <a:t>- Décadas de 1960-70: ARPANET, uso acadêmico e militar.</a:t>
+            </a:r>
+            <a:br>
+              <a:rPr lang="pt-BR" sz="1800" dirty="0">
+                <a:solidFill>
+                  <a:schemeClr val="accent3"/>
+                </a:solidFill>
+                <a:latin typeface="Consolas" panose="020B0609020204030204" pitchFamily="49" charset="0"/>
+              </a:rPr>
+            </a:br>
+            <a:br>
+              <a:rPr lang="pt-BR" sz="1800" dirty="0">
+                <a:solidFill>
+                  <a:schemeClr val="accent3"/>
+                </a:solidFill>
+                <a:latin typeface="Consolas" panose="020B0609020204030204" pitchFamily="49" charset="0"/>
+              </a:rPr>
+            </a:br>
+            <a:r>
+              <a:rPr lang="pt-BR" sz="1800" dirty="0">
+                <a:solidFill>
+                  <a:schemeClr val="accent3"/>
+                </a:solidFill>
+                <a:latin typeface="Consolas" panose="020B0609020204030204" pitchFamily="49" charset="0"/>
+              </a:rPr>
+              <a:t>- 1980: Redes locais (LAN), crescimento de protocolos como TCP/IP.</a:t>
+            </a:r>
+            <a:br>
+              <a:rPr lang="pt-BR" sz="1800" dirty="0">
+                <a:solidFill>
+                  <a:schemeClr val="accent3"/>
+                </a:solidFill>
+                <a:latin typeface="Consolas" panose="020B0609020204030204" pitchFamily="49" charset="0"/>
+              </a:rPr>
+            </a:br>
+            <a:br>
+              <a:rPr lang="pt-BR" sz="1800" dirty="0">
+                <a:solidFill>
+                  <a:schemeClr val="accent3"/>
+                </a:solidFill>
+                <a:latin typeface="Consolas" panose="020B0609020204030204" pitchFamily="49" charset="0"/>
+              </a:rPr>
+            </a:br>
+            <a:r>
+              <a:rPr lang="pt-BR" sz="1800" dirty="0">
+                <a:solidFill>
+                  <a:schemeClr val="accent3"/>
+                </a:solidFill>
+                <a:latin typeface="Consolas" panose="020B0609020204030204" pitchFamily="49" charset="0"/>
+              </a:rPr>
+              <a:t>- 1990 em diante: Expansão da Internet, redes sem fio, IoT.</a:t>
+            </a:r>
+            <a:br>
+              <a:rPr lang="pt-BR" sz="1800" dirty="0">
+                <a:solidFill>
+                  <a:schemeClr val="accent3"/>
+                </a:solidFill>
+                <a:latin typeface="Consolas" panose="020B0609020204030204" pitchFamily="49" charset="0"/>
+              </a:rPr>
+            </a:br>
+            <a:br>
+              <a:rPr lang="pt-BR" sz="1800" dirty="0">
+                <a:solidFill>
+                  <a:schemeClr val="accent3"/>
+                </a:solidFill>
+                <a:latin typeface="Consolas" panose="020B0609020204030204" pitchFamily="49" charset="0"/>
+              </a:rPr>
+            </a:br>
+            <a:r>
+              <a:rPr lang="pt-BR" sz="1800" dirty="0">
+                <a:solidFill>
+                  <a:schemeClr val="accent3"/>
+                </a:solidFill>
+                <a:latin typeface="Consolas" panose="020B0609020204030204" pitchFamily="49" charset="0"/>
+              </a:rPr>
+              <a:t>- Hoje: Redes definidas por software (SDN), 5G, redes em nuvem.</a:t>
+            </a:r>
+            <a:endParaRPr lang="pt-BR" sz="1800" b="0" dirty="0">
+              <a:solidFill>
+                <a:srgbClr val="ABB2BF"/>
+              </a:solidFill>
+              <a:effectLst/>
+              <a:latin typeface="Consolas" panose="020B0609020204030204" pitchFamily="49" charset="0"/>
+            </a:endParaRPr>
+          </a:p>
+        </p:txBody>
+      </p:sp>
+    </p:spTree>
+    <p:extLst>
+      <p:ext uri="{BB962C8B-B14F-4D97-AF65-F5344CB8AC3E}">
+        <p14:creationId xmlns:p14="http://schemas.microsoft.com/office/powerpoint/2010/main" val="2356691341"/>
+      </p:ext>
+    </p:extLst>
+  </p:cSld>
+  <p:clrMapOvr>
+    <a:masterClrMapping/>
+  </p:clrMapOvr>
+</p:sld>
+</file>
+
+<file path=ppt/slides/slide41.xml><?xml version="1.0" encoding="utf-8"?>
+<p:sld xmlns:a="http://schemas.openxmlformats.org/drawingml/2006/main" xmlns:r="http://schemas.openxmlformats.org/officeDocument/2006/relationships" xmlns:p="http://schemas.openxmlformats.org/presentationml/2006/main">
+  <p:cSld>
+    <p:spTree>
+      <p:nvGrpSpPr>
+        <p:cNvPr id="1" name="Shape 499">
+          <a:extLst>
+            <a:ext uri="{FF2B5EF4-FFF2-40B4-BE49-F238E27FC236}">
+              <a16:creationId xmlns:a16="http://schemas.microsoft.com/office/drawing/2014/main" id="{840DCD51-A521-0348-3BAC-B5FC2D53607E}"/>
+            </a:ext>
+          </a:extLst>
+        </p:cNvPr>
+        <p:cNvGrpSpPr/>
+        <p:nvPr/>
+      </p:nvGrpSpPr>
+      <p:grpSpPr>
+        <a:xfrm>
+          <a:off x="0" y="0"/>
+          <a:ext cx="0" cy="0"/>
+          <a:chOff x="0" y="0"/>
+          <a:chExt cx="0" cy="0"/>
+        </a:xfrm>
+      </p:grpSpPr>
+      <p:sp>
+        <p:nvSpPr>
+          <p:cNvPr id="500" name="Google Shape;500;p30">
+            <a:extLst>
+              <a:ext uri="{FF2B5EF4-FFF2-40B4-BE49-F238E27FC236}">
+                <a16:creationId xmlns:a16="http://schemas.microsoft.com/office/drawing/2014/main" id="{B0308406-1419-B107-4024-33A10274894E}"/>
+              </a:ext>
+            </a:extLst>
+          </p:cNvPr>
+          <p:cNvSpPr txBox="1">
+            <a:spLocks noGrp="1"/>
+          </p:cNvSpPr>
+          <p:nvPr>
+            <p:ph type="title"/>
+          </p:nvPr>
+        </p:nvSpPr>
+        <p:spPr>
+          <a:xfrm flipH="1">
+            <a:off x="1544363" y="801719"/>
+            <a:ext cx="7599634" cy="1104600"/>
+          </a:xfrm>
+          <a:prstGeom prst="rect">
+            <a:avLst/>
+          </a:prstGeom>
+        </p:spPr>
+        <p:txBody>
+          <a:bodyPr spcFirstLastPara="1" wrap="square" lIns="91425" tIns="91425" rIns="91425" bIns="91425" anchor="ctr" anchorCtr="0">
+            <a:noAutofit/>
+          </a:bodyPr>
+          <a:lstStyle/>
+          <a:p>
+            <a:pPr marL="0" lvl="0" indent="0" algn="l" rtl="0">
+              <a:spcBef>
+                <a:spcPts val="0"/>
+              </a:spcBef>
+              <a:spcAft>
+                <a:spcPts val="0"/>
+              </a:spcAft>
+              <a:buNone/>
+            </a:pPr>
+            <a:r>
+              <a:rPr lang="pt-BR" sz="5000" dirty="0"/>
+              <a:t>Tipos e Características</a:t>
+            </a:r>
+            <a:endParaRPr lang="pt-BR" sz="5000" dirty="0">
+              <a:solidFill>
+                <a:schemeClr val="accent6"/>
+              </a:solidFill>
+            </a:endParaRPr>
+          </a:p>
+        </p:txBody>
+      </p:sp>
+      <p:sp>
+        <p:nvSpPr>
+          <p:cNvPr id="505" name="Google Shape;505;p30">
+            <a:extLst>
+              <a:ext uri="{FF2B5EF4-FFF2-40B4-BE49-F238E27FC236}">
+                <a16:creationId xmlns:a16="http://schemas.microsoft.com/office/drawing/2014/main" id="{B3B079A4-017A-48C2-DCD4-F9BC70ED88D3}"/>
+              </a:ext>
+            </a:extLst>
+          </p:cNvPr>
+          <p:cNvSpPr txBox="1">
+            <a:spLocks noGrp="1"/>
+          </p:cNvSpPr>
+          <p:nvPr>
+            <p:ph type="subTitle" idx="4294967295"/>
+          </p:nvPr>
+        </p:nvSpPr>
+        <p:spPr>
+          <a:xfrm>
+            <a:off x="710125" y="4694725"/>
+            <a:ext cx="4865100" cy="357300"/>
+          </a:xfrm>
+          <a:prstGeom prst="rect">
+            <a:avLst/>
+          </a:prstGeom>
+        </p:spPr>
+        <p:txBody>
+          <a:bodyPr spcFirstLastPara="1" wrap="square" lIns="91425" tIns="91425" rIns="91425" bIns="91425" anchor="ctr" anchorCtr="0">
+            <a:noAutofit/>
+          </a:bodyPr>
+          <a:lstStyle/>
+          <a:p>
+            <a:pPr marL="0" lvl="0" indent="0" algn="l" rtl="0">
+              <a:spcBef>
+                <a:spcPts val="0"/>
+              </a:spcBef>
+              <a:spcAft>
+                <a:spcPts val="0"/>
+              </a:spcAft>
+              <a:buNone/>
+            </a:pPr>
+            <a:r>
+              <a:rPr lang="en" sz="1400">
+                <a:solidFill>
+                  <a:schemeClr val="accent3"/>
+                </a:solidFill>
+              </a:rPr>
+              <a:t>Programming Language</a:t>
+            </a:r>
+            <a:endParaRPr sz="1400">
+              <a:solidFill>
+                <a:schemeClr val="accent3"/>
+              </a:solidFill>
+            </a:endParaRPr>
+          </a:p>
+        </p:txBody>
+      </p:sp>
+      <p:sp>
+        <p:nvSpPr>
+          <p:cNvPr id="506" name="Google Shape;506;p30">
+            <a:extLst>
+              <a:ext uri="{FF2B5EF4-FFF2-40B4-BE49-F238E27FC236}">
+                <a16:creationId xmlns:a16="http://schemas.microsoft.com/office/drawing/2014/main" id="{F73E506B-D717-2087-FFEF-BD0BC3E121E4}"/>
+              </a:ext>
+            </a:extLst>
+          </p:cNvPr>
+          <p:cNvSpPr txBox="1">
+            <a:spLocks noGrp="1"/>
+          </p:cNvSpPr>
+          <p:nvPr>
+            <p:ph type="subTitle" idx="4294967295"/>
+          </p:nvPr>
+        </p:nvSpPr>
+        <p:spPr>
+          <a:xfrm>
+            <a:off x="-5975" y="91525"/>
+            <a:ext cx="4572000" cy="357300"/>
+          </a:xfrm>
+          <a:prstGeom prst="rect">
+            <a:avLst/>
+          </a:prstGeom>
+        </p:spPr>
+        <p:txBody>
+          <a:bodyPr spcFirstLastPara="1" wrap="square" lIns="91425" tIns="91425" rIns="91425" bIns="91425" anchor="ctr" anchorCtr="0">
+            <a:noAutofit/>
+          </a:bodyPr>
+          <a:lstStyle/>
+          <a:p>
+            <a:pPr marL="0" lvl="0" indent="0" algn="ctr" rtl="0">
+              <a:spcBef>
+                <a:spcPts val="0"/>
+              </a:spcBef>
+              <a:spcAft>
+                <a:spcPts val="0"/>
+              </a:spcAft>
+              <a:buNone/>
+            </a:pPr>
+            <a:r>
+              <a:rPr lang="en" sz="1400">
+                <a:solidFill>
+                  <a:schemeClr val="accent3"/>
+                </a:solidFill>
+              </a:rPr>
+              <a:t>forbeginners.html</a:t>
+            </a:r>
+            <a:endParaRPr sz="1400">
+              <a:solidFill>
+                <a:schemeClr val="accent3"/>
+              </a:solidFill>
+            </a:endParaRPr>
+          </a:p>
+        </p:txBody>
+      </p:sp>
+      <p:sp>
+        <p:nvSpPr>
+          <p:cNvPr id="507" name="Google Shape;507;p30">
+            <a:extLst>
+              <a:ext uri="{FF2B5EF4-FFF2-40B4-BE49-F238E27FC236}">
+                <a16:creationId xmlns:a16="http://schemas.microsoft.com/office/drawing/2014/main" id="{E74F3BFE-B433-155D-0255-6275C20BECF0}"/>
+              </a:ext>
+            </a:extLst>
+          </p:cNvPr>
+          <p:cNvSpPr txBox="1">
+            <a:spLocks noGrp="1"/>
+          </p:cNvSpPr>
+          <p:nvPr>
+            <p:ph type="subTitle" idx="4294967295"/>
+          </p:nvPr>
+        </p:nvSpPr>
+        <p:spPr>
+          <a:xfrm>
+            <a:off x="4572000" y="91525"/>
+            <a:ext cx="4572000" cy="357300"/>
+          </a:xfrm>
+          <a:prstGeom prst="rect">
+            <a:avLst/>
+          </a:prstGeom>
+        </p:spPr>
+        <p:txBody>
+          <a:bodyPr spcFirstLastPara="1" wrap="square" lIns="91425" tIns="91425" rIns="91425" bIns="91425" anchor="ctr" anchorCtr="0">
+            <a:noAutofit/>
+          </a:bodyPr>
+          <a:lstStyle/>
+          <a:p>
+            <a:pPr marL="0" lvl="0" indent="0" algn="ctr" rtl="0">
+              <a:spcBef>
+                <a:spcPts val="0"/>
+              </a:spcBef>
+              <a:spcAft>
+                <a:spcPts val="0"/>
+              </a:spcAft>
+              <a:buNone/>
+            </a:pPr>
+            <a:r>
+              <a:rPr lang="en" sz="1400">
+                <a:solidFill>
+                  <a:schemeClr val="accent3"/>
+                </a:solidFill>
+              </a:rPr>
+              <a:t>workshop.css</a:t>
+            </a:r>
+            <a:endParaRPr sz="1400">
+              <a:solidFill>
+                <a:schemeClr val="accent3"/>
+              </a:solidFill>
+            </a:endParaRPr>
+          </a:p>
+        </p:txBody>
+      </p:sp>
+      <p:sp>
+        <p:nvSpPr>
+          <p:cNvPr id="5" name="Title 4">
+            <a:extLst>
+              <a:ext uri="{FF2B5EF4-FFF2-40B4-BE49-F238E27FC236}">
+                <a16:creationId xmlns:a16="http://schemas.microsoft.com/office/drawing/2014/main" id="{EEB65E00-6D3E-E444-1CEF-B4F576C7CBD6}"/>
+              </a:ext>
+            </a:extLst>
+          </p:cNvPr>
+          <p:cNvSpPr>
+            <a:spLocks noGrp="1"/>
+          </p:cNvSpPr>
+          <p:nvPr>
+            <p:ph type="title" idx="2"/>
+          </p:nvPr>
+        </p:nvSpPr>
+        <p:spPr>
+          <a:xfrm>
+            <a:off x="1544364" y="2304025"/>
+            <a:ext cx="7599636" cy="2295684"/>
+          </a:xfrm>
+        </p:spPr>
+        <p:txBody>
+          <a:bodyPr/>
+          <a:lstStyle/>
+          <a:p>
+            <a:pPr>
+              <a:lnSpc>
+                <a:spcPts val="1425"/>
+              </a:lnSpc>
+              <a:buNone/>
+            </a:pPr>
+            <a:r>
+              <a:rPr lang="pt-BR" sz="1800" dirty="0">
+                <a:solidFill>
+                  <a:schemeClr val="accent3"/>
+                </a:solidFill>
+                <a:latin typeface="Consolas" panose="020B0609020204030204" pitchFamily="49" charset="0"/>
+              </a:rPr>
+              <a:t>- LAN (Local Area Network): Reduzido alcance (empresa, escola).</a:t>
+            </a:r>
+            <a:br>
+              <a:rPr lang="pt-BR" sz="1800" dirty="0">
+                <a:solidFill>
+                  <a:schemeClr val="accent3"/>
+                </a:solidFill>
+                <a:latin typeface="Consolas" panose="020B0609020204030204" pitchFamily="49" charset="0"/>
+              </a:rPr>
+            </a:br>
+            <a:br>
+              <a:rPr lang="pt-BR" sz="1800" dirty="0">
+                <a:solidFill>
+                  <a:schemeClr val="accent3"/>
+                </a:solidFill>
+                <a:latin typeface="Consolas" panose="020B0609020204030204" pitchFamily="49" charset="0"/>
+              </a:rPr>
+            </a:br>
+            <a:r>
+              <a:rPr lang="pt-BR" sz="1800" dirty="0">
+                <a:solidFill>
+                  <a:schemeClr val="accent3"/>
+                </a:solidFill>
+                <a:latin typeface="Consolas" panose="020B0609020204030204" pitchFamily="49" charset="0"/>
+              </a:rPr>
+              <a:t>- MAN (Metropolitan Area Network): Abrange uma cidade.</a:t>
+            </a:r>
+            <a:br>
+              <a:rPr lang="pt-BR" sz="1800" dirty="0">
+                <a:solidFill>
+                  <a:schemeClr val="accent3"/>
+                </a:solidFill>
+                <a:latin typeface="Consolas" panose="020B0609020204030204" pitchFamily="49" charset="0"/>
+              </a:rPr>
+            </a:br>
+            <a:br>
+              <a:rPr lang="pt-BR" sz="1800" dirty="0">
+                <a:solidFill>
+                  <a:schemeClr val="accent3"/>
+                </a:solidFill>
+                <a:latin typeface="Consolas" panose="020B0609020204030204" pitchFamily="49" charset="0"/>
+              </a:rPr>
+            </a:br>
+            <a:r>
+              <a:rPr lang="pt-BR" sz="1800" dirty="0">
+                <a:solidFill>
+                  <a:schemeClr val="accent3"/>
+                </a:solidFill>
+                <a:latin typeface="Consolas" panose="020B0609020204030204" pitchFamily="49" charset="0"/>
+              </a:rPr>
+              <a:t>- WAN (Wide Area Network): Grandes distâncias (</a:t>
+            </a:r>
+            <a:r>
+              <a:rPr lang="pt-BR" sz="1800" dirty="0" err="1">
+                <a:solidFill>
+                  <a:schemeClr val="accent3"/>
+                </a:solidFill>
+                <a:latin typeface="Consolas" panose="020B0609020204030204" pitchFamily="49" charset="0"/>
+              </a:rPr>
+              <a:t>ex</a:t>
+            </a:r>
+            <a:r>
+              <a:rPr lang="pt-BR" sz="1800" dirty="0">
+                <a:solidFill>
+                  <a:schemeClr val="accent3"/>
+                </a:solidFill>
+                <a:latin typeface="Consolas" panose="020B0609020204030204" pitchFamily="49" charset="0"/>
+              </a:rPr>
+              <a:t>: Internet).</a:t>
+            </a:r>
+            <a:br>
+              <a:rPr lang="pt-BR" sz="1800" dirty="0">
+                <a:solidFill>
+                  <a:schemeClr val="accent3"/>
+                </a:solidFill>
+                <a:latin typeface="Consolas" panose="020B0609020204030204" pitchFamily="49" charset="0"/>
+              </a:rPr>
+            </a:br>
+            <a:br>
+              <a:rPr lang="pt-BR" sz="1800" dirty="0">
+                <a:solidFill>
+                  <a:schemeClr val="accent3"/>
+                </a:solidFill>
+                <a:latin typeface="Consolas" panose="020B0609020204030204" pitchFamily="49" charset="0"/>
+              </a:rPr>
+            </a:br>
+            <a:r>
+              <a:rPr lang="pt-BR" sz="1800" dirty="0">
+                <a:solidFill>
+                  <a:schemeClr val="accent3"/>
+                </a:solidFill>
+                <a:latin typeface="Consolas" panose="020B0609020204030204" pitchFamily="49" charset="0"/>
+              </a:rPr>
+              <a:t>- PAN (Personal Area Network): Pequeno alcance (Bluetooth).</a:t>
+            </a:r>
+            <a:endParaRPr lang="pt-BR" sz="1800" b="0" dirty="0">
+              <a:solidFill>
+                <a:srgbClr val="ABB2BF"/>
+              </a:solidFill>
+              <a:effectLst/>
+              <a:latin typeface="Consolas" panose="020B0609020204030204" pitchFamily="49" charset="0"/>
+            </a:endParaRPr>
+          </a:p>
+        </p:txBody>
+      </p:sp>
+    </p:spTree>
+    <p:extLst>
+      <p:ext uri="{BB962C8B-B14F-4D97-AF65-F5344CB8AC3E}">
+        <p14:creationId xmlns:p14="http://schemas.microsoft.com/office/powerpoint/2010/main" val="3351571233"/>
+      </p:ext>
+    </p:extLst>
+  </p:cSld>
+  <p:clrMapOvr>
+    <a:masterClrMapping/>
+  </p:clrMapOvr>
+</p:sld>
+</file>
+
+<file path=ppt/slides/slide42.xml><?xml version="1.0" encoding="utf-8"?>
+<p:sld xmlns:a="http://schemas.openxmlformats.org/drawingml/2006/main" xmlns:r="http://schemas.openxmlformats.org/officeDocument/2006/relationships" xmlns:p="http://schemas.openxmlformats.org/presentationml/2006/main">
+  <p:cSld>
+    <p:spTree>
+      <p:nvGrpSpPr>
+        <p:cNvPr id="1" name="Shape 499">
+          <a:extLst>
+            <a:ext uri="{FF2B5EF4-FFF2-40B4-BE49-F238E27FC236}">
+              <a16:creationId xmlns:a16="http://schemas.microsoft.com/office/drawing/2014/main" id="{2D30D1B3-01C7-5136-E0DC-42730C58706F}"/>
+            </a:ext>
+          </a:extLst>
+        </p:cNvPr>
+        <p:cNvGrpSpPr/>
+        <p:nvPr/>
+      </p:nvGrpSpPr>
+      <p:grpSpPr>
+        <a:xfrm>
+          <a:off x="0" y="0"/>
+          <a:ext cx="0" cy="0"/>
+          <a:chOff x="0" y="0"/>
+          <a:chExt cx="0" cy="0"/>
+        </a:xfrm>
+      </p:grpSpPr>
+      <p:sp>
+        <p:nvSpPr>
+          <p:cNvPr id="500" name="Google Shape;500;p30">
+            <a:extLst>
+              <a:ext uri="{FF2B5EF4-FFF2-40B4-BE49-F238E27FC236}">
+                <a16:creationId xmlns:a16="http://schemas.microsoft.com/office/drawing/2014/main" id="{41894D91-52C6-5DF3-066A-BD47E487A650}"/>
+              </a:ext>
+            </a:extLst>
+          </p:cNvPr>
+          <p:cNvSpPr txBox="1">
+            <a:spLocks noGrp="1"/>
+          </p:cNvSpPr>
+          <p:nvPr>
+            <p:ph type="title"/>
+          </p:nvPr>
+        </p:nvSpPr>
+        <p:spPr>
+          <a:xfrm flipH="1">
+            <a:off x="1544363" y="801719"/>
+            <a:ext cx="7599634" cy="1104600"/>
+          </a:xfrm>
+          <a:prstGeom prst="rect">
+            <a:avLst/>
+          </a:prstGeom>
+        </p:spPr>
+        <p:txBody>
+          <a:bodyPr spcFirstLastPara="1" wrap="square" lIns="91425" tIns="91425" rIns="91425" bIns="91425" anchor="ctr" anchorCtr="0">
+            <a:noAutofit/>
+          </a:bodyPr>
+          <a:lstStyle/>
+          <a:p>
+            <a:pPr marL="0" lvl="0" indent="0" algn="l" rtl="0">
+              <a:spcBef>
+                <a:spcPts val="0"/>
+              </a:spcBef>
+              <a:spcAft>
+                <a:spcPts val="0"/>
+              </a:spcAft>
+              <a:buNone/>
+            </a:pPr>
+            <a:r>
+              <a:rPr lang="pt-BR" sz="5000" dirty="0"/>
+              <a:t>Estrutura de Redes</a:t>
+            </a:r>
+            <a:endParaRPr lang="pt-BR" sz="5000" dirty="0">
+              <a:solidFill>
+                <a:schemeClr val="accent6"/>
+              </a:solidFill>
+            </a:endParaRPr>
+          </a:p>
+        </p:txBody>
+      </p:sp>
+      <p:sp>
+        <p:nvSpPr>
+          <p:cNvPr id="505" name="Google Shape;505;p30">
+            <a:extLst>
+              <a:ext uri="{FF2B5EF4-FFF2-40B4-BE49-F238E27FC236}">
+                <a16:creationId xmlns:a16="http://schemas.microsoft.com/office/drawing/2014/main" id="{26939194-9D3F-2E1F-2B45-AF47464EAB3B}"/>
+              </a:ext>
+            </a:extLst>
+          </p:cNvPr>
+          <p:cNvSpPr txBox="1">
+            <a:spLocks noGrp="1"/>
+          </p:cNvSpPr>
+          <p:nvPr>
+            <p:ph type="subTitle" idx="4294967295"/>
+          </p:nvPr>
+        </p:nvSpPr>
+        <p:spPr>
+          <a:xfrm>
+            <a:off x="710125" y="4694725"/>
+            <a:ext cx="4865100" cy="357300"/>
+          </a:xfrm>
+          <a:prstGeom prst="rect">
+            <a:avLst/>
+          </a:prstGeom>
+        </p:spPr>
+        <p:txBody>
+          <a:bodyPr spcFirstLastPara="1" wrap="square" lIns="91425" tIns="91425" rIns="91425" bIns="91425" anchor="ctr" anchorCtr="0">
+            <a:noAutofit/>
+          </a:bodyPr>
+          <a:lstStyle/>
+          <a:p>
+            <a:pPr marL="0" lvl="0" indent="0" algn="l" rtl="0">
+              <a:spcBef>
+                <a:spcPts val="0"/>
+              </a:spcBef>
+              <a:spcAft>
+                <a:spcPts val="0"/>
+              </a:spcAft>
+              <a:buNone/>
+            </a:pPr>
+            <a:r>
+              <a:rPr lang="en" sz="1400">
+                <a:solidFill>
+                  <a:schemeClr val="accent3"/>
+                </a:solidFill>
+              </a:rPr>
+              <a:t>Programming Language</a:t>
+            </a:r>
+            <a:endParaRPr sz="1400">
+              <a:solidFill>
+                <a:schemeClr val="accent3"/>
+              </a:solidFill>
+            </a:endParaRPr>
+          </a:p>
+        </p:txBody>
+      </p:sp>
+      <p:sp>
+        <p:nvSpPr>
+          <p:cNvPr id="506" name="Google Shape;506;p30">
+            <a:extLst>
+              <a:ext uri="{FF2B5EF4-FFF2-40B4-BE49-F238E27FC236}">
+                <a16:creationId xmlns:a16="http://schemas.microsoft.com/office/drawing/2014/main" id="{7A12DB8B-A351-0834-0691-59B41D9B06C0}"/>
+              </a:ext>
+            </a:extLst>
+          </p:cNvPr>
+          <p:cNvSpPr txBox="1">
+            <a:spLocks noGrp="1"/>
+          </p:cNvSpPr>
+          <p:nvPr>
+            <p:ph type="subTitle" idx="4294967295"/>
+          </p:nvPr>
+        </p:nvSpPr>
+        <p:spPr>
+          <a:xfrm>
+            <a:off x="-5975" y="91525"/>
+            <a:ext cx="4572000" cy="357300"/>
+          </a:xfrm>
+          <a:prstGeom prst="rect">
+            <a:avLst/>
+          </a:prstGeom>
+        </p:spPr>
+        <p:txBody>
+          <a:bodyPr spcFirstLastPara="1" wrap="square" lIns="91425" tIns="91425" rIns="91425" bIns="91425" anchor="ctr" anchorCtr="0">
+            <a:noAutofit/>
+          </a:bodyPr>
+          <a:lstStyle/>
+          <a:p>
+            <a:pPr marL="0" lvl="0" indent="0" algn="ctr" rtl="0">
+              <a:spcBef>
+                <a:spcPts val="0"/>
+              </a:spcBef>
+              <a:spcAft>
+                <a:spcPts val="0"/>
+              </a:spcAft>
+              <a:buNone/>
+            </a:pPr>
+            <a:r>
+              <a:rPr lang="en" sz="1400">
+                <a:solidFill>
+                  <a:schemeClr val="accent3"/>
+                </a:solidFill>
+              </a:rPr>
+              <a:t>forbeginners.html</a:t>
+            </a:r>
+            <a:endParaRPr sz="1400">
+              <a:solidFill>
+                <a:schemeClr val="accent3"/>
+              </a:solidFill>
+            </a:endParaRPr>
+          </a:p>
+        </p:txBody>
+      </p:sp>
+      <p:sp>
+        <p:nvSpPr>
+          <p:cNvPr id="507" name="Google Shape;507;p30">
+            <a:extLst>
+              <a:ext uri="{FF2B5EF4-FFF2-40B4-BE49-F238E27FC236}">
+                <a16:creationId xmlns:a16="http://schemas.microsoft.com/office/drawing/2014/main" id="{3E9631BE-F76F-1F6C-9F5A-846BC27CA9B3}"/>
+              </a:ext>
+            </a:extLst>
+          </p:cNvPr>
+          <p:cNvSpPr txBox="1">
+            <a:spLocks noGrp="1"/>
+          </p:cNvSpPr>
+          <p:nvPr>
+            <p:ph type="subTitle" idx="4294967295"/>
+          </p:nvPr>
+        </p:nvSpPr>
+        <p:spPr>
+          <a:xfrm>
+            <a:off x="4572000" y="91525"/>
+            <a:ext cx="4572000" cy="357300"/>
+          </a:xfrm>
+          <a:prstGeom prst="rect">
+            <a:avLst/>
+          </a:prstGeom>
+        </p:spPr>
+        <p:txBody>
+          <a:bodyPr spcFirstLastPara="1" wrap="square" lIns="91425" tIns="91425" rIns="91425" bIns="91425" anchor="ctr" anchorCtr="0">
+            <a:noAutofit/>
+          </a:bodyPr>
+          <a:lstStyle/>
+          <a:p>
+            <a:pPr marL="0" lvl="0" indent="0" algn="ctr" rtl="0">
+              <a:spcBef>
+                <a:spcPts val="0"/>
+              </a:spcBef>
+              <a:spcAft>
+                <a:spcPts val="0"/>
+              </a:spcAft>
+              <a:buNone/>
+            </a:pPr>
+            <a:r>
+              <a:rPr lang="en" sz="1400">
+                <a:solidFill>
+                  <a:schemeClr val="accent3"/>
+                </a:solidFill>
+              </a:rPr>
+              <a:t>workshop.css</a:t>
+            </a:r>
+            <a:endParaRPr sz="1400">
+              <a:solidFill>
+                <a:schemeClr val="accent3"/>
+              </a:solidFill>
+            </a:endParaRPr>
+          </a:p>
+        </p:txBody>
+      </p:sp>
+      <p:sp>
+        <p:nvSpPr>
+          <p:cNvPr id="5" name="Title 4">
+            <a:extLst>
+              <a:ext uri="{FF2B5EF4-FFF2-40B4-BE49-F238E27FC236}">
+                <a16:creationId xmlns:a16="http://schemas.microsoft.com/office/drawing/2014/main" id="{DCB28C73-834D-DADE-8637-CA217E4A6B04}"/>
+              </a:ext>
+            </a:extLst>
+          </p:cNvPr>
+          <p:cNvSpPr>
+            <a:spLocks noGrp="1"/>
+          </p:cNvSpPr>
+          <p:nvPr>
+            <p:ph type="title" idx="2"/>
+          </p:nvPr>
+        </p:nvSpPr>
+        <p:spPr>
+          <a:xfrm>
+            <a:off x="1544364" y="2304025"/>
+            <a:ext cx="7599636" cy="2295684"/>
+          </a:xfrm>
+        </p:spPr>
+        <p:txBody>
+          <a:bodyPr/>
+          <a:lstStyle/>
+          <a:p>
+            <a:pPr>
+              <a:lnSpc>
+                <a:spcPts val="1425"/>
+              </a:lnSpc>
+              <a:buNone/>
+            </a:pPr>
+            <a:r>
+              <a:rPr lang="pt-BR" sz="1800" dirty="0">
+                <a:solidFill>
+                  <a:schemeClr val="accent3"/>
+                </a:solidFill>
+                <a:latin typeface="Consolas" panose="020B0609020204030204" pitchFamily="49" charset="0"/>
+              </a:rPr>
+              <a:t>- Dispositivos: Roteadores, switches, hubs, servidores, clientes.</a:t>
+            </a:r>
+            <a:br>
+              <a:rPr lang="pt-BR" sz="1800" dirty="0">
+                <a:solidFill>
+                  <a:schemeClr val="accent3"/>
+                </a:solidFill>
+                <a:latin typeface="Consolas" panose="020B0609020204030204" pitchFamily="49" charset="0"/>
+              </a:rPr>
+            </a:br>
+            <a:br>
+              <a:rPr lang="pt-BR" sz="1800" dirty="0">
+                <a:solidFill>
+                  <a:schemeClr val="accent3"/>
+                </a:solidFill>
+                <a:latin typeface="Consolas" panose="020B0609020204030204" pitchFamily="49" charset="0"/>
+              </a:rPr>
+            </a:br>
+            <a:r>
+              <a:rPr lang="pt-BR" sz="1800" dirty="0">
+                <a:solidFill>
+                  <a:schemeClr val="accent3"/>
+                </a:solidFill>
+                <a:latin typeface="Consolas" panose="020B0609020204030204" pitchFamily="49" charset="0"/>
+              </a:rPr>
+              <a:t>- Topologias: Barramento, estrela, anel, malha.</a:t>
+            </a:r>
+            <a:br>
+              <a:rPr lang="pt-BR" sz="1800" dirty="0">
+                <a:solidFill>
+                  <a:schemeClr val="accent3"/>
+                </a:solidFill>
+                <a:latin typeface="Consolas" panose="020B0609020204030204" pitchFamily="49" charset="0"/>
+              </a:rPr>
+            </a:br>
+            <a:br>
+              <a:rPr lang="pt-BR" sz="1800" dirty="0">
+                <a:solidFill>
+                  <a:schemeClr val="accent3"/>
+                </a:solidFill>
+                <a:latin typeface="Consolas" panose="020B0609020204030204" pitchFamily="49" charset="0"/>
+              </a:rPr>
+            </a:br>
+            <a:r>
+              <a:rPr lang="pt-BR" sz="1800" dirty="0">
+                <a:solidFill>
+                  <a:schemeClr val="accent3"/>
+                </a:solidFill>
+                <a:latin typeface="Consolas" panose="020B0609020204030204" pitchFamily="49" charset="0"/>
+              </a:rPr>
+              <a:t>- Meios de transmissão: Cabo coaxial, par trançado, fibra óptica, wireless.</a:t>
+            </a:r>
+            <a:endParaRPr lang="pt-BR" sz="1800" b="0" dirty="0">
+              <a:solidFill>
+                <a:srgbClr val="ABB2BF"/>
+              </a:solidFill>
+              <a:effectLst/>
+              <a:latin typeface="Consolas" panose="020B0609020204030204" pitchFamily="49" charset="0"/>
+            </a:endParaRPr>
+          </a:p>
+        </p:txBody>
+      </p:sp>
+    </p:spTree>
+    <p:extLst>
+      <p:ext uri="{BB962C8B-B14F-4D97-AF65-F5344CB8AC3E}">
+        <p14:creationId xmlns:p14="http://schemas.microsoft.com/office/powerpoint/2010/main" val="1271975238"/>
+      </p:ext>
+    </p:extLst>
+  </p:cSld>
+  <p:clrMapOvr>
+    <a:masterClrMapping/>
+  </p:clrMapOvr>
+</p:sld>
+</file>
+
+<file path=ppt/slides/slide43.xml><?xml version="1.0" encoding="utf-8"?>
+<p:sld xmlns:a="http://schemas.openxmlformats.org/drawingml/2006/main" xmlns:r="http://schemas.openxmlformats.org/officeDocument/2006/relationships" xmlns:p="http://schemas.openxmlformats.org/presentationml/2006/main">
+  <p:cSld>
+    <p:spTree>
+      <p:nvGrpSpPr>
+        <p:cNvPr id="1" name="Shape 499">
+          <a:extLst>
+            <a:ext uri="{FF2B5EF4-FFF2-40B4-BE49-F238E27FC236}">
+              <a16:creationId xmlns:a16="http://schemas.microsoft.com/office/drawing/2014/main" id="{CEA9248C-1839-D257-849D-EE268EDE9673}"/>
+            </a:ext>
+          </a:extLst>
+        </p:cNvPr>
+        <p:cNvGrpSpPr/>
+        <p:nvPr/>
+      </p:nvGrpSpPr>
+      <p:grpSpPr>
+        <a:xfrm>
+          <a:off x="0" y="0"/>
+          <a:ext cx="0" cy="0"/>
+          <a:chOff x="0" y="0"/>
+          <a:chExt cx="0" cy="0"/>
+        </a:xfrm>
+      </p:grpSpPr>
+      <p:sp>
+        <p:nvSpPr>
+          <p:cNvPr id="500" name="Google Shape;500;p30">
+            <a:extLst>
+              <a:ext uri="{FF2B5EF4-FFF2-40B4-BE49-F238E27FC236}">
+                <a16:creationId xmlns:a16="http://schemas.microsoft.com/office/drawing/2014/main" id="{E593033F-F155-EEEE-69CB-B14C1EF84A22}"/>
+              </a:ext>
+            </a:extLst>
+          </p:cNvPr>
+          <p:cNvSpPr txBox="1">
+            <a:spLocks noGrp="1"/>
+          </p:cNvSpPr>
+          <p:nvPr>
+            <p:ph type="title"/>
+          </p:nvPr>
+        </p:nvSpPr>
+        <p:spPr>
+          <a:xfrm flipH="1">
+            <a:off x="1544363" y="801719"/>
+            <a:ext cx="7599634" cy="1104600"/>
+          </a:xfrm>
+          <a:prstGeom prst="rect">
+            <a:avLst/>
+          </a:prstGeom>
+        </p:spPr>
+        <p:txBody>
+          <a:bodyPr spcFirstLastPara="1" wrap="square" lIns="91425" tIns="91425" rIns="91425" bIns="91425" anchor="ctr" anchorCtr="0">
+            <a:noAutofit/>
+          </a:bodyPr>
+          <a:lstStyle/>
+          <a:p>
+            <a:pPr marL="0" lvl="0" indent="0" algn="l" rtl="0">
+              <a:spcBef>
+                <a:spcPts val="0"/>
+              </a:spcBef>
+              <a:spcAft>
+                <a:spcPts val="0"/>
+              </a:spcAft>
+              <a:buNone/>
+            </a:pPr>
+            <a:r>
+              <a:rPr lang="pt-BR" sz="5000" dirty="0"/>
+              <a:t>Estrutura de Redes</a:t>
+            </a:r>
+            <a:endParaRPr lang="pt-BR" sz="5000" dirty="0">
+              <a:solidFill>
+                <a:schemeClr val="accent6"/>
+              </a:solidFill>
+            </a:endParaRPr>
+          </a:p>
+        </p:txBody>
+      </p:sp>
+      <p:sp>
+        <p:nvSpPr>
+          <p:cNvPr id="505" name="Google Shape;505;p30">
+            <a:extLst>
+              <a:ext uri="{FF2B5EF4-FFF2-40B4-BE49-F238E27FC236}">
+                <a16:creationId xmlns:a16="http://schemas.microsoft.com/office/drawing/2014/main" id="{93221EB5-28D8-0338-D701-C5B0B39E964B}"/>
+              </a:ext>
+            </a:extLst>
+          </p:cNvPr>
+          <p:cNvSpPr txBox="1">
+            <a:spLocks noGrp="1"/>
+          </p:cNvSpPr>
+          <p:nvPr>
+            <p:ph type="subTitle" idx="4294967295"/>
+          </p:nvPr>
+        </p:nvSpPr>
+        <p:spPr>
+          <a:xfrm>
+            <a:off x="710125" y="4694725"/>
+            <a:ext cx="4865100" cy="357300"/>
+          </a:xfrm>
+          <a:prstGeom prst="rect">
+            <a:avLst/>
+          </a:prstGeom>
+        </p:spPr>
+        <p:txBody>
+          <a:bodyPr spcFirstLastPara="1" wrap="square" lIns="91425" tIns="91425" rIns="91425" bIns="91425" anchor="ctr" anchorCtr="0">
+            <a:noAutofit/>
+          </a:bodyPr>
+          <a:lstStyle/>
+          <a:p>
+            <a:pPr marL="0" lvl="0" indent="0" algn="l" rtl="0">
+              <a:spcBef>
+                <a:spcPts val="0"/>
+              </a:spcBef>
+              <a:spcAft>
+                <a:spcPts val="0"/>
+              </a:spcAft>
+              <a:buNone/>
+            </a:pPr>
+            <a:r>
+              <a:rPr lang="en" sz="1400">
+                <a:solidFill>
+                  <a:schemeClr val="accent3"/>
+                </a:solidFill>
+              </a:rPr>
+              <a:t>Programming Language</a:t>
+            </a:r>
+            <a:endParaRPr sz="1400">
+              <a:solidFill>
+                <a:schemeClr val="accent3"/>
+              </a:solidFill>
+            </a:endParaRPr>
+          </a:p>
+        </p:txBody>
+      </p:sp>
+      <p:sp>
+        <p:nvSpPr>
+          <p:cNvPr id="506" name="Google Shape;506;p30">
+            <a:extLst>
+              <a:ext uri="{FF2B5EF4-FFF2-40B4-BE49-F238E27FC236}">
+                <a16:creationId xmlns:a16="http://schemas.microsoft.com/office/drawing/2014/main" id="{55940E0B-B227-0576-7FFF-D4B4AAE39B4B}"/>
+              </a:ext>
+            </a:extLst>
+          </p:cNvPr>
+          <p:cNvSpPr txBox="1">
+            <a:spLocks noGrp="1"/>
+          </p:cNvSpPr>
+          <p:nvPr>
+            <p:ph type="subTitle" idx="4294967295"/>
+          </p:nvPr>
+        </p:nvSpPr>
+        <p:spPr>
+          <a:xfrm>
+            <a:off x="-5975" y="91525"/>
+            <a:ext cx="4572000" cy="357300"/>
+          </a:xfrm>
+          <a:prstGeom prst="rect">
+            <a:avLst/>
+          </a:prstGeom>
+        </p:spPr>
+        <p:txBody>
+          <a:bodyPr spcFirstLastPara="1" wrap="square" lIns="91425" tIns="91425" rIns="91425" bIns="91425" anchor="ctr" anchorCtr="0">
+            <a:noAutofit/>
+          </a:bodyPr>
+          <a:lstStyle/>
+          <a:p>
+            <a:pPr marL="0" lvl="0" indent="0" algn="ctr" rtl="0">
+              <a:spcBef>
+                <a:spcPts val="0"/>
+              </a:spcBef>
+              <a:spcAft>
+                <a:spcPts val="0"/>
+              </a:spcAft>
+              <a:buNone/>
+            </a:pPr>
+            <a:r>
+              <a:rPr lang="en" sz="1400">
+                <a:solidFill>
+                  <a:schemeClr val="accent3"/>
+                </a:solidFill>
+              </a:rPr>
+              <a:t>forbeginners.html</a:t>
+            </a:r>
+            <a:endParaRPr sz="1400">
+              <a:solidFill>
+                <a:schemeClr val="accent3"/>
+              </a:solidFill>
+            </a:endParaRPr>
+          </a:p>
+        </p:txBody>
+      </p:sp>
+      <p:sp>
+        <p:nvSpPr>
+          <p:cNvPr id="507" name="Google Shape;507;p30">
+            <a:extLst>
+              <a:ext uri="{FF2B5EF4-FFF2-40B4-BE49-F238E27FC236}">
+                <a16:creationId xmlns:a16="http://schemas.microsoft.com/office/drawing/2014/main" id="{75AAB0FC-CE61-1E47-9220-1D0367AEEBDA}"/>
+              </a:ext>
+            </a:extLst>
+          </p:cNvPr>
+          <p:cNvSpPr txBox="1">
+            <a:spLocks noGrp="1"/>
+          </p:cNvSpPr>
+          <p:nvPr>
+            <p:ph type="subTitle" idx="4294967295"/>
+          </p:nvPr>
+        </p:nvSpPr>
+        <p:spPr>
+          <a:xfrm>
+            <a:off x="4572000" y="91525"/>
+            <a:ext cx="4572000" cy="357300"/>
+          </a:xfrm>
+          <a:prstGeom prst="rect">
+            <a:avLst/>
+          </a:prstGeom>
+        </p:spPr>
+        <p:txBody>
+          <a:bodyPr spcFirstLastPara="1" wrap="square" lIns="91425" tIns="91425" rIns="91425" bIns="91425" anchor="ctr" anchorCtr="0">
+            <a:noAutofit/>
+          </a:bodyPr>
+          <a:lstStyle/>
+          <a:p>
+            <a:pPr marL="0" lvl="0" indent="0" algn="ctr" rtl="0">
+              <a:spcBef>
+                <a:spcPts val="0"/>
+              </a:spcBef>
+              <a:spcAft>
+                <a:spcPts val="0"/>
+              </a:spcAft>
+              <a:buNone/>
+            </a:pPr>
+            <a:r>
+              <a:rPr lang="en" sz="1400">
+                <a:solidFill>
+                  <a:schemeClr val="accent3"/>
+                </a:solidFill>
+              </a:rPr>
+              <a:t>workshop.css</a:t>
+            </a:r>
+            <a:endParaRPr sz="1400">
+              <a:solidFill>
+                <a:schemeClr val="accent3"/>
+              </a:solidFill>
+            </a:endParaRPr>
+          </a:p>
+        </p:txBody>
+      </p:sp>
+      <p:pic>
+        <p:nvPicPr>
+          <p:cNvPr id="1026" name="Picture 2" descr="Topologia de rede: porque fazer e como fazer de forma fácil - ManageEngine  Blog">
+            <a:extLst>
+              <a:ext uri="{FF2B5EF4-FFF2-40B4-BE49-F238E27FC236}">
+                <a16:creationId xmlns:a16="http://schemas.microsoft.com/office/drawing/2014/main" id="{0626CF60-6242-D8F5-50E9-4FD5AB5F22A5}"/>
+              </a:ext>
+            </a:extLst>
+          </p:cNvPr>
+          <p:cNvPicPr>
+            <a:picLocks noChangeAspect="1" noChangeArrowheads="1"/>
+          </p:cNvPicPr>
+          <p:nvPr/>
+        </p:nvPicPr>
+        <p:blipFill>
+          <a:blip r:embed="rId3">
+            <a:extLst>
+              <a:ext uri="{28A0092B-C50C-407E-A947-70E740481C1C}">
+                <a14:useLocalDpi xmlns:a14="http://schemas.microsoft.com/office/drawing/2010/main" val="0"/>
+              </a:ext>
+            </a:extLst>
+          </a:blip>
+          <a:srcRect/>
+          <a:stretch>
+            <a:fillRect/>
+          </a:stretch>
+        </p:blipFill>
+        <p:spPr bwMode="auto">
+          <a:xfrm>
+            <a:off x="1544363" y="2210721"/>
+            <a:ext cx="3681956" cy="1917932"/>
+          </a:xfrm>
+          <a:prstGeom prst="rect">
+            <a:avLst/>
+          </a:prstGeom>
+          <a:noFill/>
+          <a:extLst>
+            <a:ext uri="{909E8E84-426E-40DD-AFC4-6F175D3DCCD1}">
+              <a14:hiddenFill xmlns:a14="http://schemas.microsoft.com/office/drawing/2010/main">
+                <a:solidFill>
+                  <a:srgbClr val="FFFFFF"/>
+                </a:solidFill>
+              </a14:hiddenFill>
+            </a:ext>
+          </a:extLst>
+        </p:spPr>
+      </p:pic>
+      <p:pic>
+        <p:nvPicPr>
+          <p:cNvPr id="1030" name="Picture 6" descr="Cisco-Networking-CCNA: Elementos de Redes">
+            <a:extLst>
+              <a:ext uri="{FF2B5EF4-FFF2-40B4-BE49-F238E27FC236}">
+                <a16:creationId xmlns:a16="http://schemas.microsoft.com/office/drawing/2014/main" id="{D603175E-F6A1-E47D-8D3D-E4C53400C99B}"/>
+              </a:ext>
+            </a:extLst>
+          </p:cNvPr>
+          <p:cNvPicPr>
+            <a:picLocks noChangeAspect="1" noChangeArrowheads="1"/>
+          </p:cNvPicPr>
+          <p:nvPr/>
+        </p:nvPicPr>
+        <p:blipFill>
+          <a:blip r:embed="rId4">
+            <a:extLst>
+              <a:ext uri="{28A0092B-C50C-407E-A947-70E740481C1C}">
+                <a14:useLocalDpi xmlns:a14="http://schemas.microsoft.com/office/drawing/2010/main" val="0"/>
+              </a:ext>
+            </a:extLst>
+          </a:blip>
+          <a:srcRect/>
+          <a:stretch>
+            <a:fillRect/>
+          </a:stretch>
+        </p:blipFill>
+        <p:spPr bwMode="auto">
+          <a:xfrm>
+            <a:off x="5645727" y="1964980"/>
+            <a:ext cx="2981231" cy="2409413"/>
+          </a:xfrm>
+          <a:prstGeom prst="rect">
+            <a:avLst/>
+          </a:prstGeom>
+          <a:noFill/>
+          <a:extLst>
+            <a:ext uri="{909E8E84-426E-40DD-AFC4-6F175D3DCCD1}">
+              <a14:hiddenFill xmlns:a14="http://schemas.microsoft.com/office/drawing/2010/main">
+                <a:solidFill>
+                  <a:srgbClr val="FFFFFF"/>
+                </a:solidFill>
+              </a14:hiddenFill>
+            </a:ext>
+          </a:extLst>
+        </p:spPr>
+      </p:pic>
+    </p:spTree>
+    <p:extLst>
+      <p:ext uri="{BB962C8B-B14F-4D97-AF65-F5344CB8AC3E}">
+        <p14:creationId xmlns:p14="http://schemas.microsoft.com/office/powerpoint/2010/main" val="3986099386"/>
+      </p:ext>
+    </p:extLst>
+  </p:cSld>
+  <p:clrMapOvr>
+    <a:masterClrMapping/>
+  </p:clrMapOvr>
+</p:sld>
+</file>
+
+<file path=ppt/slides/slide44.xml><?xml version="1.0" encoding="utf-8"?>
+<p:sld xmlns:a="http://schemas.openxmlformats.org/drawingml/2006/main" xmlns:r="http://schemas.openxmlformats.org/officeDocument/2006/relationships" xmlns:p="http://schemas.openxmlformats.org/presentationml/2006/main">
+  <p:cSld>
+    <p:spTree>
+      <p:nvGrpSpPr>
+        <p:cNvPr id="1" name="Shape 499">
+          <a:extLst>
+            <a:ext uri="{FF2B5EF4-FFF2-40B4-BE49-F238E27FC236}">
+              <a16:creationId xmlns:a16="http://schemas.microsoft.com/office/drawing/2014/main" id="{8837E686-29DB-B26A-4379-877F4DEB43CF}"/>
+            </a:ext>
+          </a:extLst>
+        </p:cNvPr>
+        <p:cNvGrpSpPr/>
+        <p:nvPr/>
+      </p:nvGrpSpPr>
+      <p:grpSpPr>
+        <a:xfrm>
+          <a:off x="0" y="0"/>
+          <a:ext cx="0" cy="0"/>
+          <a:chOff x="0" y="0"/>
+          <a:chExt cx="0" cy="0"/>
+        </a:xfrm>
+      </p:grpSpPr>
+      <p:sp>
+        <p:nvSpPr>
+          <p:cNvPr id="500" name="Google Shape;500;p30">
+            <a:extLst>
+              <a:ext uri="{FF2B5EF4-FFF2-40B4-BE49-F238E27FC236}">
+                <a16:creationId xmlns:a16="http://schemas.microsoft.com/office/drawing/2014/main" id="{723FEAD3-2CE9-DE70-956D-717AE1E8ECCC}"/>
+              </a:ext>
+            </a:extLst>
+          </p:cNvPr>
+          <p:cNvSpPr txBox="1">
+            <a:spLocks noGrp="1"/>
+          </p:cNvSpPr>
+          <p:nvPr>
+            <p:ph type="title"/>
+          </p:nvPr>
+        </p:nvSpPr>
+        <p:spPr>
+          <a:xfrm flipH="1">
+            <a:off x="1544363" y="801719"/>
+            <a:ext cx="7599634" cy="1104600"/>
+          </a:xfrm>
+          <a:prstGeom prst="rect">
+            <a:avLst/>
+          </a:prstGeom>
+        </p:spPr>
+        <p:txBody>
+          <a:bodyPr spcFirstLastPara="1" wrap="square" lIns="91425" tIns="91425" rIns="91425" bIns="91425" anchor="ctr" anchorCtr="0">
+            <a:noAutofit/>
+          </a:bodyPr>
+          <a:lstStyle/>
+          <a:p>
+            <a:pPr marL="0" lvl="0" indent="0" algn="l" rtl="0">
+              <a:spcBef>
+                <a:spcPts val="0"/>
+              </a:spcBef>
+              <a:spcAft>
+                <a:spcPts val="0"/>
+              </a:spcAft>
+              <a:buNone/>
+            </a:pPr>
+            <a:r>
+              <a:rPr lang="pt-BR" sz="5000" dirty="0"/>
+              <a:t>Modelos de Redes</a:t>
+            </a:r>
+            <a:endParaRPr lang="pt-BR" sz="5000" dirty="0">
+              <a:solidFill>
+                <a:schemeClr val="accent6"/>
+              </a:solidFill>
+            </a:endParaRPr>
+          </a:p>
+        </p:txBody>
+      </p:sp>
+      <p:sp>
+        <p:nvSpPr>
+          <p:cNvPr id="505" name="Google Shape;505;p30">
+            <a:extLst>
+              <a:ext uri="{FF2B5EF4-FFF2-40B4-BE49-F238E27FC236}">
+                <a16:creationId xmlns:a16="http://schemas.microsoft.com/office/drawing/2014/main" id="{9ACB7191-B143-5DE1-319A-2C5E1AEECFA2}"/>
+              </a:ext>
+            </a:extLst>
+          </p:cNvPr>
+          <p:cNvSpPr txBox="1">
+            <a:spLocks noGrp="1"/>
+          </p:cNvSpPr>
+          <p:nvPr>
+            <p:ph type="subTitle" idx="4294967295"/>
+          </p:nvPr>
+        </p:nvSpPr>
+        <p:spPr>
+          <a:xfrm>
+            <a:off x="710125" y="4694725"/>
+            <a:ext cx="4865100" cy="357300"/>
+          </a:xfrm>
+          <a:prstGeom prst="rect">
+            <a:avLst/>
+          </a:prstGeom>
+        </p:spPr>
+        <p:txBody>
+          <a:bodyPr spcFirstLastPara="1" wrap="square" lIns="91425" tIns="91425" rIns="91425" bIns="91425" anchor="ctr" anchorCtr="0">
+            <a:noAutofit/>
+          </a:bodyPr>
+          <a:lstStyle/>
+          <a:p>
+            <a:pPr marL="0" lvl="0" indent="0" algn="l" rtl="0">
+              <a:spcBef>
+                <a:spcPts val="0"/>
+              </a:spcBef>
+              <a:spcAft>
+                <a:spcPts val="0"/>
+              </a:spcAft>
+              <a:buNone/>
+            </a:pPr>
+            <a:r>
+              <a:rPr lang="en" sz="1400">
+                <a:solidFill>
+                  <a:schemeClr val="accent3"/>
+                </a:solidFill>
+              </a:rPr>
+              <a:t>Programming Language</a:t>
+            </a:r>
+            <a:endParaRPr sz="1400">
+              <a:solidFill>
+                <a:schemeClr val="accent3"/>
+              </a:solidFill>
+            </a:endParaRPr>
+          </a:p>
+        </p:txBody>
+      </p:sp>
+      <p:sp>
+        <p:nvSpPr>
+          <p:cNvPr id="506" name="Google Shape;506;p30">
+            <a:extLst>
+              <a:ext uri="{FF2B5EF4-FFF2-40B4-BE49-F238E27FC236}">
+                <a16:creationId xmlns:a16="http://schemas.microsoft.com/office/drawing/2014/main" id="{8BAAFBBC-BE3D-F77F-61AF-79D6DA862472}"/>
+              </a:ext>
+            </a:extLst>
+          </p:cNvPr>
+          <p:cNvSpPr txBox="1">
+            <a:spLocks noGrp="1"/>
+          </p:cNvSpPr>
+          <p:nvPr>
+            <p:ph type="subTitle" idx="4294967295"/>
+          </p:nvPr>
+        </p:nvSpPr>
+        <p:spPr>
+          <a:xfrm>
+            <a:off x="-5975" y="91525"/>
+            <a:ext cx="4572000" cy="357300"/>
+          </a:xfrm>
+          <a:prstGeom prst="rect">
+            <a:avLst/>
+          </a:prstGeom>
+        </p:spPr>
+        <p:txBody>
+          <a:bodyPr spcFirstLastPara="1" wrap="square" lIns="91425" tIns="91425" rIns="91425" bIns="91425" anchor="ctr" anchorCtr="0">
+            <a:noAutofit/>
+          </a:bodyPr>
+          <a:lstStyle/>
+          <a:p>
+            <a:pPr marL="0" lvl="0" indent="0" algn="ctr" rtl="0">
+              <a:spcBef>
+                <a:spcPts val="0"/>
+              </a:spcBef>
+              <a:spcAft>
+                <a:spcPts val="0"/>
+              </a:spcAft>
+              <a:buNone/>
+            </a:pPr>
+            <a:r>
+              <a:rPr lang="en" sz="1400">
+                <a:solidFill>
+                  <a:schemeClr val="accent3"/>
+                </a:solidFill>
+              </a:rPr>
+              <a:t>forbeginners.html</a:t>
+            </a:r>
+            <a:endParaRPr sz="1400">
+              <a:solidFill>
+                <a:schemeClr val="accent3"/>
+              </a:solidFill>
+            </a:endParaRPr>
+          </a:p>
+        </p:txBody>
+      </p:sp>
+      <p:sp>
+        <p:nvSpPr>
+          <p:cNvPr id="507" name="Google Shape;507;p30">
+            <a:extLst>
+              <a:ext uri="{FF2B5EF4-FFF2-40B4-BE49-F238E27FC236}">
+                <a16:creationId xmlns:a16="http://schemas.microsoft.com/office/drawing/2014/main" id="{FD71F898-BB47-2D91-74E4-356414BEF3AF}"/>
+              </a:ext>
+            </a:extLst>
+          </p:cNvPr>
+          <p:cNvSpPr txBox="1">
+            <a:spLocks noGrp="1"/>
+          </p:cNvSpPr>
+          <p:nvPr>
+            <p:ph type="subTitle" idx="4294967295"/>
+          </p:nvPr>
+        </p:nvSpPr>
+        <p:spPr>
+          <a:xfrm>
+            <a:off x="4572000" y="91525"/>
+            <a:ext cx="4572000" cy="357300"/>
+          </a:xfrm>
+          <a:prstGeom prst="rect">
+            <a:avLst/>
+          </a:prstGeom>
+        </p:spPr>
+        <p:txBody>
+          <a:bodyPr spcFirstLastPara="1" wrap="square" lIns="91425" tIns="91425" rIns="91425" bIns="91425" anchor="ctr" anchorCtr="0">
+            <a:noAutofit/>
+          </a:bodyPr>
+          <a:lstStyle/>
+          <a:p>
+            <a:pPr marL="0" lvl="0" indent="0" algn="ctr" rtl="0">
+              <a:spcBef>
+                <a:spcPts val="0"/>
+              </a:spcBef>
+              <a:spcAft>
+                <a:spcPts val="0"/>
+              </a:spcAft>
+              <a:buNone/>
+            </a:pPr>
+            <a:r>
+              <a:rPr lang="en" sz="1400">
+                <a:solidFill>
+                  <a:schemeClr val="accent3"/>
+                </a:solidFill>
+              </a:rPr>
+              <a:t>workshop.css</a:t>
+            </a:r>
+            <a:endParaRPr sz="1400">
+              <a:solidFill>
+                <a:schemeClr val="accent3"/>
+              </a:solidFill>
+            </a:endParaRPr>
+          </a:p>
+        </p:txBody>
+      </p:sp>
+      <p:sp>
+        <p:nvSpPr>
+          <p:cNvPr id="5" name="Title 4">
+            <a:extLst>
+              <a:ext uri="{FF2B5EF4-FFF2-40B4-BE49-F238E27FC236}">
+                <a16:creationId xmlns:a16="http://schemas.microsoft.com/office/drawing/2014/main" id="{061CD020-C4B5-56FB-7EAE-5F393D1993D6}"/>
+              </a:ext>
+            </a:extLst>
+          </p:cNvPr>
+          <p:cNvSpPr>
+            <a:spLocks noGrp="1"/>
+          </p:cNvSpPr>
+          <p:nvPr>
+            <p:ph type="title" idx="2"/>
+          </p:nvPr>
+        </p:nvSpPr>
+        <p:spPr>
+          <a:xfrm>
+            <a:off x="1544364" y="2304025"/>
+            <a:ext cx="7599636" cy="2295684"/>
+          </a:xfrm>
+        </p:spPr>
+        <p:txBody>
+          <a:bodyPr/>
+          <a:lstStyle/>
+          <a:p>
+            <a:pPr>
+              <a:lnSpc>
+                <a:spcPts val="1425"/>
+              </a:lnSpc>
+              <a:buNone/>
+            </a:pPr>
+            <a:r>
+              <a:rPr lang="pt-BR" sz="1800" dirty="0">
+                <a:solidFill>
+                  <a:schemeClr val="accent3"/>
+                </a:solidFill>
+                <a:latin typeface="Consolas" panose="020B0609020204030204" pitchFamily="49" charset="0"/>
+              </a:rPr>
+              <a:t>- OSI (7 camadas): Aplicação, Apresentação, Sessão, Transporte, Rede, Enlace, Física.</a:t>
+            </a:r>
+            <a:br>
+              <a:rPr lang="pt-BR" sz="1800" dirty="0">
+                <a:solidFill>
+                  <a:schemeClr val="accent3"/>
+                </a:solidFill>
+                <a:latin typeface="Consolas" panose="020B0609020204030204" pitchFamily="49" charset="0"/>
+              </a:rPr>
+            </a:br>
+            <a:br>
+              <a:rPr lang="pt-BR" sz="1800" dirty="0">
+                <a:solidFill>
+                  <a:schemeClr val="accent3"/>
+                </a:solidFill>
+                <a:latin typeface="Consolas" panose="020B0609020204030204" pitchFamily="49" charset="0"/>
+              </a:rPr>
+            </a:br>
+            <a:r>
+              <a:rPr lang="pt-BR" sz="1800" dirty="0">
+                <a:solidFill>
+                  <a:schemeClr val="accent3"/>
+                </a:solidFill>
+                <a:latin typeface="Consolas" panose="020B0609020204030204" pitchFamily="49" charset="0"/>
+              </a:rPr>
+              <a:t>- TCP/IP (4 camadas): Aplicação, Transporte, Internet, Acesso à rede.</a:t>
+            </a:r>
+            <a:endParaRPr lang="pt-BR" sz="1800" b="0" dirty="0">
+              <a:solidFill>
+                <a:srgbClr val="ABB2BF"/>
+              </a:solidFill>
+              <a:effectLst/>
+              <a:latin typeface="Consolas" panose="020B0609020204030204" pitchFamily="49" charset="0"/>
+            </a:endParaRPr>
+          </a:p>
+        </p:txBody>
+      </p:sp>
+    </p:spTree>
+    <p:extLst>
+      <p:ext uri="{BB962C8B-B14F-4D97-AF65-F5344CB8AC3E}">
+        <p14:creationId xmlns:p14="http://schemas.microsoft.com/office/powerpoint/2010/main" val="587806680"/>
+      </p:ext>
+    </p:extLst>
+  </p:cSld>
+  <p:clrMapOvr>
+    <a:masterClrMapping/>
+  </p:clrMapOvr>
+</p:sld>
+</file>
+
+<file path=ppt/slides/slide45.xml><?xml version="1.0" encoding="utf-8"?>
+<p:sld xmlns:a="http://schemas.openxmlformats.org/drawingml/2006/main" xmlns:r="http://schemas.openxmlformats.org/officeDocument/2006/relationships" xmlns:p="http://schemas.openxmlformats.org/presentationml/2006/main">
+  <p:cSld>
+    <p:spTree>
+      <p:nvGrpSpPr>
+        <p:cNvPr id="1" name="Shape 499">
+          <a:extLst>
+            <a:ext uri="{FF2B5EF4-FFF2-40B4-BE49-F238E27FC236}">
+              <a16:creationId xmlns:a16="http://schemas.microsoft.com/office/drawing/2014/main" id="{4A52508D-1F74-BA72-DA1C-1113F5E00B4D}"/>
+            </a:ext>
+          </a:extLst>
+        </p:cNvPr>
+        <p:cNvGrpSpPr/>
+        <p:nvPr/>
+      </p:nvGrpSpPr>
+      <p:grpSpPr>
+        <a:xfrm>
+          <a:off x="0" y="0"/>
+          <a:ext cx="0" cy="0"/>
+          <a:chOff x="0" y="0"/>
+          <a:chExt cx="0" cy="0"/>
+        </a:xfrm>
+      </p:grpSpPr>
+      <p:sp>
+        <p:nvSpPr>
+          <p:cNvPr id="500" name="Google Shape;500;p30">
+            <a:extLst>
+              <a:ext uri="{FF2B5EF4-FFF2-40B4-BE49-F238E27FC236}">
+                <a16:creationId xmlns:a16="http://schemas.microsoft.com/office/drawing/2014/main" id="{C109E2C2-1E8F-208D-5DD5-322B36C6445E}"/>
+              </a:ext>
+            </a:extLst>
+          </p:cNvPr>
+          <p:cNvSpPr txBox="1">
+            <a:spLocks noGrp="1"/>
+          </p:cNvSpPr>
+          <p:nvPr>
+            <p:ph type="title"/>
+          </p:nvPr>
+        </p:nvSpPr>
+        <p:spPr>
+          <a:xfrm flipH="1">
+            <a:off x="1544363" y="801719"/>
+            <a:ext cx="7599634" cy="1104600"/>
+          </a:xfrm>
+          <a:prstGeom prst="rect">
+            <a:avLst/>
+          </a:prstGeom>
+        </p:spPr>
+        <p:txBody>
+          <a:bodyPr spcFirstLastPara="1" wrap="square" lIns="91425" tIns="91425" rIns="91425" bIns="91425" anchor="ctr" anchorCtr="0">
+            <a:noAutofit/>
+          </a:bodyPr>
+          <a:lstStyle/>
+          <a:p>
+            <a:pPr marL="0" lvl="0" indent="0" algn="l" rtl="0">
+              <a:spcBef>
+                <a:spcPts val="0"/>
+              </a:spcBef>
+              <a:spcAft>
+                <a:spcPts val="0"/>
+              </a:spcAft>
+              <a:buNone/>
+            </a:pPr>
+            <a:r>
+              <a:rPr lang="pt-BR" sz="5000" dirty="0"/>
+              <a:t>Modelos de Redes</a:t>
+            </a:r>
+            <a:endParaRPr lang="pt-BR" sz="5000" dirty="0">
+              <a:solidFill>
+                <a:schemeClr val="accent6"/>
+              </a:solidFill>
+            </a:endParaRPr>
+          </a:p>
+        </p:txBody>
+      </p:sp>
+      <p:sp>
+        <p:nvSpPr>
+          <p:cNvPr id="505" name="Google Shape;505;p30">
+            <a:extLst>
+              <a:ext uri="{FF2B5EF4-FFF2-40B4-BE49-F238E27FC236}">
+                <a16:creationId xmlns:a16="http://schemas.microsoft.com/office/drawing/2014/main" id="{1D90F2AC-8AE5-43B5-4C73-9CBCB397CBA0}"/>
+              </a:ext>
+            </a:extLst>
+          </p:cNvPr>
+          <p:cNvSpPr txBox="1">
+            <a:spLocks noGrp="1"/>
+          </p:cNvSpPr>
+          <p:nvPr>
+            <p:ph type="subTitle" idx="4294967295"/>
+          </p:nvPr>
+        </p:nvSpPr>
+        <p:spPr>
+          <a:xfrm>
+            <a:off x="710125" y="4694725"/>
+            <a:ext cx="4865100" cy="357300"/>
+          </a:xfrm>
+          <a:prstGeom prst="rect">
+            <a:avLst/>
+          </a:prstGeom>
+        </p:spPr>
+        <p:txBody>
+          <a:bodyPr spcFirstLastPara="1" wrap="square" lIns="91425" tIns="91425" rIns="91425" bIns="91425" anchor="ctr" anchorCtr="0">
+            <a:noAutofit/>
+          </a:bodyPr>
+          <a:lstStyle/>
+          <a:p>
+            <a:pPr marL="0" lvl="0" indent="0" algn="l" rtl="0">
+              <a:spcBef>
+                <a:spcPts val="0"/>
+              </a:spcBef>
+              <a:spcAft>
+                <a:spcPts val="0"/>
+              </a:spcAft>
+              <a:buNone/>
+            </a:pPr>
+            <a:r>
+              <a:rPr lang="en" sz="1400">
+                <a:solidFill>
+                  <a:schemeClr val="accent3"/>
+                </a:solidFill>
+              </a:rPr>
+              <a:t>Programming Language</a:t>
+            </a:r>
+            <a:endParaRPr sz="1400">
+              <a:solidFill>
+                <a:schemeClr val="accent3"/>
+              </a:solidFill>
+            </a:endParaRPr>
+          </a:p>
+        </p:txBody>
+      </p:sp>
+      <p:sp>
+        <p:nvSpPr>
+          <p:cNvPr id="506" name="Google Shape;506;p30">
+            <a:extLst>
+              <a:ext uri="{FF2B5EF4-FFF2-40B4-BE49-F238E27FC236}">
+                <a16:creationId xmlns:a16="http://schemas.microsoft.com/office/drawing/2014/main" id="{EA0DD2FA-D57B-28F7-84FB-11A62BCE3591}"/>
+              </a:ext>
+            </a:extLst>
+          </p:cNvPr>
+          <p:cNvSpPr txBox="1">
+            <a:spLocks noGrp="1"/>
+          </p:cNvSpPr>
+          <p:nvPr>
+            <p:ph type="subTitle" idx="4294967295"/>
+          </p:nvPr>
+        </p:nvSpPr>
+        <p:spPr>
+          <a:xfrm>
+            <a:off x="-5975" y="91525"/>
+            <a:ext cx="4572000" cy="357300"/>
+          </a:xfrm>
+          <a:prstGeom prst="rect">
+            <a:avLst/>
+          </a:prstGeom>
+        </p:spPr>
+        <p:txBody>
+          <a:bodyPr spcFirstLastPara="1" wrap="square" lIns="91425" tIns="91425" rIns="91425" bIns="91425" anchor="ctr" anchorCtr="0">
+            <a:noAutofit/>
+          </a:bodyPr>
+          <a:lstStyle/>
+          <a:p>
+            <a:pPr marL="0" lvl="0" indent="0" algn="ctr" rtl="0">
+              <a:spcBef>
+                <a:spcPts val="0"/>
+              </a:spcBef>
+              <a:spcAft>
+                <a:spcPts val="0"/>
+              </a:spcAft>
+              <a:buNone/>
+            </a:pPr>
+            <a:r>
+              <a:rPr lang="en" sz="1400">
+                <a:solidFill>
+                  <a:schemeClr val="accent3"/>
+                </a:solidFill>
+              </a:rPr>
+              <a:t>forbeginners.html</a:t>
+            </a:r>
+            <a:endParaRPr sz="1400">
+              <a:solidFill>
+                <a:schemeClr val="accent3"/>
+              </a:solidFill>
+            </a:endParaRPr>
+          </a:p>
+        </p:txBody>
+      </p:sp>
+      <p:sp>
+        <p:nvSpPr>
+          <p:cNvPr id="507" name="Google Shape;507;p30">
+            <a:extLst>
+              <a:ext uri="{FF2B5EF4-FFF2-40B4-BE49-F238E27FC236}">
+                <a16:creationId xmlns:a16="http://schemas.microsoft.com/office/drawing/2014/main" id="{4B5CC3EB-0C7B-F775-83EA-BBFE2A25F9E3}"/>
+              </a:ext>
+            </a:extLst>
+          </p:cNvPr>
+          <p:cNvSpPr txBox="1">
+            <a:spLocks noGrp="1"/>
+          </p:cNvSpPr>
+          <p:nvPr>
+            <p:ph type="subTitle" idx="4294967295"/>
+          </p:nvPr>
+        </p:nvSpPr>
+        <p:spPr>
+          <a:xfrm>
+            <a:off x="4572000" y="91525"/>
+            <a:ext cx="4572000" cy="357300"/>
+          </a:xfrm>
+          <a:prstGeom prst="rect">
+            <a:avLst/>
+          </a:prstGeom>
+        </p:spPr>
+        <p:txBody>
+          <a:bodyPr spcFirstLastPara="1" wrap="square" lIns="91425" tIns="91425" rIns="91425" bIns="91425" anchor="ctr" anchorCtr="0">
+            <a:noAutofit/>
+          </a:bodyPr>
+          <a:lstStyle/>
+          <a:p>
+            <a:pPr marL="0" lvl="0" indent="0" algn="ctr" rtl="0">
+              <a:spcBef>
+                <a:spcPts val="0"/>
+              </a:spcBef>
+              <a:spcAft>
+                <a:spcPts val="0"/>
+              </a:spcAft>
+              <a:buNone/>
+            </a:pPr>
+            <a:r>
+              <a:rPr lang="en" sz="1400">
+                <a:solidFill>
+                  <a:schemeClr val="accent3"/>
+                </a:solidFill>
+              </a:rPr>
+              <a:t>workshop.css</a:t>
+            </a:r>
+            <a:endParaRPr sz="1400">
+              <a:solidFill>
+                <a:schemeClr val="accent3"/>
+              </a:solidFill>
+            </a:endParaRPr>
+          </a:p>
+        </p:txBody>
+      </p:sp>
+      <p:pic>
+        <p:nvPicPr>
+          <p:cNvPr id="2052" name="Picture 4" descr="O que é TCP/IP? Saiba como funcionam os protocolos de comunicação da  internet • Tecnoblog">
+            <a:extLst>
+              <a:ext uri="{FF2B5EF4-FFF2-40B4-BE49-F238E27FC236}">
+                <a16:creationId xmlns:a16="http://schemas.microsoft.com/office/drawing/2014/main" id="{6F429A15-C751-674C-1FCE-B56D6DBBFC09}"/>
+              </a:ext>
+            </a:extLst>
+          </p:cNvPr>
+          <p:cNvPicPr>
+            <a:picLocks noChangeAspect="1" noChangeArrowheads="1"/>
+          </p:cNvPicPr>
+          <p:nvPr/>
+        </p:nvPicPr>
+        <p:blipFill>
+          <a:blip r:embed="rId3">
+            <a:extLst>
+              <a:ext uri="{28A0092B-C50C-407E-A947-70E740481C1C}">
+                <a14:useLocalDpi xmlns:a14="http://schemas.microsoft.com/office/drawing/2010/main" val="0"/>
+              </a:ext>
+            </a:extLst>
+          </a:blip>
+          <a:srcRect/>
+          <a:stretch>
+            <a:fillRect/>
+          </a:stretch>
+        </p:blipFill>
+        <p:spPr bwMode="auto">
+          <a:xfrm>
+            <a:off x="2223067" y="1773382"/>
+            <a:ext cx="4685915" cy="2635827"/>
+          </a:xfrm>
+          <a:prstGeom prst="rect">
+            <a:avLst/>
+          </a:prstGeom>
+          <a:noFill/>
+          <a:extLst>
+            <a:ext uri="{909E8E84-426E-40DD-AFC4-6F175D3DCCD1}">
+              <a14:hiddenFill xmlns:a14="http://schemas.microsoft.com/office/drawing/2010/main">
+                <a:solidFill>
+                  <a:srgbClr val="FFFFFF"/>
+                </a:solidFill>
+              </a14:hiddenFill>
+            </a:ext>
+          </a:extLst>
+        </p:spPr>
+      </p:pic>
+    </p:spTree>
+    <p:extLst>
+      <p:ext uri="{BB962C8B-B14F-4D97-AF65-F5344CB8AC3E}">
+        <p14:creationId xmlns:p14="http://schemas.microsoft.com/office/powerpoint/2010/main" val="1345847027"/>
+      </p:ext>
+    </p:extLst>
+  </p:cSld>
+  <p:clrMapOvr>
+    <a:masterClrMapping/>
+  </p:clrMapOvr>
+</p:sld>
+</file>
+
+<file path=ppt/slides/slide46.xml><?xml version="1.0" encoding="utf-8"?>
+<p:sld xmlns:a="http://schemas.openxmlformats.org/drawingml/2006/main" xmlns:r="http://schemas.openxmlformats.org/officeDocument/2006/relationships" xmlns:p="http://schemas.openxmlformats.org/presentationml/2006/main">
+  <p:cSld>
+    <p:spTree>
+      <p:nvGrpSpPr>
+        <p:cNvPr id="1" name="Shape 499">
+          <a:extLst>
+            <a:ext uri="{FF2B5EF4-FFF2-40B4-BE49-F238E27FC236}">
+              <a16:creationId xmlns:a16="http://schemas.microsoft.com/office/drawing/2014/main" id="{7751587A-FB58-2532-A54D-90D238B688B6}"/>
+            </a:ext>
+          </a:extLst>
+        </p:cNvPr>
+        <p:cNvGrpSpPr/>
+        <p:nvPr/>
+      </p:nvGrpSpPr>
+      <p:grpSpPr>
+        <a:xfrm>
+          <a:off x="0" y="0"/>
+          <a:ext cx="0" cy="0"/>
+          <a:chOff x="0" y="0"/>
+          <a:chExt cx="0" cy="0"/>
+        </a:xfrm>
+      </p:grpSpPr>
+      <p:sp>
+        <p:nvSpPr>
+          <p:cNvPr id="500" name="Google Shape;500;p30">
+            <a:extLst>
+              <a:ext uri="{FF2B5EF4-FFF2-40B4-BE49-F238E27FC236}">
+                <a16:creationId xmlns:a16="http://schemas.microsoft.com/office/drawing/2014/main" id="{3B24312E-C42F-BD7D-035F-59F616ED799A}"/>
+              </a:ext>
+            </a:extLst>
+          </p:cNvPr>
+          <p:cNvSpPr txBox="1">
+            <a:spLocks noGrp="1"/>
+          </p:cNvSpPr>
+          <p:nvPr>
+            <p:ph type="title"/>
+          </p:nvPr>
+        </p:nvSpPr>
+        <p:spPr>
+          <a:xfrm flipH="1">
+            <a:off x="1544363" y="801719"/>
+            <a:ext cx="7599634" cy="1104600"/>
+          </a:xfrm>
+          <a:prstGeom prst="rect">
+            <a:avLst/>
+          </a:prstGeom>
+        </p:spPr>
+        <p:txBody>
+          <a:bodyPr spcFirstLastPara="1" wrap="square" lIns="91425" tIns="91425" rIns="91425" bIns="91425" anchor="ctr" anchorCtr="0">
+            <a:noAutofit/>
+          </a:bodyPr>
+          <a:lstStyle/>
+          <a:p>
+            <a:pPr marL="0" lvl="0" indent="0" algn="l" rtl="0">
+              <a:spcBef>
+                <a:spcPts val="0"/>
+              </a:spcBef>
+              <a:spcAft>
+                <a:spcPts val="0"/>
+              </a:spcAft>
+              <a:buNone/>
+            </a:pPr>
+            <a:r>
+              <a:rPr lang="pt-BR" sz="5000" dirty="0"/>
+              <a:t>Funções das Redes de Computadores</a:t>
+            </a:r>
+            <a:endParaRPr lang="pt-BR" sz="5000" dirty="0">
+              <a:solidFill>
+                <a:schemeClr val="accent6"/>
+              </a:solidFill>
+            </a:endParaRPr>
+          </a:p>
+        </p:txBody>
+      </p:sp>
+      <p:sp>
+        <p:nvSpPr>
+          <p:cNvPr id="505" name="Google Shape;505;p30">
+            <a:extLst>
+              <a:ext uri="{FF2B5EF4-FFF2-40B4-BE49-F238E27FC236}">
+                <a16:creationId xmlns:a16="http://schemas.microsoft.com/office/drawing/2014/main" id="{C46C7FF9-E65E-77E6-27A0-39D1E82CD796}"/>
+              </a:ext>
+            </a:extLst>
+          </p:cNvPr>
+          <p:cNvSpPr txBox="1">
+            <a:spLocks noGrp="1"/>
+          </p:cNvSpPr>
+          <p:nvPr>
+            <p:ph type="subTitle" idx="4294967295"/>
+          </p:nvPr>
+        </p:nvSpPr>
+        <p:spPr>
+          <a:xfrm>
+            <a:off x="710125" y="4694725"/>
+            <a:ext cx="4865100" cy="357300"/>
+          </a:xfrm>
+          <a:prstGeom prst="rect">
+            <a:avLst/>
+          </a:prstGeom>
+        </p:spPr>
+        <p:txBody>
+          <a:bodyPr spcFirstLastPara="1" wrap="square" lIns="91425" tIns="91425" rIns="91425" bIns="91425" anchor="ctr" anchorCtr="0">
+            <a:noAutofit/>
+          </a:bodyPr>
+          <a:lstStyle/>
+          <a:p>
+            <a:pPr marL="0" lvl="0" indent="0" algn="l" rtl="0">
+              <a:spcBef>
+                <a:spcPts val="0"/>
+              </a:spcBef>
+              <a:spcAft>
+                <a:spcPts val="0"/>
+              </a:spcAft>
+              <a:buNone/>
+            </a:pPr>
+            <a:r>
+              <a:rPr lang="en" sz="1400">
+                <a:solidFill>
+                  <a:schemeClr val="accent3"/>
+                </a:solidFill>
+              </a:rPr>
+              <a:t>Programming Language</a:t>
+            </a:r>
+            <a:endParaRPr sz="1400">
+              <a:solidFill>
+                <a:schemeClr val="accent3"/>
+              </a:solidFill>
+            </a:endParaRPr>
+          </a:p>
+        </p:txBody>
+      </p:sp>
+      <p:sp>
+        <p:nvSpPr>
+          <p:cNvPr id="506" name="Google Shape;506;p30">
+            <a:extLst>
+              <a:ext uri="{FF2B5EF4-FFF2-40B4-BE49-F238E27FC236}">
+                <a16:creationId xmlns:a16="http://schemas.microsoft.com/office/drawing/2014/main" id="{7D61A819-8579-754C-2F50-6E203D474C42}"/>
+              </a:ext>
+            </a:extLst>
+          </p:cNvPr>
+          <p:cNvSpPr txBox="1">
+            <a:spLocks noGrp="1"/>
+          </p:cNvSpPr>
+          <p:nvPr>
+            <p:ph type="subTitle" idx="4294967295"/>
+          </p:nvPr>
+        </p:nvSpPr>
+        <p:spPr>
+          <a:xfrm>
+            <a:off x="-5975" y="91525"/>
+            <a:ext cx="4572000" cy="357300"/>
+          </a:xfrm>
+          <a:prstGeom prst="rect">
+            <a:avLst/>
+          </a:prstGeom>
+        </p:spPr>
+        <p:txBody>
+          <a:bodyPr spcFirstLastPara="1" wrap="square" lIns="91425" tIns="91425" rIns="91425" bIns="91425" anchor="ctr" anchorCtr="0">
+            <a:noAutofit/>
+          </a:bodyPr>
+          <a:lstStyle/>
+          <a:p>
+            <a:pPr marL="0" lvl="0" indent="0" algn="ctr" rtl="0">
+              <a:spcBef>
+                <a:spcPts val="0"/>
+              </a:spcBef>
+              <a:spcAft>
+                <a:spcPts val="0"/>
+              </a:spcAft>
+              <a:buNone/>
+            </a:pPr>
+            <a:r>
+              <a:rPr lang="en" sz="1400">
+                <a:solidFill>
+                  <a:schemeClr val="accent3"/>
+                </a:solidFill>
+              </a:rPr>
+              <a:t>forbeginners.html</a:t>
+            </a:r>
+            <a:endParaRPr sz="1400">
+              <a:solidFill>
+                <a:schemeClr val="accent3"/>
+              </a:solidFill>
+            </a:endParaRPr>
+          </a:p>
+        </p:txBody>
+      </p:sp>
+      <p:sp>
+        <p:nvSpPr>
+          <p:cNvPr id="507" name="Google Shape;507;p30">
+            <a:extLst>
+              <a:ext uri="{FF2B5EF4-FFF2-40B4-BE49-F238E27FC236}">
+                <a16:creationId xmlns:a16="http://schemas.microsoft.com/office/drawing/2014/main" id="{2C20CA95-EE1F-57B4-7275-469035031DC3}"/>
+              </a:ext>
+            </a:extLst>
+          </p:cNvPr>
+          <p:cNvSpPr txBox="1">
+            <a:spLocks noGrp="1"/>
+          </p:cNvSpPr>
+          <p:nvPr>
+            <p:ph type="subTitle" idx="4294967295"/>
+          </p:nvPr>
+        </p:nvSpPr>
+        <p:spPr>
+          <a:xfrm>
+            <a:off x="4572000" y="91525"/>
+            <a:ext cx="4572000" cy="357300"/>
+          </a:xfrm>
+          <a:prstGeom prst="rect">
+            <a:avLst/>
+          </a:prstGeom>
+        </p:spPr>
+        <p:txBody>
+          <a:bodyPr spcFirstLastPara="1" wrap="square" lIns="91425" tIns="91425" rIns="91425" bIns="91425" anchor="ctr" anchorCtr="0">
+            <a:noAutofit/>
+          </a:bodyPr>
+          <a:lstStyle/>
+          <a:p>
+            <a:pPr marL="0" lvl="0" indent="0" algn="ctr" rtl="0">
+              <a:spcBef>
+                <a:spcPts val="0"/>
+              </a:spcBef>
+              <a:spcAft>
+                <a:spcPts val="0"/>
+              </a:spcAft>
+              <a:buNone/>
+            </a:pPr>
+            <a:r>
+              <a:rPr lang="en" sz="1400">
+                <a:solidFill>
+                  <a:schemeClr val="accent3"/>
+                </a:solidFill>
+              </a:rPr>
+              <a:t>workshop.css</a:t>
+            </a:r>
+            <a:endParaRPr sz="1400">
+              <a:solidFill>
+                <a:schemeClr val="accent3"/>
+              </a:solidFill>
+            </a:endParaRPr>
+          </a:p>
+        </p:txBody>
+      </p:sp>
+      <p:sp>
+        <p:nvSpPr>
+          <p:cNvPr id="5" name="Title 4">
+            <a:extLst>
+              <a:ext uri="{FF2B5EF4-FFF2-40B4-BE49-F238E27FC236}">
+                <a16:creationId xmlns:a16="http://schemas.microsoft.com/office/drawing/2014/main" id="{DDDCEA56-5C31-F350-17F8-21089B9D63C1}"/>
+              </a:ext>
+            </a:extLst>
+          </p:cNvPr>
+          <p:cNvSpPr>
+            <a:spLocks noGrp="1"/>
+          </p:cNvSpPr>
+          <p:nvPr>
+            <p:ph type="title" idx="2"/>
+          </p:nvPr>
+        </p:nvSpPr>
+        <p:spPr>
+          <a:xfrm>
+            <a:off x="1544364" y="2304025"/>
+            <a:ext cx="7599636" cy="2295684"/>
+          </a:xfrm>
+        </p:spPr>
+        <p:txBody>
+          <a:bodyPr/>
+          <a:lstStyle/>
+          <a:p>
+            <a:pPr>
+              <a:lnSpc>
+                <a:spcPts val="1425"/>
+              </a:lnSpc>
+              <a:buNone/>
+            </a:pPr>
+            <a:r>
+              <a:rPr lang="pt-BR" sz="1800" dirty="0">
+                <a:solidFill>
+                  <a:schemeClr val="accent3"/>
+                </a:solidFill>
+                <a:latin typeface="Consolas" panose="020B0609020204030204" pitchFamily="49" charset="0"/>
+              </a:rPr>
+              <a:t>- Compartilhamento de arquivos e recursos.</a:t>
+            </a:r>
+            <a:br>
+              <a:rPr lang="pt-BR" sz="1800" dirty="0">
+                <a:solidFill>
+                  <a:schemeClr val="accent3"/>
+                </a:solidFill>
+                <a:latin typeface="Consolas" panose="020B0609020204030204" pitchFamily="49" charset="0"/>
+              </a:rPr>
+            </a:br>
+            <a:br>
+              <a:rPr lang="pt-BR" sz="1800" dirty="0">
+                <a:solidFill>
+                  <a:schemeClr val="accent3"/>
+                </a:solidFill>
+                <a:latin typeface="Consolas" panose="020B0609020204030204" pitchFamily="49" charset="0"/>
+              </a:rPr>
+            </a:br>
+            <a:r>
+              <a:rPr lang="pt-BR" sz="1800" dirty="0">
+                <a:solidFill>
+                  <a:schemeClr val="accent3"/>
+                </a:solidFill>
+                <a:latin typeface="Consolas" panose="020B0609020204030204" pitchFamily="49" charset="0"/>
+              </a:rPr>
+              <a:t>- Comunicação (e-mail, mensagens, chamadas).</a:t>
+            </a:r>
+            <a:br>
+              <a:rPr lang="pt-BR" sz="1800" dirty="0">
+                <a:solidFill>
+                  <a:schemeClr val="accent3"/>
+                </a:solidFill>
+                <a:latin typeface="Consolas" panose="020B0609020204030204" pitchFamily="49" charset="0"/>
+              </a:rPr>
+            </a:br>
+            <a:br>
+              <a:rPr lang="pt-BR" sz="1800" dirty="0">
+                <a:solidFill>
+                  <a:schemeClr val="accent3"/>
+                </a:solidFill>
+                <a:latin typeface="Consolas" panose="020B0609020204030204" pitchFamily="49" charset="0"/>
+              </a:rPr>
+            </a:br>
+            <a:r>
+              <a:rPr lang="pt-BR" sz="1800" dirty="0">
+                <a:solidFill>
+                  <a:schemeClr val="accent3"/>
+                </a:solidFill>
+                <a:latin typeface="Consolas" panose="020B0609020204030204" pitchFamily="49" charset="0"/>
+              </a:rPr>
+              <a:t>- Acesso remoto.</a:t>
+            </a:r>
+            <a:br>
+              <a:rPr lang="pt-BR" sz="1800" dirty="0">
+                <a:solidFill>
+                  <a:schemeClr val="accent3"/>
+                </a:solidFill>
+                <a:latin typeface="Consolas" panose="020B0609020204030204" pitchFamily="49" charset="0"/>
+              </a:rPr>
+            </a:br>
+            <a:br>
+              <a:rPr lang="pt-BR" sz="1800" dirty="0">
+                <a:solidFill>
+                  <a:schemeClr val="accent3"/>
+                </a:solidFill>
+                <a:latin typeface="Consolas" panose="020B0609020204030204" pitchFamily="49" charset="0"/>
+              </a:rPr>
+            </a:br>
+            <a:r>
+              <a:rPr lang="pt-BR" sz="1800" dirty="0">
+                <a:solidFill>
+                  <a:schemeClr val="accent3"/>
+                </a:solidFill>
+                <a:latin typeface="Consolas" panose="020B0609020204030204" pitchFamily="49" charset="0"/>
+              </a:rPr>
+              <a:t>- Execução distribuída de tarefas.</a:t>
+            </a:r>
+            <a:br>
+              <a:rPr lang="pt-BR" sz="1800" dirty="0">
+                <a:solidFill>
+                  <a:schemeClr val="accent3"/>
+                </a:solidFill>
+                <a:latin typeface="Consolas" panose="020B0609020204030204" pitchFamily="49" charset="0"/>
+              </a:rPr>
+            </a:br>
+            <a:br>
+              <a:rPr lang="pt-BR" sz="1800" dirty="0">
+                <a:solidFill>
+                  <a:schemeClr val="accent3"/>
+                </a:solidFill>
+                <a:latin typeface="Consolas" panose="020B0609020204030204" pitchFamily="49" charset="0"/>
+              </a:rPr>
+            </a:br>
+            <a:r>
+              <a:rPr lang="pt-BR" sz="1800" dirty="0">
+                <a:solidFill>
+                  <a:schemeClr val="accent3"/>
+                </a:solidFill>
+                <a:latin typeface="Consolas" panose="020B0609020204030204" pitchFamily="49" charset="0"/>
+              </a:rPr>
+              <a:t>- Segurança e gerenciamento centralizado.</a:t>
+            </a:r>
+            <a:endParaRPr lang="pt-BR" sz="1800" b="0" dirty="0">
+              <a:solidFill>
+                <a:srgbClr val="ABB2BF"/>
+              </a:solidFill>
+              <a:effectLst/>
+              <a:latin typeface="Consolas" panose="020B0609020204030204" pitchFamily="49" charset="0"/>
+            </a:endParaRPr>
+          </a:p>
+        </p:txBody>
+      </p:sp>
+    </p:spTree>
+    <p:extLst>
+      <p:ext uri="{BB962C8B-B14F-4D97-AF65-F5344CB8AC3E}">
+        <p14:creationId xmlns:p14="http://schemas.microsoft.com/office/powerpoint/2010/main" val="1264495057"/>
+      </p:ext>
+    </p:extLst>
+  </p:cSld>
+  <p:clrMapOvr>
+    <a:masterClrMapping/>
+  </p:clrMapOvr>
+</p:sld>
+</file>
+
+<file path=ppt/slides/slide47.xml><?xml version="1.0" encoding="utf-8"?>
+<p:sld xmlns:a="http://schemas.openxmlformats.org/drawingml/2006/main" xmlns:r="http://schemas.openxmlformats.org/officeDocument/2006/relationships" xmlns:p="http://schemas.openxmlformats.org/presentationml/2006/main">
+  <p:cSld>
+    <p:spTree>
+      <p:nvGrpSpPr>
+        <p:cNvPr id="1" name="Shape 499">
+          <a:extLst>
+            <a:ext uri="{FF2B5EF4-FFF2-40B4-BE49-F238E27FC236}">
+              <a16:creationId xmlns:a16="http://schemas.microsoft.com/office/drawing/2014/main" id="{3B934F4E-146F-6E6D-A98A-69DE2E520229}"/>
+            </a:ext>
+          </a:extLst>
+        </p:cNvPr>
+        <p:cNvGrpSpPr/>
+        <p:nvPr/>
+      </p:nvGrpSpPr>
+      <p:grpSpPr>
+        <a:xfrm>
+          <a:off x="0" y="0"/>
+          <a:ext cx="0" cy="0"/>
+          <a:chOff x="0" y="0"/>
+          <a:chExt cx="0" cy="0"/>
+        </a:xfrm>
+      </p:grpSpPr>
+      <p:sp>
+        <p:nvSpPr>
+          <p:cNvPr id="500" name="Google Shape;500;p30">
+            <a:extLst>
+              <a:ext uri="{FF2B5EF4-FFF2-40B4-BE49-F238E27FC236}">
+                <a16:creationId xmlns:a16="http://schemas.microsoft.com/office/drawing/2014/main" id="{829117B6-F589-E1AC-5623-222136EADEE6}"/>
+              </a:ext>
+            </a:extLst>
+          </p:cNvPr>
+          <p:cNvSpPr txBox="1">
+            <a:spLocks noGrp="1"/>
+          </p:cNvSpPr>
+          <p:nvPr>
+            <p:ph type="title"/>
+          </p:nvPr>
+        </p:nvSpPr>
+        <p:spPr>
+          <a:xfrm flipH="1">
+            <a:off x="1544363" y="801719"/>
+            <a:ext cx="7599634" cy="1104600"/>
+          </a:xfrm>
+          <a:prstGeom prst="rect">
+            <a:avLst/>
+          </a:prstGeom>
+        </p:spPr>
+        <p:txBody>
+          <a:bodyPr spcFirstLastPara="1" wrap="square" lIns="91425" tIns="91425" rIns="91425" bIns="91425" anchor="ctr" anchorCtr="0">
+            <a:noAutofit/>
+          </a:bodyPr>
+          <a:lstStyle/>
+          <a:p>
+            <a:pPr marL="0" lvl="0" indent="0" algn="l" rtl="0">
+              <a:spcBef>
+                <a:spcPts val="0"/>
+              </a:spcBef>
+              <a:spcAft>
+                <a:spcPts val="0"/>
+              </a:spcAft>
+              <a:buNone/>
+            </a:pPr>
+            <a:r>
+              <a:rPr lang="pt-BR" sz="5000" dirty="0"/>
+              <a:t>Atividade</a:t>
+            </a:r>
+            <a:endParaRPr lang="pt-BR" sz="5000" dirty="0">
+              <a:solidFill>
+                <a:schemeClr val="accent6"/>
+              </a:solidFill>
+            </a:endParaRPr>
+          </a:p>
+        </p:txBody>
+      </p:sp>
+      <p:sp>
+        <p:nvSpPr>
+          <p:cNvPr id="505" name="Google Shape;505;p30">
+            <a:extLst>
+              <a:ext uri="{FF2B5EF4-FFF2-40B4-BE49-F238E27FC236}">
+                <a16:creationId xmlns:a16="http://schemas.microsoft.com/office/drawing/2014/main" id="{45F6BA3A-83DA-1B1C-CC90-6D2A15837F35}"/>
+              </a:ext>
+            </a:extLst>
+          </p:cNvPr>
+          <p:cNvSpPr txBox="1">
+            <a:spLocks noGrp="1"/>
+          </p:cNvSpPr>
+          <p:nvPr>
+            <p:ph type="subTitle" idx="4294967295"/>
+          </p:nvPr>
+        </p:nvSpPr>
+        <p:spPr>
+          <a:xfrm>
+            <a:off x="710125" y="4694725"/>
+            <a:ext cx="4865100" cy="357300"/>
+          </a:xfrm>
+          <a:prstGeom prst="rect">
+            <a:avLst/>
+          </a:prstGeom>
+        </p:spPr>
+        <p:txBody>
+          <a:bodyPr spcFirstLastPara="1" wrap="square" lIns="91425" tIns="91425" rIns="91425" bIns="91425" anchor="ctr" anchorCtr="0">
+            <a:noAutofit/>
+          </a:bodyPr>
+          <a:lstStyle/>
+          <a:p>
+            <a:pPr marL="0" lvl="0" indent="0" algn="l" rtl="0">
+              <a:spcBef>
+                <a:spcPts val="0"/>
+              </a:spcBef>
+              <a:spcAft>
+                <a:spcPts val="0"/>
+              </a:spcAft>
+              <a:buNone/>
+            </a:pPr>
+            <a:r>
+              <a:rPr lang="en" sz="1400" dirty="0">
+                <a:solidFill>
+                  <a:schemeClr val="accent3"/>
+                </a:solidFill>
+              </a:rPr>
+              <a:t>Programming Language</a:t>
+            </a:r>
+            <a:endParaRPr sz="1400" dirty="0">
+              <a:solidFill>
+                <a:schemeClr val="accent3"/>
+              </a:solidFill>
+            </a:endParaRPr>
+          </a:p>
+        </p:txBody>
+      </p:sp>
+      <p:sp>
+        <p:nvSpPr>
+          <p:cNvPr id="506" name="Google Shape;506;p30">
+            <a:extLst>
+              <a:ext uri="{FF2B5EF4-FFF2-40B4-BE49-F238E27FC236}">
+                <a16:creationId xmlns:a16="http://schemas.microsoft.com/office/drawing/2014/main" id="{A394A65A-295D-29CE-E86E-A59AAD13F554}"/>
+              </a:ext>
+            </a:extLst>
+          </p:cNvPr>
+          <p:cNvSpPr txBox="1">
+            <a:spLocks noGrp="1"/>
+          </p:cNvSpPr>
+          <p:nvPr>
+            <p:ph type="subTitle" idx="4294967295"/>
+          </p:nvPr>
+        </p:nvSpPr>
+        <p:spPr>
+          <a:xfrm>
+            <a:off x="-5975" y="91525"/>
+            <a:ext cx="4572000" cy="357300"/>
+          </a:xfrm>
+          <a:prstGeom prst="rect">
+            <a:avLst/>
+          </a:prstGeom>
+        </p:spPr>
+        <p:txBody>
+          <a:bodyPr spcFirstLastPara="1" wrap="square" lIns="91425" tIns="91425" rIns="91425" bIns="91425" anchor="ctr" anchorCtr="0">
+            <a:noAutofit/>
+          </a:bodyPr>
+          <a:lstStyle/>
+          <a:p>
+            <a:pPr marL="0" lvl="0" indent="0" algn="ctr" rtl="0">
+              <a:spcBef>
+                <a:spcPts val="0"/>
+              </a:spcBef>
+              <a:spcAft>
+                <a:spcPts val="0"/>
+              </a:spcAft>
+              <a:buNone/>
+            </a:pPr>
+            <a:r>
+              <a:rPr lang="en" sz="1400">
+                <a:solidFill>
+                  <a:schemeClr val="accent3"/>
+                </a:solidFill>
+              </a:rPr>
+              <a:t>forbeginners.html</a:t>
+            </a:r>
+            <a:endParaRPr sz="1400">
+              <a:solidFill>
+                <a:schemeClr val="accent3"/>
+              </a:solidFill>
+            </a:endParaRPr>
+          </a:p>
+        </p:txBody>
+      </p:sp>
+      <p:sp>
+        <p:nvSpPr>
+          <p:cNvPr id="507" name="Google Shape;507;p30">
+            <a:extLst>
+              <a:ext uri="{FF2B5EF4-FFF2-40B4-BE49-F238E27FC236}">
+                <a16:creationId xmlns:a16="http://schemas.microsoft.com/office/drawing/2014/main" id="{C2F9C489-B6B7-5CA0-9A52-94B55C00FBC0}"/>
+              </a:ext>
+            </a:extLst>
+          </p:cNvPr>
+          <p:cNvSpPr txBox="1">
+            <a:spLocks noGrp="1"/>
+          </p:cNvSpPr>
+          <p:nvPr>
+            <p:ph type="subTitle" idx="4294967295"/>
+          </p:nvPr>
+        </p:nvSpPr>
+        <p:spPr>
+          <a:xfrm>
+            <a:off x="4572000" y="91525"/>
+            <a:ext cx="4572000" cy="357300"/>
+          </a:xfrm>
+          <a:prstGeom prst="rect">
+            <a:avLst/>
+          </a:prstGeom>
+        </p:spPr>
+        <p:txBody>
+          <a:bodyPr spcFirstLastPara="1" wrap="square" lIns="91425" tIns="91425" rIns="91425" bIns="91425" anchor="ctr" anchorCtr="0">
+            <a:noAutofit/>
+          </a:bodyPr>
+          <a:lstStyle/>
+          <a:p>
+            <a:pPr marL="0" lvl="0" indent="0" algn="ctr" rtl="0">
+              <a:spcBef>
+                <a:spcPts val="0"/>
+              </a:spcBef>
+              <a:spcAft>
+                <a:spcPts val="0"/>
+              </a:spcAft>
+              <a:buNone/>
+            </a:pPr>
+            <a:r>
+              <a:rPr lang="en" sz="1400">
+                <a:solidFill>
+                  <a:schemeClr val="accent3"/>
+                </a:solidFill>
+              </a:rPr>
+              <a:t>workshop.css</a:t>
+            </a:r>
+            <a:endParaRPr sz="1400">
+              <a:solidFill>
+                <a:schemeClr val="accent3"/>
+              </a:solidFill>
+            </a:endParaRPr>
+          </a:p>
+        </p:txBody>
+      </p:sp>
+      <p:sp>
+        <p:nvSpPr>
+          <p:cNvPr id="5" name="Title 4">
+            <a:extLst>
+              <a:ext uri="{FF2B5EF4-FFF2-40B4-BE49-F238E27FC236}">
+                <a16:creationId xmlns:a16="http://schemas.microsoft.com/office/drawing/2014/main" id="{2BB9BA9A-EC76-EBE4-370D-65F93AA48238}"/>
+              </a:ext>
+            </a:extLst>
+          </p:cNvPr>
+          <p:cNvSpPr>
+            <a:spLocks noGrp="1"/>
+          </p:cNvSpPr>
+          <p:nvPr>
+            <p:ph type="title" idx="2"/>
+          </p:nvPr>
+        </p:nvSpPr>
+        <p:spPr>
+          <a:xfrm>
+            <a:off x="1544364" y="2152680"/>
+            <a:ext cx="7599636" cy="2295684"/>
+          </a:xfrm>
+        </p:spPr>
+        <p:txBody>
+          <a:bodyPr/>
+          <a:lstStyle/>
+          <a:p>
+            <a:pPr>
+              <a:lnSpc>
+                <a:spcPts val="1425"/>
+              </a:lnSpc>
+              <a:buNone/>
+            </a:pPr>
+            <a:r>
+              <a:rPr lang="en-US" sz="1800" b="0" dirty="0">
+                <a:solidFill>
+                  <a:schemeClr val="accent3"/>
+                </a:solidFill>
+                <a:effectLst/>
+                <a:latin typeface="Consolas" panose="020B0609020204030204" pitchFamily="49" charset="0"/>
+              </a:rPr>
+              <a:t>6</a:t>
+            </a:r>
+            <a:r>
+              <a:rPr lang="pt-BR" sz="1800" b="0" dirty="0">
+                <a:solidFill>
+                  <a:schemeClr val="accent3"/>
+                </a:solidFill>
+                <a:effectLst/>
+                <a:latin typeface="Consolas" panose="020B0609020204030204" pitchFamily="49" charset="0"/>
+              </a:rPr>
+              <a:t> Grupos (</a:t>
+            </a:r>
+            <a:r>
+              <a:rPr lang="pt-BR" sz="1800" b="0" dirty="0" err="1">
+                <a:solidFill>
+                  <a:schemeClr val="accent3"/>
+                </a:solidFill>
+                <a:effectLst/>
+                <a:latin typeface="Consolas" panose="020B0609020204030204" pitchFamily="49" charset="0"/>
+              </a:rPr>
+              <a:t>Máx</a:t>
+            </a:r>
+            <a:r>
+              <a:rPr lang="pt-BR" sz="1800" b="0" dirty="0">
+                <a:solidFill>
+                  <a:schemeClr val="accent3"/>
+                </a:solidFill>
+                <a:effectLst/>
+                <a:latin typeface="Consolas" panose="020B0609020204030204" pitchFamily="49" charset="0"/>
+              </a:rPr>
+              <a:t>: 7 pessoas):</a:t>
+            </a:r>
+            <a:br>
+              <a:rPr lang="pt-BR" sz="1800" b="0" dirty="0">
+                <a:solidFill>
+                  <a:schemeClr val="accent3"/>
+                </a:solidFill>
+                <a:effectLst/>
+                <a:latin typeface="Consolas" panose="020B0609020204030204" pitchFamily="49" charset="0"/>
+              </a:rPr>
+            </a:br>
+            <a:br>
+              <a:rPr lang="pt-BR" sz="1800" b="0" dirty="0">
+                <a:solidFill>
+                  <a:schemeClr val="accent3"/>
+                </a:solidFill>
+                <a:effectLst/>
+                <a:latin typeface="Consolas" panose="020B0609020204030204" pitchFamily="49" charset="0"/>
+              </a:rPr>
+            </a:br>
+            <a:r>
+              <a:rPr lang="pt-BR" sz="1800" b="0" dirty="0">
+                <a:solidFill>
+                  <a:schemeClr val="accent3"/>
+                </a:solidFill>
+                <a:effectLst/>
+                <a:latin typeface="Consolas" panose="020B0609020204030204" pitchFamily="49" charset="0"/>
+              </a:rPr>
+              <a:t>- Modelo OSI</a:t>
+            </a:r>
+            <a:br>
+              <a:rPr lang="pt-BR" sz="1800" b="0" dirty="0">
+                <a:solidFill>
+                  <a:schemeClr val="accent3"/>
+                </a:solidFill>
+                <a:effectLst/>
+                <a:latin typeface="Consolas" panose="020B0609020204030204" pitchFamily="49" charset="0"/>
+              </a:rPr>
+            </a:br>
+            <a:br>
+              <a:rPr lang="pt-BR" sz="1800" b="0" dirty="0">
+                <a:solidFill>
+                  <a:schemeClr val="accent3"/>
+                </a:solidFill>
+                <a:effectLst/>
+                <a:latin typeface="Consolas" panose="020B0609020204030204" pitchFamily="49" charset="0"/>
+              </a:rPr>
+            </a:br>
+            <a:r>
+              <a:rPr lang="pt-BR" sz="1800" b="0" dirty="0">
+                <a:solidFill>
+                  <a:schemeClr val="accent3"/>
+                </a:solidFill>
+                <a:effectLst/>
+                <a:latin typeface="Consolas" panose="020B0609020204030204" pitchFamily="49" charset="0"/>
+              </a:rPr>
+              <a:t>- Modelo TCP/IP</a:t>
+            </a:r>
+            <a:br>
+              <a:rPr lang="pt-BR" sz="1800" b="0" dirty="0">
+                <a:solidFill>
+                  <a:schemeClr val="accent3"/>
+                </a:solidFill>
+                <a:effectLst/>
+                <a:latin typeface="Consolas" panose="020B0609020204030204" pitchFamily="49" charset="0"/>
+              </a:rPr>
+            </a:br>
+            <a:br>
+              <a:rPr lang="pt-BR" sz="1800" b="0" dirty="0">
+                <a:solidFill>
+                  <a:schemeClr val="accent3"/>
+                </a:solidFill>
+                <a:effectLst/>
+                <a:latin typeface="Consolas" panose="020B0609020204030204" pitchFamily="49" charset="0"/>
+              </a:rPr>
+            </a:br>
+            <a:r>
+              <a:rPr lang="pt-BR" sz="1800" b="0" dirty="0">
+                <a:solidFill>
+                  <a:schemeClr val="accent3"/>
+                </a:solidFill>
+                <a:effectLst/>
+                <a:latin typeface="Consolas" panose="020B0609020204030204" pitchFamily="49" charset="0"/>
+              </a:rPr>
+              <a:t>- Topologias</a:t>
+            </a:r>
+            <a:br>
+              <a:rPr lang="pt-BR" sz="1800" b="0" dirty="0">
+                <a:solidFill>
+                  <a:schemeClr val="accent3"/>
+                </a:solidFill>
+                <a:effectLst/>
+                <a:latin typeface="Consolas" panose="020B0609020204030204" pitchFamily="49" charset="0"/>
+              </a:rPr>
+            </a:br>
+            <a:br>
+              <a:rPr lang="pt-BR" sz="1800" b="0" dirty="0">
+                <a:solidFill>
+                  <a:schemeClr val="accent3"/>
+                </a:solidFill>
+                <a:effectLst/>
+                <a:latin typeface="Consolas" panose="020B0609020204030204" pitchFamily="49" charset="0"/>
+              </a:rPr>
+            </a:br>
+            <a:r>
+              <a:rPr lang="pt-BR" sz="1800" b="0" dirty="0">
+                <a:solidFill>
+                  <a:schemeClr val="accent3"/>
+                </a:solidFill>
+                <a:effectLst/>
+                <a:latin typeface="Consolas" panose="020B0609020204030204" pitchFamily="49" charset="0"/>
+              </a:rPr>
+              <a:t>- Equipamentos</a:t>
+            </a:r>
+            <a:br>
+              <a:rPr lang="pt-BR" sz="1800" b="0" dirty="0">
+                <a:solidFill>
+                  <a:schemeClr val="accent3"/>
+                </a:solidFill>
+                <a:effectLst/>
+                <a:latin typeface="Consolas" panose="020B0609020204030204" pitchFamily="49" charset="0"/>
+              </a:rPr>
+            </a:br>
+            <a:br>
+              <a:rPr lang="pt-BR" sz="1800" b="0" dirty="0">
+                <a:solidFill>
+                  <a:schemeClr val="accent3"/>
+                </a:solidFill>
+                <a:effectLst/>
+                <a:latin typeface="Consolas" panose="020B0609020204030204" pitchFamily="49" charset="0"/>
+              </a:rPr>
+            </a:br>
+            <a:r>
+              <a:rPr lang="pt-BR" sz="1800" b="0" dirty="0">
+                <a:solidFill>
+                  <a:schemeClr val="accent3"/>
+                </a:solidFill>
+                <a:effectLst/>
+                <a:latin typeface="Consolas" panose="020B0609020204030204" pitchFamily="49" charset="0"/>
+              </a:rPr>
+              <a:t>- Tipos de Redes</a:t>
+            </a:r>
+            <a:br>
+              <a:rPr lang="pt-BR" sz="1800" b="0" dirty="0">
+                <a:solidFill>
+                  <a:schemeClr val="accent3"/>
+                </a:solidFill>
+                <a:effectLst/>
+                <a:latin typeface="Consolas" panose="020B0609020204030204" pitchFamily="49" charset="0"/>
+              </a:rPr>
+            </a:br>
+            <a:br>
+              <a:rPr lang="pt-BR" sz="1800" b="0" dirty="0">
+                <a:solidFill>
+                  <a:schemeClr val="accent3"/>
+                </a:solidFill>
+                <a:effectLst/>
+                <a:latin typeface="Consolas" panose="020B0609020204030204" pitchFamily="49" charset="0"/>
+              </a:rPr>
+            </a:br>
+            <a:r>
+              <a:rPr lang="pt-BR" sz="1800" b="0" dirty="0">
+                <a:solidFill>
+                  <a:schemeClr val="accent3"/>
+                </a:solidFill>
+                <a:effectLst/>
+                <a:latin typeface="Consolas" panose="020B0609020204030204" pitchFamily="49" charset="0"/>
+              </a:rPr>
+              <a:t>- Evolução das Redes</a:t>
+            </a:r>
+            <a:endParaRPr lang="pt-BR" sz="1800" b="0" dirty="0">
+              <a:solidFill>
+                <a:srgbClr val="ABB2BF"/>
+              </a:solidFill>
+              <a:effectLst/>
+              <a:latin typeface="Consolas" panose="020B0609020204030204" pitchFamily="49" charset="0"/>
+            </a:endParaRPr>
+          </a:p>
+        </p:txBody>
+      </p:sp>
+    </p:spTree>
+    <p:extLst>
+      <p:ext uri="{BB962C8B-B14F-4D97-AF65-F5344CB8AC3E}">
+        <p14:creationId xmlns:p14="http://schemas.microsoft.com/office/powerpoint/2010/main" val="2771276361"/>
+      </p:ext>
+    </p:extLst>
   </p:cSld>
   <p:clrMapOvr>
     <a:masterClrMapping/>

--- a/lógica_de_programação.pptx
+++ b/lógica_de_programação.pptx
@@ -5,7 +5,7 @@
     <p:sldMasterId id="2147483672" r:id="rId1"/>
   </p:sldMasterIdLst>
   <p:notesMasterIdLst>
-    <p:notesMasterId r:id="rId49"/>
+    <p:notesMasterId r:id="rId55"/>
   </p:notesMasterIdLst>
   <p:sldIdLst>
     <p:sldId id="256" r:id="rId2"/>
@@ -55,21 +55,27 @@
     <p:sldId id="341" r:id="rId46"/>
     <p:sldId id="342" r:id="rId47"/>
     <p:sldId id="343" r:id="rId48"/>
+    <p:sldId id="344" r:id="rId49"/>
+    <p:sldId id="345" r:id="rId50"/>
+    <p:sldId id="346" r:id="rId51"/>
+    <p:sldId id="347" r:id="rId52"/>
+    <p:sldId id="348" r:id="rId53"/>
+    <p:sldId id="350" r:id="rId54"/>
   </p:sldIdLst>
   <p:sldSz cx="9144000" cy="5143500" type="screen16x9"/>
   <p:notesSz cx="6858000" cy="9144000"/>
   <p:embeddedFontLst>
     <p:embeddedFont>
       <p:font typeface="Consolas" panose="020B0609020204030204" pitchFamily="49" charset="0"/>
-      <p:regular r:id="rId50"/>
-      <p:bold r:id="rId51"/>
-      <p:italic r:id="rId52"/>
-      <p:boldItalic r:id="rId53"/>
+      <p:regular r:id="rId56"/>
+      <p:bold r:id="rId57"/>
+      <p:italic r:id="rId58"/>
+      <p:boldItalic r:id="rId59"/>
     </p:embeddedFont>
     <p:embeddedFont>
       <p:font typeface="Fira Code" panose="020B0809050000020004" pitchFamily="49" charset="0"/>
-      <p:regular r:id="rId54"/>
-      <p:bold r:id="rId55"/>
+      <p:regular r:id="rId60"/>
+      <p:bold r:id="rId61"/>
     </p:embeddedFont>
   </p:embeddedFontLst>
   <p:defaultTextStyle>
@@ -353,6 +359,12 @@
             <p14:sldId id="341"/>
             <p14:sldId id="342"/>
             <p14:sldId id="343"/>
+            <p14:sldId id="344"/>
+            <p14:sldId id="345"/>
+            <p14:sldId id="346"/>
+            <p14:sldId id="347"/>
+            <p14:sldId id="348"/>
+            <p14:sldId id="350"/>
           </p14:sldIdLst>
         </p14:section>
         <p14:section name="Untitled Section" id="{0BD353A8-C9CD-42FB-B0E8-4E12EE6F900B}">
@@ -370,7 +382,7 @@
 <file path=ppt/revisionInfo.xml><?xml version="1.0" encoding="utf-8"?>
 <p1510:revInfo xmlns:a="http://schemas.openxmlformats.org/drawingml/2006/main" xmlns:r="http://schemas.openxmlformats.org/officeDocument/2006/relationships" xmlns:p1510="http://schemas.microsoft.com/office/powerpoint/2015/10/main">
   <p1510:revLst>
-    <p1510:client id="{2A1D944C-C880-4A10-B58E-B4EE8449592D}" v="43" dt="2025-06-01T16:07:35.097"/>
+    <p1510:client id="{2A1D944C-C880-4A10-B58E-B4EE8449592D}" v="58" dt="2025-06-04T14:32:03.278"/>
   </p1510:revLst>
 </p1510:revInfo>
 </file>
@@ -380,7 +392,7 @@
   <pc:docChgLst>
     <pc:chgData name="Matheus Gonçalves" userId="daa890474fb9f8ca" providerId="LiveId" clId="{2A1D944C-C880-4A10-B58E-B4EE8449592D}"/>
     <pc:docChg chg="undo redo custSel addSld delSld modSld sldOrd modSection">
-      <pc:chgData name="Matheus Gonçalves" userId="daa890474fb9f8ca" providerId="LiveId" clId="{2A1D944C-C880-4A10-B58E-B4EE8449592D}" dt="2025-06-01T16:14:04.123" v="3508" actId="1076"/>
+      <pc:chgData name="Matheus Gonçalves" userId="daa890474fb9f8ca" providerId="LiveId" clId="{2A1D944C-C880-4A10-B58E-B4EE8449592D}" dt="2025-06-04T14:32:26.500" v="4201" actId="20577"/>
       <pc:docMkLst>
         <pc:docMk/>
       </pc:docMkLst>
@@ -1136,36 +1148,12 @@
           <pc:docMk/>
           <pc:sldMk cId="3986099386" sldId="339"/>
         </pc:sldMkLst>
-        <pc:spChg chg="add del mod">
-          <ac:chgData name="Matheus Gonçalves" userId="daa890474fb9f8ca" providerId="LiveId" clId="{2A1D944C-C880-4A10-B58E-B4EE8449592D}" dt="2025-06-01T15:59:09.067" v="3101" actId="478"/>
-          <ac:spMkLst>
-            <pc:docMk/>
-            <pc:sldMk cId="3986099386" sldId="339"/>
-            <ac:spMk id="3" creationId="{BB956DF3-C2C2-8274-0F8A-6B6CE9495ACE}"/>
-          </ac:spMkLst>
-        </pc:spChg>
-        <pc:spChg chg="del">
-          <ac:chgData name="Matheus Gonçalves" userId="daa890474fb9f8ca" providerId="LiveId" clId="{2A1D944C-C880-4A10-B58E-B4EE8449592D}" dt="2025-06-01T15:59:07.235" v="3100" actId="478"/>
-          <ac:spMkLst>
-            <pc:docMk/>
-            <pc:sldMk cId="3986099386" sldId="339"/>
-            <ac:spMk id="5" creationId="{E9D34B14-46FB-423B-62FB-02D73406219E}"/>
-          </ac:spMkLst>
-        </pc:spChg>
         <pc:picChg chg="add del mod">
           <ac:chgData name="Matheus Gonçalves" userId="daa890474fb9f8ca" providerId="LiveId" clId="{2A1D944C-C880-4A10-B58E-B4EE8449592D}" dt="2025-06-01T16:02:16.899" v="3130" actId="1076"/>
           <ac:picMkLst>
             <pc:docMk/>
             <pc:sldMk cId="3986099386" sldId="339"/>
             <ac:picMk id="1026" creationId="{0626CF60-6242-D8F5-50E9-4FD5AB5F22A5}"/>
-          </ac:picMkLst>
-        </pc:picChg>
-        <pc:picChg chg="add del mod">
-          <ac:chgData name="Matheus Gonçalves" userId="daa890474fb9f8ca" providerId="LiveId" clId="{2A1D944C-C880-4A10-B58E-B4EE8449592D}" dt="2025-06-01T16:00:25.358" v="3109" actId="478"/>
-          <ac:picMkLst>
-            <pc:docMk/>
-            <pc:sldMk cId="3986099386" sldId="339"/>
-            <ac:picMk id="1028" creationId="{E98644A3-CE14-C39E-107D-2F9DF11FCFB0}"/>
           </ac:picMkLst>
         </pc:picChg>
         <pc:picChg chg="add mod">
@@ -1206,30 +1194,6 @@
           <pc:docMk/>
           <pc:sldMk cId="1345847027" sldId="341"/>
         </pc:sldMkLst>
-        <pc:spChg chg="add del mod">
-          <ac:chgData name="Matheus Gonçalves" userId="daa890474fb9f8ca" providerId="LiveId" clId="{2A1D944C-C880-4A10-B58E-B4EE8449592D}" dt="2025-06-01T16:03:48.060" v="3161" actId="478"/>
-          <ac:spMkLst>
-            <pc:docMk/>
-            <pc:sldMk cId="1345847027" sldId="341"/>
-            <ac:spMk id="3" creationId="{3FE3DB95-8C41-EEB5-1F75-2D64D0C86251}"/>
-          </ac:spMkLst>
-        </pc:spChg>
-        <pc:spChg chg="del">
-          <ac:chgData name="Matheus Gonçalves" userId="daa890474fb9f8ca" providerId="LiveId" clId="{2A1D944C-C880-4A10-B58E-B4EE8449592D}" dt="2025-06-01T16:03:44.982" v="3160" actId="478"/>
-          <ac:spMkLst>
-            <pc:docMk/>
-            <pc:sldMk cId="1345847027" sldId="341"/>
-            <ac:spMk id="5" creationId="{489AB400-4726-831B-DB92-D045FCBB0124}"/>
-          </ac:spMkLst>
-        </pc:spChg>
-        <pc:picChg chg="add del mod">
-          <ac:chgData name="Matheus Gonçalves" userId="daa890474fb9f8ca" providerId="LiveId" clId="{2A1D944C-C880-4A10-B58E-B4EE8449592D}" dt="2025-06-01T16:05:27.835" v="3167" actId="478"/>
-          <ac:picMkLst>
-            <pc:docMk/>
-            <pc:sldMk cId="1345847027" sldId="341"/>
-            <ac:picMk id="2050" creationId="{827734A3-E72B-B8B6-4EFA-85913580EE5B}"/>
-          </ac:picMkLst>
-        </pc:picChg>
         <pc:picChg chg="add mod">
           <ac:chgData name="Matheus Gonçalves" userId="daa890474fb9f8ca" providerId="LiveId" clId="{2A1D944C-C880-4A10-B58E-B4EE8449592D}" dt="2025-06-01T16:05:34.990" v="3170" actId="1076"/>
           <ac:picMkLst>
@@ -1270,25 +1234,217 @@
         </pc:spChg>
       </pc:sldChg>
       <pc:sldChg chg="modSp add mod">
-        <pc:chgData name="Matheus Gonçalves" userId="daa890474fb9f8ca" providerId="LiveId" clId="{2A1D944C-C880-4A10-B58E-B4EE8449592D}" dt="2025-06-01T16:14:04.123" v="3508" actId="1076"/>
+        <pc:chgData name="Matheus Gonçalves" userId="daa890474fb9f8ca" providerId="LiveId" clId="{2A1D944C-C880-4A10-B58E-B4EE8449592D}" dt="2025-06-04T14:18:15.822" v="3546" actId="20577"/>
+        <pc:sldMkLst>
+          <pc:docMk/>
+          <pc:sldMk cId="1770188078" sldId="343"/>
+        </pc:sldMkLst>
+        <pc:spChg chg="mod">
+          <ac:chgData name="Matheus Gonçalves" userId="daa890474fb9f8ca" providerId="LiveId" clId="{2A1D944C-C880-4A10-B58E-B4EE8449592D}" dt="2025-06-04T14:18:15.822" v="3546" actId="20577"/>
+          <ac:spMkLst>
+            <pc:docMk/>
+            <pc:sldMk cId="1770188078" sldId="343"/>
+            <ac:spMk id="5" creationId="{455B6B98-5AD7-C682-996A-120457D43348}"/>
+          </ac:spMkLst>
+        </pc:spChg>
+        <pc:spChg chg="mod">
+          <ac:chgData name="Matheus Gonçalves" userId="daa890474fb9f8ca" providerId="LiveId" clId="{2A1D944C-C880-4A10-B58E-B4EE8449592D}" dt="2025-06-04T14:17:37.276" v="3533" actId="20577"/>
+          <ac:spMkLst>
+            <pc:docMk/>
+            <pc:sldMk cId="1770188078" sldId="343"/>
+            <ac:spMk id="500" creationId="{83A5B956-9B5E-CB28-9B8F-3D0A874CCB8A}"/>
+          </ac:spMkLst>
+        </pc:spChg>
+      </pc:sldChg>
+      <pc:sldChg chg="modSp add del mod">
+        <pc:chgData name="Matheus Gonçalves" userId="daa890474fb9f8ca" providerId="LiveId" clId="{2A1D944C-C880-4A10-B58E-B4EE8449592D}" dt="2025-06-04T14:17:28.313" v="3509" actId="2696"/>
         <pc:sldMkLst>
           <pc:docMk/>
           <pc:sldMk cId="2771276361" sldId="343"/>
         </pc:sldMkLst>
+      </pc:sldChg>
+      <pc:sldChg chg="modSp add mod">
+        <pc:chgData name="Matheus Gonçalves" userId="daa890474fb9f8ca" providerId="LiveId" clId="{2A1D944C-C880-4A10-B58E-B4EE8449592D}" dt="2025-06-04T14:19:34.230" v="3592" actId="120"/>
+        <pc:sldMkLst>
+          <pc:docMk/>
+          <pc:sldMk cId="52591159" sldId="344"/>
+        </pc:sldMkLst>
         <pc:spChg chg="mod">
-          <ac:chgData name="Matheus Gonçalves" userId="daa890474fb9f8ca" providerId="LiveId" clId="{2A1D944C-C880-4A10-B58E-B4EE8449592D}" dt="2025-06-01T16:14:04.123" v="3508" actId="1076"/>
+          <ac:chgData name="Matheus Gonçalves" userId="daa890474fb9f8ca" providerId="LiveId" clId="{2A1D944C-C880-4A10-B58E-B4EE8449592D}" dt="2025-06-04T14:19:34.230" v="3592" actId="120"/>
           <ac:spMkLst>
             <pc:docMk/>
-            <pc:sldMk cId="2771276361" sldId="343"/>
-            <ac:spMk id="5" creationId="{2BB9BA9A-EC76-EBE4-370D-65F93AA48238}"/>
+            <pc:sldMk cId="52591159" sldId="344"/>
+            <ac:spMk id="5" creationId="{B4700513-D427-F7FA-4F1C-CDEA3D8E0F1E}"/>
           </ac:spMkLst>
         </pc:spChg>
         <pc:spChg chg="mod">
-          <ac:chgData name="Matheus Gonçalves" userId="daa890474fb9f8ca" providerId="LiveId" clId="{2A1D944C-C880-4A10-B58E-B4EE8449592D}" dt="2025-06-01T16:11:38.916" v="3286" actId="20577"/>
+          <ac:chgData name="Matheus Gonçalves" userId="daa890474fb9f8ca" providerId="LiveId" clId="{2A1D944C-C880-4A10-B58E-B4EE8449592D}" dt="2025-06-04T14:18:52.440" v="3570" actId="20577"/>
           <ac:spMkLst>
             <pc:docMk/>
-            <pc:sldMk cId="2771276361" sldId="343"/>
-            <ac:spMk id="500" creationId="{829117B6-F589-E1AC-5623-222136EADEE6}"/>
+            <pc:sldMk cId="52591159" sldId="344"/>
+            <ac:spMk id="500" creationId="{C959F4C4-FCA0-A9AB-71D9-CF779BA2E76E}"/>
+          </ac:spMkLst>
+        </pc:spChg>
+      </pc:sldChg>
+      <pc:sldChg chg="addSp delSp modSp add mod">
+        <pc:chgData name="Matheus Gonçalves" userId="daa890474fb9f8ca" providerId="LiveId" clId="{2A1D944C-C880-4A10-B58E-B4EE8449592D}" dt="2025-06-04T14:22:40.327" v="3783" actId="14734"/>
+        <pc:sldMkLst>
+          <pc:docMk/>
+          <pc:sldMk cId="517003666" sldId="345"/>
+        </pc:sldMkLst>
+        <pc:spChg chg="add del mod">
+          <ac:chgData name="Matheus Gonçalves" userId="daa890474fb9f8ca" providerId="LiveId" clId="{2A1D944C-C880-4A10-B58E-B4EE8449592D}" dt="2025-06-04T14:20:37.694" v="3607" actId="478"/>
+          <ac:spMkLst>
+            <pc:docMk/>
+            <pc:sldMk cId="517003666" sldId="345"/>
+            <ac:spMk id="4" creationId="{947E9EDD-7594-DFD4-B827-D8B7D907FEC4}"/>
+          </ac:spMkLst>
+        </pc:spChg>
+        <pc:spChg chg="del mod">
+          <ac:chgData name="Matheus Gonçalves" userId="daa890474fb9f8ca" providerId="LiveId" clId="{2A1D944C-C880-4A10-B58E-B4EE8449592D}" dt="2025-06-04T14:20:36.543" v="3606" actId="478"/>
+          <ac:spMkLst>
+            <pc:docMk/>
+            <pc:sldMk cId="517003666" sldId="345"/>
+            <ac:spMk id="5" creationId="{FBC2A062-FD7B-2E5D-A7E2-6C0B54891B8D}"/>
+          </ac:spMkLst>
+        </pc:spChg>
+        <pc:spChg chg="mod">
+          <ac:chgData name="Matheus Gonçalves" userId="daa890474fb9f8ca" providerId="LiveId" clId="{2A1D944C-C880-4A10-B58E-B4EE8449592D}" dt="2025-06-04T14:19:47.076" v="3601" actId="20577"/>
+          <ac:spMkLst>
+            <pc:docMk/>
+            <pc:sldMk cId="517003666" sldId="345"/>
+            <ac:spMk id="500" creationId="{04CC2B41-3986-ADDB-7886-DAAD93F6E265}"/>
+          </ac:spMkLst>
+        </pc:spChg>
+        <pc:graphicFrameChg chg="add mod modGraphic">
+          <ac:chgData name="Matheus Gonçalves" userId="daa890474fb9f8ca" providerId="LiveId" clId="{2A1D944C-C880-4A10-B58E-B4EE8449592D}" dt="2025-06-04T14:22:40.327" v="3783" actId="14734"/>
+          <ac:graphicFrameMkLst>
+            <pc:docMk/>
+            <pc:sldMk cId="517003666" sldId="345"/>
+            <ac:graphicFrameMk id="2" creationId="{91AB9BBB-814C-99D9-E83A-08308CC5304A}"/>
+          </ac:graphicFrameMkLst>
+        </pc:graphicFrameChg>
+      </pc:sldChg>
+      <pc:sldChg chg="addSp modSp add mod ord">
+        <pc:chgData name="Matheus Gonçalves" userId="daa890474fb9f8ca" providerId="LiveId" clId="{2A1D944C-C880-4A10-B58E-B4EE8449592D}" dt="2025-06-04T14:29:19.374" v="3947"/>
+        <pc:sldMkLst>
+          <pc:docMk/>
+          <pc:sldMk cId="3307560381" sldId="346"/>
+        </pc:sldMkLst>
+        <pc:spChg chg="add">
+          <ac:chgData name="Matheus Gonçalves" userId="daa890474fb9f8ca" providerId="LiveId" clId="{2A1D944C-C880-4A10-B58E-B4EE8449592D}" dt="2025-06-04T14:23:50.485" v="3804"/>
+          <ac:spMkLst>
+            <pc:docMk/>
+            <pc:sldMk cId="3307560381" sldId="346"/>
+            <ac:spMk id="2" creationId="{4F0B8413-47CE-0D89-28FF-631AC0A37626}"/>
+          </ac:spMkLst>
+        </pc:spChg>
+        <pc:spChg chg="mod">
+          <ac:chgData name="Matheus Gonçalves" userId="daa890474fb9f8ca" providerId="LiveId" clId="{2A1D944C-C880-4A10-B58E-B4EE8449592D}" dt="2025-06-04T14:24:17.100" v="3826" actId="20577"/>
+          <ac:spMkLst>
+            <pc:docMk/>
+            <pc:sldMk cId="3307560381" sldId="346"/>
+            <ac:spMk id="5" creationId="{D0B3630C-5D1E-5BC9-E4E2-9B3AD388DCE2}"/>
+          </ac:spMkLst>
+        </pc:spChg>
+        <pc:spChg chg="mod">
+          <ac:chgData name="Matheus Gonçalves" userId="daa890474fb9f8ca" providerId="LiveId" clId="{2A1D944C-C880-4A10-B58E-B4EE8449592D}" dt="2025-06-04T14:23:45.372" v="3803" actId="20577"/>
+          <ac:spMkLst>
+            <pc:docMk/>
+            <pc:sldMk cId="3307560381" sldId="346"/>
+            <ac:spMk id="500" creationId="{00BBF087-9CC3-452B-57D0-F237299ADA26}"/>
+          </ac:spMkLst>
+        </pc:spChg>
+      </pc:sldChg>
+      <pc:sldChg chg="addSp modSp add mod ord">
+        <pc:chgData name="Matheus Gonçalves" userId="daa890474fb9f8ca" providerId="LiveId" clId="{2A1D944C-C880-4A10-B58E-B4EE8449592D}" dt="2025-06-04T14:29:30.508" v="3949"/>
+        <pc:sldMkLst>
+          <pc:docMk/>
+          <pc:sldMk cId="3215344211" sldId="347"/>
+        </pc:sldMkLst>
+        <pc:spChg chg="add">
+          <ac:chgData name="Matheus Gonçalves" userId="daa890474fb9f8ca" providerId="LiveId" clId="{2A1D944C-C880-4A10-B58E-B4EE8449592D}" dt="2025-06-04T14:24:48.672" v="3849"/>
+          <ac:spMkLst>
+            <pc:docMk/>
+            <pc:sldMk cId="3215344211" sldId="347"/>
+            <ac:spMk id="2" creationId="{01ACF45A-D511-C3DD-441B-63C6727512C5}"/>
+          </ac:spMkLst>
+        </pc:spChg>
+        <pc:spChg chg="mod">
+          <ac:chgData name="Matheus Gonçalves" userId="daa890474fb9f8ca" providerId="LiveId" clId="{2A1D944C-C880-4A10-B58E-B4EE8449592D}" dt="2025-06-04T14:25:05.319" v="3863" actId="20577"/>
+          <ac:spMkLst>
+            <pc:docMk/>
+            <pc:sldMk cId="3215344211" sldId="347"/>
+            <ac:spMk id="5" creationId="{5FCAA6E4-019A-301F-D382-38A04D60B9EA}"/>
+          </ac:spMkLst>
+        </pc:spChg>
+        <pc:spChg chg="mod">
+          <ac:chgData name="Matheus Gonçalves" userId="daa890474fb9f8ca" providerId="LiveId" clId="{2A1D944C-C880-4A10-B58E-B4EE8449592D}" dt="2025-06-04T14:24:39.151" v="3848" actId="20577"/>
+          <ac:spMkLst>
+            <pc:docMk/>
+            <pc:sldMk cId="3215344211" sldId="347"/>
+            <ac:spMk id="500" creationId="{FEF80699-B94E-E185-816A-94A8506BD801}"/>
+          </ac:spMkLst>
+        </pc:spChg>
+      </pc:sldChg>
+      <pc:sldChg chg="addSp modSp add mod ord">
+        <pc:chgData name="Matheus Gonçalves" userId="daa890474fb9f8ca" providerId="LiveId" clId="{2A1D944C-C880-4A10-B58E-B4EE8449592D}" dt="2025-06-04T14:29:39.725" v="3951"/>
+        <pc:sldMkLst>
+          <pc:docMk/>
+          <pc:sldMk cId="639849549" sldId="348"/>
+        </pc:sldMkLst>
+        <pc:spChg chg="add">
+          <ac:chgData name="Matheus Gonçalves" userId="daa890474fb9f8ca" providerId="LiveId" clId="{2A1D944C-C880-4A10-B58E-B4EE8449592D}" dt="2025-06-04T14:25:58.192" v="3888"/>
+          <ac:spMkLst>
+            <pc:docMk/>
+            <pc:sldMk cId="639849549" sldId="348"/>
+            <ac:spMk id="2" creationId="{DEE7D0B3-F4D8-3ED5-CFDA-6E81FB007EA9}"/>
+          </ac:spMkLst>
+        </pc:spChg>
+        <pc:spChg chg="mod">
+          <ac:chgData name="Matheus Gonçalves" userId="daa890474fb9f8ca" providerId="LiveId" clId="{2A1D944C-C880-4A10-B58E-B4EE8449592D}" dt="2025-06-04T14:26:47.032" v="3908" actId="20577"/>
+          <ac:spMkLst>
+            <pc:docMk/>
+            <pc:sldMk cId="639849549" sldId="348"/>
+            <ac:spMk id="5" creationId="{A0274047-C320-85AB-EFF0-F5D638E095E2}"/>
+          </ac:spMkLst>
+        </pc:spChg>
+        <pc:spChg chg="mod">
+          <ac:chgData name="Matheus Gonçalves" userId="daa890474fb9f8ca" providerId="LiveId" clId="{2A1D944C-C880-4A10-B58E-B4EE8449592D}" dt="2025-06-04T14:25:53.613" v="3887" actId="20577"/>
+          <ac:spMkLst>
+            <pc:docMk/>
+            <pc:sldMk cId="639849549" sldId="348"/>
+            <ac:spMk id="500" creationId="{A6D7F030-026E-6BE2-831B-335FD287133E}"/>
+          </ac:spMkLst>
+        </pc:spChg>
+      </pc:sldChg>
+      <pc:sldChg chg="add del">
+        <pc:chgData name="Matheus Gonçalves" userId="daa890474fb9f8ca" providerId="LiveId" clId="{2A1D944C-C880-4A10-B58E-B4EE8449592D}" dt="2025-06-04T14:29:44.105" v="3952" actId="2696"/>
+        <pc:sldMkLst>
+          <pc:docMk/>
+          <pc:sldMk cId="2446163956" sldId="349"/>
+        </pc:sldMkLst>
+      </pc:sldChg>
+      <pc:sldChg chg="modSp add mod ord">
+        <pc:chgData name="Matheus Gonçalves" userId="daa890474fb9f8ca" providerId="LiveId" clId="{2A1D944C-C880-4A10-B58E-B4EE8449592D}" dt="2025-06-04T14:32:26.500" v="4201" actId="20577"/>
+        <pc:sldMkLst>
+          <pc:docMk/>
+          <pc:sldMk cId="3706147102" sldId="350"/>
+        </pc:sldMkLst>
+        <pc:spChg chg="mod">
+          <ac:chgData name="Matheus Gonçalves" userId="daa890474fb9f8ca" providerId="LiveId" clId="{2A1D944C-C880-4A10-B58E-B4EE8449592D}" dt="2025-06-04T14:32:26.500" v="4201" actId="20577"/>
+          <ac:spMkLst>
+            <pc:docMk/>
+            <pc:sldMk cId="3706147102" sldId="350"/>
+            <ac:spMk id="5" creationId="{5ECA20BF-AB4E-CAE5-9736-F6F08C570D8E}"/>
+          </ac:spMkLst>
+        </pc:spChg>
+        <pc:spChg chg="mod">
+          <ac:chgData name="Matheus Gonçalves" userId="daa890474fb9f8ca" providerId="LiveId" clId="{2A1D944C-C880-4A10-B58E-B4EE8449592D}" dt="2025-06-04T14:27:35.905" v="3919" actId="20577"/>
+          <ac:spMkLst>
+            <pc:docMk/>
+            <pc:sldMk cId="3706147102" sldId="350"/>
+            <ac:spMk id="500" creationId="{C2C82854-B83B-C92F-0C9E-2345ECF66088}"/>
           </ac:spMkLst>
         </pc:spChg>
       </pc:sldChg>
@@ -6861,7 +7017,7 @@
         <p:cNvPr id="1" name="Shape 496">
           <a:extLst>
             <a:ext uri="{FF2B5EF4-FFF2-40B4-BE49-F238E27FC236}">
-              <a16:creationId xmlns:a16="http://schemas.microsoft.com/office/drawing/2014/main" id="{F19F9C53-B7CD-D02A-83F8-DD92271F84DB}"/>
+              <a16:creationId xmlns:a16="http://schemas.microsoft.com/office/drawing/2014/main" id="{D95AC188-2673-5776-AAE8-851D7EC6C4AB}"/>
             </a:ext>
           </a:extLst>
         </p:cNvPr>
@@ -6881,7 +7037,7 @@
           <p:cNvPr id="497" name="Google Shape;497;ge7f9c668d6_0_6:notes">
             <a:extLst>
               <a:ext uri="{FF2B5EF4-FFF2-40B4-BE49-F238E27FC236}">
-                <a16:creationId xmlns:a16="http://schemas.microsoft.com/office/drawing/2014/main" id="{4C03ABAB-401D-7830-E6B6-314C4D6128B1}"/>
+                <a16:creationId xmlns:a16="http://schemas.microsoft.com/office/drawing/2014/main" id="{C4FEE872-6B54-BA2A-3751-44BF0B667E1E}"/>
               </a:ext>
             </a:extLst>
           </p:cNvPr>
@@ -6928,7 +7084,7 @@
           <p:cNvPr id="498" name="Google Shape;498;ge7f9c668d6_0_6:notes">
             <a:extLst>
               <a:ext uri="{FF2B5EF4-FFF2-40B4-BE49-F238E27FC236}">
-                <a16:creationId xmlns:a16="http://schemas.microsoft.com/office/drawing/2014/main" id="{872A9C26-30FE-B782-318D-98D1A09764E4}"/>
+                <a16:creationId xmlns:a16="http://schemas.microsoft.com/office/drawing/2014/main" id="{D620DD4D-D22D-30DE-957B-393488E71976}"/>
               </a:ext>
             </a:extLst>
           </p:cNvPr>
@@ -6963,14 +7119,268 @@
               </a:spcAft>
               <a:buNone/>
             </a:pPr>
-            <a:endParaRPr dirty="0"/>
+            <a:endParaRPr/>
           </a:p>
         </p:txBody>
       </p:sp>
     </p:spTree>
     <p:extLst>
       <p:ext uri="{BB962C8B-B14F-4D97-AF65-F5344CB8AC3E}">
-        <p14:creationId xmlns:p14="http://schemas.microsoft.com/office/powerpoint/2010/main" val="209828625"/>
+        <p14:creationId xmlns:p14="http://schemas.microsoft.com/office/powerpoint/2010/main" val="1351813213"/>
+      </p:ext>
+    </p:extLst>
+  </p:cSld>
+  <p:clrMapOvr>
+    <a:masterClrMapping/>
+  </p:clrMapOvr>
+</p:notes>
+</file>
+
+<file path=ppt/notesSlides/notesSlide48.xml><?xml version="1.0" encoding="utf-8"?>
+<p:notes xmlns:a="http://schemas.openxmlformats.org/drawingml/2006/main" xmlns:r="http://schemas.openxmlformats.org/officeDocument/2006/relationships" xmlns:p="http://schemas.openxmlformats.org/presentationml/2006/main" showMasterSp="0" showMasterPhAnim="0">
+  <p:cSld>
+    <p:spTree>
+      <p:nvGrpSpPr>
+        <p:cNvPr id="1" name="Shape 496">
+          <a:extLst>
+            <a:ext uri="{FF2B5EF4-FFF2-40B4-BE49-F238E27FC236}">
+              <a16:creationId xmlns:a16="http://schemas.microsoft.com/office/drawing/2014/main" id="{215138F9-678E-16B7-8164-09C9A01A3B3B}"/>
+            </a:ext>
+          </a:extLst>
+        </p:cNvPr>
+        <p:cNvGrpSpPr/>
+        <p:nvPr/>
+      </p:nvGrpSpPr>
+      <p:grpSpPr>
+        <a:xfrm>
+          <a:off x="0" y="0"/>
+          <a:ext cx="0" cy="0"/>
+          <a:chOff x="0" y="0"/>
+          <a:chExt cx="0" cy="0"/>
+        </a:xfrm>
+      </p:grpSpPr>
+      <p:sp>
+        <p:nvSpPr>
+          <p:cNvPr id="497" name="Google Shape;497;ge7f9c668d6_0_6:notes">
+            <a:extLst>
+              <a:ext uri="{FF2B5EF4-FFF2-40B4-BE49-F238E27FC236}">
+                <a16:creationId xmlns:a16="http://schemas.microsoft.com/office/drawing/2014/main" id="{4D23CF7B-A1F0-EFD8-4177-D1858EDBF43A}"/>
+              </a:ext>
+            </a:extLst>
+          </p:cNvPr>
+          <p:cNvSpPr>
+            <a:spLocks noGrp="1" noRot="1" noChangeAspect="1"/>
+          </p:cNvSpPr>
+          <p:nvPr>
+            <p:ph type="sldImg" idx="2"/>
+          </p:nvPr>
+        </p:nvSpPr>
+        <p:spPr>
+          <a:xfrm>
+            <a:off x="381000" y="685800"/>
+            <a:ext cx="6096000" cy="3429000"/>
+          </a:xfrm>
+          <a:custGeom>
+            <a:avLst/>
+            <a:gdLst/>
+            <a:ahLst/>
+            <a:cxnLst/>
+            <a:rect l="l" t="t" r="r" b="b"/>
+            <a:pathLst>
+              <a:path w="120000" h="120000" extrusionOk="0">
+                <a:moveTo>
+                  <a:pt x="0" y="0"/>
+                </a:moveTo>
+                <a:lnTo>
+                  <a:pt x="120000" y="0"/>
+                </a:lnTo>
+                <a:lnTo>
+                  <a:pt x="120000" y="120000"/>
+                </a:lnTo>
+                <a:lnTo>
+                  <a:pt x="0" y="120000"/>
+                </a:lnTo>
+                <a:close/>
+              </a:path>
+            </a:pathLst>
+          </a:custGeom>
+        </p:spPr>
+      </p:sp>
+      <p:sp>
+        <p:nvSpPr>
+          <p:cNvPr id="498" name="Google Shape;498;ge7f9c668d6_0_6:notes">
+            <a:extLst>
+              <a:ext uri="{FF2B5EF4-FFF2-40B4-BE49-F238E27FC236}">
+                <a16:creationId xmlns:a16="http://schemas.microsoft.com/office/drawing/2014/main" id="{22F65CEA-87EB-C685-3FA0-B4D3F72D9576}"/>
+              </a:ext>
+            </a:extLst>
+          </p:cNvPr>
+          <p:cNvSpPr txBox="1">
+            <a:spLocks noGrp="1"/>
+          </p:cNvSpPr>
+          <p:nvPr>
+            <p:ph type="body" idx="1"/>
+          </p:nvPr>
+        </p:nvSpPr>
+        <p:spPr>
+          <a:xfrm>
+            <a:off x="685800" y="4343400"/>
+            <a:ext cx="5486400" cy="4114800"/>
+          </a:xfrm>
+          <a:prstGeom prst="rect">
+            <a:avLst/>
+          </a:prstGeom>
+        </p:spPr>
+        <p:txBody>
+          <a:bodyPr spcFirstLastPara="1" wrap="square" lIns="91425" tIns="91425" rIns="91425" bIns="91425" anchor="t" anchorCtr="0">
+            <a:noAutofit/>
+          </a:bodyPr>
+          <a:lstStyle/>
+          <a:p>
+            <a:pPr marL="0" lvl="0" indent="0" algn="l" rtl="0">
+              <a:spcBef>
+                <a:spcPts val="0"/>
+              </a:spcBef>
+              <a:spcAft>
+                <a:spcPts val="0"/>
+              </a:spcAft>
+              <a:buNone/>
+            </a:pPr>
+            <a:endParaRPr/>
+          </a:p>
+        </p:txBody>
+      </p:sp>
+    </p:spTree>
+    <p:extLst>
+      <p:ext uri="{BB962C8B-B14F-4D97-AF65-F5344CB8AC3E}">
+        <p14:creationId xmlns:p14="http://schemas.microsoft.com/office/powerpoint/2010/main" val="2249730610"/>
+      </p:ext>
+    </p:extLst>
+  </p:cSld>
+  <p:clrMapOvr>
+    <a:masterClrMapping/>
+  </p:clrMapOvr>
+</p:notes>
+</file>
+
+<file path=ppt/notesSlides/notesSlide49.xml><?xml version="1.0" encoding="utf-8"?>
+<p:notes xmlns:a="http://schemas.openxmlformats.org/drawingml/2006/main" xmlns:r="http://schemas.openxmlformats.org/officeDocument/2006/relationships" xmlns:p="http://schemas.openxmlformats.org/presentationml/2006/main" showMasterSp="0" showMasterPhAnim="0">
+  <p:cSld>
+    <p:spTree>
+      <p:nvGrpSpPr>
+        <p:cNvPr id="1" name="Shape 496">
+          <a:extLst>
+            <a:ext uri="{FF2B5EF4-FFF2-40B4-BE49-F238E27FC236}">
+              <a16:creationId xmlns:a16="http://schemas.microsoft.com/office/drawing/2014/main" id="{A84DA7C7-649D-77DD-0477-D73BBD3A7E96}"/>
+            </a:ext>
+          </a:extLst>
+        </p:cNvPr>
+        <p:cNvGrpSpPr/>
+        <p:nvPr/>
+      </p:nvGrpSpPr>
+      <p:grpSpPr>
+        <a:xfrm>
+          <a:off x="0" y="0"/>
+          <a:ext cx="0" cy="0"/>
+          <a:chOff x="0" y="0"/>
+          <a:chExt cx="0" cy="0"/>
+        </a:xfrm>
+      </p:grpSpPr>
+      <p:sp>
+        <p:nvSpPr>
+          <p:cNvPr id="497" name="Google Shape;497;ge7f9c668d6_0_6:notes">
+            <a:extLst>
+              <a:ext uri="{FF2B5EF4-FFF2-40B4-BE49-F238E27FC236}">
+                <a16:creationId xmlns:a16="http://schemas.microsoft.com/office/drawing/2014/main" id="{5F3F877B-7A50-D083-1005-71087C00ED8A}"/>
+              </a:ext>
+            </a:extLst>
+          </p:cNvPr>
+          <p:cNvSpPr>
+            <a:spLocks noGrp="1" noRot="1" noChangeAspect="1"/>
+          </p:cNvSpPr>
+          <p:nvPr>
+            <p:ph type="sldImg" idx="2"/>
+          </p:nvPr>
+        </p:nvSpPr>
+        <p:spPr>
+          <a:xfrm>
+            <a:off x="381000" y="685800"/>
+            <a:ext cx="6096000" cy="3429000"/>
+          </a:xfrm>
+          <a:custGeom>
+            <a:avLst/>
+            <a:gdLst/>
+            <a:ahLst/>
+            <a:cxnLst/>
+            <a:rect l="l" t="t" r="r" b="b"/>
+            <a:pathLst>
+              <a:path w="120000" h="120000" extrusionOk="0">
+                <a:moveTo>
+                  <a:pt x="0" y="0"/>
+                </a:moveTo>
+                <a:lnTo>
+                  <a:pt x="120000" y="0"/>
+                </a:lnTo>
+                <a:lnTo>
+                  <a:pt x="120000" y="120000"/>
+                </a:lnTo>
+                <a:lnTo>
+                  <a:pt x="0" y="120000"/>
+                </a:lnTo>
+                <a:close/>
+              </a:path>
+            </a:pathLst>
+          </a:custGeom>
+        </p:spPr>
+      </p:sp>
+      <p:sp>
+        <p:nvSpPr>
+          <p:cNvPr id="498" name="Google Shape;498;ge7f9c668d6_0_6:notes">
+            <a:extLst>
+              <a:ext uri="{FF2B5EF4-FFF2-40B4-BE49-F238E27FC236}">
+                <a16:creationId xmlns:a16="http://schemas.microsoft.com/office/drawing/2014/main" id="{B22BC457-9A1B-D1C5-B007-A57B1AD2A870}"/>
+              </a:ext>
+            </a:extLst>
+          </p:cNvPr>
+          <p:cNvSpPr txBox="1">
+            <a:spLocks noGrp="1"/>
+          </p:cNvSpPr>
+          <p:nvPr>
+            <p:ph type="body" idx="1"/>
+          </p:nvPr>
+        </p:nvSpPr>
+        <p:spPr>
+          <a:xfrm>
+            <a:off x="685800" y="4343400"/>
+            <a:ext cx="5486400" cy="4114800"/>
+          </a:xfrm>
+          <a:prstGeom prst="rect">
+            <a:avLst/>
+          </a:prstGeom>
+        </p:spPr>
+        <p:txBody>
+          <a:bodyPr spcFirstLastPara="1" wrap="square" lIns="91425" tIns="91425" rIns="91425" bIns="91425" anchor="t" anchorCtr="0">
+            <a:noAutofit/>
+          </a:bodyPr>
+          <a:lstStyle/>
+          <a:p>
+            <a:pPr marL="0" lvl="0" indent="0" algn="l" rtl="0">
+              <a:spcBef>
+                <a:spcPts val="0"/>
+              </a:spcBef>
+              <a:spcAft>
+                <a:spcPts val="0"/>
+              </a:spcAft>
+              <a:buNone/>
+            </a:pPr>
+            <a:endParaRPr/>
+          </a:p>
+        </p:txBody>
+      </p:sp>
+    </p:spTree>
+    <p:extLst>
+      <p:ext uri="{BB962C8B-B14F-4D97-AF65-F5344CB8AC3E}">
+        <p14:creationId xmlns:p14="http://schemas.microsoft.com/office/powerpoint/2010/main" val="1533157655"/>
       </p:ext>
     </p:extLst>
   </p:cSld>
@@ -7077,6 +7487,514 @@
         </p:txBody>
       </p:sp>
     </p:spTree>
+  </p:cSld>
+  <p:clrMapOvr>
+    <a:masterClrMapping/>
+  </p:clrMapOvr>
+</p:notes>
+</file>
+
+<file path=ppt/notesSlides/notesSlide50.xml><?xml version="1.0" encoding="utf-8"?>
+<p:notes xmlns:a="http://schemas.openxmlformats.org/drawingml/2006/main" xmlns:r="http://schemas.openxmlformats.org/officeDocument/2006/relationships" xmlns:p="http://schemas.openxmlformats.org/presentationml/2006/main" showMasterSp="0" showMasterPhAnim="0">
+  <p:cSld>
+    <p:spTree>
+      <p:nvGrpSpPr>
+        <p:cNvPr id="1" name="Shape 496">
+          <a:extLst>
+            <a:ext uri="{FF2B5EF4-FFF2-40B4-BE49-F238E27FC236}">
+              <a16:creationId xmlns:a16="http://schemas.microsoft.com/office/drawing/2014/main" id="{71DAE661-84A3-6886-27D1-939B68CF7E93}"/>
+            </a:ext>
+          </a:extLst>
+        </p:cNvPr>
+        <p:cNvGrpSpPr/>
+        <p:nvPr/>
+      </p:nvGrpSpPr>
+      <p:grpSpPr>
+        <a:xfrm>
+          <a:off x="0" y="0"/>
+          <a:ext cx="0" cy="0"/>
+          <a:chOff x="0" y="0"/>
+          <a:chExt cx="0" cy="0"/>
+        </a:xfrm>
+      </p:grpSpPr>
+      <p:sp>
+        <p:nvSpPr>
+          <p:cNvPr id="497" name="Google Shape;497;ge7f9c668d6_0_6:notes">
+            <a:extLst>
+              <a:ext uri="{FF2B5EF4-FFF2-40B4-BE49-F238E27FC236}">
+                <a16:creationId xmlns:a16="http://schemas.microsoft.com/office/drawing/2014/main" id="{5535CF56-FCD6-8672-964D-1E6625B91735}"/>
+              </a:ext>
+            </a:extLst>
+          </p:cNvPr>
+          <p:cNvSpPr>
+            <a:spLocks noGrp="1" noRot="1" noChangeAspect="1"/>
+          </p:cNvSpPr>
+          <p:nvPr>
+            <p:ph type="sldImg" idx="2"/>
+          </p:nvPr>
+        </p:nvSpPr>
+        <p:spPr>
+          <a:xfrm>
+            <a:off x="381000" y="685800"/>
+            <a:ext cx="6096000" cy="3429000"/>
+          </a:xfrm>
+          <a:custGeom>
+            <a:avLst/>
+            <a:gdLst/>
+            <a:ahLst/>
+            <a:cxnLst/>
+            <a:rect l="l" t="t" r="r" b="b"/>
+            <a:pathLst>
+              <a:path w="120000" h="120000" extrusionOk="0">
+                <a:moveTo>
+                  <a:pt x="0" y="0"/>
+                </a:moveTo>
+                <a:lnTo>
+                  <a:pt x="120000" y="0"/>
+                </a:lnTo>
+                <a:lnTo>
+                  <a:pt x="120000" y="120000"/>
+                </a:lnTo>
+                <a:lnTo>
+                  <a:pt x="0" y="120000"/>
+                </a:lnTo>
+                <a:close/>
+              </a:path>
+            </a:pathLst>
+          </a:custGeom>
+        </p:spPr>
+      </p:sp>
+      <p:sp>
+        <p:nvSpPr>
+          <p:cNvPr id="498" name="Google Shape;498;ge7f9c668d6_0_6:notes">
+            <a:extLst>
+              <a:ext uri="{FF2B5EF4-FFF2-40B4-BE49-F238E27FC236}">
+                <a16:creationId xmlns:a16="http://schemas.microsoft.com/office/drawing/2014/main" id="{FBD03146-0816-DD4C-C1FA-FF258D4C4D17}"/>
+              </a:ext>
+            </a:extLst>
+          </p:cNvPr>
+          <p:cNvSpPr txBox="1">
+            <a:spLocks noGrp="1"/>
+          </p:cNvSpPr>
+          <p:nvPr>
+            <p:ph type="body" idx="1"/>
+          </p:nvPr>
+        </p:nvSpPr>
+        <p:spPr>
+          <a:xfrm>
+            <a:off x="685800" y="4343400"/>
+            <a:ext cx="5486400" cy="4114800"/>
+          </a:xfrm>
+          <a:prstGeom prst="rect">
+            <a:avLst/>
+          </a:prstGeom>
+        </p:spPr>
+        <p:txBody>
+          <a:bodyPr spcFirstLastPara="1" wrap="square" lIns="91425" tIns="91425" rIns="91425" bIns="91425" anchor="t" anchorCtr="0">
+            <a:noAutofit/>
+          </a:bodyPr>
+          <a:lstStyle/>
+          <a:p>
+            <a:pPr marL="0" lvl="0" indent="0" algn="l" rtl="0">
+              <a:spcBef>
+                <a:spcPts val="0"/>
+              </a:spcBef>
+              <a:spcAft>
+                <a:spcPts val="0"/>
+              </a:spcAft>
+              <a:buNone/>
+            </a:pPr>
+            <a:endParaRPr/>
+          </a:p>
+        </p:txBody>
+      </p:sp>
+    </p:spTree>
+    <p:extLst>
+      <p:ext uri="{BB962C8B-B14F-4D97-AF65-F5344CB8AC3E}">
+        <p14:creationId xmlns:p14="http://schemas.microsoft.com/office/powerpoint/2010/main" val="3728706470"/>
+      </p:ext>
+    </p:extLst>
+  </p:cSld>
+  <p:clrMapOvr>
+    <a:masterClrMapping/>
+  </p:clrMapOvr>
+</p:notes>
+</file>
+
+<file path=ppt/notesSlides/notesSlide51.xml><?xml version="1.0" encoding="utf-8"?>
+<p:notes xmlns:a="http://schemas.openxmlformats.org/drawingml/2006/main" xmlns:r="http://schemas.openxmlformats.org/officeDocument/2006/relationships" xmlns:p="http://schemas.openxmlformats.org/presentationml/2006/main" showMasterSp="0" showMasterPhAnim="0">
+  <p:cSld>
+    <p:spTree>
+      <p:nvGrpSpPr>
+        <p:cNvPr id="1" name="Shape 496">
+          <a:extLst>
+            <a:ext uri="{FF2B5EF4-FFF2-40B4-BE49-F238E27FC236}">
+              <a16:creationId xmlns:a16="http://schemas.microsoft.com/office/drawing/2014/main" id="{F2169810-67A8-49FC-09FE-753C37D60505}"/>
+            </a:ext>
+          </a:extLst>
+        </p:cNvPr>
+        <p:cNvGrpSpPr/>
+        <p:nvPr/>
+      </p:nvGrpSpPr>
+      <p:grpSpPr>
+        <a:xfrm>
+          <a:off x="0" y="0"/>
+          <a:ext cx="0" cy="0"/>
+          <a:chOff x="0" y="0"/>
+          <a:chExt cx="0" cy="0"/>
+        </a:xfrm>
+      </p:grpSpPr>
+      <p:sp>
+        <p:nvSpPr>
+          <p:cNvPr id="497" name="Google Shape;497;ge7f9c668d6_0_6:notes">
+            <a:extLst>
+              <a:ext uri="{FF2B5EF4-FFF2-40B4-BE49-F238E27FC236}">
+                <a16:creationId xmlns:a16="http://schemas.microsoft.com/office/drawing/2014/main" id="{18565CB8-E10B-B289-3603-0F14594FD72A}"/>
+              </a:ext>
+            </a:extLst>
+          </p:cNvPr>
+          <p:cNvSpPr>
+            <a:spLocks noGrp="1" noRot="1" noChangeAspect="1"/>
+          </p:cNvSpPr>
+          <p:nvPr>
+            <p:ph type="sldImg" idx="2"/>
+          </p:nvPr>
+        </p:nvSpPr>
+        <p:spPr>
+          <a:xfrm>
+            <a:off x="381000" y="685800"/>
+            <a:ext cx="6096000" cy="3429000"/>
+          </a:xfrm>
+          <a:custGeom>
+            <a:avLst/>
+            <a:gdLst/>
+            <a:ahLst/>
+            <a:cxnLst/>
+            <a:rect l="l" t="t" r="r" b="b"/>
+            <a:pathLst>
+              <a:path w="120000" h="120000" extrusionOk="0">
+                <a:moveTo>
+                  <a:pt x="0" y="0"/>
+                </a:moveTo>
+                <a:lnTo>
+                  <a:pt x="120000" y="0"/>
+                </a:lnTo>
+                <a:lnTo>
+                  <a:pt x="120000" y="120000"/>
+                </a:lnTo>
+                <a:lnTo>
+                  <a:pt x="0" y="120000"/>
+                </a:lnTo>
+                <a:close/>
+              </a:path>
+            </a:pathLst>
+          </a:custGeom>
+        </p:spPr>
+      </p:sp>
+      <p:sp>
+        <p:nvSpPr>
+          <p:cNvPr id="498" name="Google Shape;498;ge7f9c668d6_0_6:notes">
+            <a:extLst>
+              <a:ext uri="{FF2B5EF4-FFF2-40B4-BE49-F238E27FC236}">
+                <a16:creationId xmlns:a16="http://schemas.microsoft.com/office/drawing/2014/main" id="{20EEC46A-D5A5-3E48-C672-2AC986B9DD14}"/>
+              </a:ext>
+            </a:extLst>
+          </p:cNvPr>
+          <p:cNvSpPr txBox="1">
+            <a:spLocks noGrp="1"/>
+          </p:cNvSpPr>
+          <p:nvPr>
+            <p:ph type="body" idx="1"/>
+          </p:nvPr>
+        </p:nvSpPr>
+        <p:spPr>
+          <a:xfrm>
+            <a:off x="685800" y="4343400"/>
+            <a:ext cx="5486400" cy="4114800"/>
+          </a:xfrm>
+          <a:prstGeom prst="rect">
+            <a:avLst/>
+          </a:prstGeom>
+        </p:spPr>
+        <p:txBody>
+          <a:bodyPr spcFirstLastPara="1" wrap="square" lIns="91425" tIns="91425" rIns="91425" bIns="91425" anchor="t" anchorCtr="0">
+            <a:noAutofit/>
+          </a:bodyPr>
+          <a:lstStyle/>
+          <a:p>
+            <a:pPr marL="0" lvl="0" indent="0" algn="l" rtl="0">
+              <a:spcBef>
+                <a:spcPts val="0"/>
+              </a:spcBef>
+              <a:spcAft>
+                <a:spcPts val="0"/>
+              </a:spcAft>
+              <a:buNone/>
+            </a:pPr>
+            <a:endParaRPr/>
+          </a:p>
+        </p:txBody>
+      </p:sp>
+    </p:spTree>
+    <p:extLst>
+      <p:ext uri="{BB962C8B-B14F-4D97-AF65-F5344CB8AC3E}">
+        <p14:creationId xmlns:p14="http://schemas.microsoft.com/office/powerpoint/2010/main" val="1559903231"/>
+      </p:ext>
+    </p:extLst>
+  </p:cSld>
+  <p:clrMapOvr>
+    <a:masterClrMapping/>
+  </p:clrMapOvr>
+</p:notes>
+</file>
+
+<file path=ppt/notesSlides/notesSlide52.xml><?xml version="1.0" encoding="utf-8"?>
+<p:notes xmlns:a="http://schemas.openxmlformats.org/drawingml/2006/main" xmlns:r="http://schemas.openxmlformats.org/officeDocument/2006/relationships" xmlns:p="http://schemas.openxmlformats.org/presentationml/2006/main" showMasterSp="0" showMasterPhAnim="0">
+  <p:cSld>
+    <p:spTree>
+      <p:nvGrpSpPr>
+        <p:cNvPr id="1" name="Shape 496">
+          <a:extLst>
+            <a:ext uri="{FF2B5EF4-FFF2-40B4-BE49-F238E27FC236}">
+              <a16:creationId xmlns:a16="http://schemas.microsoft.com/office/drawing/2014/main" id="{16ACF281-A9F4-5279-8B09-2C4417034DC3}"/>
+            </a:ext>
+          </a:extLst>
+        </p:cNvPr>
+        <p:cNvGrpSpPr/>
+        <p:nvPr/>
+      </p:nvGrpSpPr>
+      <p:grpSpPr>
+        <a:xfrm>
+          <a:off x="0" y="0"/>
+          <a:ext cx="0" cy="0"/>
+          <a:chOff x="0" y="0"/>
+          <a:chExt cx="0" cy="0"/>
+        </a:xfrm>
+      </p:grpSpPr>
+      <p:sp>
+        <p:nvSpPr>
+          <p:cNvPr id="497" name="Google Shape;497;ge7f9c668d6_0_6:notes">
+            <a:extLst>
+              <a:ext uri="{FF2B5EF4-FFF2-40B4-BE49-F238E27FC236}">
+                <a16:creationId xmlns:a16="http://schemas.microsoft.com/office/drawing/2014/main" id="{5D584148-298E-C04A-5A86-67555AD9FD60}"/>
+              </a:ext>
+            </a:extLst>
+          </p:cNvPr>
+          <p:cNvSpPr>
+            <a:spLocks noGrp="1" noRot="1" noChangeAspect="1"/>
+          </p:cNvSpPr>
+          <p:nvPr>
+            <p:ph type="sldImg" idx="2"/>
+          </p:nvPr>
+        </p:nvSpPr>
+        <p:spPr>
+          <a:xfrm>
+            <a:off x="381000" y="685800"/>
+            <a:ext cx="6096000" cy="3429000"/>
+          </a:xfrm>
+          <a:custGeom>
+            <a:avLst/>
+            <a:gdLst/>
+            <a:ahLst/>
+            <a:cxnLst/>
+            <a:rect l="l" t="t" r="r" b="b"/>
+            <a:pathLst>
+              <a:path w="120000" h="120000" extrusionOk="0">
+                <a:moveTo>
+                  <a:pt x="0" y="0"/>
+                </a:moveTo>
+                <a:lnTo>
+                  <a:pt x="120000" y="0"/>
+                </a:lnTo>
+                <a:lnTo>
+                  <a:pt x="120000" y="120000"/>
+                </a:lnTo>
+                <a:lnTo>
+                  <a:pt x="0" y="120000"/>
+                </a:lnTo>
+                <a:close/>
+              </a:path>
+            </a:pathLst>
+          </a:custGeom>
+        </p:spPr>
+      </p:sp>
+      <p:sp>
+        <p:nvSpPr>
+          <p:cNvPr id="498" name="Google Shape;498;ge7f9c668d6_0_6:notes">
+            <a:extLst>
+              <a:ext uri="{FF2B5EF4-FFF2-40B4-BE49-F238E27FC236}">
+                <a16:creationId xmlns:a16="http://schemas.microsoft.com/office/drawing/2014/main" id="{2BCFE532-B156-FD84-FFF3-38A00B199E65}"/>
+              </a:ext>
+            </a:extLst>
+          </p:cNvPr>
+          <p:cNvSpPr txBox="1">
+            <a:spLocks noGrp="1"/>
+          </p:cNvSpPr>
+          <p:nvPr>
+            <p:ph type="body" idx="1"/>
+          </p:nvPr>
+        </p:nvSpPr>
+        <p:spPr>
+          <a:xfrm>
+            <a:off x="685800" y="4343400"/>
+            <a:ext cx="5486400" cy="4114800"/>
+          </a:xfrm>
+          <a:prstGeom prst="rect">
+            <a:avLst/>
+          </a:prstGeom>
+        </p:spPr>
+        <p:txBody>
+          <a:bodyPr spcFirstLastPara="1" wrap="square" lIns="91425" tIns="91425" rIns="91425" bIns="91425" anchor="t" anchorCtr="0">
+            <a:noAutofit/>
+          </a:bodyPr>
+          <a:lstStyle/>
+          <a:p>
+            <a:pPr marL="0" lvl="0" indent="0" algn="l" rtl="0">
+              <a:spcBef>
+                <a:spcPts val="0"/>
+              </a:spcBef>
+              <a:spcAft>
+                <a:spcPts val="0"/>
+              </a:spcAft>
+              <a:buNone/>
+            </a:pPr>
+            <a:endParaRPr/>
+          </a:p>
+        </p:txBody>
+      </p:sp>
+    </p:spTree>
+    <p:extLst>
+      <p:ext uri="{BB962C8B-B14F-4D97-AF65-F5344CB8AC3E}">
+        <p14:creationId xmlns:p14="http://schemas.microsoft.com/office/powerpoint/2010/main" val="4119939291"/>
+      </p:ext>
+    </p:extLst>
+  </p:cSld>
+  <p:clrMapOvr>
+    <a:masterClrMapping/>
+  </p:clrMapOvr>
+</p:notes>
+</file>
+
+<file path=ppt/notesSlides/notesSlide53.xml><?xml version="1.0" encoding="utf-8"?>
+<p:notes xmlns:a="http://schemas.openxmlformats.org/drawingml/2006/main" xmlns:r="http://schemas.openxmlformats.org/officeDocument/2006/relationships" xmlns:p="http://schemas.openxmlformats.org/presentationml/2006/main" showMasterSp="0" showMasterPhAnim="0">
+  <p:cSld>
+    <p:spTree>
+      <p:nvGrpSpPr>
+        <p:cNvPr id="1" name="Shape 496">
+          <a:extLst>
+            <a:ext uri="{FF2B5EF4-FFF2-40B4-BE49-F238E27FC236}">
+              <a16:creationId xmlns:a16="http://schemas.microsoft.com/office/drawing/2014/main" id="{981D36A1-91F7-EA54-5D7F-3A27AC7EFD17}"/>
+            </a:ext>
+          </a:extLst>
+        </p:cNvPr>
+        <p:cNvGrpSpPr/>
+        <p:nvPr/>
+      </p:nvGrpSpPr>
+      <p:grpSpPr>
+        <a:xfrm>
+          <a:off x="0" y="0"/>
+          <a:ext cx="0" cy="0"/>
+          <a:chOff x="0" y="0"/>
+          <a:chExt cx="0" cy="0"/>
+        </a:xfrm>
+      </p:grpSpPr>
+      <p:sp>
+        <p:nvSpPr>
+          <p:cNvPr id="497" name="Google Shape;497;ge7f9c668d6_0_6:notes">
+            <a:extLst>
+              <a:ext uri="{FF2B5EF4-FFF2-40B4-BE49-F238E27FC236}">
+                <a16:creationId xmlns:a16="http://schemas.microsoft.com/office/drawing/2014/main" id="{D7A3FDEE-4604-7AAD-0094-06AC60EB6B85}"/>
+              </a:ext>
+            </a:extLst>
+          </p:cNvPr>
+          <p:cNvSpPr>
+            <a:spLocks noGrp="1" noRot="1" noChangeAspect="1"/>
+          </p:cNvSpPr>
+          <p:nvPr>
+            <p:ph type="sldImg" idx="2"/>
+          </p:nvPr>
+        </p:nvSpPr>
+        <p:spPr>
+          <a:xfrm>
+            <a:off x="381000" y="685800"/>
+            <a:ext cx="6096000" cy="3429000"/>
+          </a:xfrm>
+          <a:custGeom>
+            <a:avLst/>
+            <a:gdLst/>
+            <a:ahLst/>
+            <a:cxnLst/>
+            <a:rect l="l" t="t" r="r" b="b"/>
+            <a:pathLst>
+              <a:path w="120000" h="120000" extrusionOk="0">
+                <a:moveTo>
+                  <a:pt x="0" y="0"/>
+                </a:moveTo>
+                <a:lnTo>
+                  <a:pt x="120000" y="0"/>
+                </a:lnTo>
+                <a:lnTo>
+                  <a:pt x="120000" y="120000"/>
+                </a:lnTo>
+                <a:lnTo>
+                  <a:pt x="0" y="120000"/>
+                </a:lnTo>
+                <a:close/>
+              </a:path>
+            </a:pathLst>
+          </a:custGeom>
+        </p:spPr>
+      </p:sp>
+      <p:sp>
+        <p:nvSpPr>
+          <p:cNvPr id="498" name="Google Shape;498;ge7f9c668d6_0_6:notes">
+            <a:extLst>
+              <a:ext uri="{FF2B5EF4-FFF2-40B4-BE49-F238E27FC236}">
+                <a16:creationId xmlns:a16="http://schemas.microsoft.com/office/drawing/2014/main" id="{D9ADE4A0-A772-AB7F-6701-E30D2B019050}"/>
+              </a:ext>
+            </a:extLst>
+          </p:cNvPr>
+          <p:cNvSpPr txBox="1">
+            <a:spLocks noGrp="1"/>
+          </p:cNvSpPr>
+          <p:nvPr>
+            <p:ph type="body" idx="1"/>
+          </p:nvPr>
+        </p:nvSpPr>
+        <p:spPr>
+          <a:xfrm>
+            <a:off x="685800" y="4343400"/>
+            <a:ext cx="5486400" cy="4114800"/>
+          </a:xfrm>
+          <a:prstGeom prst="rect">
+            <a:avLst/>
+          </a:prstGeom>
+        </p:spPr>
+        <p:txBody>
+          <a:bodyPr spcFirstLastPara="1" wrap="square" lIns="91425" tIns="91425" rIns="91425" bIns="91425" anchor="t" anchorCtr="0">
+            <a:noAutofit/>
+          </a:bodyPr>
+          <a:lstStyle/>
+          <a:p>
+            <a:pPr marL="0" lvl="0" indent="0" algn="l" rtl="0">
+              <a:spcBef>
+                <a:spcPts val="0"/>
+              </a:spcBef>
+              <a:spcAft>
+                <a:spcPts val="0"/>
+              </a:spcAft>
+              <a:buNone/>
+            </a:pPr>
+            <a:endParaRPr/>
+          </a:p>
+        </p:txBody>
+      </p:sp>
+    </p:spTree>
+    <p:extLst>
+      <p:ext uri="{BB962C8B-B14F-4D97-AF65-F5344CB8AC3E}">
+        <p14:creationId xmlns:p14="http://schemas.microsoft.com/office/powerpoint/2010/main" val="399612078"/>
+      </p:ext>
+    </p:extLst>
   </p:cSld>
   <p:clrMapOvr>
     <a:masterClrMapping/>
@@ -46125,7 +47043,7 @@
         <p:cNvPr id="1" name="Shape 499">
           <a:extLst>
             <a:ext uri="{FF2B5EF4-FFF2-40B4-BE49-F238E27FC236}">
-              <a16:creationId xmlns:a16="http://schemas.microsoft.com/office/drawing/2014/main" id="{3B934F4E-146F-6E6D-A98A-69DE2E520229}"/>
+              <a16:creationId xmlns:a16="http://schemas.microsoft.com/office/drawing/2014/main" id="{8EDA633B-1E5A-7679-B325-3F6C5A295A88}"/>
             </a:ext>
           </a:extLst>
         </p:cNvPr>
@@ -46145,7 +47063,7 @@
           <p:cNvPr id="500" name="Google Shape;500;p30">
             <a:extLst>
               <a:ext uri="{FF2B5EF4-FFF2-40B4-BE49-F238E27FC236}">
-                <a16:creationId xmlns:a16="http://schemas.microsoft.com/office/drawing/2014/main" id="{829117B6-F589-E1AC-5623-222136EADEE6}"/>
+                <a16:creationId xmlns:a16="http://schemas.microsoft.com/office/drawing/2014/main" id="{83A5B956-9B5E-CB28-9B8F-3D0A874CCB8A}"/>
               </a:ext>
             </a:extLst>
           </p:cNvPr>
@@ -46182,7 +47100,7 @@
             </a:pPr>
             <a:r>
               <a:rPr lang="pt-BR" sz="5000" dirty="0"/>
-              <a:t>Atividade</a:t>
+              <a:t>Sistemas Operacionais</a:t>
             </a:r>
             <a:endParaRPr lang="pt-BR" sz="5000" dirty="0">
               <a:solidFill>
@@ -46197,7 +47115,7 @@
           <p:cNvPr id="505" name="Google Shape;505;p30">
             <a:extLst>
               <a:ext uri="{FF2B5EF4-FFF2-40B4-BE49-F238E27FC236}">
-                <a16:creationId xmlns:a16="http://schemas.microsoft.com/office/drawing/2014/main" id="{45F6BA3A-83DA-1B1C-CC90-6D2A15837F35}"/>
+                <a16:creationId xmlns:a16="http://schemas.microsoft.com/office/drawing/2014/main" id="{C4810090-97B6-A789-F966-0ECA9DEBEFAF}"/>
               </a:ext>
             </a:extLst>
           </p:cNvPr>
@@ -46233,14 +47151,14 @@
               <a:buNone/>
             </a:pPr>
             <a:r>
-              <a:rPr lang="en" sz="1400" dirty="0">
+              <a:rPr lang="en" sz="1400">
                 <a:solidFill>
                   <a:schemeClr val="accent3"/>
                 </a:solidFill>
               </a:rPr>
               <a:t>Programming Language</a:t>
             </a:r>
-            <a:endParaRPr sz="1400" dirty="0">
+            <a:endParaRPr sz="1400">
               <a:solidFill>
                 <a:schemeClr val="accent3"/>
               </a:solidFill>
@@ -46253,7 +47171,7 @@
           <p:cNvPr id="506" name="Google Shape;506;p30">
             <a:extLst>
               <a:ext uri="{FF2B5EF4-FFF2-40B4-BE49-F238E27FC236}">
-                <a16:creationId xmlns:a16="http://schemas.microsoft.com/office/drawing/2014/main" id="{A394A65A-295D-29CE-E86E-A59AAD13F554}"/>
+                <a16:creationId xmlns:a16="http://schemas.microsoft.com/office/drawing/2014/main" id="{25433DC2-DA74-B1A8-11F1-128964A9CF33}"/>
               </a:ext>
             </a:extLst>
           </p:cNvPr>
@@ -46309,7 +47227,7 @@
           <p:cNvPr id="507" name="Google Shape;507;p30">
             <a:extLst>
               <a:ext uri="{FF2B5EF4-FFF2-40B4-BE49-F238E27FC236}">
-                <a16:creationId xmlns:a16="http://schemas.microsoft.com/office/drawing/2014/main" id="{C2F9C489-B6B7-5CA0-9A52-94B55C00FBC0}"/>
+                <a16:creationId xmlns:a16="http://schemas.microsoft.com/office/drawing/2014/main" id="{B3F37BA0-8C6E-1AE7-A37A-9162CF60B4E1}"/>
               </a:ext>
             </a:extLst>
           </p:cNvPr>
@@ -46365,7 +47283,7 @@
           <p:cNvPr id="5" name="Title 4">
             <a:extLst>
               <a:ext uri="{FF2B5EF4-FFF2-40B4-BE49-F238E27FC236}">
-                <a16:creationId xmlns:a16="http://schemas.microsoft.com/office/drawing/2014/main" id="{2BB9BA9A-EC76-EBE4-370D-65F93AA48238}"/>
+                <a16:creationId xmlns:a16="http://schemas.microsoft.com/office/drawing/2014/main" id="{455B6B98-5AD7-C682-996A-120457D43348}"/>
               </a:ext>
             </a:extLst>
           </p:cNvPr>
@@ -46378,7 +47296,7 @@
         </p:nvSpPr>
         <p:spPr>
           <a:xfrm>
-            <a:off x="1544364" y="2152680"/>
+            <a:off x="1544364" y="2304025"/>
             <a:ext cx="7599636" cy="2295684"/>
           </a:xfrm>
         </p:spPr>
@@ -46393,212 +47311,63 @@
               <a:buNone/>
             </a:pPr>
             <a:r>
-              <a:rPr lang="en-US" sz="1800" b="0" dirty="0">
-                <a:solidFill>
-                  <a:schemeClr val="accent3"/>
-                </a:solidFill>
-                <a:effectLst/>
-                <a:latin typeface="Consolas" panose="020B0609020204030204" pitchFamily="49" charset="0"/>
-              </a:rPr>
-              <a:t>6</a:t>
-            </a:r>
-            <a:r>
-              <a:rPr lang="pt-BR" sz="1800" b="0" dirty="0">
-                <a:solidFill>
-                  <a:schemeClr val="accent3"/>
-                </a:solidFill>
-                <a:effectLst/>
-                <a:latin typeface="Consolas" panose="020B0609020204030204" pitchFamily="49" charset="0"/>
-              </a:rPr>
-              <a:t> Grupos (</a:t>
-            </a:r>
-            <a:r>
-              <a:rPr lang="pt-BR" sz="1800" b="0" dirty="0" err="1">
-                <a:solidFill>
-                  <a:schemeClr val="accent3"/>
-                </a:solidFill>
-                <a:effectLst/>
-                <a:latin typeface="Consolas" panose="020B0609020204030204" pitchFamily="49" charset="0"/>
-              </a:rPr>
-              <a:t>Máx</a:t>
-            </a:r>
-            <a:r>
-              <a:rPr lang="pt-BR" sz="1800" b="0" dirty="0">
-                <a:solidFill>
-                  <a:schemeClr val="accent3"/>
-                </a:solidFill>
-                <a:effectLst/>
-                <a:latin typeface="Consolas" panose="020B0609020204030204" pitchFamily="49" charset="0"/>
-              </a:rPr>
-              <a:t>: 7 pessoas):</a:t>
+              <a:rPr lang="pt-BR" sz="1800" dirty="0">
+                <a:solidFill>
+                  <a:schemeClr val="accent3"/>
+                </a:solidFill>
+                <a:latin typeface="Consolas" panose="020B0609020204030204" pitchFamily="49" charset="0"/>
+              </a:rPr>
+              <a:t>O que é um sistema operacional (SO)?</a:t>
             </a:r>
             <a:br>
-              <a:rPr lang="pt-BR" sz="1800" b="0" dirty="0">
-                <a:solidFill>
-                  <a:schemeClr val="accent3"/>
-                </a:solidFill>
-                <a:effectLst/>
+              <a:rPr lang="pt-BR" sz="1800" dirty="0">
+                <a:solidFill>
+                  <a:schemeClr val="accent3"/>
+                </a:solidFill>
                 <a:latin typeface="Consolas" panose="020B0609020204030204" pitchFamily="49" charset="0"/>
               </a:rPr>
             </a:br>
             <a:br>
-              <a:rPr lang="pt-BR" sz="1800" b="0" dirty="0">
-                <a:solidFill>
-                  <a:schemeClr val="accent3"/>
-                </a:solidFill>
-                <a:effectLst/>
+              <a:rPr lang="pt-BR" sz="1800" dirty="0">
+                <a:solidFill>
+                  <a:schemeClr val="accent3"/>
+                </a:solidFill>
                 <a:latin typeface="Consolas" panose="020B0609020204030204" pitchFamily="49" charset="0"/>
               </a:rPr>
             </a:br>
             <a:r>
-              <a:rPr lang="pt-BR" sz="1800" b="0" dirty="0">
-                <a:solidFill>
-                  <a:schemeClr val="accent3"/>
-                </a:solidFill>
-                <a:effectLst/>
-                <a:latin typeface="Consolas" panose="020B0609020204030204" pitchFamily="49" charset="0"/>
-              </a:rPr>
-              <a:t>- Modelo OSI</a:t>
+              <a:rPr lang="pt-BR" sz="1800" dirty="0">
+                <a:solidFill>
+                  <a:schemeClr val="accent3"/>
+                </a:solidFill>
+                <a:latin typeface="Consolas" panose="020B0609020204030204" pitchFamily="49" charset="0"/>
+              </a:rPr>
+              <a:t>- É o software base que gerencia o hardware e fornece serviços para outros programas.</a:t>
             </a:r>
             <a:br>
-              <a:rPr lang="pt-BR" sz="1800" b="0" dirty="0">
-                <a:solidFill>
-                  <a:schemeClr val="accent3"/>
-                </a:solidFill>
-                <a:effectLst/>
+              <a:rPr lang="pt-BR" sz="1800" dirty="0">
+                <a:solidFill>
+                  <a:schemeClr val="accent3"/>
+                </a:solidFill>
                 <a:latin typeface="Consolas" panose="020B0609020204030204" pitchFamily="49" charset="0"/>
               </a:rPr>
             </a:br>
             <a:br>
-              <a:rPr lang="pt-BR" sz="1800" b="0" dirty="0">
-                <a:solidFill>
-                  <a:schemeClr val="accent3"/>
-                </a:solidFill>
-                <a:effectLst/>
+              <a:rPr lang="pt-BR" sz="1800" dirty="0">
+                <a:solidFill>
+                  <a:schemeClr val="accent3"/>
+                </a:solidFill>
                 <a:latin typeface="Consolas" panose="020B0609020204030204" pitchFamily="49" charset="0"/>
               </a:rPr>
             </a:br>
             <a:r>
-              <a:rPr lang="pt-BR" sz="1800" b="0" dirty="0">
-                <a:solidFill>
-                  <a:schemeClr val="accent3"/>
-                </a:solidFill>
-                <a:effectLst/>
-                <a:latin typeface="Consolas" panose="020B0609020204030204" pitchFamily="49" charset="0"/>
-              </a:rPr>
-              <a:t>- Modelo TCP/IP</a:t>
-            </a:r>
-            <a:br>
-              <a:rPr lang="pt-BR" sz="1800" b="0" dirty="0">
-                <a:solidFill>
-                  <a:schemeClr val="accent3"/>
-                </a:solidFill>
-                <a:effectLst/>
-                <a:latin typeface="Consolas" panose="020B0609020204030204" pitchFamily="49" charset="0"/>
-              </a:rPr>
-            </a:br>
-            <a:br>
-              <a:rPr lang="pt-BR" sz="1800" b="0" dirty="0">
-                <a:solidFill>
-                  <a:schemeClr val="accent3"/>
-                </a:solidFill>
-                <a:effectLst/>
-                <a:latin typeface="Consolas" panose="020B0609020204030204" pitchFamily="49" charset="0"/>
-              </a:rPr>
-            </a:br>
-            <a:r>
-              <a:rPr lang="pt-BR" sz="1800" b="0" dirty="0">
-                <a:solidFill>
-                  <a:schemeClr val="accent3"/>
-                </a:solidFill>
-                <a:effectLst/>
-                <a:latin typeface="Consolas" panose="020B0609020204030204" pitchFamily="49" charset="0"/>
-              </a:rPr>
-              <a:t>- Topologias</a:t>
-            </a:r>
-            <a:br>
-              <a:rPr lang="pt-BR" sz="1800" b="0" dirty="0">
-                <a:solidFill>
-                  <a:schemeClr val="accent3"/>
-                </a:solidFill>
-                <a:effectLst/>
-                <a:latin typeface="Consolas" panose="020B0609020204030204" pitchFamily="49" charset="0"/>
-              </a:rPr>
-            </a:br>
-            <a:br>
-              <a:rPr lang="pt-BR" sz="1800" b="0" dirty="0">
-                <a:solidFill>
-                  <a:schemeClr val="accent3"/>
-                </a:solidFill>
-                <a:effectLst/>
-                <a:latin typeface="Consolas" panose="020B0609020204030204" pitchFamily="49" charset="0"/>
-              </a:rPr>
-            </a:br>
-            <a:r>
-              <a:rPr lang="pt-BR" sz="1800" b="0" dirty="0">
-                <a:solidFill>
-                  <a:schemeClr val="accent3"/>
-                </a:solidFill>
-                <a:effectLst/>
-                <a:latin typeface="Consolas" panose="020B0609020204030204" pitchFamily="49" charset="0"/>
-              </a:rPr>
-              <a:t>- Equipamentos</a:t>
-            </a:r>
-            <a:br>
-              <a:rPr lang="pt-BR" sz="1800" b="0" dirty="0">
-                <a:solidFill>
-                  <a:schemeClr val="accent3"/>
-                </a:solidFill>
-                <a:effectLst/>
-                <a:latin typeface="Consolas" panose="020B0609020204030204" pitchFamily="49" charset="0"/>
-              </a:rPr>
-            </a:br>
-            <a:br>
-              <a:rPr lang="pt-BR" sz="1800" b="0" dirty="0">
-                <a:solidFill>
-                  <a:schemeClr val="accent3"/>
-                </a:solidFill>
-                <a:effectLst/>
-                <a:latin typeface="Consolas" panose="020B0609020204030204" pitchFamily="49" charset="0"/>
-              </a:rPr>
-            </a:br>
-            <a:r>
-              <a:rPr lang="pt-BR" sz="1800" b="0" dirty="0">
-                <a:solidFill>
-                  <a:schemeClr val="accent3"/>
-                </a:solidFill>
-                <a:effectLst/>
-                <a:latin typeface="Consolas" panose="020B0609020204030204" pitchFamily="49" charset="0"/>
-              </a:rPr>
-              <a:t>- Tipos de Redes</a:t>
-            </a:r>
-            <a:br>
-              <a:rPr lang="pt-BR" sz="1800" b="0" dirty="0">
-                <a:solidFill>
-                  <a:schemeClr val="accent3"/>
-                </a:solidFill>
-                <a:effectLst/>
-                <a:latin typeface="Consolas" panose="020B0609020204030204" pitchFamily="49" charset="0"/>
-              </a:rPr>
-            </a:br>
-            <a:br>
-              <a:rPr lang="pt-BR" sz="1800" b="0" dirty="0">
-                <a:solidFill>
-                  <a:schemeClr val="accent3"/>
-                </a:solidFill>
-                <a:effectLst/>
-                <a:latin typeface="Consolas" panose="020B0609020204030204" pitchFamily="49" charset="0"/>
-              </a:rPr>
-            </a:br>
-            <a:r>
-              <a:rPr lang="pt-BR" sz="1800" b="0" dirty="0">
-                <a:solidFill>
-                  <a:schemeClr val="accent3"/>
-                </a:solidFill>
-                <a:effectLst/>
-                <a:latin typeface="Consolas" panose="020B0609020204030204" pitchFamily="49" charset="0"/>
-              </a:rPr>
-              <a:t>- Evolução das Redes</a:t>
+              <a:rPr lang="pt-BR" sz="1800" dirty="0">
+                <a:solidFill>
+                  <a:schemeClr val="accent3"/>
+                </a:solidFill>
+                <a:latin typeface="Consolas" panose="020B0609020204030204" pitchFamily="49" charset="0"/>
+              </a:rPr>
+              <a:t>- Atua como intermediário entre o usuário e o hardware.</a:t>
             </a:r>
             <a:endParaRPr lang="pt-BR" sz="1800" b="0" dirty="0">
               <a:solidFill>
@@ -46613,7 +47382,1032 @@
     </p:spTree>
     <p:extLst>
       <p:ext uri="{BB962C8B-B14F-4D97-AF65-F5344CB8AC3E}">
-        <p14:creationId xmlns:p14="http://schemas.microsoft.com/office/powerpoint/2010/main" val="2771276361"/>
+        <p14:creationId xmlns:p14="http://schemas.microsoft.com/office/powerpoint/2010/main" val="1770188078"/>
+      </p:ext>
+    </p:extLst>
+  </p:cSld>
+  <p:clrMapOvr>
+    <a:masterClrMapping/>
+  </p:clrMapOvr>
+</p:sld>
+</file>
+
+<file path=ppt/slides/slide48.xml><?xml version="1.0" encoding="utf-8"?>
+<p:sld xmlns:a="http://schemas.openxmlformats.org/drawingml/2006/main" xmlns:r="http://schemas.openxmlformats.org/officeDocument/2006/relationships" xmlns:p="http://schemas.openxmlformats.org/presentationml/2006/main">
+  <p:cSld>
+    <p:spTree>
+      <p:nvGrpSpPr>
+        <p:cNvPr id="1" name="Shape 499">
+          <a:extLst>
+            <a:ext uri="{FF2B5EF4-FFF2-40B4-BE49-F238E27FC236}">
+              <a16:creationId xmlns:a16="http://schemas.microsoft.com/office/drawing/2014/main" id="{A20238BE-7C49-57EC-25DC-4F7743FEABC2}"/>
+            </a:ext>
+          </a:extLst>
+        </p:cNvPr>
+        <p:cNvGrpSpPr/>
+        <p:nvPr/>
+      </p:nvGrpSpPr>
+      <p:grpSpPr>
+        <a:xfrm>
+          <a:off x="0" y="0"/>
+          <a:ext cx="0" cy="0"/>
+          <a:chOff x="0" y="0"/>
+          <a:chExt cx="0" cy="0"/>
+        </a:xfrm>
+      </p:grpSpPr>
+      <p:sp>
+        <p:nvSpPr>
+          <p:cNvPr id="500" name="Google Shape;500;p30">
+            <a:extLst>
+              <a:ext uri="{FF2B5EF4-FFF2-40B4-BE49-F238E27FC236}">
+                <a16:creationId xmlns:a16="http://schemas.microsoft.com/office/drawing/2014/main" id="{C959F4C4-FCA0-A9AB-71D9-CF779BA2E76E}"/>
+              </a:ext>
+            </a:extLst>
+          </p:cNvPr>
+          <p:cNvSpPr txBox="1">
+            <a:spLocks noGrp="1"/>
+          </p:cNvSpPr>
+          <p:nvPr>
+            <p:ph type="title"/>
+          </p:nvPr>
+        </p:nvSpPr>
+        <p:spPr>
+          <a:xfrm flipH="1">
+            <a:off x="1544363" y="801719"/>
+            <a:ext cx="7599634" cy="1104600"/>
+          </a:xfrm>
+          <a:prstGeom prst="rect">
+            <a:avLst/>
+          </a:prstGeom>
+        </p:spPr>
+        <p:txBody>
+          <a:bodyPr spcFirstLastPara="1" wrap="square" lIns="91425" tIns="91425" rIns="91425" bIns="91425" anchor="ctr" anchorCtr="0">
+            <a:noAutofit/>
+          </a:bodyPr>
+          <a:lstStyle/>
+          <a:p>
+            <a:pPr marL="0" lvl="0" indent="0" algn="l" rtl="0">
+              <a:spcBef>
+                <a:spcPts val="0"/>
+              </a:spcBef>
+              <a:spcAft>
+                <a:spcPts val="0"/>
+              </a:spcAft>
+              <a:buNone/>
+            </a:pPr>
+            <a:r>
+              <a:rPr lang="pt-BR" sz="5000" dirty="0"/>
+              <a:t>História</a:t>
+            </a:r>
+            <a:endParaRPr lang="pt-BR" sz="5000" dirty="0">
+              <a:solidFill>
+                <a:schemeClr val="accent6"/>
+              </a:solidFill>
+            </a:endParaRPr>
+          </a:p>
+        </p:txBody>
+      </p:sp>
+      <p:sp>
+        <p:nvSpPr>
+          <p:cNvPr id="505" name="Google Shape;505;p30">
+            <a:extLst>
+              <a:ext uri="{FF2B5EF4-FFF2-40B4-BE49-F238E27FC236}">
+                <a16:creationId xmlns:a16="http://schemas.microsoft.com/office/drawing/2014/main" id="{D03FCDBB-BBCE-428C-75EA-2ECFA65A1307}"/>
+              </a:ext>
+            </a:extLst>
+          </p:cNvPr>
+          <p:cNvSpPr txBox="1">
+            <a:spLocks noGrp="1"/>
+          </p:cNvSpPr>
+          <p:nvPr>
+            <p:ph type="subTitle" idx="4294967295"/>
+          </p:nvPr>
+        </p:nvSpPr>
+        <p:spPr>
+          <a:xfrm>
+            <a:off x="710125" y="4694725"/>
+            <a:ext cx="4865100" cy="357300"/>
+          </a:xfrm>
+          <a:prstGeom prst="rect">
+            <a:avLst/>
+          </a:prstGeom>
+        </p:spPr>
+        <p:txBody>
+          <a:bodyPr spcFirstLastPara="1" wrap="square" lIns="91425" tIns="91425" rIns="91425" bIns="91425" anchor="ctr" anchorCtr="0">
+            <a:noAutofit/>
+          </a:bodyPr>
+          <a:lstStyle/>
+          <a:p>
+            <a:pPr marL="0" lvl="0" indent="0" algn="l" rtl="0">
+              <a:spcBef>
+                <a:spcPts val="0"/>
+              </a:spcBef>
+              <a:spcAft>
+                <a:spcPts val="0"/>
+              </a:spcAft>
+              <a:buNone/>
+            </a:pPr>
+            <a:r>
+              <a:rPr lang="en" sz="1400">
+                <a:solidFill>
+                  <a:schemeClr val="accent3"/>
+                </a:solidFill>
+              </a:rPr>
+              <a:t>Programming Language</a:t>
+            </a:r>
+            <a:endParaRPr sz="1400">
+              <a:solidFill>
+                <a:schemeClr val="accent3"/>
+              </a:solidFill>
+            </a:endParaRPr>
+          </a:p>
+        </p:txBody>
+      </p:sp>
+      <p:sp>
+        <p:nvSpPr>
+          <p:cNvPr id="506" name="Google Shape;506;p30">
+            <a:extLst>
+              <a:ext uri="{FF2B5EF4-FFF2-40B4-BE49-F238E27FC236}">
+                <a16:creationId xmlns:a16="http://schemas.microsoft.com/office/drawing/2014/main" id="{F38C8D8A-0F45-83AE-646C-C590383FC32E}"/>
+              </a:ext>
+            </a:extLst>
+          </p:cNvPr>
+          <p:cNvSpPr txBox="1">
+            <a:spLocks noGrp="1"/>
+          </p:cNvSpPr>
+          <p:nvPr>
+            <p:ph type="subTitle" idx="4294967295"/>
+          </p:nvPr>
+        </p:nvSpPr>
+        <p:spPr>
+          <a:xfrm>
+            <a:off x="-5975" y="91525"/>
+            <a:ext cx="4572000" cy="357300"/>
+          </a:xfrm>
+          <a:prstGeom prst="rect">
+            <a:avLst/>
+          </a:prstGeom>
+        </p:spPr>
+        <p:txBody>
+          <a:bodyPr spcFirstLastPara="1" wrap="square" lIns="91425" tIns="91425" rIns="91425" bIns="91425" anchor="ctr" anchorCtr="0">
+            <a:noAutofit/>
+          </a:bodyPr>
+          <a:lstStyle/>
+          <a:p>
+            <a:pPr marL="0" lvl="0" indent="0" algn="ctr" rtl="0">
+              <a:spcBef>
+                <a:spcPts val="0"/>
+              </a:spcBef>
+              <a:spcAft>
+                <a:spcPts val="0"/>
+              </a:spcAft>
+              <a:buNone/>
+            </a:pPr>
+            <a:r>
+              <a:rPr lang="en" sz="1400">
+                <a:solidFill>
+                  <a:schemeClr val="accent3"/>
+                </a:solidFill>
+              </a:rPr>
+              <a:t>forbeginners.html</a:t>
+            </a:r>
+            <a:endParaRPr sz="1400">
+              <a:solidFill>
+                <a:schemeClr val="accent3"/>
+              </a:solidFill>
+            </a:endParaRPr>
+          </a:p>
+        </p:txBody>
+      </p:sp>
+      <p:sp>
+        <p:nvSpPr>
+          <p:cNvPr id="507" name="Google Shape;507;p30">
+            <a:extLst>
+              <a:ext uri="{FF2B5EF4-FFF2-40B4-BE49-F238E27FC236}">
+                <a16:creationId xmlns:a16="http://schemas.microsoft.com/office/drawing/2014/main" id="{D65BD14C-9347-95B1-3330-F56FB4AC578B}"/>
+              </a:ext>
+            </a:extLst>
+          </p:cNvPr>
+          <p:cNvSpPr txBox="1">
+            <a:spLocks noGrp="1"/>
+          </p:cNvSpPr>
+          <p:nvPr>
+            <p:ph type="subTitle" idx="4294967295"/>
+          </p:nvPr>
+        </p:nvSpPr>
+        <p:spPr>
+          <a:xfrm>
+            <a:off x="4572000" y="91525"/>
+            <a:ext cx="4572000" cy="357300"/>
+          </a:xfrm>
+          <a:prstGeom prst="rect">
+            <a:avLst/>
+          </a:prstGeom>
+        </p:spPr>
+        <p:txBody>
+          <a:bodyPr spcFirstLastPara="1" wrap="square" lIns="91425" tIns="91425" rIns="91425" bIns="91425" anchor="ctr" anchorCtr="0">
+            <a:noAutofit/>
+          </a:bodyPr>
+          <a:lstStyle/>
+          <a:p>
+            <a:pPr marL="0" lvl="0" indent="0" algn="ctr" rtl="0">
+              <a:spcBef>
+                <a:spcPts val="0"/>
+              </a:spcBef>
+              <a:spcAft>
+                <a:spcPts val="0"/>
+              </a:spcAft>
+              <a:buNone/>
+            </a:pPr>
+            <a:r>
+              <a:rPr lang="en" sz="1400">
+                <a:solidFill>
+                  <a:schemeClr val="accent3"/>
+                </a:solidFill>
+              </a:rPr>
+              <a:t>workshop.css</a:t>
+            </a:r>
+            <a:endParaRPr sz="1400">
+              <a:solidFill>
+                <a:schemeClr val="accent3"/>
+              </a:solidFill>
+            </a:endParaRPr>
+          </a:p>
+        </p:txBody>
+      </p:sp>
+      <p:sp>
+        <p:nvSpPr>
+          <p:cNvPr id="5" name="Title 4">
+            <a:extLst>
+              <a:ext uri="{FF2B5EF4-FFF2-40B4-BE49-F238E27FC236}">
+                <a16:creationId xmlns:a16="http://schemas.microsoft.com/office/drawing/2014/main" id="{B4700513-D427-F7FA-4F1C-CDEA3D8E0F1E}"/>
+              </a:ext>
+            </a:extLst>
+          </p:cNvPr>
+          <p:cNvSpPr>
+            <a:spLocks noGrp="1"/>
+          </p:cNvSpPr>
+          <p:nvPr>
+            <p:ph type="title" idx="2"/>
+          </p:nvPr>
+        </p:nvSpPr>
+        <p:spPr>
+          <a:xfrm>
+            <a:off x="1544364" y="2304025"/>
+            <a:ext cx="7599636" cy="2295684"/>
+          </a:xfrm>
+        </p:spPr>
+        <p:txBody>
+          <a:bodyPr/>
+          <a:lstStyle/>
+          <a:p>
+            <a:pPr>
+              <a:lnSpc>
+                <a:spcPts val="1425"/>
+              </a:lnSpc>
+              <a:buNone/>
+            </a:pPr>
+            <a:r>
+              <a:rPr lang="pt-BR" sz="1800" dirty="0">
+                <a:solidFill>
+                  <a:schemeClr val="accent3"/>
+                </a:solidFill>
+                <a:latin typeface="Consolas" panose="020B0609020204030204" pitchFamily="49" charset="0"/>
+              </a:rPr>
+              <a:t>- Década de 1950: Programação direta no hardware.</a:t>
+            </a:r>
+            <a:br>
+              <a:rPr lang="pt-BR" sz="1800" dirty="0">
+                <a:solidFill>
+                  <a:schemeClr val="accent3"/>
+                </a:solidFill>
+                <a:latin typeface="Consolas" panose="020B0609020204030204" pitchFamily="49" charset="0"/>
+              </a:rPr>
+            </a:br>
+            <a:br>
+              <a:rPr lang="pt-BR" sz="1800" dirty="0">
+                <a:solidFill>
+                  <a:schemeClr val="accent3"/>
+                </a:solidFill>
+                <a:latin typeface="Consolas" panose="020B0609020204030204" pitchFamily="49" charset="0"/>
+              </a:rPr>
+            </a:br>
+            <a:r>
+              <a:rPr lang="pt-BR" sz="1800" dirty="0">
+                <a:solidFill>
+                  <a:schemeClr val="accent3"/>
+                </a:solidFill>
+                <a:latin typeface="Consolas" panose="020B0609020204030204" pitchFamily="49" charset="0"/>
+              </a:rPr>
+              <a:t>- 1960-70: Surgem os primeiros sistemas multitarefa e multiusuário (Unix).</a:t>
+            </a:r>
+            <a:br>
+              <a:rPr lang="pt-BR" sz="1800" dirty="0">
+                <a:solidFill>
+                  <a:schemeClr val="accent3"/>
+                </a:solidFill>
+                <a:latin typeface="Consolas" panose="020B0609020204030204" pitchFamily="49" charset="0"/>
+              </a:rPr>
+            </a:br>
+            <a:br>
+              <a:rPr lang="pt-BR" sz="1800" dirty="0">
+                <a:solidFill>
+                  <a:schemeClr val="accent3"/>
+                </a:solidFill>
+                <a:latin typeface="Consolas" panose="020B0609020204030204" pitchFamily="49" charset="0"/>
+              </a:rPr>
+            </a:br>
+            <a:r>
+              <a:rPr lang="pt-BR" sz="1800" dirty="0">
+                <a:solidFill>
+                  <a:schemeClr val="accent3"/>
+                </a:solidFill>
+                <a:latin typeface="Consolas" panose="020B0609020204030204" pitchFamily="49" charset="0"/>
+              </a:rPr>
+              <a:t>- 1980: Explosão dos computadores pessoais – MS-DOS, Mac OS.</a:t>
+            </a:r>
+            <a:br>
+              <a:rPr lang="pt-BR" sz="1800" dirty="0">
+                <a:solidFill>
+                  <a:schemeClr val="accent3"/>
+                </a:solidFill>
+                <a:latin typeface="Consolas" panose="020B0609020204030204" pitchFamily="49" charset="0"/>
+              </a:rPr>
+            </a:br>
+            <a:br>
+              <a:rPr lang="pt-BR" sz="1800" dirty="0">
+                <a:solidFill>
+                  <a:schemeClr val="accent3"/>
+                </a:solidFill>
+                <a:latin typeface="Consolas" panose="020B0609020204030204" pitchFamily="49" charset="0"/>
+              </a:rPr>
+            </a:br>
+            <a:r>
+              <a:rPr lang="pt-BR" sz="1800" dirty="0">
+                <a:solidFill>
+                  <a:schemeClr val="accent3"/>
+                </a:solidFill>
+                <a:latin typeface="Consolas" panose="020B0609020204030204" pitchFamily="49" charset="0"/>
+              </a:rPr>
+              <a:t>- 1990: Windows ganha força, Linux aparece como alternativa.</a:t>
+            </a:r>
+            <a:br>
+              <a:rPr lang="pt-BR" sz="1800" dirty="0">
+                <a:solidFill>
+                  <a:schemeClr val="accent3"/>
+                </a:solidFill>
+                <a:latin typeface="Consolas" panose="020B0609020204030204" pitchFamily="49" charset="0"/>
+              </a:rPr>
+            </a:br>
+            <a:br>
+              <a:rPr lang="pt-BR" sz="1800" dirty="0">
+                <a:solidFill>
+                  <a:schemeClr val="accent3"/>
+                </a:solidFill>
+                <a:latin typeface="Consolas" panose="020B0609020204030204" pitchFamily="49" charset="0"/>
+              </a:rPr>
+            </a:br>
+            <a:r>
+              <a:rPr lang="pt-BR" sz="1800" dirty="0">
+                <a:solidFill>
+                  <a:schemeClr val="accent3"/>
+                </a:solidFill>
+                <a:latin typeface="Consolas" panose="020B0609020204030204" pitchFamily="49" charset="0"/>
+              </a:rPr>
+              <a:t>- 2000+: </a:t>
+            </a:r>
+            <a:r>
+              <a:rPr lang="pt-BR" sz="1800" dirty="0" err="1">
+                <a:solidFill>
+                  <a:schemeClr val="accent3"/>
+                </a:solidFill>
+                <a:latin typeface="Consolas" panose="020B0609020204030204" pitchFamily="49" charset="0"/>
+              </a:rPr>
+              <a:t>SOs</a:t>
+            </a:r>
+            <a:r>
+              <a:rPr lang="pt-BR" sz="1800" dirty="0">
+                <a:solidFill>
+                  <a:schemeClr val="accent3"/>
+                </a:solidFill>
+                <a:latin typeface="Consolas" panose="020B0609020204030204" pitchFamily="49" charset="0"/>
+              </a:rPr>
+              <a:t> móveis como Android e iOS entram em cena.</a:t>
+            </a:r>
+            <a:endParaRPr lang="pt-BR" sz="1800" b="0" dirty="0">
+              <a:solidFill>
+                <a:srgbClr val="ABB2BF"/>
+              </a:solidFill>
+              <a:effectLst/>
+              <a:latin typeface="Consolas" panose="020B0609020204030204" pitchFamily="49" charset="0"/>
+            </a:endParaRPr>
+          </a:p>
+        </p:txBody>
+      </p:sp>
+    </p:spTree>
+    <p:extLst>
+      <p:ext uri="{BB962C8B-B14F-4D97-AF65-F5344CB8AC3E}">
+        <p14:creationId xmlns:p14="http://schemas.microsoft.com/office/powerpoint/2010/main" val="52591159"/>
+      </p:ext>
+    </p:extLst>
+  </p:cSld>
+  <p:clrMapOvr>
+    <a:masterClrMapping/>
+  </p:clrMapOvr>
+</p:sld>
+</file>
+
+<file path=ppt/slides/slide49.xml><?xml version="1.0" encoding="utf-8"?>
+<p:sld xmlns:a="http://schemas.openxmlformats.org/drawingml/2006/main" xmlns:r="http://schemas.openxmlformats.org/officeDocument/2006/relationships" xmlns:p="http://schemas.openxmlformats.org/presentationml/2006/main">
+  <p:cSld>
+    <p:spTree>
+      <p:nvGrpSpPr>
+        <p:cNvPr id="1" name="Shape 499">
+          <a:extLst>
+            <a:ext uri="{FF2B5EF4-FFF2-40B4-BE49-F238E27FC236}">
+              <a16:creationId xmlns:a16="http://schemas.microsoft.com/office/drawing/2014/main" id="{6DCC12EC-92AC-6ADB-C79D-EBB45FB5570E}"/>
+            </a:ext>
+          </a:extLst>
+        </p:cNvPr>
+        <p:cNvGrpSpPr/>
+        <p:nvPr/>
+      </p:nvGrpSpPr>
+      <p:grpSpPr>
+        <a:xfrm>
+          <a:off x="0" y="0"/>
+          <a:ext cx="0" cy="0"/>
+          <a:chOff x="0" y="0"/>
+          <a:chExt cx="0" cy="0"/>
+        </a:xfrm>
+      </p:grpSpPr>
+      <p:sp>
+        <p:nvSpPr>
+          <p:cNvPr id="500" name="Google Shape;500;p30">
+            <a:extLst>
+              <a:ext uri="{FF2B5EF4-FFF2-40B4-BE49-F238E27FC236}">
+                <a16:creationId xmlns:a16="http://schemas.microsoft.com/office/drawing/2014/main" id="{04CC2B41-3986-ADDB-7886-DAAD93F6E265}"/>
+              </a:ext>
+            </a:extLst>
+          </p:cNvPr>
+          <p:cNvSpPr txBox="1">
+            <a:spLocks noGrp="1"/>
+          </p:cNvSpPr>
+          <p:nvPr>
+            <p:ph type="title"/>
+          </p:nvPr>
+        </p:nvSpPr>
+        <p:spPr>
+          <a:xfrm flipH="1">
+            <a:off x="1544363" y="801719"/>
+            <a:ext cx="7599634" cy="1104600"/>
+          </a:xfrm>
+          <a:prstGeom prst="rect">
+            <a:avLst/>
+          </a:prstGeom>
+        </p:spPr>
+        <p:txBody>
+          <a:bodyPr spcFirstLastPara="1" wrap="square" lIns="91425" tIns="91425" rIns="91425" bIns="91425" anchor="ctr" anchorCtr="0">
+            <a:noAutofit/>
+          </a:bodyPr>
+          <a:lstStyle/>
+          <a:p>
+            <a:pPr marL="0" lvl="0" indent="0" algn="l" rtl="0">
+              <a:spcBef>
+                <a:spcPts val="0"/>
+              </a:spcBef>
+              <a:spcAft>
+                <a:spcPts val="0"/>
+              </a:spcAft>
+              <a:buNone/>
+            </a:pPr>
+            <a:r>
+              <a:rPr lang="pt-BR" sz="5000" dirty="0"/>
+              <a:t>Exemplos</a:t>
+            </a:r>
+            <a:endParaRPr lang="pt-BR" sz="5000" dirty="0">
+              <a:solidFill>
+                <a:schemeClr val="accent6"/>
+              </a:solidFill>
+            </a:endParaRPr>
+          </a:p>
+        </p:txBody>
+      </p:sp>
+      <p:sp>
+        <p:nvSpPr>
+          <p:cNvPr id="505" name="Google Shape;505;p30">
+            <a:extLst>
+              <a:ext uri="{FF2B5EF4-FFF2-40B4-BE49-F238E27FC236}">
+                <a16:creationId xmlns:a16="http://schemas.microsoft.com/office/drawing/2014/main" id="{99475314-8166-2D31-01A5-C7316854AE7C}"/>
+              </a:ext>
+            </a:extLst>
+          </p:cNvPr>
+          <p:cNvSpPr txBox="1">
+            <a:spLocks noGrp="1"/>
+          </p:cNvSpPr>
+          <p:nvPr>
+            <p:ph type="subTitle" idx="4294967295"/>
+          </p:nvPr>
+        </p:nvSpPr>
+        <p:spPr>
+          <a:xfrm>
+            <a:off x="710125" y="4694725"/>
+            <a:ext cx="4865100" cy="357300"/>
+          </a:xfrm>
+          <a:prstGeom prst="rect">
+            <a:avLst/>
+          </a:prstGeom>
+        </p:spPr>
+        <p:txBody>
+          <a:bodyPr spcFirstLastPara="1" wrap="square" lIns="91425" tIns="91425" rIns="91425" bIns="91425" anchor="ctr" anchorCtr="0">
+            <a:noAutofit/>
+          </a:bodyPr>
+          <a:lstStyle/>
+          <a:p>
+            <a:pPr marL="0" lvl="0" indent="0" algn="l" rtl="0">
+              <a:spcBef>
+                <a:spcPts val="0"/>
+              </a:spcBef>
+              <a:spcAft>
+                <a:spcPts val="0"/>
+              </a:spcAft>
+              <a:buNone/>
+            </a:pPr>
+            <a:r>
+              <a:rPr lang="en" sz="1400">
+                <a:solidFill>
+                  <a:schemeClr val="accent3"/>
+                </a:solidFill>
+              </a:rPr>
+              <a:t>Programming Language</a:t>
+            </a:r>
+            <a:endParaRPr sz="1400">
+              <a:solidFill>
+                <a:schemeClr val="accent3"/>
+              </a:solidFill>
+            </a:endParaRPr>
+          </a:p>
+        </p:txBody>
+      </p:sp>
+      <p:sp>
+        <p:nvSpPr>
+          <p:cNvPr id="506" name="Google Shape;506;p30">
+            <a:extLst>
+              <a:ext uri="{FF2B5EF4-FFF2-40B4-BE49-F238E27FC236}">
+                <a16:creationId xmlns:a16="http://schemas.microsoft.com/office/drawing/2014/main" id="{C4894A62-DF37-6B49-5104-875B601BF886}"/>
+              </a:ext>
+            </a:extLst>
+          </p:cNvPr>
+          <p:cNvSpPr txBox="1">
+            <a:spLocks noGrp="1"/>
+          </p:cNvSpPr>
+          <p:nvPr>
+            <p:ph type="subTitle" idx="4294967295"/>
+          </p:nvPr>
+        </p:nvSpPr>
+        <p:spPr>
+          <a:xfrm>
+            <a:off x="-5975" y="91525"/>
+            <a:ext cx="4572000" cy="357300"/>
+          </a:xfrm>
+          <a:prstGeom prst="rect">
+            <a:avLst/>
+          </a:prstGeom>
+        </p:spPr>
+        <p:txBody>
+          <a:bodyPr spcFirstLastPara="1" wrap="square" lIns="91425" tIns="91425" rIns="91425" bIns="91425" anchor="ctr" anchorCtr="0">
+            <a:noAutofit/>
+          </a:bodyPr>
+          <a:lstStyle/>
+          <a:p>
+            <a:pPr marL="0" lvl="0" indent="0" algn="ctr" rtl="0">
+              <a:spcBef>
+                <a:spcPts val="0"/>
+              </a:spcBef>
+              <a:spcAft>
+                <a:spcPts val="0"/>
+              </a:spcAft>
+              <a:buNone/>
+            </a:pPr>
+            <a:r>
+              <a:rPr lang="en" sz="1400">
+                <a:solidFill>
+                  <a:schemeClr val="accent3"/>
+                </a:solidFill>
+              </a:rPr>
+              <a:t>forbeginners.html</a:t>
+            </a:r>
+            <a:endParaRPr sz="1400">
+              <a:solidFill>
+                <a:schemeClr val="accent3"/>
+              </a:solidFill>
+            </a:endParaRPr>
+          </a:p>
+        </p:txBody>
+      </p:sp>
+      <p:sp>
+        <p:nvSpPr>
+          <p:cNvPr id="507" name="Google Shape;507;p30">
+            <a:extLst>
+              <a:ext uri="{FF2B5EF4-FFF2-40B4-BE49-F238E27FC236}">
+                <a16:creationId xmlns:a16="http://schemas.microsoft.com/office/drawing/2014/main" id="{847809B8-981C-2C46-5AD6-F035AC5053DF}"/>
+              </a:ext>
+            </a:extLst>
+          </p:cNvPr>
+          <p:cNvSpPr txBox="1">
+            <a:spLocks noGrp="1"/>
+          </p:cNvSpPr>
+          <p:nvPr>
+            <p:ph type="subTitle" idx="4294967295"/>
+          </p:nvPr>
+        </p:nvSpPr>
+        <p:spPr>
+          <a:xfrm>
+            <a:off x="4572000" y="91525"/>
+            <a:ext cx="4572000" cy="357300"/>
+          </a:xfrm>
+          <a:prstGeom prst="rect">
+            <a:avLst/>
+          </a:prstGeom>
+        </p:spPr>
+        <p:txBody>
+          <a:bodyPr spcFirstLastPara="1" wrap="square" lIns="91425" tIns="91425" rIns="91425" bIns="91425" anchor="ctr" anchorCtr="0">
+            <a:noAutofit/>
+          </a:bodyPr>
+          <a:lstStyle/>
+          <a:p>
+            <a:pPr marL="0" lvl="0" indent="0" algn="ctr" rtl="0">
+              <a:spcBef>
+                <a:spcPts val="0"/>
+              </a:spcBef>
+              <a:spcAft>
+                <a:spcPts val="0"/>
+              </a:spcAft>
+              <a:buNone/>
+            </a:pPr>
+            <a:r>
+              <a:rPr lang="en" sz="1400">
+                <a:solidFill>
+                  <a:schemeClr val="accent3"/>
+                </a:solidFill>
+              </a:rPr>
+              <a:t>workshop.css</a:t>
+            </a:r>
+            <a:endParaRPr sz="1400">
+              <a:solidFill>
+                <a:schemeClr val="accent3"/>
+              </a:solidFill>
+            </a:endParaRPr>
+          </a:p>
+        </p:txBody>
+      </p:sp>
+      <p:graphicFrame>
+        <p:nvGraphicFramePr>
+          <p:cNvPr id="2" name="Table 1">
+            <a:extLst>
+              <a:ext uri="{FF2B5EF4-FFF2-40B4-BE49-F238E27FC236}">
+                <a16:creationId xmlns:a16="http://schemas.microsoft.com/office/drawing/2014/main" id="{91AB9BBB-814C-99D9-E83A-08308CC5304A}"/>
+              </a:ext>
+            </a:extLst>
+          </p:cNvPr>
+          <p:cNvGraphicFramePr>
+            <a:graphicFrameLocks noGrp="1"/>
+          </p:cNvGraphicFramePr>
+          <p:nvPr>
+            <p:extLst>
+              <p:ext uri="{D42A27DB-BD31-4B8C-83A1-F6EECF244321}">
+                <p14:modId xmlns:p14="http://schemas.microsoft.com/office/powerpoint/2010/main" val="1499990871"/>
+              </p:ext>
+            </p:extLst>
+          </p:nvPr>
+        </p:nvGraphicFramePr>
+        <p:xfrm>
+          <a:off x="1544363" y="2259213"/>
+          <a:ext cx="6229668" cy="1483360"/>
+        </p:xfrm>
+        <a:graphic>
+          <a:graphicData uri="http://schemas.openxmlformats.org/drawingml/2006/table">
+            <a:tbl>
+              <a:tblPr firstRow="1" bandRow="1">
+                <a:tableStyleId>{FB880CFC-CF63-49BC-B406-23E5BBBB529F}</a:tableStyleId>
+              </a:tblPr>
+              <a:tblGrid>
+                <a:gridCol w="2032000">
+                  <a:extLst>
+                    <a:ext uri="{9D8B030D-6E8A-4147-A177-3AD203B41FA5}">
+                      <a16:colId xmlns:a16="http://schemas.microsoft.com/office/drawing/2014/main" val="2298552380"/>
+                    </a:ext>
+                  </a:extLst>
+                </a:gridCol>
+                <a:gridCol w="2165668">
+                  <a:extLst>
+                    <a:ext uri="{9D8B030D-6E8A-4147-A177-3AD203B41FA5}">
+                      <a16:colId xmlns:a16="http://schemas.microsoft.com/office/drawing/2014/main" val="373846068"/>
+                    </a:ext>
+                  </a:extLst>
+                </a:gridCol>
+                <a:gridCol w="2032000">
+                  <a:extLst>
+                    <a:ext uri="{9D8B030D-6E8A-4147-A177-3AD203B41FA5}">
+                      <a16:colId xmlns:a16="http://schemas.microsoft.com/office/drawing/2014/main" val="557168684"/>
+                    </a:ext>
+                  </a:extLst>
+                </a:gridCol>
+              </a:tblGrid>
+              <a:tr h="370840">
+                <a:tc>
+                  <a:txBody>
+                    <a:bodyPr/>
+                    <a:lstStyle/>
+                    <a:p>
+                      <a:r>
+                        <a:rPr lang="en-US" dirty="0">
+                          <a:solidFill>
+                            <a:schemeClr val="accent3"/>
+                          </a:solidFill>
+                        </a:rPr>
+                        <a:t>Tipo</a:t>
+                      </a:r>
+                      <a:endParaRPr lang="pt-BR" dirty="0">
+                        <a:solidFill>
+                          <a:schemeClr val="accent3"/>
+                        </a:solidFill>
+                      </a:endParaRPr>
+                    </a:p>
+                  </a:txBody>
+                  <a:tcPr/>
+                </a:tc>
+                <a:tc>
+                  <a:txBody>
+                    <a:bodyPr/>
+                    <a:lstStyle/>
+                    <a:p>
+                      <a:r>
+                        <a:rPr lang="en-US" dirty="0">
+                          <a:solidFill>
+                            <a:schemeClr val="accent3"/>
+                          </a:solidFill>
+                        </a:rPr>
+                        <a:t>Exemplos</a:t>
+                      </a:r>
+                      <a:endParaRPr lang="pt-BR" dirty="0">
+                        <a:solidFill>
+                          <a:schemeClr val="accent3"/>
+                        </a:solidFill>
+                      </a:endParaRPr>
+                    </a:p>
+                  </a:txBody>
+                  <a:tcPr/>
+                </a:tc>
+                <a:tc>
+                  <a:txBody>
+                    <a:bodyPr/>
+                    <a:lstStyle/>
+                    <a:p>
+                      <a:r>
+                        <a:rPr lang="en-US" dirty="0">
+                          <a:solidFill>
+                            <a:schemeClr val="accent3"/>
+                          </a:solidFill>
+                        </a:rPr>
+                        <a:t>Funções</a:t>
+                      </a:r>
+                    </a:p>
+                  </a:txBody>
+                  <a:tcPr/>
+                </a:tc>
+                <a:extLst>
+                  <a:ext uri="{0D108BD9-81ED-4DB2-BD59-A6C34878D82A}">
+                    <a16:rowId xmlns:a16="http://schemas.microsoft.com/office/drawing/2014/main" val="1771334791"/>
+                  </a:ext>
+                </a:extLst>
+              </a:tr>
+              <a:tr h="370840">
+                <a:tc>
+                  <a:txBody>
+                    <a:bodyPr/>
+                    <a:lstStyle/>
+                    <a:p>
+                      <a:r>
+                        <a:rPr lang="en-US" dirty="0">
+                          <a:solidFill>
+                            <a:schemeClr val="accent3"/>
+                          </a:solidFill>
+                        </a:rPr>
+                        <a:t>Desktop</a:t>
+                      </a:r>
+                      <a:endParaRPr lang="pt-BR" dirty="0">
+                        <a:solidFill>
+                          <a:schemeClr val="accent3"/>
+                        </a:solidFill>
+                      </a:endParaRPr>
+                    </a:p>
+                  </a:txBody>
+                  <a:tcPr/>
+                </a:tc>
+                <a:tc>
+                  <a:txBody>
+                    <a:bodyPr/>
+                    <a:lstStyle/>
+                    <a:p>
+                      <a:r>
+                        <a:rPr lang="en-US" dirty="0">
+                          <a:solidFill>
+                            <a:schemeClr val="accent3"/>
+                          </a:solidFill>
+                        </a:rPr>
+                        <a:t>Windows, Linux, macOS</a:t>
+                      </a:r>
+                      <a:endParaRPr lang="pt-BR" dirty="0">
+                        <a:solidFill>
+                          <a:schemeClr val="accent3"/>
+                        </a:solidFill>
+                      </a:endParaRPr>
+                    </a:p>
+                  </a:txBody>
+                  <a:tcPr/>
+                </a:tc>
+                <a:tc>
+                  <a:txBody>
+                    <a:bodyPr/>
+                    <a:lstStyle/>
+                    <a:p>
+                      <a:r>
+                        <a:rPr lang="en-US" dirty="0">
+                          <a:solidFill>
+                            <a:schemeClr val="accent3"/>
+                          </a:solidFill>
+                        </a:rPr>
+                        <a:t>PC’s e Notebooks</a:t>
+                      </a:r>
+                      <a:endParaRPr lang="pt-BR" dirty="0">
+                        <a:solidFill>
+                          <a:schemeClr val="accent3"/>
+                        </a:solidFill>
+                      </a:endParaRPr>
+                    </a:p>
+                  </a:txBody>
+                  <a:tcPr/>
+                </a:tc>
+                <a:extLst>
+                  <a:ext uri="{0D108BD9-81ED-4DB2-BD59-A6C34878D82A}">
+                    <a16:rowId xmlns:a16="http://schemas.microsoft.com/office/drawing/2014/main" val="2019975228"/>
+                  </a:ext>
+                </a:extLst>
+              </a:tr>
+              <a:tr h="370840">
+                <a:tc>
+                  <a:txBody>
+                    <a:bodyPr/>
+                    <a:lstStyle/>
+                    <a:p>
+                      <a:r>
+                        <a:rPr lang="en-US" dirty="0">
+                          <a:solidFill>
+                            <a:schemeClr val="accent3"/>
+                          </a:solidFill>
+                        </a:rPr>
+                        <a:t>Mobile</a:t>
+                      </a:r>
+                      <a:endParaRPr lang="pt-BR" dirty="0">
+                        <a:solidFill>
+                          <a:schemeClr val="accent3"/>
+                        </a:solidFill>
+                      </a:endParaRPr>
+                    </a:p>
+                  </a:txBody>
+                  <a:tcPr/>
+                </a:tc>
+                <a:tc>
+                  <a:txBody>
+                    <a:bodyPr/>
+                    <a:lstStyle/>
+                    <a:p>
+                      <a:r>
+                        <a:rPr lang="en-US" dirty="0">
+                          <a:solidFill>
+                            <a:schemeClr val="accent3"/>
+                          </a:solidFill>
+                        </a:rPr>
+                        <a:t>Android, iOS</a:t>
+                      </a:r>
+                      <a:endParaRPr lang="pt-BR" dirty="0">
+                        <a:solidFill>
+                          <a:schemeClr val="accent3"/>
+                        </a:solidFill>
+                      </a:endParaRPr>
+                    </a:p>
+                  </a:txBody>
+                  <a:tcPr/>
+                </a:tc>
+                <a:tc>
+                  <a:txBody>
+                    <a:bodyPr/>
+                    <a:lstStyle/>
+                    <a:p>
+                      <a:r>
+                        <a:rPr lang="en-US" dirty="0">
+                          <a:solidFill>
+                            <a:schemeClr val="accent3"/>
+                          </a:solidFill>
+                        </a:rPr>
+                        <a:t>Smartphones e tablets</a:t>
+                      </a:r>
+                      <a:endParaRPr lang="pt-BR" dirty="0">
+                        <a:solidFill>
+                          <a:schemeClr val="accent3"/>
+                        </a:solidFill>
+                      </a:endParaRPr>
+                    </a:p>
+                  </a:txBody>
+                  <a:tcPr/>
+                </a:tc>
+                <a:extLst>
+                  <a:ext uri="{0D108BD9-81ED-4DB2-BD59-A6C34878D82A}">
+                    <a16:rowId xmlns:a16="http://schemas.microsoft.com/office/drawing/2014/main" val="2153649290"/>
+                  </a:ext>
+                </a:extLst>
+              </a:tr>
+              <a:tr h="370840">
+                <a:tc>
+                  <a:txBody>
+                    <a:bodyPr/>
+                    <a:lstStyle/>
+                    <a:p>
+                      <a:r>
+                        <a:rPr lang="en-US" dirty="0">
+                          <a:solidFill>
+                            <a:schemeClr val="accent3"/>
+                          </a:solidFill>
+                        </a:rPr>
+                        <a:t>Servidor</a:t>
+                      </a:r>
+                      <a:endParaRPr lang="pt-BR" dirty="0">
+                        <a:solidFill>
+                          <a:schemeClr val="accent3"/>
+                        </a:solidFill>
+                      </a:endParaRPr>
+                    </a:p>
+                  </a:txBody>
+                  <a:tcPr/>
+                </a:tc>
+                <a:tc>
+                  <a:txBody>
+                    <a:bodyPr/>
+                    <a:lstStyle/>
+                    <a:p>
+                      <a:r>
+                        <a:rPr lang="en-US" dirty="0">
+                          <a:solidFill>
+                            <a:schemeClr val="accent3"/>
+                          </a:solidFill>
+                        </a:rPr>
+                        <a:t>Linux, Windows Server</a:t>
+                      </a:r>
+                      <a:endParaRPr lang="pt-BR" dirty="0">
+                        <a:solidFill>
+                          <a:schemeClr val="accent3"/>
+                        </a:solidFill>
+                      </a:endParaRPr>
+                    </a:p>
+                  </a:txBody>
+                  <a:tcPr/>
+                </a:tc>
+                <a:tc>
+                  <a:txBody>
+                    <a:bodyPr/>
+                    <a:lstStyle/>
+                    <a:p>
+                      <a:r>
+                        <a:rPr lang="en-US" dirty="0">
+                          <a:solidFill>
+                            <a:schemeClr val="accent3"/>
+                          </a:solidFill>
+                        </a:rPr>
+                        <a:t>Datacenters e Web</a:t>
+                      </a:r>
+                      <a:endParaRPr lang="pt-BR" dirty="0">
+                        <a:solidFill>
+                          <a:schemeClr val="accent3"/>
+                        </a:solidFill>
+                      </a:endParaRPr>
+                    </a:p>
+                  </a:txBody>
+                  <a:tcPr/>
+                </a:tc>
+                <a:extLst>
+                  <a:ext uri="{0D108BD9-81ED-4DB2-BD59-A6C34878D82A}">
+                    <a16:rowId xmlns:a16="http://schemas.microsoft.com/office/drawing/2014/main" val="2800464421"/>
+                  </a:ext>
+                </a:extLst>
+              </a:tr>
+            </a:tbl>
+          </a:graphicData>
+        </a:graphic>
+      </p:graphicFrame>
+    </p:spTree>
+    <p:extLst>
+      <p:ext uri="{BB962C8B-B14F-4D97-AF65-F5344CB8AC3E}">
+        <p14:creationId xmlns:p14="http://schemas.microsoft.com/office/powerpoint/2010/main" val="517003666"/>
       </p:ext>
     </p:extLst>
   </p:cSld>
@@ -47065,6 +48859,1688 @@
         </p:txBody>
       </p:sp>
     </p:spTree>
+  </p:cSld>
+  <p:clrMapOvr>
+    <a:masterClrMapping/>
+  </p:clrMapOvr>
+</p:sld>
+</file>
+
+<file path=ppt/slides/slide50.xml><?xml version="1.0" encoding="utf-8"?>
+<p:sld xmlns:a="http://schemas.openxmlformats.org/drawingml/2006/main" xmlns:r="http://schemas.openxmlformats.org/officeDocument/2006/relationships" xmlns:p="http://schemas.openxmlformats.org/presentationml/2006/main">
+  <p:cSld>
+    <p:spTree>
+      <p:nvGrpSpPr>
+        <p:cNvPr id="1" name="Shape 499">
+          <a:extLst>
+            <a:ext uri="{FF2B5EF4-FFF2-40B4-BE49-F238E27FC236}">
+              <a16:creationId xmlns:a16="http://schemas.microsoft.com/office/drawing/2014/main" id="{FE04C472-2E7E-7BDD-1CDA-55504A3FAF8F}"/>
+            </a:ext>
+          </a:extLst>
+        </p:cNvPr>
+        <p:cNvGrpSpPr/>
+        <p:nvPr/>
+      </p:nvGrpSpPr>
+      <p:grpSpPr>
+        <a:xfrm>
+          <a:off x="0" y="0"/>
+          <a:ext cx="0" cy="0"/>
+          <a:chOff x="0" y="0"/>
+          <a:chExt cx="0" cy="0"/>
+        </a:xfrm>
+      </p:grpSpPr>
+      <p:sp>
+        <p:nvSpPr>
+          <p:cNvPr id="500" name="Google Shape;500;p30">
+            <a:extLst>
+              <a:ext uri="{FF2B5EF4-FFF2-40B4-BE49-F238E27FC236}">
+                <a16:creationId xmlns:a16="http://schemas.microsoft.com/office/drawing/2014/main" id="{00BBF087-9CC3-452B-57D0-F237299ADA26}"/>
+              </a:ext>
+            </a:extLst>
+          </p:cNvPr>
+          <p:cNvSpPr txBox="1">
+            <a:spLocks noGrp="1"/>
+          </p:cNvSpPr>
+          <p:nvPr>
+            <p:ph type="title"/>
+          </p:nvPr>
+        </p:nvSpPr>
+        <p:spPr>
+          <a:xfrm flipH="1">
+            <a:off x="1544363" y="801719"/>
+            <a:ext cx="7599634" cy="1104600"/>
+          </a:xfrm>
+          <a:prstGeom prst="rect">
+            <a:avLst/>
+          </a:prstGeom>
+        </p:spPr>
+        <p:txBody>
+          <a:bodyPr spcFirstLastPara="1" wrap="square" lIns="91425" tIns="91425" rIns="91425" bIns="91425" anchor="ctr" anchorCtr="0">
+            <a:noAutofit/>
+          </a:bodyPr>
+          <a:lstStyle/>
+          <a:p>
+            <a:pPr marL="0" lvl="0" indent="0" algn="l" rtl="0">
+              <a:spcBef>
+                <a:spcPts val="0"/>
+              </a:spcBef>
+              <a:spcAft>
+                <a:spcPts val="0"/>
+              </a:spcAft>
+              <a:buNone/>
+            </a:pPr>
+            <a:r>
+              <a:rPr lang="pt-BR" sz="5000" dirty="0"/>
+              <a:t>Usos dos Sistemas</a:t>
+            </a:r>
+            <a:endParaRPr lang="pt-BR" sz="5000" dirty="0">
+              <a:solidFill>
+                <a:schemeClr val="accent6"/>
+              </a:solidFill>
+            </a:endParaRPr>
+          </a:p>
+        </p:txBody>
+      </p:sp>
+      <p:sp>
+        <p:nvSpPr>
+          <p:cNvPr id="505" name="Google Shape;505;p30">
+            <a:extLst>
+              <a:ext uri="{FF2B5EF4-FFF2-40B4-BE49-F238E27FC236}">
+                <a16:creationId xmlns:a16="http://schemas.microsoft.com/office/drawing/2014/main" id="{344C9912-B2C9-9FB9-37F1-21ED07621062}"/>
+              </a:ext>
+            </a:extLst>
+          </p:cNvPr>
+          <p:cNvSpPr txBox="1">
+            <a:spLocks noGrp="1"/>
+          </p:cNvSpPr>
+          <p:nvPr>
+            <p:ph type="subTitle" idx="4294967295"/>
+          </p:nvPr>
+        </p:nvSpPr>
+        <p:spPr>
+          <a:xfrm>
+            <a:off x="710125" y="4694725"/>
+            <a:ext cx="4865100" cy="357300"/>
+          </a:xfrm>
+          <a:prstGeom prst="rect">
+            <a:avLst/>
+          </a:prstGeom>
+        </p:spPr>
+        <p:txBody>
+          <a:bodyPr spcFirstLastPara="1" wrap="square" lIns="91425" tIns="91425" rIns="91425" bIns="91425" anchor="ctr" anchorCtr="0">
+            <a:noAutofit/>
+          </a:bodyPr>
+          <a:lstStyle/>
+          <a:p>
+            <a:pPr marL="0" lvl="0" indent="0" algn="l" rtl="0">
+              <a:spcBef>
+                <a:spcPts val="0"/>
+              </a:spcBef>
+              <a:spcAft>
+                <a:spcPts val="0"/>
+              </a:spcAft>
+              <a:buNone/>
+            </a:pPr>
+            <a:r>
+              <a:rPr lang="en" sz="1400">
+                <a:solidFill>
+                  <a:schemeClr val="accent3"/>
+                </a:solidFill>
+              </a:rPr>
+              <a:t>Programming Language</a:t>
+            </a:r>
+            <a:endParaRPr sz="1400">
+              <a:solidFill>
+                <a:schemeClr val="accent3"/>
+              </a:solidFill>
+            </a:endParaRPr>
+          </a:p>
+        </p:txBody>
+      </p:sp>
+      <p:sp>
+        <p:nvSpPr>
+          <p:cNvPr id="506" name="Google Shape;506;p30">
+            <a:extLst>
+              <a:ext uri="{FF2B5EF4-FFF2-40B4-BE49-F238E27FC236}">
+                <a16:creationId xmlns:a16="http://schemas.microsoft.com/office/drawing/2014/main" id="{F1B6DAE5-83CA-BBC1-0D11-005B67D7CD6B}"/>
+              </a:ext>
+            </a:extLst>
+          </p:cNvPr>
+          <p:cNvSpPr txBox="1">
+            <a:spLocks noGrp="1"/>
+          </p:cNvSpPr>
+          <p:nvPr>
+            <p:ph type="subTitle" idx="4294967295"/>
+          </p:nvPr>
+        </p:nvSpPr>
+        <p:spPr>
+          <a:xfrm>
+            <a:off x="-5975" y="91525"/>
+            <a:ext cx="4572000" cy="357300"/>
+          </a:xfrm>
+          <a:prstGeom prst="rect">
+            <a:avLst/>
+          </a:prstGeom>
+        </p:spPr>
+        <p:txBody>
+          <a:bodyPr spcFirstLastPara="1" wrap="square" lIns="91425" tIns="91425" rIns="91425" bIns="91425" anchor="ctr" anchorCtr="0">
+            <a:noAutofit/>
+          </a:bodyPr>
+          <a:lstStyle/>
+          <a:p>
+            <a:pPr marL="0" lvl="0" indent="0" algn="ctr" rtl="0">
+              <a:spcBef>
+                <a:spcPts val="0"/>
+              </a:spcBef>
+              <a:spcAft>
+                <a:spcPts val="0"/>
+              </a:spcAft>
+              <a:buNone/>
+            </a:pPr>
+            <a:r>
+              <a:rPr lang="en" sz="1400">
+                <a:solidFill>
+                  <a:schemeClr val="accent3"/>
+                </a:solidFill>
+              </a:rPr>
+              <a:t>forbeginners.html</a:t>
+            </a:r>
+            <a:endParaRPr sz="1400">
+              <a:solidFill>
+                <a:schemeClr val="accent3"/>
+              </a:solidFill>
+            </a:endParaRPr>
+          </a:p>
+        </p:txBody>
+      </p:sp>
+      <p:sp>
+        <p:nvSpPr>
+          <p:cNvPr id="507" name="Google Shape;507;p30">
+            <a:extLst>
+              <a:ext uri="{FF2B5EF4-FFF2-40B4-BE49-F238E27FC236}">
+                <a16:creationId xmlns:a16="http://schemas.microsoft.com/office/drawing/2014/main" id="{7FFC86A1-7F71-98EC-1335-9B191D35E3CB}"/>
+              </a:ext>
+            </a:extLst>
+          </p:cNvPr>
+          <p:cNvSpPr txBox="1">
+            <a:spLocks noGrp="1"/>
+          </p:cNvSpPr>
+          <p:nvPr>
+            <p:ph type="subTitle" idx="4294967295"/>
+          </p:nvPr>
+        </p:nvSpPr>
+        <p:spPr>
+          <a:xfrm>
+            <a:off x="4572000" y="91525"/>
+            <a:ext cx="4572000" cy="357300"/>
+          </a:xfrm>
+          <a:prstGeom prst="rect">
+            <a:avLst/>
+          </a:prstGeom>
+        </p:spPr>
+        <p:txBody>
+          <a:bodyPr spcFirstLastPara="1" wrap="square" lIns="91425" tIns="91425" rIns="91425" bIns="91425" anchor="ctr" anchorCtr="0">
+            <a:noAutofit/>
+          </a:bodyPr>
+          <a:lstStyle/>
+          <a:p>
+            <a:pPr marL="0" lvl="0" indent="0" algn="ctr" rtl="0">
+              <a:spcBef>
+                <a:spcPts val="0"/>
+              </a:spcBef>
+              <a:spcAft>
+                <a:spcPts val="0"/>
+              </a:spcAft>
+              <a:buNone/>
+            </a:pPr>
+            <a:r>
+              <a:rPr lang="en" sz="1400">
+                <a:solidFill>
+                  <a:schemeClr val="accent3"/>
+                </a:solidFill>
+              </a:rPr>
+              <a:t>workshop.css</a:t>
+            </a:r>
+            <a:endParaRPr sz="1400">
+              <a:solidFill>
+                <a:schemeClr val="accent3"/>
+              </a:solidFill>
+            </a:endParaRPr>
+          </a:p>
+        </p:txBody>
+      </p:sp>
+      <p:sp>
+        <p:nvSpPr>
+          <p:cNvPr id="5" name="Title 4">
+            <a:extLst>
+              <a:ext uri="{FF2B5EF4-FFF2-40B4-BE49-F238E27FC236}">
+                <a16:creationId xmlns:a16="http://schemas.microsoft.com/office/drawing/2014/main" id="{D0B3630C-5D1E-5BC9-E4E2-9B3AD388DCE2}"/>
+              </a:ext>
+            </a:extLst>
+          </p:cNvPr>
+          <p:cNvSpPr>
+            <a:spLocks noGrp="1"/>
+          </p:cNvSpPr>
+          <p:nvPr>
+            <p:ph type="title" idx="2"/>
+          </p:nvPr>
+        </p:nvSpPr>
+        <p:spPr>
+          <a:xfrm>
+            <a:off x="1544364" y="2304025"/>
+            <a:ext cx="7599636" cy="2295684"/>
+          </a:xfrm>
+        </p:spPr>
+        <p:txBody>
+          <a:bodyPr/>
+          <a:lstStyle/>
+          <a:p>
+            <a:pPr>
+              <a:lnSpc>
+                <a:spcPts val="1425"/>
+              </a:lnSpc>
+              <a:buNone/>
+            </a:pPr>
+            <a:r>
+              <a:rPr lang="pt-BR" sz="1800" dirty="0">
+                <a:solidFill>
+                  <a:schemeClr val="accent3"/>
+                </a:solidFill>
+                <a:latin typeface="Consolas" panose="020B0609020204030204" pitchFamily="49" charset="0"/>
+              </a:rPr>
+              <a:t>- Execução de programas</a:t>
+            </a:r>
+            <a:br>
+              <a:rPr lang="pt-BR" sz="1800" dirty="0">
+                <a:solidFill>
+                  <a:schemeClr val="accent3"/>
+                </a:solidFill>
+                <a:latin typeface="Consolas" panose="020B0609020204030204" pitchFamily="49" charset="0"/>
+              </a:rPr>
+            </a:br>
+            <a:br>
+              <a:rPr lang="pt-BR" sz="1800" dirty="0">
+                <a:solidFill>
+                  <a:schemeClr val="accent3"/>
+                </a:solidFill>
+                <a:latin typeface="Consolas" panose="020B0609020204030204" pitchFamily="49" charset="0"/>
+              </a:rPr>
+            </a:br>
+            <a:r>
+              <a:rPr lang="pt-BR" sz="1800" dirty="0">
+                <a:solidFill>
+                  <a:schemeClr val="accent3"/>
+                </a:solidFill>
+                <a:latin typeface="Consolas" panose="020B0609020204030204" pitchFamily="49" charset="0"/>
+              </a:rPr>
+              <a:t>- Gerenciamento de arquivos</a:t>
+            </a:r>
+            <a:br>
+              <a:rPr lang="pt-BR" sz="1800" dirty="0">
+                <a:solidFill>
+                  <a:schemeClr val="accent3"/>
+                </a:solidFill>
+                <a:latin typeface="Consolas" panose="020B0609020204030204" pitchFamily="49" charset="0"/>
+              </a:rPr>
+            </a:br>
+            <a:br>
+              <a:rPr lang="pt-BR" sz="1800" dirty="0">
+                <a:solidFill>
+                  <a:schemeClr val="accent3"/>
+                </a:solidFill>
+                <a:latin typeface="Consolas" panose="020B0609020204030204" pitchFamily="49" charset="0"/>
+              </a:rPr>
+            </a:br>
+            <a:r>
+              <a:rPr lang="pt-BR" sz="1800" dirty="0">
+                <a:solidFill>
+                  <a:schemeClr val="accent3"/>
+                </a:solidFill>
+                <a:latin typeface="Consolas" panose="020B0609020204030204" pitchFamily="49" charset="0"/>
+              </a:rPr>
+              <a:t>- Comunicação com dispositivos externos</a:t>
+            </a:r>
+            <a:br>
+              <a:rPr lang="pt-BR" sz="1800" dirty="0">
+                <a:solidFill>
+                  <a:schemeClr val="accent3"/>
+                </a:solidFill>
+                <a:latin typeface="Consolas" panose="020B0609020204030204" pitchFamily="49" charset="0"/>
+              </a:rPr>
+            </a:br>
+            <a:br>
+              <a:rPr lang="pt-BR" sz="1800" dirty="0">
+                <a:solidFill>
+                  <a:schemeClr val="accent3"/>
+                </a:solidFill>
+                <a:latin typeface="Consolas" panose="020B0609020204030204" pitchFamily="49" charset="0"/>
+              </a:rPr>
+            </a:br>
+            <a:r>
+              <a:rPr lang="pt-BR" sz="1800" dirty="0">
+                <a:solidFill>
+                  <a:schemeClr val="accent3"/>
+                </a:solidFill>
+                <a:latin typeface="Consolas" panose="020B0609020204030204" pitchFamily="49" charset="0"/>
+              </a:rPr>
+              <a:t>- Controle de segurança e usuários</a:t>
+            </a:r>
+            <a:br>
+              <a:rPr lang="pt-BR" sz="1800" dirty="0">
+                <a:solidFill>
+                  <a:schemeClr val="accent3"/>
+                </a:solidFill>
+                <a:latin typeface="Consolas" panose="020B0609020204030204" pitchFamily="49" charset="0"/>
+              </a:rPr>
+            </a:br>
+            <a:br>
+              <a:rPr lang="pt-BR" sz="1800" dirty="0">
+                <a:solidFill>
+                  <a:schemeClr val="accent3"/>
+                </a:solidFill>
+                <a:latin typeface="Consolas" panose="020B0609020204030204" pitchFamily="49" charset="0"/>
+              </a:rPr>
+            </a:br>
+            <a:r>
+              <a:rPr lang="pt-BR" sz="1800" dirty="0">
+                <a:solidFill>
+                  <a:schemeClr val="accent3"/>
+                </a:solidFill>
+                <a:latin typeface="Consolas" panose="020B0609020204030204" pitchFamily="49" charset="0"/>
+              </a:rPr>
+              <a:t>- Conectividade com redes e internet</a:t>
+            </a:r>
+            <a:endParaRPr lang="pt-BR" sz="1800" b="0" dirty="0">
+              <a:solidFill>
+                <a:srgbClr val="ABB2BF"/>
+              </a:solidFill>
+              <a:effectLst/>
+              <a:latin typeface="Consolas" panose="020B0609020204030204" pitchFamily="49" charset="0"/>
+            </a:endParaRPr>
+          </a:p>
+        </p:txBody>
+      </p:sp>
+    </p:spTree>
+    <p:extLst>
+      <p:ext uri="{BB962C8B-B14F-4D97-AF65-F5344CB8AC3E}">
+        <p14:creationId xmlns:p14="http://schemas.microsoft.com/office/powerpoint/2010/main" val="3307560381"/>
+      </p:ext>
+    </p:extLst>
+  </p:cSld>
+  <p:clrMapOvr>
+    <a:masterClrMapping/>
+  </p:clrMapOvr>
+</p:sld>
+</file>
+
+<file path=ppt/slides/slide51.xml><?xml version="1.0" encoding="utf-8"?>
+<p:sld xmlns:a="http://schemas.openxmlformats.org/drawingml/2006/main" xmlns:r="http://schemas.openxmlformats.org/officeDocument/2006/relationships" xmlns:p="http://schemas.openxmlformats.org/presentationml/2006/main">
+  <p:cSld>
+    <p:spTree>
+      <p:nvGrpSpPr>
+        <p:cNvPr id="1" name="Shape 499">
+          <a:extLst>
+            <a:ext uri="{FF2B5EF4-FFF2-40B4-BE49-F238E27FC236}">
+              <a16:creationId xmlns:a16="http://schemas.microsoft.com/office/drawing/2014/main" id="{B8DF4F66-E49B-BE80-5CF8-109780B14C45}"/>
+            </a:ext>
+          </a:extLst>
+        </p:cNvPr>
+        <p:cNvGrpSpPr/>
+        <p:nvPr/>
+      </p:nvGrpSpPr>
+      <p:grpSpPr>
+        <a:xfrm>
+          <a:off x="0" y="0"/>
+          <a:ext cx="0" cy="0"/>
+          <a:chOff x="0" y="0"/>
+          <a:chExt cx="0" cy="0"/>
+        </a:xfrm>
+      </p:grpSpPr>
+      <p:sp>
+        <p:nvSpPr>
+          <p:cNvPr id="500" name="Google Shape;500;p30">
+            <a:extLst>
+              <a:ext uri="{FF2B5EF4-FFF2-40B4-BE49-F238E27FC236}">
+                <a16:creationId xmlns:a16="http://schemas.microsoft.com/office/drawing/2014/main" id="{FEF80699-B94E-E185-816A-94A8506BD801}"/>
+              </a:ext>
+            </a:extLst>
+          </p:cNvPr>
+          <p:cNvSpPr txBox="1">
+            <a:spLocks noGrp="1"/>
+          </p:cNvSpPr>
+          <p:nvPr>
+            <p:ph type="title"/>
+          </p:nvPr>
+        </p:nvSpPr>
+        <p:spPr>
+          <a:xfrm flipH="1">
+            <a:off x="1544363" y="801719"/>
+            <a:ext cx="7599634" cy="1104600"/>
+          </a:xfrm>
+          <a:prstGeom prst="rect">
+            <a:avLst/>
+          </a:prstGeom>
+        </p:spPr>
+        <p:txBody>
+          <a:bodyPr spcFirstLastPara="1" wrap="square" lIns="91425" tIns="91425" rIns="91425" bIns="91425" anchor="ctr" anchorCtr="0">
+            <a:noAutofit/>
+          </a:bodyPr>
+          <a:lstStyle/>
+          <a:p>
+            <a:pPr marL="0" lvl="0" indent="0" algn="l" rtl="0">
+              <a:spcBef>
+                <a:spcPts val="0"/>
+              </a:spcBef>
+              <a:spcAft>
+                <a:spcPts val="0"/>
+              </a:spcAft>
+              <a:buNone/>
+            </a:pPr>
+            <a:r>
+              <a:rPr lang="pt-BR" sz="5000" dirty="0"/>
+              <a:t>Componentes Básicos</a:t>
+            </a:r>
+            <a:endParaRPr lang="pt-BR" sz="5000" dirty="0">
+              <a:solidFill>
+                <a:schemeClr val="accent6"/>
+              </a:solidFill>
+            </a:endParaRPr>
+          </a:p>
+        </p:txBody>
+      </p:sp>
+      <p:sp>
+        <p:nvSpPr>
+          <p:cNvPr id="505" name="Google Shape;505;p30">
+            <a:extLst>
+              <a:ext uri="{FF2B5EF4-FFF2-40B4-BE49-F238E27FC236}">
+                <a16:creationId xmlns:a16="http://schemas.microsoft.com/office/drawing/2014/main" id="{63053D0E-11AE-2D50-670C-8F7D683E1D73}"/>
+              </a:ext>
+            </a:extLst>
+          </p:cNvPr>
+          <p:cNvSpPr txBox="1">
+            <a:spLocks noGrp="1"/>
+          </p:cNvSpPr>
+          <p:nvPr>
+            <p:ph type="subTitle" idx="4294967295"/>
+          </p:nvPr>
+        </p:nvSpPr>
+        <p:spPr>
+          <a:xfrm>
+            <a:off x="710125" y="4694725"/>
+            <a:ext cx="4865100" cy="357300"/>
+          </a:xfrm>
+          <a:prstGeom prst="rect">
+            <a:avLst/>
+          </a:prstGeom>
+        </p:spPr>
+        <p:txBody>
+          <a:bodyPr spcFirstLastPara="1" wrap="square" lIns="91425" tIns="91425" rIns="91425" bIns="91425" anchor="ctr" anchorCtr="0">
+            <a:noAutofit/>
+          </a:bodyPr>
+          <a:lstStyle/>
+          <a:p>
+            <a:pPr marL="0" lvl="0" indent="0" algn="l" rtl="0">
+              <a:spcBef>
+                <a:spcPts val="0"/>
+              </a:spcBef>
+              <a:spcAft>
+                <a:spcPts val="0"/>
+              </a:spcAft>
+              <a:buNone/>
+            </a:pPr>
+            <a:r>
+              <a:rPr lang="en" sz="1400">
+                <a:solidFill>
+                  <a:schemeClr val="accent3"/>
+                </a:solidFill>
+              </a:rPr>
+              <a:t>Programming Language</a:t>
+            </a:r>
+            <a:endParaRPr sz="1400">
+              <a:solidFill>
+                <a:schemeClr val="accent3"/>
+              </a:solidFill>
+            </a:endParaRPr>
+          </a:p>
+        </p:txBody>
+      </p:sp>
+      <p:sp>
+        <p:nvSpPr>
+          <p:cNvPr id="506" name="Google Shape;506;p30">
+            <a:extLst>
+              <a:ext uri="{FF2B5EF4-FFF2-40B4-BE49-F238E27FC236}">
+                <a16:creationId xmlns:a16="http://schemas.microsoft.com/office/drawing/2014/main" id="{425BA5FD-BB71-5F3C-AE26-E3CCBF9DE022}"/>
+              </a:ext>
+            </a:extLst>
+          </p:cNvPr>
+          <p:cNvSpPr txBox="1">
+            <a:spLocks noGrp="1"/>
+          </p:cNvSpPr>
+          <p:nvPr>
+            <p:ph type="subTitle" idx="4294967295"/>
+          </p:nvPr>
+        </p:nvSpPr>
+        <p:spPr>
+          <a:xfrm>
+            <a:off x="-5975" y="91525"/>
+            <a:ext cx="4572000" cy="357300"/>
+          </a:xfrm>
+          <a:prstGeom prst="rect">
+            <a:avLst/>
+          </a:prstGeom>
+        </p:spPr>
+        <p:txBody>
+          <a:bodyPr spcFirstLastPara="1" wrap="square" lIns="91425" tIns="91425" rIns="91425" bIns="91425" anchor="ctr" anchorCtr="0">
+            <a:noAutofit/>
+          </a:bodyPr>
+          <a:lstStyle/>
+          <a:p>
+            <a:pPr marL="0" lvl="0" indent="0" algn="ctr" rtl="0">
+              <a:spcBef>
+                <a:spcPts val="0"/>
+              </a:spcBef>
+              <a:spcAft>
+                <a:spcPts val="0"/>
+              </a:spcAft>
+              <a:buNone/>
+            </a:pPr>
+            <a:r>
+              <a:rPr lang="en" sz="1400">
+                <a:solidFill>
+                  <a:schemeClr val="accent3"/>
+                </a:solidFill>
+              </a:rPr>
+              <a:t>forbeginners.html</a:t>
+            </a:r>
+            <a:endParaRPr sz="1400">
+              <a:solidFill>
+                <a:schemeClr val="accent3"/>
+              </a:solidFill>
+            </a:endParaRPr>
+          </a:p>
+        </p:txBody>
+      </p:sp>
+      <p:sp>
+        <p:nvSpPr>
+          <p:cNvPr id="507" name="Google Shape;507;p30">
+            <a:extLst>
+              <a:ext uri="{FF2B5EF4-FFF2-40B4-BE49-F238E27FC236}">
+                <a16:creationId xmlns:a16="http://schemas.microsoft.com/office/drawing/2014/main" id="{25D85B07-27D0-48D6-62C8-0B16C9981C7A}"/>
+              </a:ext>
+            </a:extLst>
+          </p:cNvPr>
+          <p:cNvSpPr txBox="1">
+            <a:spLocks noGrp="1"/>
+          </p:cNvSpPr>
+          <p:nvPr>
+            <p:ph type="subTitle" idx="4294967295"/>
+          </p:nvPr>
+        </p:nvSpPr>
+        <p:spPr>
+          <a:xfrm>
+            <a:off x="4572000" y="91525"/>
+            <a:ext cx="4572000" cy="357300"/>
+          </a:xfrm>
+          <a:prstGeom prst="rect">
+            <a:avLst/>
+          </a:prstGeom>
+        </p:spPr>
+        <p:txBody>
+          <a:bodyPr spcFirstLastPara="1" wrap="square" lIns="91425" tIns="91425" rIns="91425" bIns="91425" anchor="ctr" anchorCtr="0">
+            <a:noAutofit/>
+          </a:bodyPr>
+          <a:lstStyle/>
+          <a:p>
+            <a:pPr marL="0" lvl="0" indent="0" algn="ctr" rtl="0">
+              <a:spcBef>
+                <a:spcPts val="0"/>
+              </a:spcBef>
+              <a:spcAft>
+                <a:spcPts val="0"/>
+              </a:spcAft>
+              <a:buNone/>
+            </a:pPr>
+            <a:r>
+              <a:rPr lang="en" sz="1400">
+                <a:solidFill>
+                  <a:schemeClr val="accent3"/>
+                </a:solidFill>
+              </a:rPr>
+              <a:t>workshop.css</a:t>
+            </a:r>
+            <a:endParaRPr sz="1400">
+              <a:solidFill>
+                <a:schemeClr val="accent3"/>
+              </a:solidFill>
+            </a:endParaRPr>
+          </a:p>
+        </p:txBody>
+      </p:sp>
+      <p:sp>
+        <p:nvSpPr>
+          <p:cNvPr id="5" name="Title 4">
+            <a:extLst>
+              <a:ext uri="{FF2B5EF4-FFF2-40B4-BE49-F238E27FC236}">
+                <a16:creationId xmlns:a16="http://schemas.microsoft.com/office/drawing/2014/main" id="{5FCAA6E4-019A-301F-D382-38A04D60B9EA}"/>
+              </a:ext>
+            </a:extLst>
+          </p:cNvPr>
+          <p:cNvSpPr>
+            <a:spLocks noGrp="1"/>
+          </p:cNvSpPr>
+          <p:nvPr>
+            <p:ph type="title" idx="2"/>
+          </p:nvPr>
+        </p:nvSpPr>
+        <p:spPr>
+          <a:xfrm>
+            <a:off x="1544364" y="2304025"/>
+            <a:ext cx="7599636" cy="2295684"/>
+          </a:xfrm>
+        </p:spPr>
+        <p:txBody>
+          <a:bodyPr/>
+          <a:lstStyle/>
+          <a:p>
+            <a:pPr>
+              <a:lnSpc>
+                <a:spcPts val="1425"/>
+              </a:lnSpc>
+              <a:buNone/>
+            </a:pPr>
+            <a:r>
+              <a:rPr lang="pt-BR" sz="1800" dirty="0">
+                <a:solidFill>
+                  <a:schemeClr val="accent3"/>
+                </a:solidFill>
+                <a:latin typeface="Consolas" panose="020B0609020204030204" pitchFamily="49" charset="0"/>
+              </a:rPr>
+              <a:t>- Kernel: Núcleo do SO (Linux, XNU no </a:t>
+            </a:r>
+            <a:r>
+              <a:rPr lang="pt-BR" sz="1800" dirty="0" err="1">
+                <a:solidFill>
+                  <a:schemeClr val="accent3"/>
+                </a:solidFill>
+                <a:latin typeface="Consolas" panose="020B0609020204030204" pitchFamily="49" charset="0"/>
+              </a:rPr>
+              <a:t>macOS</a:t>
+            </a:r>
+            <a:r>
+              <a:rPr lang="pt-BR" sz="1800" dirty="0">
+                <a:solidFill>
+                  <a:schemeClr val="accent3"/>
+                </a:solidFill>
+                <a:latin typeface="Consolas" panose="020B0609020204030204" pitchFamily="49" charset="0"/>
+              </a:rPr>
+              <a:t>/iOS)</a:t>
+            </a:r>
+            <a:br>
+              <a:rPr lang="pt-BR" sz="1800" dirty="0">
+                <a:solidFill>
+                  <a:schemeClr val="accent3"/>
+                </a:solidFill>
+                <a:latin typeface="Consolas" panose="020B0609020204030204" pitchFamily="49" charset="0"/>
+              </a:rPr>
+            </a:br>
+            <a:br>
+              <a:rPr lang="pt-BR" sz="1800" dirty="0">
+                <a:solidFill>
+                  <a:schemeClr val="accent3"/>
+                </a:solidFill>
+                <a:latin typeface="Consolas" panose="020B0609020204030204" pitchFamily="49" charset="0"/>
+              </a:rPr>
+            </a:br>
+            <a:r>
+              <a:rPr lang="pt-BR" sz="1800" dirty="0">
+                <a:solidFill>
+                  <a:schemeClr val="accent3"/>
+                </a:solidFill>
+                <a:latin typeface="Consolas" panose="020B0609020204030204" pitchFamily="49" charset="0"/>
+              </a:rPr>
+              <a:t>- Shell: Interface de comando (</a:t>
+            </a:r>
+            <a:r>
+              <a:rPr lang="pt-BR" sz="1800" dirty="0" err="1">
+                <a:solidFill>
+                  <a:schemeClr val="accent3"/>
+                </a:solidFill>
+                <a:latin typeface="Consolas" panose="020B0609020204030204" pitchFamily="49" charset="0"/>
+              </a:rPr>
+              <a:t>bash</a:t>
+            </a:r>
+            <a:r>
+              <a:rPr lang="pt-BR" sz="1800" dirty="0">
+                <a:solidFill>
+                  <a:schemeClr val="accent3"/>
+                </a:solidFill>
+                <a:latin typeface="Consolas" panose="020B0609020204030204" pitchFamily="49" charset="0"/>
+              </a:rPr>
+              <a:t>, </a:t>
+            </a:r>
+            <a:r>
+              <a:rPr lang="pt-BR" sz="1800" dirty="0" err="1">
+                <a:solidFill>
+                  <a:schemeClr val="accent3"/>
+                </a:solidFill>
+                <a:latin typeface="Consolas" panose="020B0609020204030204" pitchFamily="49" charset="0"/>
+              </a:rPr>
+              <a:t>PowerShell</a:t>
+            </a:r>
+            <a:r>
+              <a:rPr lang="pt-BR" sz="1800" dirty="0">
+                <a:solidFill>
+                  <a:schemeClr val="accent3"/>
+                </a:solidFill>
+                <a:latin typeface="Consolas" panose="020B0609020204030204" pitchFamily="49" charset="0"/>
+              </a:rPr>
+              <a:t>)</a:t>
+            </a:r>
+            <a:br>
+              <a:rPr lang="pt-BR" sz="1800" dirty="0">
+                <a:solidFill>
+                  <a:schemeClr val="accent3"/>
+                </a:solidFill>
+                <a:latin typeface="Consolas" panose="020B0609020204030204" pitchFamily="49" charset="0"/>
+              </a:rPr>
+            </a:br>
+            <a:br>
+              <a:rPr lang="pt-BR" sz="1800" dirty="0">
+                <a:solidFill>
+                  <a:schemeClr val="accent3"/>
+                </a:solidFill>
+                <a:latin typeface="Consolas" panose="020B0609020204030204" pitchFamily="49" charset="0"/>
+              </a:rPr>
+            </a:br>
+            <a:r>
+              <a:rPr lang="pt-BR" sz="1800" dirty="0">
+                <a:solidFill>
+                  <a:schemeClr val="accent3"/>
+                </a:solidFill>
+                <a:latin typeface="Consolas" panose="020B0609020204030204" pitchFamily="49" charset="0"/>
+              </a:rPr>
+              <a:t>- Interface Gráfica: Ambientes como GNOME, KDE, GUI do Windows</a:t>
+            </a:r>
+            <a:endParaRPr lang="pt-BR" sz="1800" b="0" dirty="0">
+              <a:solidFill>
+                <a:srgbClr val="ABB2BF"/>
+              </a:solidFill>
+              <a:effectLst/>
+              <a:latin typeface="Consolas" panose="020B0609020204030204" pitchFamily="49" charset="0"/>
+            </a:endParaRPr>
+          </a:p>
+        </p:txBody>
+      </p:sp>
+    </p:spTree>
+    <p:extLst>
+      <p:ext uri="{BB962C8B-B14F-4D97-AF65-F5344CB8AC3E}">
+        <p14:creationId xmlns:p14="http://schemas.microsoft.com/office/powerpoint/2010/main" val="3215344211"/>
+      </p:ext>
+    </p:extLst>
+  </p:cSld>
+  <p:clrMapOvr>
+    <a:masterClrMapping/>
+  </p:clrMapOvr>
+</p:sld>
+</file>
+
+<file path=ppt/slides/slide52.xml><?xml version="1.0" encoding="utf-8"?>
+<p:sld xmlns:a="http://schemas.openxmlformats.org/drawingml/2006/main" xmlns:r="http://schemas.openxmlformats.org/officeDocument/2006/relationships" xmlns:p="http://schemas.openxmlformats.org/presentationml/2006/main">
+  <p:cSld>
+    <p:spTree>
+      <p:nvGrpSpPr>
+        <p:cNvPr id="1" name="Shape 499">
+          <a:extLst>
+            <a:ext uri="{FF2B5EF4-FFF2-40B4-BE49-F238E27FC236}">
+              <a16:creationId xmlns:a16="http://schemas.microsoft.com/office/drawing/2014/main" id="{6FDD340C-D765-F7AA-F580-12EA86DA443A}"/>
+            </a:ext>
+          </a:extLst>
+        </p:cNvPr>
+        <p:cNvGrpSpPr/>
+        <p:nvPr/>
+      </p:nvGrpSpPr>
+      <p:grpSpPr>
+        <a:xfrm>
+          <a:off x="0" y="0"/>
+          <a:ext cx="0" cy="0"/>
+          <a:chOff x="0" y="0"/>
+          <a:chExt cx="0" cy="0"/>
+        </a:xfrm>
+      </p:grpSpPr>
+      <p:sp>
+        <p:nvSpPr>
+          <p:cNvPr id="500" name="Google Shape;500;p30">
+            <a:extLst>
+              <a:ext uri="{FF2B5EF4-FFF2-40B4-BE49-F238E27FC236}">
+                <a16:creationId xmlns:a16="http://schemas.microsoft.com/office/drawing/2014/main" id="{A6D7F030-026E-6BE2-831B-335FD287133E}"/>
+              </a:ext>
+            </a:extLst>
+          </p:cNvPr>
+          <p:cNvSpPr txBox="1">
+            <a:spLocks noGrp="1"/>
+          </p:cNvSpPr>
+          <p:nvPr>
+            <p:ph type="title"/>
+          </p:nvPr>
+        </p:nvSpPr>
+        <p:spPr>
+          <a:xfrm flipH="1">
+            <a:off x="1544363" y="801719"/>
+            <a:ext cx="7599634" cy="1104600"/>
+          </a:xfrm>
+          <a:prstGeom prst="rect">
+            <a:avLst/>
+          </a:prstGeom>
+        </p:spPr>
+        <p:txBody>
+          <a:bodyPr spcFirstLastPara="1" wrap="square" lIns="91425" tIns="91425" rIns="91425" bIns="91425" anchor="ctr" anchorCtr="0">
+            <a:noAutofit/>
+          </a:bodyPr>
+          <a:lstStyle/>
+          <a:p>
+            <a:pPr marL="0" lvl="0" indent="0" algn="l" rtl="0">
+              <a:spcBef>
+                <a:spcPts val="0"/>
+              </a:spcBef>
+              <a:spcAft>
+                <a:spcPts val="0"/>
+              </a:spcAft>
+              <a:buNone/>
+            </a:pPr>
+            <a:r>
+              <a:rPr lang="pt-BR" sz="5000" dirty="0" err="1"/>
+              <a:t>Línguagens</a:t>
+            </a:r>
+            <a:r>
+              <a:rPr lang="pt-BR" sz="5000" dirty="0"/>
+              <a:t> Utilizadas</a:t>
+            </a:r>
+            <a:endParaRPr lang="pt-BR" sz="5000" dirty="0">
+              <a:solidFill>
+                <a:schemeClr val="accent6"/>
+              </a:solidFill>
+            </a:endParaRPr>
+          </a:p>
+        </p:txBody>
+      </p:sp>
+      <p:sp>
+        <p:nvSpPr>
+          <p:cNvPr id="505" name="Google Shape;505;p30">
+            <a:extLst>
+              <a:ext uri="{FF2B5EF4-FFF2-40B4-BE49-F238E27FC236}">
+                <a16:creationId xmlns:a16="http://schemas.microsoft.com/office/drawing/2014/main" id="{C240BA4E-5FC3-4C78-1CA8-FA5BD3C292DE}"/>
+              </a:ext>
+            </a:extLst>
+          </p:cNvPr>
+          <p:cNvSpPr txBox="1">
+            <a:spLocks noGrp="1"/>
+          </p:cNvSpPr>
+          <p:nvPr>
+            <p:ph type="subTitle" idx="4294967295"/>
+          </p:nvPr>
+        </p:nvSpPr>
+        <p:spPr>
+          <a:xfrm>
+            <a:off x="710125" y="4694725"/>
+            <a:ext cx="4865100" cy="357300"/>
+          </a:xfrm>
+          <a:prstGeom prst="rect">
+            <a:avLst/>
+          </a:prstGeom>
+        </p:spPr>
+        <p:txBody>
+          <a:bodyPr spcFirstLastPara="1" wrap="square" lIns="91425" tIns="91425" rIns="91425" bIns="91425" anchor="ctr" anchorCtr="0">
+            <a:noAutofit/>
+          </a:bodyPr>
+          <a:lstStyle/>
+          <a:p>
+            <a:pPr marL="0" lvl="0" indent="0" algn="l" rtl="0">
+              <a:spcBef>
+                <a:spcPts val="0"/>
+              </a:spcBef>
+              <a:spcAft>
+                <a:spcPts val="0"/>
+              </a:spcAft>
+              <a:buNone/>
+            </a:pPr>
+            <a:r>
+              <a:rPr lang="en" sz="1400">
+                <a:solidFill>
+                  <a:schemeClr val="accent3"/>
+                </a:solidFill>
+              </a:rPr>
+              <a:t>Programming Language</a:t>
+            </a:r>
+            <a:endParaRPr sz="1400">
+              <a:solidFill>
+                <a:schemeClr val="accent3"/>
+              </a:solidFill>
+            </a:endParaRPr>
+          </a:p>
+        </p:txBody>
+      </p:sp>
+      <p:sp>
+        <p:nvSpPr>
+          <p:cNvPr id="506" name="Google Shape;506;p30">
+            <a:extLst>
+              <a:ext uri="{FF2B5EF4-FFF2-40B4-BE49-F238E27FC236}">
+                <a16:creationId xmlns:a16="http://schemas.microsoft.com/office/drawing/2014/main" id="{817EB049-5E17-BBE3-BFBC-5F5F2367A6FD}"/>
+              </a:ext>
+            </a:extLst>
+          </p:cNvPr>
+          <p:cNvSpPr txBox="1">
+            <a:spLocks noGrp="1"/>
+          </p:cNvSpPr>
+          <p:nvPr>
+            <p:ph type="subTitle" idx="4294967295"/>
+          </p:nvPr>
+        </p:nvSpPr>
+        <p:spPr>
+          <a:xfrm>
+            <a:off x="-5975" y="91525"/>
+            <a:ext cx="4572000" cy="357300"/>
+          </a:xfrm>
+          <a:prstGeom prst="rect">
+            <a:avLst/>
+          </a:prstGeom>
+        </p:spPr>
+        <p:txBody>
+          <a:bodyPr spcFirstLastPara="1" wrap="square" lIns="91425" tIns="91425" rIns="91425" bIns="91425" anchor="ctr" anchorCtr="0">
+            <a:noAutofit/>
+          </a:bodyPr>
+          <a:lstStyle/>
+          <a:p>
+            <a:pPr marL="0" lvl="0" indent="0" algn="ctr" rtl="0">
+              <a:spcBef>
+                <a:spcPts val="0"/>
+              </a:spcBef>
+              <a:spcAft>
+                <a:spcPts val="0"/>
+              </a:spcAft>
+              <a:buNone/>
+            </a:pPr>
+            <a:r>
+              <a:rPr lang="en" sz="1400">
+                <a:solidFill>
+                  <a:schemeClr val="accent3"/>
+                </a:solidFill>
+              </a:rPr>
+              <a:t>forbeginners.html</a:t>
+            </a:r>
+            <a:endParaRPr sz="1400">
+              <a:solidFill>
+                <a:schemeClr val="accent3"/>
+              </a:solidFill>
+            </a:endParaRPr>
+          </a:p>
+        </p:txBody>
+      </p:sp>
+      <p:sp>
+        <p:nvSpPr>
+          <p:cNvPr id="507" name="Google Shape;507;p30">
+            <a:extLst>
+              <a:ext uri="{FF2B5EF4-FFF2-40B4-BE49-F238E27FC236}">
+                <a16:creationId xmlns:a16="http://schemas.microsoft.com/office/drawing/2014/main" id="{F352F32E-84D0-A2FF-1E5D-3B83BD9B0720}"/>
+              </a:ext>
+            </a:extLst>
+          </p:cNvPr>
+          <p:cNvSpPr txBox="1">
+            <a:spLocks noGrp="1"/>
+          </p:cNvSpPr>
+          <p:nvPr>
+            <p:ph type="subTitle" idx="4294967295"/>
+          </p:nvPr>
+        </p:nvSpPr>
+        <p:spPr>
+          <a:xfrm>
+            <a:off x="4572000" y="91525"/>
+            <a:ext cx="4572000" cy="357300"/>
+          </a:xfrm>
+          <a:prstGeom prst="rect">
+            <a:avLst/>
+          </a:prstGeom>
+        </p:spPr>
+        <p:txBody>
+          <a:bodyPr spcFirstLastPara="1" wrap="square" lIns="91425" tIns="91425" rIns="91425" bIns="91425" anchor="ctr" anchorCtr="0">
+            <a:noAutofit/>
+          </a:bodyPr>
+          <a:lstStyle/>
+          <a:p>
+            <a:pPr marL="0" lvl="0" indent="0" algn="ctr" rtl="0">
+              <a:spcBef>
+                <a:spcPts val="0"/>
+              </a:spcBef>
+              <a:spcAft>
+                <a:spcPts val="0"/>
+              </a:spcAft>
+              <a:buNone/>
+            </a:pPr>
+            <a:r>
+              <a:rPr lang="en" sz="1400">
+                <a:solidFill>
+                  <a:schemeClr val="accent3"/>
+                </a:solidFill>
+              </a:rPr>
+              <a:t>workshop.css</a:t>
+            </a:r>
+            <a:endParaRPr sz="1400">
+              <a:solidFill>
+                <a:schemeClr val="accent3"/>
+              </a:solidFill>
+            </a:endParaRPr>
+          </a:p>
+        </p:txBody>
+      </p:sp>
+      <p:sp>
+        <p:nvSpPr>
+          <p:cNvPr id="5" name="Title 4">
+            <a:extLst>
+              <a:ext uri="{FF2B5EF4-FFF2-40B4-BE49-F238E27FC236}">
+                <a16:creationId xmlns:a16="http://schemas.microsoft.com/office/drawing/2014/main" id="{A0274047-C320-85AB-EFF0-F5D638E095E2}"/>
+              </a:ext>
+            </a:extLst>
+          </p:cNvPr>
+          <p:cNvSpPr>
+            <a:spLocks noGrp="1"/>
+          </p:cNvSpPr>
+          <p:nvPr>
+            <p:ph type="title" idx="2"/>
+          </p:nvPr>
+        </p:nvSpPr>
+        <p:spPr>
+          <a:xfrm>
+            <a:off x="1544364" y="2304025"/>
+            <a:ext cx="7599636" cy="2295684"/>
+          </a:xfrm>
+        </p:spPr>
+        <p:txBody>
+          <a:bodyPr/>
+          <a:lstStyle/>
+          <a:p>
+            <a:pPr>
+              <a:lnSpc>
+                <a:spcPts val="1425"/>
+              </a:lnSpc>
+              <a:buNone/>
+            </a:pPr>
+            <a:r>
+              <a:rPr lang="pt-BR" sz="1800" dirty="0">
+                <a:solidFill>
+                  <a:schemeClr val="accent3"/>
+                </a:solidFill>
+                <a:latin typeface="Consolas" panose="020B0609020204030204" pitchFamily="49" charset="0"/>
+              </a:rPr>
+              <a:t>- C / C++: Usados no kernel e partes do sistema (Linux, Windows, Android)</a:t>
+            </a:r>
+            <a:br>
+              <a:rPr lang="pt-BR" sz="1800" dirty="0">
+                <a:solidFill>
+                  <a:schemeClr val="accent3"/>
+                </a:solidFill>
+                <a:latin typeface="Consolas" panose="020B0609020204030204" pitchFamily="49" charset="0"/>
+              </a:rPr>
+            </a:br>
+            <a:br>
+              <a:rPr lang="pt-BR" sz="1800" dirty="0">
+                <a:solidFill>
+                  <a:schemeClr val="accent3"/>
+                </a:solidFill>
+                <a:latin typeface="Consolas" panose="020B0609020204030204" pitchFamily="49" charset="0"/>
+              </a:rPr>
+            </a:br>
+            <a:r>
+              <a:rPr lang="pt-BR" sz="1800" dirty="0">
+                <a:solidFill>
+                  <a:schemeClr val="accent3"/>
+                </a:solidFill>
+                <a:latin typeface="Consolas" panose="020B0609020204030204" pitchFamily="49" charset="0"/>
+              </a:rPr>
+              <a:t>- </a:t>
+            </a:r>
+            <a:r>
+              <a:rPr lang="pt-BR" sz="1800" dirty="0" err="1">
+                <a:solidFill>
+                  <a:schemeClr val="accent3"/>
+                </a:solidFill>
+                <a:latin typeface="Consolas" panose="020B0609020204030204" pitchFamily="49" charset="0"/>
+              </a:rPr>
+              <a:t>Objective</a:t>
+            </a:r>
+            <a:r>
+              <a:rPr lang="pt-BR" sz="1800" dirty="0">
+                <a:solidFill>
+                  <a:schemeClr val="accent3"/>
+                </a:solidFill>
+                <a:latin typeface="Consolas" panose="020B0609020204030204" pitchFamily="49" charset="0"/>
+              </a:rPr>
+              <a:t>-C / Swift: iOS/</a:t>
+            </a:r>
+            <a:r>
+              <a:rPr lang="pt-BR" sz="1800" dirty="0" err="1">
+                <a:solidFill>
+                  <a:schemeClr val="accent3"/>
+                </a:solidFill>
+                <a:latin typeface="Consolas" panose="020B0609020204030204" pitchFamily="49" charset="0"/>
+              </a:rPr>
+              <a:t>macOS</a:t>
+            </a:r>
+            <a:r>
+              <a:rPr lang="pt-BR" sz="1800" dirty="0">
+                <a:solidFill>
+                  <a:schemeClr val="accent3"/>
+                </a:solidFill>
+                <a:latin typeface="Consolas" panose="020B0609020204030204" pitchFamily="49" charset="0"/>
+              </a:rPr>
+              <a:t> apps</a:t>
+            </a:r>
+            <a:br>
+              <a:rPr lang="pt-BR" sz="1800" dirty="0">
+                <a:solidFill>
+                  <a:schemeClr val="accent3"/>
+                </a:solidFill>
+                <a:latin typeface="Consolas" panose="020B0609020204030204" pitchFamily="49" charset="0"/>
+              </a:rPr>
+            </a:br>
+            <a:br>
+              <a:rPr lang="pt-BR" sz="1800" dirty="0">
+                <a:solidFill>
+                  <a:schemeClr val="accent3"/>
+                </a:solidFill>
+                <a:latin typeface="Consolas" panose="020B0609020204030204" pitchFamily="49" charset="0"/>
+              </a:rPr>
+            </a:br>
+            <a:r>
+              <a:rPr lang="pt-BR" sz="1800" dirty="0">
+                <a:solidFill>
+                  <a:schemeClr val="accent3"/>
+                </a:solidFill>
+                <a:latin typeface="Consolas" panose="020B0609020204030204" pitchFamily="49" charset="0"/>
+              </a:rPr>
+              <a:t>- Java / </a:t>
+            </a:r>
+            <a:r>
+              <a:rPr lang="pt-BR" sz="1800" dirty="0" err="1">
+                <a:solidFill>
+                  <a:schemeClr val="accent3"/>
+                </a:solidFill>
+                <a:latin typeface="Consolas" panose="020B0609020204030204" pitchFamily="49" charset="0"/>
+              </a:rPr>
+              <a:t>Kotlin</a:t>
+            </a:r>
+            <a:r>
+              <a:rPr lang="pt-BR" sz="1800" dirty="0">
+                <a:solidFill>
+                  <a:schemeClr val="accent3"/>
+                </a:solidFill>
+                <a:latin typeface="Consolas" panose="020B0609020204030204" pitchFamily="49" charset="0"/>
+              </a:rPr>
+              <a:t>: Apps Android</a:t>
+            </a:r>
+            <a:br>
+              <a:rPr lang="pt-BR" sz="1800" dirty="0">
+                <a:solidFill>
+                  <a:schemeClr val="accent3"/>
+                </a:solidFill>
+                <a:latin typeface="Consolas" panose="020B0609020204030204" pitchFamily="49" charset="0"/>
+              </a:rPr>
+            </a:br>
+            <a:br>
+              <a:rPr lang="pt-BR" sz="1800" dirty="0">
+                <a:solidFill>
+                  <a:schemeClr val="accent3"/>
+                </a:solidFill>
+                <a:latin typeface="Consolas" panose="020B0609020204030204" pitchFamily="49" charset="0"/>
+              </a:rPr>
+            </a:br>
+            <a:r>
+              <a:rPr lang="pt-BR" sz="1800" dirty="0">
+                <a:solidFill>
+                  <a:schemeClr val="accent3"/>
+                </a:solidFill>
+                <a:latin typeface="Consolas" panose="020B0609020204030204" pitchFamily="49" charset="0"/>
+              </a:rPr>
+              <a:t>- Python / Shell Script: Automatizações, scripts do sistema</a:t>
+            </a:r>
+            <a:br>
+              <a:rPr lang="pt-BR" sz="1800" dirty="0">
+                <a:solidFill>
+                  <a:schemeClr val="accent3"/>
+                </a:solidFill>
+                <a:latin typeface="Consolas" panose="020B0609020204030204" pitchFamily="49" charset="0"/>
+              </a:rPr>
+            </a:br>
+            <a:br>
+              <a:rPr lang="pt-BR" sz="1800" dirty="0">
+                <a:solidFill>
+                  <a:schemeClr val="accent3"/>
+                </a:solidFill>
+                <a:latin typeface="Consolas" panose="020B0609020204030204" pitchFamily="49" charset="0"/>
+              </a:rPr>
+            </a:br>
+            <a:r>
+              <a:rPr lang="pt-BR" sz="1800" dirty="0">
+                <a:solidFill>
+                  <a:schemeClr val="accent3"/>
+                </a:solidFill>
+                <a:latin typeface="Consolas" panose="020B0609020204030204" pitchFamily="49" charset="0"/>
+              </a:rPr>
+              <a:t>- Assembly: Código de baixo nível, drivers</a:t>
+            </a:r>
+            <a:endParaRPr lang="pt-BR" sz="1800" b="0" dirty="0">
+              <a:solidFill>
+                <a:srgbClr val="ABB2BF"/>
+              </a:solidFill>
+              <a:effectLst/>
+              <a:latin typeface="Consolas" panose="020B0609020204030204" pitchFamily="49" charset="0"/>
+            </a:endParaRPr>
+          </a:p>
+        </p:txBody>
+      </p:sp>
+    </p:spTree>
+    <p:extLst>
+      <p:ext uri="{BB962C8B-B14F-4D97-AF65-F5344CB8AC3E}">
+        <p14:creationId xmlns:p14="http://schemas.microsoft.com/office/powerpoint/2010/main" val="639849549"/>
+      </p:ext>
+    </p:extLst>
+  </p:cSld>
+  <p:clrMapOvr>
+    <a:masterClrMapping/>
+  </p:clrMapOvr>
+</p:sld>
+</file>
+
+<file path=ppt/slides/slide53.xml><?xml version="1.0" encoding="utf-8"?>
+<p:sld xmlns:a="http://schemas.openxmlformats.org/drawingml/2006/main" xmlns:r="http://schemas.openxmlformats.org/officeDocument/2006/relationships" xmlns:p="http://schemas.openxmlformats.org/presentationml/2006/main">
+  <p:cSld>
+    <p:spTree>
+      <p:nvGrpSpPr>
+        <p:cNvPr id="1" name="Shape 499">
+          <a:extLst>
+            <a:ext uri="{FF2B5EF4-FFF2-40B4-BE49-F238E27FC236}">
+              <a16:creationId xmlns:a16="http://schemas.microsoft.com/office/drawing/2014/main" id="{C5B6F6FA-8E7A-4663-FBF0-B63F31063B99}"/>
+            </a:ext>
+          </a:extLst>
+        </p:cNvPr>
+        <p:cNvGrpSpPr/>
+        <p:nvPr/>
+      </p:nvGrpSpPr>
+      <p:grpSpPr>
+        <a:xfrm>
+          <a:off x="0" y="0"/>
+          <a:ext cx="0" cy="0"/>
+          <a:chOff x="0" y="0"/>
+          <a:chExt cx="0" cy="0"/>
+        </a:xfrm>
+      </p:grpSpPr>
+      <p:sp>
+        <p:nvSpPr>
+          <p:cNvPr id="500" name="Google Shape;500;p30">
+            <a:extLst>
+              <a:ext uri="{FF2B5EF4-FFF2-40B4-BE49-F238E27FC236}">
+                <a16:creationId xmlns:a16="http://schemas.microsoft.com/office/drawing/2014/main" id="{C2C82854-B83B-C92F-0C9E-2345ECF66088}"/>
+              </a:ext>
+            </a:extLst>
+          </p:cNvPr>
+          <p:cNvSpPr txBox="1">
+            <a:spLocks noGrp="1"/>
+          </p:cNvSpPr>
+          <p:nvPr>
+            <p:ph type="title"/>
+          </p:nvPr>
+        </p:nvSpPr>
+        <p:spPr>
+          <a:xfrm flipH="1">
+            <a:off x="1544363" y="801719"/>
+            <a:ext cx="7599634" cy="1104600"/>
+          </a:xfrm>
+          <a:prstGeom prst="rect">
+            <a:avLst/>
+          </a:prstGeom>
+        </p:spPr>
+        <p:txBody>
+          <a:bodyPr spcFirstLastPara="1" wrap="square" lIns="91425" tIns="91425" rIns="91425" bIns="91425" anchor="ctr" anchorCtr="0">
+            <a:noAutofit/>
+          </a:bodyPr>
+          <a:lstStyle/>
+          <a:p>
+            <a:pPr marL="0" lvl="0" indent="0" algn="l" rtl="0">
+              <a:spcBef>
+                <a:spcPts val="0"/>
+              </a:spcBef>
+              <a:spcAft>
+                <a:spcPts val="0"/>
+              </a:spcAft>
+              <a:buNone/>
+            </a:pPr>
+            <a:r>
+              <a:rPr lang="pt-BR" sz="5000" dirty="0"/>
+              <a:t>Atividade</a:t>
+            </a:r>
+            <a:endParaRPr lang="pt-BR" sz="5000" dirty="0">
+              <a:solidFill>
+                <a:schemeClr val="accent6"/>
+              </a:solidFill>
+            </a:endParaRPr>
+          </a:p>
+        </p:txBody>
+      </p:sp>
+      <p:sp>
+        <p:nvSpPr>
+          <p:cNvPr id="505" name="Google Shape;505;p30">
+            <a:extLst>
+              <a:ext uri="{FF2B5EF4-FFF2-40B4-BE49-F238E27FC236}">
+                <a16:creationId xmlns:a16="http://schemas.microsoft.com/office/drawing/2014/main" id="{66E3F8D1-A826-272F-8F81-ADF660FA7216}"/>
+              </a:ext>
+            </a:extLst>
+          </p:cNvPr>
+          <p:cNvSpPr txBox="1">
+            <a:spLocks noGrp="1"/>
+          </p:cNvSpPr>
+          <p:nvPr>
+            <p:ph type="subTitle" idx="4294967295"/>
+          </p:nvPr>
+        </p:nvSpPr>
+        <p:spPr>
+          <a:xfrm>
+            <a:off x="710125" y="4694725"/>
+            <a:ext cx="4865100" cy="357300"/>
+          </a:xfrm>
+          <a:prstGeom prst="rect">
+            <a:avLst/>
+          </a:prstGeom>
+        </p:spPr>
+        <p:txBody>
+          <a:bodyPr spcFirstLastPara="1" wrap="square" lIns="91425" tIns="91425" rIns="91425" bIns="91425" anchor="ctr" anchorCtr="0">
+            <a:noAutofit/>
+          </a:bodyPr>
+          <a:lstStyle/>
+          <a:p>
+            <a:pPr marL="0" lvl="0" indent="0" algn="l" rtl="0">
+              <a:spcBef>
+                <a:spcPts val="0"/>
+              </a:spcBef>
+              <a:spcAft>
+                <a:spcPts val="0"/>
+              </a:spcAft>
+              <a:buNone/>
+            </a:pPr>
+            <a:r>
+              <a:rPr lang="en" sz="1400">
+                <a:solidFill>
+                  <a:schemeClr val="accent3"/>
+                </a:solidFill>
+              </a:rPr>
+              <a:t>Programming Language</a:t>
+            </a:r>
+            <a:endParaRPr sz="1400">
+              <a:solidFill>
+                <a:schemeClr val="accent3"/>
+              </a:solidFill>
+            </a:endParaRPr>
+          </a:p>
+        </p:txBody>
+      </p:sp>
+      <p:sp>
+        <p:nvSpPr>
+          <p:cNvPr id="506" name="Google Shape;506;p30">
+            <a:extLst>
+              <a:ext uri="{FF2B5EF4-FFF2-40B4-BE49-F238E27FC236}">
+                <a16:creationId xmlns:a16="http://schemas.microsoft.com/office/drawing/2014/main" id="{9937B728-CEDE-CAAB-C59D-232E098D1E2E}"/>
+              </a:ext>
+            </a:extLst>
+          </p:cNvPr>
+          <p:cNvSpPr txBox="1">
+            <a:spLocks noGrp="1"/>
+          </p:cNvSpPr>
+          <p:nvPr>
+            <p:ph type="subTitle" idx="4294967295"/>
+          </p:nvPr>
+        </p:nvSpPr>
+        <p:spPr>
+          <a:xfrm>
+            <a:off x="-5975" y="91525"/>
+            <a:ext cx="4572000" cy="357300"/>
+          </a:xfrm>
+          <a:prstGeom prst="rect">
+            <a:avLst/>
+          </a:prstGeom>
+        </p:spPr>
+        <p:txBody>
+          <a:bodyPr spcFirstLastPara="1" wrap="square" lIns="91425" tIns="91425" rIns="91425" bIns="91425" anchor="ctr" anchorCtr="0">
+            <a:noAutofit/>
+          </a:bodyPr>
+          <a:lstStyle/>
+          <a:p>
+            <a:pPr marL="0" lvl="0" indent="0" algn="ctr" rtl="0">
+              <a:spcBef>
+                <a:spcPts val="0"/>
+              </a:spcBef>
+              <a:spcAft>
+                <a:spcPts val="0"/>
+              </a:spcAft>
+              <a:buNone/>
+            </a:pPr>
+            <a:r>
+              <a:rPr lang="en" sz="1400">
+                <a:solidFill>
+                  <a:schemeClr val="accent3"/>
+                </a:solidFill>
+              </a:rPr>
+              <a:t>forbeginners.html</a:t>
+            </a:r>
+            <a:endParaRPr sz="1400">
+              <a:solidFill>
+                <a:schemeClr val="accent3"/>
+              </a:solidFill>
+            </a:endParaRPr>
+          </a:p>
+        </p:txBody>
+      </p:sp>
+      <p:sp>
+        <p:nvSpPr>
+          <p:cNvPr id="507" name="Google Shape;507;p30">
+            <a:extLst>
+              <a:ext uri="{FF2B5EF4-FFF2-40B4-BE49-F238E27FC236}">
+                <a16:creationId xmlns:a16="http://schemas.microsoft.com/office/drawing/2014/main" id="{82DD0179-C651-DBB7-4093-2D79F0844CFD}"/>
+              </a:ext>
+            </a:extLst>
+          </p:cNvPr>
+          <p:cNvSpPr txBox="1">
+            <a:spLocks noGrp="1"/>
+          </p:cNvSpPr>
+          <p:nvPr>
+            <p:ph type="subTitle" idx="4294967295"/>
+          </p:nvPr>
+        </p:nvSpPr>
+        <p:spPr>
+          <a:xfrm>
+            <a:off x="4572000" y="91525"/>
+            <a:ext cx="4572000" cy="357300"/>
+          </a:xfrm>
+          <a:prstGeom prst="rect">
+            <a:avLst/>
+          </a:prstGeom>
+        </p:spPr>
+        <p:txBody>
+          <a:bodyPr spcFirstLastPara="1" wrap="square" lIns="91425" tIns="91425" rIns="91425" bIns="91425" anchor="ctr" anchorCtr="0">
+            <a:noAutofit/>
+          </a:bodyPr>
+          <a:lstStyle/>
+          <a:p>
+            <a:pPr marL="0" lvl="0" indent="0" algn="ctr" rtl="0">
+              <a:spcBef>
+                <a:spcPts val="0"/>
+              </a:spcBef>
+              <a:spcAft>
+                <a:spcPts val="0"/>
+              </a:spcAft>
+              <a:buNone/>
+            </a:pPr>
+            <a:r>
+              <a:rPr lang="en" sz="1400">
+                <a:solidFill>
+                  <a:schemeClr val="accent3"/>
+                </a:solidFill>
+              </a:rPr>
+              <a:t>workshop.css</a:t>
+            </a:r>
+            <a:endParaRPr sz="1400">
+              <a:solidFill>
+                <a:schemeClr val="accent3"/>
+              </a:solidFill>
+            </a:endParaRPr>
+          </a:p>
+        </p:txBody>
+      </p:sp>
+      <p:sp>
+        <p:nvSpPr>
+          <p:cNvPr id="5" name="Title 4">
+            <a:extLst>
+              <a:ext uri="{FF2B5EF4-FFF2-40B4-BE49-F238E27FC236}">
+                <a16:creationId xmlns:a16="http://schemas.microsoft.com/office/drawing/2014/main" id="{5ECA20BF-AB4E-CAE5-9736-F6F08C570D8E}"/>
+              </a:ext>
+            </a:extLst>
+          </p:cNvPr>
+          <p:cNvSpPr>
+            <a:spLocks noGrp="1"/>
+          </p:cNvSpPr>
+          <p:nvPr>
+            <p:ph type="title" idx="2"/>
+          </p:nvPr>
+        </p:nvSpPr>
+        <p:spPr>
+          <a:xfrm>
+            <a:off x="1544364" y="2304025"/>
+            <a:ext cx="7599636" cy="2295684"/>
+          </a:xfrm>
+        </p:spPr>
+        <p:txBody>
+          <a:bodyPr/>
+          <a:lstStyle/>
+          <a:p>
+            <a:pPr>
+              <a:lnSpc>
+                <a:spcPts val="1425"/>
+              </a:lnSpc>
+            </a:pPr>
+            <a:r>
+              <a:rPr lang="pt-BR" sz="1800" dirty="0">
+                <a:solidFill>
+                  <a:schemeClr val="accent3"/>
+                </a:solidFill>
+                <a:latin typeface="Consolas" panose="020B0609020204030204" pitchFamily="49" charset="0"/>
+              </a:rPr>
+              <a:t>Grupo </a:t>
+            </a:r>
+            <a:r>
+              <a:rPr lang="pt-BR" sz="1800" dirty="0" err="1">
+                <a:solidFill>
+                  <a:schemeClr val="accent3"/>
+                </a:solidFill>
+                <a:latin typeface="Consolas" panose="020B0609020204030204" pitchFamily="49" charset="0"/>
+              </a:rPr>
+              <a:t>Máx</a:t>
+            </a:r>
+            <a:r>
+              <a:rPr lang="pt-BR" sz="1800" dirty="0">
+                <a:solidFill>
+                  <a:schemeClr val="accent3"/>
+                </a:solidFill>
+                <a:latin typeface="Consolas" panose="020B0609020204030204" pitchFamily="49" charset="0"/>
+              </a:rPr>
+              <a:t> 7 pessoas</a:t>
+            </a:r>
+            <a:br>
+              <a:rPr lang="pt-BR" sz="1800" dirty="0">
+                <a:solidFill>
+                  <a:schemeClr val="accent3"/>
+                </a:solidFill>
+                <a:latin typeface="Consolas" panose="020B0609020204030204" pitchFamily="49" charset="0"/>
+              </a:rPr>
+            </a:br>
+            <a:br>
+              <a:rPr lang="pt-BR" sz="1800" dirty="0">
+                <a:solidFill>
+                  <a:schemeClr val="accent3"/>
+                </a:solidFill>
+                <a:latin typeface="Consolas" panose="020B0609020204030204" pitchFamily="49" charset="0"/>
+              </a:rPr>
+            </a:br>
+            <a:r>
+              <a:rPr lang="pt-BR" sz="1800" dirty="0">
+                <a:solidFill>
+                  <a:schemeClr val="accent3"/>
+                </a:solidFill>
+                <a:latin typeface="Consolas" panose="020B0609020204030204" pitchFamily="49" charset="0"/>
+              </a:rPr>
+              <a:t>Entregar: </a:t>
+            </a:r>
+            <a:br>
+              <a:rPr lang="pt-BR" sz="1800" dirty="0">
+                <a:solidFill>
+                  <a:schemeClr val="accent3"/>
+                </a:solidFill>
+                <a:latin typeface="Consolas" panose="020B0609020204030204" pitchFamily="49" charset="0"/>
+              </a:rPr>
+            </a:br>
+            <a:br>
+              <a:rPr lang="pt-BR" sz="1800" dirty="0">
+                <a:solidFill>
+                  <a:schemeClr val="accent3"/>
+                </a:solidFill>
+                <a:latin typeface="Consolas" panose="020B0609020204030204" pitchFamily="49" charset="0"/>
+              </a:rPr>
+            </a:br>
+            <a:r>
+              <a:rPr lang="pt-BR" sz="1800" dirty="0">
+                <a:solidFill>
+                  <a:schemeClr val="accent3"/>
+                </a:solidFill>
+                <a:latin typeface="Consolas" panose="020B0609020204030204" pitchFamily="49" charset="0"/>
+              </a:rPr>
+              <a:t>	- Documento sobre o Sistema Operacional (História, 		  linguagens, prós e contras, uso no dia a dia, 		  linha do Tempo do Sistema Operacional)</a:t>
+            </a:r>
+            <a:br>
+              <a:rPr lang="pt-BR" sz="1800" dirty="0">
+                <a:solidFill>
+                  <a:schemeClr val="accent3"/>
+                </a:solidFill>
+                <a:latin typeface="Consolas" panose="020B0609020204030204" pitchFamily="49" charset="0"/>
+              </a:rPr>
+            </a:br>
+            <a:br>
+              <a:rPr lang="pt-BR" sz="1800" dirty="0">
+                <a:solidFill>
+                  <a:schemeClr val="accent3"/>
+                </a:solidFill>
+                <a:latin typeface="Consolas" panose="020B0609020204030204" pitchFamily="49" charset="0"/>
+              </a:rPr>
+            </a:br>
+            <a:r>
+              <a:rPr lang="pt-BR" sz="1800" dirty="0">
+                <a:solidFill>
+                  <a:schemeClr val="accent3"/>
+                </a:solidFill>
+                <a:latin typeface="Consolas" panose="020B0609020204030204" pitchFamily="49" charset="0"/>
+              </a:rPr>
+              <a:t>	- Apresentação</a:t>
+            </a:r>
+            <a:endParaRPr lang="pt-BR" sz="1800" b="0" dirty="0">
+              <a:solidFill>
+                <a:srgbClr val="ABB2BF"/>
+              </a:solidFill>
+              <a:effectLst/>
+              <a:latin typeface="Consolas" panose="020B0609020204030204" pitchFamily="49" charset="0"/>
+            </a:endParaRPr>
+          </a:p>
+        </p:txBody>
+      </p:sp>
+    </p:spTree>
+    <p:extLst>
+      <p:ext uri="{BB962C8B-B14F-4D97-AF65-F5344CB8AC3E}">
+        <p14:creationId xmlns:p14="http://schemas.microsoft.com/office/powerpoint/2010/main" val="3706147102"/>
+      </p:ext>
+    </p:extLst>
   </p:cSld>
   <p:clrMapOvr>
     <a:masterClrMapping/>
